--- a/Power Point Files/hotsos_2017 (kirbys inputs).pptx
+++ b/Power Point Files/hotsos_2017 (kirbys inputs).pptx
@@ -270,7 +270,7 @@
           <a:p>
             <a:fld id="{ADCC02A0-C947-4278-96D1-0DB9C063DF55}" type="datetimeFigureOut">
               <a:rPr lang="en-US" smtClean="0"/>
-              <a:t>2/21/2017</a:t>
+              <a:t>2/22/2017</a:t>
             </a:fld>
             <a:endParaRPr lang="en-US"/>
           </a:p>
@@ -928,7 +928,7 @@
           <a:p>
             <a:fld id="{80C853A8-1CF5-4118-9D6D-C132E8FC53CB}" type="datetimeFigureOut">
               <a:rPr lang="en-US" smtClean="0"/>
-              <a:t>2/21/2017</a:t>
+              <a:t>2/22/2017</a:t>
             </a:fld>
             <a:endParaRPr lang="en-US"/>
           </a:p>
@@ -2027,7 +2027,7 @@
             <a:fld id="{80C853A8-1CF5-4118-9D6D-C132E8FC53CB}" type="datetimeFigureOut">
               <a:rPr lang="en-US" smtClean="0"/>
               <a:pPr/>
-              <a:t>2/21/2017</a:t>
+              <a:t>2/22/2017</a:t>
             </a:fld>
             <a:endParaRPr lang="en-US"/>
           </a:p>
@@ -2233,7 +2233,7 @@
           <a:p>
             <a:fld id="{80C853A8-1CF5-4118-9D6D-C132E8FC53CB}" type="datetimeFigureOut">
               <a:rPr lang="en-US" smtClean="0"/>
-              <a:t>2/21/2017</a:t>
+              <a:t>2/22/2017</a:t>
             </a:fld>
             <a:endParaRPr lang="en-US"/>
           </a:p>
@@ -2370,7 +2370,7 @@
           <a:p>
             <a:fld id="{80C853A8-1CF5-4118-9D6D-C132E8FC53CB}" type="datetimeFigureOut">
               <a:rPr lang="en-US" smtClean="0"/>
-              <a:t>2/21/2017</a:t>
+              <a:t>2/22/2017</a:t>
             </a:fld>
             <a:endParaRPr lang="en-US"/>
           </a:p>
@@ -2662,7 +2662,7 @@
           <a:p>
             <a:fld id="{80C853A8-1CF5-4118-9D6D-C132E8FC53CB}" type="datetimeFigureOut">
               <a:rPr lang="en-US" smtClean="0"/>
-              <a:t>2/21/2017</a:t>
+              <a:t>2/22/2017</a:t>
             </a:fld>
             <a:endParaRPr lang="en-US"/>
           </a:p>
@@ -3052,7 +3052,7 @@
           <a:p>
             <a:fld id="{80C853A8-1CF5-4118-9D6D-C132E8FC53CB}" type="datetimeFigureOut">
               <a:rPr lang="en-US" smtClean="0"/>
-              <a:t>2/21/2017</a:t>
+              <a:t>2/22/2017</a:t>
             </a:fld>
             <a:endParaRPr lang="en-US"/>
           </a:p>
@@ -3189,7 +3189,7 @@
           <a:p>
             <a:fld id="{80C853A8-1CF5-4118-9D6D-C132E8FC53CB}" type="datetimeFigureOut">
               <a:rPr lang="en-US" smtClean="0"/>
-              <a:t>2/21/2017</a:t>
+              <a:t>2/22/2017</a:t>
             </a:fld>
             <a:endParaRPr lang="en-US"/>
           </a:p>
@@ -3401,7 +3401,7 @@
           <a:p>
             <a:fld id="{80C853A8-1CF5-4118-9D6D-C132E8FC53CB}" type="datetimeFigureOut">
               <a:rPr lang="en-US" smtClean="0"/>
-              <a:t>2/21/2017</a:t>
+              <a:t>2/22/2017</a:t>
             </a:fld>
             <a:endParaRPr lang="en-US"/>
           </a:p>
@@ -3717,7 +3717,7 @@
           <a:p>
             <a:fld id="{80C853A8-1CF5-4118-9D6D-C132E8FC53CB}" type="datetimeFigureOut">
               <a:rPr lang="en-US" smtClean="0"/>
-              <a:t>2/21/2017</a:t>
+              <a:t>2/22/2017</a:t>
             </a:fld>
             <a:endParaRPr lang="en-US"/>
           </a:p>
@@ -4177,7 +4177,7 @@
           <a:p>
             <a:fld id="{80C853A8-1CF5-4118-9D6D-C132E8FC53CB}" type="datetimeFigureOut">
               <a:rPr lang="en-US" smtClean="0"/>
-              <a:t>2/21/2017</a:t>
+              <a:t>2/22/2017</a:t>
             </a:fld>
             <a:endParaRPr lang="en-US"/>
           </a:p>
@@ -4735,7 +4735,7 @@
           <a:p>
             <a:fld id="{80C853A8-1CF5-4118-9D6D-C132E8FC53CB}" type="datetimeFigureOut">
               <a:rPr lang="en-US" smtClean="0"/>
-              <a:t>2/21/2017</a:t>
+              <a:t>2/22/2017</a:t>
             </a:fld>
             <a:endParaRPr lang="en-US"/>
           </a:p>
@@ -5092,7 +5092,7 @@
             <a:fld id="{80C853A8-1CF5-4118-9D6D-C132E8FC53CB}" type="datetimeFigureOut">
               <a:rPr lang="en-US" smtClean="0"/>
               <a:pPr/>
-              <a:t>2/21/2017</a:t>
+              <a:t>2/22/2017</a:t>
             </a:fld>
             <a:endParaRPr lang="en-US"/>
           </a:p>
@@ -5622,7 +5622,7 @@
           <a:p>
             <a:fld id="{80C853A8-1CF5-4118-9D6D-C132E8FC53CB}" type="datetimeFigureOut">
               <a:rPr lang="en-US" smtClean="0"/>
-              <a:t>2/21/2017</a:t>
+              <a:t>2/22/2017</a:t>
             </a:fld>
             <a:endParaRPr lang="en-US"/>
           </a:p>
@@ -6025,7 +6025,7 @@
           <a:p>
             <a:fld id="{80C853A8-1CF5-4118-9D6D-C132E8FC53CB}" type="datetimeFigureOut">
               <a:rPr lang="en-US" smtClean="0"/>
-              <a:t>2/21/2017</a:t>
+              <a:t>2/22/2017</a:t>
             </a:fld>
             <a:endParaRPr lang="en-US"/>
           </a:p>
@@ -6638,7 +6638,7 @@
           <a:p>
             <a:fld id="{80C853A8-1CF5-4118-9D6D-C132E8FC53CB}" type="datetimeFigureOut">
               <a:rPr lang="en-US" smtClean="0"/>
-              <a:t>2/21/2017</a:t>
+              <a:t>2/22/2017</a:t>
             </a:fld>
             <a:endParaRPr lang="en-US"/>
           </a:p>
@@ -7510,7 +7510,7 @@
           <a:p>
             <a:fld id="{80C853A8-1CF5-4118-9D6D-C132E8FC53CB}" type="datetimeFigureOut">
               <a:rPr lang="en-US" smtClean="0"/>
-              <a:t>2/21/2017</a:t>
+              <a:t>2/22/2017</a:t>
             </a:fld>
             <a:endParaRPr lang="en-US"/>
           </a:p>
@@ -7793,7 +7793,7 @@
           <a:p>
             <a:fld id="{80C853A8-1CF5-4118-9D6D-C132E8FC53CB}" type="datetimeFigureOut">
               <a:rPr lang="en-US" smtClean="0"/>
-              <a:t>2/21/2017</a:t>
+              <a:t>2/22/2017</a:t>
             </a:fld>
             <a:endParaRPr lang="en-US"/>
           </a:p>
@@ -8006,7 +8006,7 @@
           <a:p>
             <a:fld id="{80C853A8-1CF5-4118-9D6D-C132E8FC53CB}" type="datetimeFigureOut">
               <a:rPr lang="en-US" smtClean="0"/>
-              <a:t>2/21/2017</a:t>
+              <a:t>2/22/2017</a:t>
             </a:fld>
             <a:endParaRPr lang="en-US"/>
           </a:p>
@@ -8306,7 +8306,7 @@
           <a:p>
             <a:fld id="{80C853A8-1CF5-4118-9D6D-C132E8FC53CB}" type="datetimeFigureOut">
               <a:rPr lang="en-US" smtClean="0"/>
-              <a:t>2/21/2017</a:t>
+              <a:t>2/22/2017</a:t>
             </a:fld>
             <a:endParaRPr lang="en-US"/>
           </a:p>
@@ -8726,7 +8726,7 @@
           <a:p>
             <a:fld id="{80C853A8-1CF5-4118-9D6D-C132E8FC53CB}" type="datetimeFigureOut">
               <a:rPr lang="en-US" smtClean="0"/>
-              <a:t>2/21/2017</a:t>
+              <a:t>2/22/2017</a:t>
             </a:fld>
             <a:endParaRPr lang="en-US"/>
           </a:p>
@@ -9259,7 +9259,7 @@
           <a:p>
             <a:fld id="{80C853A8-1CF5-4118-9D6D-C132E8FC53CB}" type="datetimeFigureOut">
               <a:rPr lang="en-US" smtClean="0"/>
-              <a:t>2/21/2017</a:t>
+              <a:t>2/22/2017</a:t>
             </a:fld>
             <a:endParaRPr lang="en-US"/>
           </a:p>
@@ -9458,7 +9458,7 @@
           <a:p>
             <a:fld id="{80C853A8-1CF5-4118-9D6D-C132E8FC53CB}" type="datetimeFigureOut">
               <a:rPr lang="en-US" smtClean="0"/>
-              <a:t>2/21/2017</a:t>
+              <a:t>2/22/2017</a:t>
             </a:fld>
             <a:endParaRPr lang="en-US"/>
           </a:p>
@@ -9726,7 +9726,7 @@
           <a:p>
             <a:fld id="{80C853A8-1CF5-4118-9D6D-C132E8FC53CB}" type="datetimeFigureOut">
               <a:rPr lang="en-US" smtClean="0"/>
-              <a:t>2/21/2017</a:t>
+              <a:t>2/22/2017</a:t>
             </a:fld>
             <a:endParaRPr lang="en-US"/>
           </a:p>
@@ -10454,7 +10454,7 @@
             <a:fld id="{80C853A8-1CF5-4118-9D6D-C132E8FC53CB}" type="datetimeFigureOut">
               <a:rPr lang="en-US" smtClean="0"/>
               <a:pPr/>
-              <a:t>2/21/2017</a:t>
+              <a:t>2/22/2017</a:t>
             </a:fld>
             <a:endParaRPr lang="en-US"/>
           </a:p>
@@ -11179,7 +11179,7 @@
             <a:fld id="{80C853A8-1CF5-4118-9D6D-C132E8FC53CB}" type="datetimeFigureOut">
               <a:rPr lang="en-US" smtClean="0"/>
               <a:pPr/>
-              <a:t>2/21/2017</a:t>
+              <a:t>2/22/2017</a:t>
             </a:fld>
             <a:endParaRPr lang="en-US"/>
           </a:p>
@@ -12438,13 +12438,8 @@
             </a:r>
             <a:r>
               <a:rPr lang="en-US" dirty="0"/>
-              <a:t>:  </a:t>
-            </a:r>
-            <a:r>
-              <a:rPr lang="en-US" dirty="0"/>
-              <a:t>Tuning PGA</a:t>
-            </a:r>
-            <a:endParaRPr lang="en-US" dirty="0"/>
+              <a:t>:  Tuning PGA</a:t>
+            </a:r>
           </a:p>
         </p:txBody>
       </p:sp>
@@ -12666,26 +12661,13 @@
             <a:pPr lvl="1"/>
             <a:r>
               <a:rPr lang="en-US" dirty="0" smtClean="0"/>
-              <a:t>ALTER SYSTEM SET “PGA_MAX_SIZE” = </a:t>
-            </a:r>
-            <a:r>
-              <a:rPr lang="en-US" dirty="0" smtClean="0"/>
-              <a:t>6G</a:t>
-            </a:r>
-            <a:endParaRPr lang="en-US" dirty="0" smtClean="0"/>
+              <a:t>ALTER SYSTEM SET “PGA_MAX_SIZE” = 6G</a:t>
+            </a:r>
           </a:p>
           <a:p>
             <a:r>
               <a:rPr lang="en-US" b="1" u="sng" dirty="0" smtClean="0"/>
-              <a:t>We forced DOP with </a:t>
-            </a:r>
-            <a:r>
-              <a:rPr lang="en-US" b="1" u="sng" dirty="0" smtClean="0"/>
-              <a:t>a </a:t>
-            </a:r>
-            <a:r>
-              <a:rPr lang="en-US" b="1" u="sng" dirty="0" smtClean="0"/>
-              <a:t>hint</a:t>
+              <a:t>We forced DOP with a hint</a:t>
             </a:r>
           </a:p>
           <a:p>
@@ -12699,30 +12681,14 @@
             <a:pPr lvl="1"/>
             <a:r>
               <a:rPr lang="en-US" dirty="0" smtClean="0"/>
-              <a:t>/*+ </a:t>
-            </a:r>
+              <a:t>/*+ PARALLEL(32) */</a:t>
+            </a:r>
+          </a:p>
+          <a:p>
+            <a:pPr lvl="1"/>
             <a:r>
               <a:rPr lang="en-US" dirty="0" smtClean="0"/>
-              <a:t>PARALLEL(32) </a:t>
-            </a:r>
-            <a:r>
-              <a:rPr lang="en-US" dirty="0" smtClean="0"/>
-              <a:t>*/</a:t>
-            </a:r>
-          </a:p>
-          <a:p>
-            <a:pPr lvl="1"/>
-            <a:r>
-              <a:rPr lang="en-US" dirty="0" smtClean="0"/>
-              <a:t>/*+ </a:t>
-            </a:r>
-            <a:r>
-              <a:rPr lang="en-US" dirty="0" smtClean="0"/>
-              <a:t>PARALLEL(64) </a:t>
-            </a:r>
-            <a:r>
-              <a:rPr lang="en-US" dirty="0" smtClean="0"/>
-              <a:t>*/</a:t>
+              <a:t>/*+ PARALLEL(64) */</a:t>
             </a:r>
           </a:p>
           <a:p>
@@ -12737,16 +12703,11 @@
               <a:rPr lang="en-US" dirty="0" smtClean="0"/>
               <a:t>512MB (no table fits)</a:t>
             </a:r>
-            <a:endParaRPr lang="en-US" dirty="0" smtClean="0"/>
           </a:p>
           <a:p>
             <a:r>
               <a:rPr lang="en-US" b="1" u="sng" dirty="0" smtClean="0"/>
-              <a:t>We tracked </a:t>
-            </a:r>
-            <a:r>
-              <a:rPr lang="en-US" b="1" u="sng" dirty="0" smtClean="0"/>
-              <a:t>resource usage</a:t>
+              <a:t>We tracked resource usage</a:t>
             </a:r>
           </a:p>
           <a:p>
@@ -12766,7 +12727,6 @@
               <a:rPr lang="en-US" dirty="0" smtClean="0"/>
               <a:t>Time (Run Time, CPU Time, IO Wait, DB Time)</a:t>
             </a:r>
-            <a:endParaRPr lang="en-US" dirty="0" smtClean="0"/>
           </a:p>
         </p:txBody>
       </p:sp>
@@ -13012,7 +12972,6 @@
               <a:rPr lang="en-US" dirty="0"/>
               <a:t>Tuning PGA</a:t>
             </a:r>
-            <a:endParaRPr lang="en-US" dirty="0"/>
           </a:p>
         </p:txBody>
       </p:sp>
@@ -13208,13 +13167,8 @@
           <a:p>
             <a:r>
               <a:rPr lang="en-US" b="1" u="sng" dirty="0" smtClean="0"/>
-              <a:t>We manually set </a:t>
-            </a:r>
-            <a:r>
-              <a:rPr lang="en-US" b="1" u="sng" dirty="0" smtClean="0"/>
-              <a:t>parallel degree policy</a:t>
-            </a:r>
-            <a:endParaRPr lang="en-US" b="1" u="sng" dirty="0" smtClean="0"/>
+              <a:t>We manually set parallel degree policy</a:t>
+            </a:r>
           </a:p>
           <a:p>
             <a:pPr lvl="1"/>
@@ -13299,24 +13253,11 @@
               <a:rPr lang="en-US" b="1" u="sng" dirty="0" smtClean="0"/>
               <a:t>90</a:t>
             </a:r>
-            <a:endParaRPr lang="en-US" b="1" u="sng" dirty="0" smtClean="0"/>
           </a:p>
           <a:p>
             <a:r>
               <a:rPr lang="en-US" b="1" u="sng" dirty="0" smtClean="0"/>
-              <a:t>We </a:t>
-            </a:r>
-            <a:r>
-              <a:rPr lang="en-US" b="1" u="sng" dirty="0" smtClean="0"/>
-              <a:t>forced DOP with </a:t>
-            </a:r>
-            <a:r>
-              <a:rPr lang="en-US" b="1" u="sng" dirty="0" smtClean="0"/>
-              <a:t>a </a:t>
-            </a:r>
-            <a:r>
-              <a:rPr lang="en-US" b="1" u="sng" dirty="0" smtClean="0"/>
-              <a:t>hint</a:t>
+              <a:t>We forced DOP with a hint</a:t>
             </a:r>
           </a:p>
           <a:p>
@@ -13342,7 +13283,6 @@
               <a:rPr lang="en-US" dirty="0" smtClean="0"/>
               <a:t>4G</a:t>
             </a:r>
-            <a:endParaRPr lang="en-US" dirty="0" smtClean="0"/>
           </a:p>
           <a:p>
             <a:r>
@@ -13356,16 +13296,11 @@
               <a:rPr lang="en-US" dirty="0" smtClean="0"/>
               <a:t>192GB</a:t>
             </a:r>
-            <a:endParaRPr lang="en-US" dirty="0" smtClean="0"/>
           </a:p>
           <a:p>
             <a:r>
               <a:rPr lang="en-US" b="1" u="sng" dirty="0" smtClean="0"/>
-              <a:t>We tracked </a:t>
-            </a:r>
-            <a:r>
-              <a:rPr lang="en-US" b="1" u="sng" dirty="0" smtClean="0"/>
-              <a:t>resource usage</a:t>
+              <a:t>We tracked resource usage</a:t>
             </a:r>
           </a:p>
           <a:p>
@@ -13689,7 +13624,6 @@
               <a:rPr lang="en-US" dirty="0" smtClean="0"/>
               <a:t>Notice that you appear to pay a penalty on the first run, but if your buffer cache is large enough you really reap the benefits of the subsequent runs.</a:t>
             </a:r>
-            <a:endParaRPr lang="en-US" dirty="0" smtClean="0"/>
           </a:p>
         </p:txBody>
       </p:sp>

--- a/Power Point Files/hotsos_2017 (kirbys inputs).pptx
+++ b/Power Point Files/hotsos_2017 (kirbys inputs).pptx
@@ -5,35 +5,43 @@
     <p:sldMasterId id="2147483648" r:id="rId1"/>
   </p:sldMasterIdLst>
   <p:notesMasterIdLst>
-    <p:notesMasterId r:id="rId20"/>
+    <p:notesMasterId r:id="rId28"/>
   </p:notesMasterIdLst>
   <p:handoutMasterIdLst>
-    <p:handoutMasterId r:id="rId21"/>
+    <p:handoutMasterId r:id="rId29"/>
   </p:handoutMasterIdLst>
   <p:sldIdLst>
     <p:sldId id="256" r:id="rId2"/>
-    <p:sldId id="258" r:id="rId3"/>
-    <p:sldId id="259" r:id="rId4"/>
-    <p:sldId id="264" r:id="rId5"/>
-    <p:sldId id="260" r:id="rId6"/>
-    <p:sldId id="261" r:id="rId7"/>
-    <p:sldId id="262" r:id="rId8"/>
-    <p:sldId id="263" r:id="rId9"/>
-    <p:sldId id="276" r:id="rId10"/>
-    <p:sldId id="268" r:id="rId11"/>
-    <p:sldId id="267" r:id="rId12"/>
-    <p:sldId id="269" r:id="rId13"/>
-    <p:sldId id="277" r:id="rId14"/>
-    <p:sldId id="272" r:id="rId15"/>
-    <p:sldId id="278" r:id="rId16"/>
-    <p:sldId id="273" r:id="rId17"/>
-    <p:sldId id="274" r:id="rId18"/>
-    <p:sldId id="271" r:id="rId19"/>
+    <p:sldId id="290" r:id="rId3"/>
+    <p:sldId id="286" r:id="rId4"/>
+    <p:sldId id="287" r:id="rId5"/>
+    <p:sldId id="259" r:id="rId6"/>
+    <p:sldId id="264" r:id="rId7"/>
+    <p:sldId id="260" r:id="rId8"/>
+    <p:sldId id="291" r:id="rId9"/>
+    <p:sldId id="289" r:id="rId10"/>
+    <p:sldId id="262" r:id="rId11"/>
+    <p:sldId id="263" r:id="rId12"/>
+    <p:sldId id="268" r:id="rId13"/>
+    <p:sldId id="267" r:id="rId14"/>
+    <p:sldId id="269" r:id="rId15"/>
+    <p:sldId id="261" r:id="rId16"/>
+    <p:sldId id="277" r:id="rId17"/>
+    <p:sldId id="272" r:id="rId18"/>
+    <p:sldId id="278" r:id="rId19"/>
+    <p:sldId id="273" r:id="rId20"/>
+    <p:sldId id="279" r:id="rId21"/>
+    <p:sldId id="274" r:id="rId22"/>
+    <p:sldId id="280" r:id="rId23"/>
+    <p:sldId id="281" r:id="rId24"/>
+    <p:sldId id="292" r:id="rId25"/>
+    <p:sldId id="282" r:id="rId26"/>
+    <p:sldId id="283" r:id="rId27"/>
   </p:sldIdLst>
   <p:sldSz cx="12188825" cy="6858000"/>
   <p:notesSz cx="6858000" cy="9144000"/>
   <p:custDataLst>
-    <p:tags r:id="rId22"/>
+    <p:tags r:id="rId30"/>
   </p:custDataLst>
   <p:defaultTextStyle>
     <a:defPPr>
@@ -270,7 +278,7 @@
           <a:p>
             <a:fld id="{ADCC02A0-C947-4278-96D1-0DB9C063DF55}" type="datetimeFigureOut">
               <a:rPr lang="en-US" smtClean="0"/>
-              <a:t>2/22/2017</a:t>
+              <a:t>2/23/2017</a:t>
             </a:fld>
             <a:endParaRPr lang="en-US"/>
           </a:p>
@@ -928,7 +936,7 @@
           <a:p>
             <a:fld id="{80C853A8-1CF5-4118-9D6D-C132E8FC53CB}" type="datetimeFigureOut">
               <a:rPr lang="en-US" smtClean="0"/>
-              <a:t>2/22/2017</a:t>
+              <a:t>2/23/2017</a:t>
             </a:fld>
             <a:endParaRPr lang="en-US"/>
           </a:p>
@@ -2027,7 +2035,7 @@
             <a:fld id="{80C853A8-1CF5-4118-9D6D-C132E8FC53CB}" type="datetimeFigureOut">
               <a:rPr lang="en-US" smtClean="0"/>
               <a:pPr/>
-              <a:t>2/22/2017</a:t>
+              <a:t>2/23/2017</a:t>
             </a:fld>
             <a:endParaRPr lang="en-US"/>
           </a:p>
@@ -2233,7 +2241,7 @@
           <a:p>
             <a:fld id="{80C853A8-1CF5-4118-9D6D-C132E8FC53CB}" type="datetimeFigureOut">
               <a:rPr lang="en-US" smtClean="0"/>
-              <a:t>2/22/2017</a:t>
+              <a:t>2/23/2017</a:t>
             </a:fld>
             <a:endParaRPr lang="en-US"/>
           </a:p>
@@ -2370,7 +2378,7 @@
           <a:p>
             <a:fld id="{80C853A8-1CF5-4118-9D6D-C132E8FC53CB}" type="datetimeFigureOut">
               <a:rPr lang="en-US" smtClean="0"/>
-              <a:t>2/22/2017</a:t>
+              <a:t>2/23/2017</a:t>
             </a:fld>
             <a:endParaRPr lang="en-US"/>
           </a:p>
@@ -2662,7 +2670,7 @@
           <a:p>
             <a:fld id="{80C853A8-1CF5-4118-9D6D-C132E8FC53CB}" type="datetimeFigureOut">
               <a:rPr lang="en-US" smtClean="0"/>
-              <a:t>2/22/2017</a:t>
+              <a:t>2/23/2017</a:t>
             </a:fld>
             <a:endParaRPr lang="en-US"/>
           </a:p>
@@ -3052,7 +3060,7 @@
           <a:p>
             <a:fld id="{80C853A8-1CF5-4118-9D6D-C132E8FC53CB}" type="datetimeFigureOut">
               <a:rPr lang="en-US" smtClean="0"/>
-              <a:t>2/22/2017</a:t>
+              <a:t>2/23/2017</a:t>
             </a:fld>
             <a:endParaRPr lang="en-US"/>
           </a:p>
@@ -3189,7 +3197,7 @@
           <a:p>
             <a:fld id="{80C853A8-1CF5-4118-9D6D-C132E8FC53CB}" type="datetimeFigureOut">
               <a:rPr lang="en-US" smtClean="0"/>
-              <a:t>2/22/2017</a:t>
+              <a:t>2/23/2017</a:t>
             </a:fld>
             <a:endParaRPr lang="en-US"/>
           </a:p>
@@ -3401,7 +3409,7 @@
           <a:p>
             <a:fld id="{80C853A8-1CF5-4118-9D6D-C132E8FC53CB}" type="datetimeFigureOut">
               <a:rPr lang="en-US" smtClean="0"/>
-              <a:t>2/22/2017</a:t>
+              <a:t>2/23/2017</a:t>
             </a:fld>
             <a:endParaRPr lang="en-US"/>
           </a:p>
@@ -3717,7 +3725,7 @@
           <a:p>
             <a:fld id="{80C853A8-1CF5-4118-9D6D-C132E8FC53CB}" type="datetimeFigureOut">
               <a:rPr lang="en-US" smtClean="0"/>
-              <a:t>2/22/2017</a:t>
+              <a:t>2/23/2017</a:t>
             </a:fld>
             <a:endParaRPr lang="en-US"/>
           </a:p>
@@ -4177,7 +4185,7 @@
           <a:p>
             <a:fld id="{80C853A8-1CF5-4118-9D6D-C132E8FC53CB}" type="datetimeFigureOut">
               <a:rPr lang="en-US" smtClean="0"/>
-              <a:t>2/22/2017</a:t>
+              <a:t>2/23/2017</a:t>
             </a:fld>
             <a:endParaRPr lang="en-US"/>
           </a:p>
@@ -4735,7 +4743,7 @@
           <a:p>
             <a:fld id="{80C853A8-1CF5-4118-9D6D-C132E8FC53CB}" type="datetimeFigureOut">
               <a:rPr lang="en-US" smtClean="0"/>
-              <a:t>2/22/2017</a:t>
+              <a:t>2/23/2017</a:t>
             </a:fld>
             <a:endParaRPr lang="en-US"/>
           </a:p>
@@ -5092,7 +5100,7 @@
             <a:fld id="{80C853A8-1CF5-4118-9D6D-C132E8FC53CB}" type="datetimeFigureOut">
               <a:rPr lang="en-US" smtClean="0"/>
               <a:pPr/>
-              <a:t>2/22/2017</a:t>
+              <a:t>2/23/2017</a:t>
             </a:fld>
             <a:endParaRPr lang="en-US"/>
           </a:p>
@@ -5622,7 +5630,7 @@
           <a:p>
             <a:fld id="{80C853A8-1CF5-4118-9D6D-C132E8FC53CB}" type="datetimeFigureOut">
               <a:rPr lang="en-US" smtClean="0"/>
-              <a:t>2/22/2017</a:t>
+              <a:t>2/23/2017</a:t>
             </a:fld>
             <a:endParaRPr lang="en-US"/>
           </a:p>
@@ -6025,7 +6033,7 @@
           <a:p>
             <a:fld id="{80C853A8-1CF5-4118-9D6D-C132E8FC53CB}" type="datetimeFigureOut">
               <a:rPr lang="en-US" smtClean="0"/>
-              <a:t>2/22/2017</a:t>
+              <a:t>2/23/2017</a:t>
             </a:fld>
             <a:endParaRPr lang="en-US"/>
           </a:p>
@@ -6638,7 +6646,7 @@
           <a:p>
             <a:fld id="{80C853A8-1CF5-4118-9D6D-C132E8FC53CB}" type="datetimeFigureOut">
               <a:rPr lang="en-US" smtClean="0"/>
-              <a:t>2/22/2017</a:t>
+              <a:t>2/23/2017</a:t>
             </a:fld>
             <a:endParaRPr lang="en-US"/>
           </a:p>
@@ -7510,7 +7518,7 @@
           <a:p>
             <a:fld id="{80C853A8-1CF5-4118-9D6D-C132E8FC53CB}" type="datetimeFigureOut">
               <a:rPr lang="en-US" smtClean="0"/>
-              <a:t>2/22/2017</a:t>
+              <a:t>2/23/2017</a:t>
             </a:fld>
             <a:endParaRPr lang="en-US"/>
           </a:p>
@@ -7793,7 +7801,7 @@
           <a:p>
             <a:fld id="{80C853A8-1CF5-4118-9D6D-C132E8FC53CB}" type="datetimeFigureOut">
               <a:rPr lang="en-US" smtClean="0"/>
-              <a:t>2/22/2017</a:t>
+              <a:t>2/23/2017</a:t>
             </a:fld>
             <a:endParaRPr lang="en-US"/>
           </a:p>
@@ -8006,7 +8014,7 @@
           <a:p>
             <a:fld id="{80C853A8-1CF5-4118-9D6D-C132E8FC53CB}" type="datetimeFigureOut">
               <a:rPr lang="en-US" smtClean="0"/>
-              <a:t>2/22/2017</a:t>
+              <a:t>2/23/2017</a:t>
             </a:fld>
             <a:endParaRPr lang="en-US"/>
           </a:p>
@@ -8306,7 +8314,7 @@
           <a:p>
             <a:fld id="{80C853A8-1CF5-4118-9D6D-C132E8FC53CB}" type="datetimeFigureOut">
               <a:rPr lang="en-US" smtClean="0"/>
-              <a:t>2/22/2017</a:t>
+              <a:t>2/23/2017</a:t>
             </a:fld>
             <a:endParaRPr lang="en-US"/>
           </a:p>
@@ -8726,7 +8734,7 @@
           <a:p>
             <a:fld id="{80C853A8-1CF5-4118-9D6D-C132E8FC53CB}" type="datetimeFigureOut">
               <a:rPr lang="en-US" smtClean="0"/>
-              <a:t>2/22/2017</a:t>
+              <a:t>2/23/2017</a:t>
             </a:fld>
             <a:endParaRPr lang="en-US"/>
           </a:p>
@@ -9259,7 +9267,7 @@
           <a:p>
             <a:fld id="{80C853A8-1CF5-4118-9D6D-C132E8FC53CB}" type="datetimeFigureOut">
               <a:rPr lang="en-US" smtClean="0"/>
-              <a:t>2/22/2017</a:t>
+              <a:t>2/23/2017</a:t>
             </a:fld>
             <a:endParaRPr lang="en-US"/>
           </a:p>
@@ -9458,7 +9466,7 @@
           <a:p>
             <a:fld id="{80C853A8-1CF5-4118-9D6D-C132E8FC53CB}" type="datetimeFigureOut">
               <a:rPr lang="en-US" smtClean="0"/>
-              <a:t>2/22/2017</a:t>
+              <a:t>2/23/2017</a:t>
             </a:fld>
             <a:endParaRPr lang="en-US"/>
           </a:p>
@@ -9726,7 +9734,7 @@
           <a:p>
             <a:fld id="{80C853A8-1CF5-4118-9D6D-C132E8FC53CB}" type="datetimeFigureOut">
               <a:rPr lang="en-US" smtClean="0"/>
-              <a:t>2/22/2017</a:t>
+              <a:t>2/23/2017</a:t>
             </a:fld>
             <a:endParaRPr lang="en-US"/>
           </a:p>
@@ -10454,7 +10462,7 @@
             <a:fld id="{80C853A8-1CF5-4118-9D6D-C132E8FC53CB}" type="datetimeFigureOut">
               <a:rPr lang="en-US" smtClean="0"/>
               <a:pPr/>
-              <a:t>2/22/2017</a:t>
+              <a:t>2/23/2017</a:t>
             </a:fld>
             <a:endParaRPr lang="en-US"/>
           </a:p>
@@ -11179,7 +11187,7 @@
             <a:fld id="{80C853A8-1CF5-4118-9D6D-C132E8FC53CB}" type="datetimeFigureOut">
               <a:rPr lang="en-US" smtClean="0"/>
               <a:pPr/>
-              <a:t>2/22/2017</a:t>
+              <a:t>2/23/2017</a:t>
             </a:fld>
             <a:endParaRPr lang="en-US"/>
           </a:p>
@@ -12238,7 +12246,11 @@
           <a:p>
             <a:r>
               <a:rPr lang="en-US" dirty="0" smtClean="0"/>
-              <a:t>Experiment # 1:  Tuning PGA</a:t>
+              <a:t>PGA </a:t>
+            </a:r>
+            <a:r>
+              <a:rPr lang="en-US" dirty="0" smtClean="0"/>
+              <a:t>Sizing Calculations</a:t>
             </a:r>
             <a:endParaRPr lang="en-US" dirty="0"/>
           </a:p>
@@ -12246,18 +12258,777 @@
       </p:sp>
       <p:sp>
         <p:nvSpPr>
-          <p:cNvPr id="3" name="Content Placeholder 2"/>
-          <p:cNvSpPr>
-            <a:spLocks noGrp="1"/>
-          </p:cNvSpPr>
-          <p:nvPr>
-            <p:ph idx="1"/>
+          <p:cNvPr id="6" name="Content Placeholder 5"/>
+          <p:cNvSpPr>
+            <a:spLocks noGrp="1"/>
+          </p:cNvSpPr>
+          <p:nvPr>
+            <p:ph sz="quarter" idx="4294967295"/>
           </p:nvPr>
         </p:nvSpPr>
         <p:spPr>
           <a:xfrm>
-            <a:off x="7085012" y="1295401"/>
-            <a:ext cx="4953000" cy="4800600"/>
+            <a:off x="6246812" y="1295400"/>
+            <a:ext cx="5906378" cy="3657600"/>
+          </a:xfrm>
+          <a:prstGeom prst="rect">
+            <a:avLst/>
+          </a:prstGeom>
+        </p:spPr>
+        <p:txBody>
+          <a:bodyPr>
+            <a:noAutofit/>
+          </a:bodyPr>
+          <a:lstStyle/>
+          <a:p>
+            <a:r>
+              <a:rPr lang="en-US" sz="1400" b="1" dirty="0"/>
+              <a:t>_</a:t>
+            </a:r>
+            <a:r>
+              <a:rPr lang="en-US" sz="1600" b="1" dirty="0"/>
+              <a:t>PGA_MAX_SIZE: </a:t>
+            </a:r>
+          </a:p>
+          <a:p>
+            <a:pPr lvl="1">
+              <a:buFont typeface="Courier New" panose="02070309020205020404" pitchFamily="49" charset="0"/>
+              <a:buChar char="o"/>
+            </a:pPr>
+            <a:r>
+              <a:rPr lang="en-US" sz="1400" dirty="0"/>
+              <a:t>PAT &lt; 1GB:	 	</a:t>
+            </a:r>
+            <a:r>
+              <a:rPr lang="en-US" sz="1400" dirty="0"/>
+              <a:t> </a:t>
+            </a:r>
+            <a:r>
+              <a:rPr lang="en-US" sz="1400" dirty="0" smtClean="0"/>
+              <a:t>    </a:t>
+            </a:r>
+            <a:r>
+              <a:rPr lang="en-US" sz="1400" dirty="0" smtClean="0"/>
+              <a:t>200MB</a:t>
+            </a:r>
+            <a:endParaRPr lang="en-US" sz="1400" dirty="0"/>
+          </a:p>
+          <a:p>
+            <a:pPr lvl="1">
+              <a:buFont typeface="Courier New" panose="02070309020205020404" pitchFamily="49" charset="0"/>
+              <a:buChar char="o"/>
+            </a:pPr>
+            <a:r>
+              <a:rPr lang="en-US" sz="1400" dirty="0"/>
+              <a:t>1GB &gt;= PAT &lt;= 2GB: 	</a:t>
+            </a:r>
+            <a:r>
+              <a:rPr lang="en-US" sz="1400" dirty="0"/>
+              <a:t> </a:t>
+            </a:r>
+            <a:r>
+              <a:rPr lang="en-US" sz="1400" dirty="0" smtClean="0"/>
+              <a:t>    </a:t>
+            </a:r>
+            <a:r>
+              <a:rPr lang="en-US" sz="1400" dirty="0" smtClean="0"/>
+              <a:t>20</a:t>
+            </a:r>
+            <a:r>
+              <a:rPr lang="en-US" sz="1400" dirty="0"/>
+              <a:t>% of PAT</a:t>
+            </a:r>
+          </a:p>
+          <a:p>
+            <a:pPr lvl="1">
+              <a:buFont typeface="Courier New" panose="02070309020205020404" pitchFamily="49" charset="0"/>
+              <a:buChar char="o"/>
+            </a:pPr>
+            <a:r>
+              <a:rPr lang="en-US" sz="1400" dirty="0"/>
+              <a:t>PAT &gt; 2GB: 	 	</a:t>
+            </a:r>
+            <a:r>
+              <a:rPr lang="en-US" sz="1400" dirty="0"/>
+              <a:t> </a:t>
+            </a:r>
+            <a:r>
+              <a:rPr lang="en-US" sz="1400" dirty="0" smtClean="0"/>
+              <a:t>    </a:t>
+            </a:r>
+            <a:r>
+              <a:rPr lang="en-US" sz="1400" dirty="0" smtClean="0"/>
+              <a:t>min(2GB</a:t>
+            </a:r>
+            <a:r>
+              <a:rPr lang="en-US" sz="1400" dirty="0"/>
+              <a:t>,  20% of PAT)</a:t>
+            </a:r>
+          </a:p>
+          <a:p>
+            <a:r>
+              <a:rPr lang="en-US" sz="1600" b="1" dirty="0"/>
+              <a:t>_SMM_MAX_SIZE: </a:t>
+            </a:r>
+          </a:p>
+          <a:p>
+            <a:pPr lvl="1">
+              <a:buFont typeface="Courier New" panose="02070309020205020404" pitchFamily="49" charset="0"/>
+              <a:buChar char="o"/>
+            </a:pPr>
+            <a:r>
+              <a:rPr lang="en-US" sz="1400" dirty="0"/>
+              <a:t>PAT &lt; 512MB: 	</a:t>
+            </a:r>
+            <a:r>
+              <a:rPr lang="en-US" sz="1400" dirty="0" smtClean="0"/>
+              <a:t>     20</a:t>
+            </a:r>
+            <a:r>
+              <a:rPr lang="en-US" sz="1400" dirty="0"/>
+              <a:t>% of PAT</a:t>
+            </a:r>
+          </a:p>
+          <a:p>
+            <a:pPr lvl="1">
+              <a:buFont typeface="Courier New" panose="02070309020205020404" pitchFamily="49" charset="0"/>
+              <a:buChar char="o"/>
+            </a:pPr>
+            <a:r>
+              <a:rPr lang="en-US" sz="1400" dirty="0"/>
+              <a:t>512MB &gt;= PAT &lt;= </a:t>
+            </a:r>
+            <a:r>
+              <a:rPr lang="en-US" sz="1400" dirty="0" smtClean="0"/>
+              <a:t>1GB:   100MB</a:t>
+            </a:r>
+            <a:endParaRPr lang="en-US" sz="1400" dirty="0"/>
+          </a:p>
+          <a:p>
+            <a:pPr lvl="1">
+              <a:buFont typeface="Courier New" panose="02070309020205020404" pitchFamily="49" charset="0"/>
+              <a:buChar char="o"/>
+            </a:pPr>
+            <a:r>
+              <a:rPr lang="en-US" sz="1400" dirty="0"/>
+              <a:t>PAT &gt; 1GB: 	 	</a:t>
+            </a:r>
+            <a:r>
+              <a:rPr lang="en-US" sz="1400" dirty="0" smtClean="0"/>
+              <a:t>     min(1GB</a:t>
+            </a:r>
+            <a:r>
+              <a:rPr lang="en-US" sz="1400" dirty="0"/>
+              <a:t>, 50% of _PGA_MAX_SIZE)</a:t>
+            </a:r>
+          </a:p>
+          <a:p>
+            <a:r>
+              <a:rPr lang="en-US" sz="1600" b="1" dirty="0"/>
+              <a:t>_SMM_PX_MAX_SIZE:</a:t>
+            </a:r>
+          </a:p>
+          <a:p>
+            <a:pPr lvl="1">
+              <a:buFont typeface="Courier New" panose="02070309020205020404" pitchFamily="49" charset="0"/>
+              <a:buChar char="o"/>
+            </a:pPr>
+            <a:r>
+              <a:rPr lang="en-US" sz="1400" dirty="0" smtClean="0"/>
+              <a:t>  Always </a:t>
+            </a:r>
+            <a:r>
+              <a:rPr lang="en-US" sz="1400" dirty="0"/>
+              <a:t>50% of </a:t>
+            </a:r>
+            <a:r>
+              <a:rPr lang="en-US" sz="1400" dirty="0" smtClean="0"/>
+              <a:t>PAT</a:t>
+            </a:r>
+            <a:endParaRPr lang="en-US" sz="1400" dirty="0"/>
+          </a:p>
+        </p:txBody>
+      </p:sp>
+      <p:pic>
+        <p:nvPicPr>
+          <p:cNvPr id="9" name="Picture 8"/>
+          <p:cNvPicPr>
+            <a:picLocks noChangeAspect="1"/>
+          </p:cNvPicPr>
+          <p:nvPr/>
+        </p:nvPicPr>
+        <p:blipFill>
+          <a:blip r:embed="rId2"/>
+          <a:stretch>
+            <a:fillRect/>
+          </a:stretch>
+        </p:blipFill>
+        <p:spPr>
+          <a:xfrm>
+            <a:off x="0" y="1290536"/>
+            <a:ext cx="6094412" cy="4425296"/>
+          </a:xfrm>
+          <a:prstGeom prst="rect">
+            <a:avLst/>
+          </a:prstGeom>
+        </p:spPr>
+      </p:pic>
+      <mc:AlternateContent xmlns:mc="http://schemas.openxmlformats.org/markup-compatibility/2006">
+        <mc:Choice xmlns:a14="http://schemas.microsoft.com/office/drawing/2010/main" Requires="a14">
+          <p:sp>
+            <p:nvSpPr>
+              <p:cNvPr id="10" name="TextBox 9"/>
+              <p:cNvSpPr txBox="1"/>
+              <p:nvPr/>
+            </p:nvSpPr>
+            <p:spPr>
+              <a:xfrm>
+                <a:off x="6246812" y="4724400"/>
+                <a:ext cx="4928714" cy="1219200"/>
+              </a:xfrm>
+              <a:prstGeom prst="rect">
+                <a:avLst/>
+              </a:prstGeom>
+              <a:noFill/>
+            </p:spPr>
+            <p:txBody>
+              <a:bodyPr wrap="none" lIns="0" tIns="0" rIns="0" bIns="0" rtlCol="0">
+                <a:noAutofit/>
+              </a:bodyPr>
+              <a:lstStyle/>
+              <a:p>
+                <a:pPr>
+                  <a:lnSpc>
+                    <a:spcPct val="90000"/>
+                  </a:lnSpc>
+                </a:pPr>
+                <a14:m>
+                  <m:oMathPara xmlns:m="http://schemas.openxmlformats.org/officeDocument/2006/math">
+                    <m:oMathParaPr>
+                      <m:jc m:val="centerGroup"/>
+                    </m:oMathParaPr>
+                    <m:oMath xmlns:m="http://schemas.openxmlformats.org/officeDocument/2006/math">
+                      <m:r>
+                        <a:rPr lang="en-US" b="1" i="1" smtClean="0">
+                          <a:latin typeface="Cambria Math" panose="02040503050406030204" pitchFamily="18" charset="0"/>
+                        </a:rPr>
+                        <m:t>𝑾𝒐𝒓𝒌</m:t>
+                      </m:r>
+                      <m:r>
+                        <a:rPr lang="en-US" b="1" i="1" smtClean="0">
+                          <a:latin typeface="Cambria Math" panose="02040503050406030204" pitchFamily="18" charset="0"/>
+                        </a:rPr>
+                        <m:t> </m:t>
+                      </m:r>
+                      <m:r>
+                        <a:rPr lang="en-US" b="1" i="1" smtClean="0">
+                          <a:latin typeface="Cambria Math" panose="02040503050406030204" pitchFamily="18" charset="0"/>
+                        </a:rPr>
+                        <m:t>𝑨𝒓𝒆𝒂</m:t>
+                      </m:r>
+                      <m:r>
+                        <a:rPr lang="en-US" b="0" i="1" smtClean="0">
+                          <a:latin typeface="Cambria Math" panose="02040503050406030204" pitchFamily="18" charset="0"/>
+                        </a:rPr>
+                        <m:t>=</m:t>
+                      </m:r>
+                      <m:r>
+                        <a:rPr lang="en-US" b="0" i="1" smtClean="0">
+                          <a:latin typeface="Cambria Math" panose="02040503050406030204" pitchFamily="18" charset="0"/>
+                        </a:rPr>
+                        <m:t>𝑚𝑖𝑛</m:t>
+                      </m:r>
+                      <m:d>
+                        <m:dPr>
+                          <m:begChr m:val="{"/>
+                          <m:endChr m:val=""/>
+                          <m:ctrlPr>
+                            <a:rPr lang="en-US" b="0" i="1" smtClean="0">
+                              <a:latin typeface="Cambria Math" panose="02040503050406030204" pitchFamily="18" charset="0"/>
+                            </a:rPr>
+                          </m:ctrlPr>
+                        </m:dPr>
+                        <m:e>
+                          <m:eqArr>
+                            <m:eqArrPr>
+                              <m:ctrlPr>
+                                <a:rPr lang="en-US" b="0" i="1" smtClean="0">
+                                  <a:latin typeface="Cambria Math" panose="02040503050406030204" pitchFamily="18" charset="0"/>
+                                </a:rPr>
+                              </m:ctrlPr>
+                            </m:eqArrPr>
+                            <m:e>
+                              <m:r>
+                                <a:rPr lang="en-US" b="0" i="1" smtClean="0">
+                                  <a:latin typeface="Cambria Math" panose="02040503050406030204" pitchFamily="18" charset="0"/>
+                                </a:rPr>
+                                <m:t>_</m:t>
+                              </m:r>
+                              <m:r>
+                                <a:rPr lang="en-US" b="0" i="1" smtClean="0">
+                                  <a:latin typeface="Cambria Math" panose="02040503050406030204" pitchFamily="18" charset="0"/>
+                                </a:rPr>
+                                <m:t>𝑆𝑀𝑀</m:t>
+                              </m:r>
+                              <m:r>
+                                <a:rPr lang="en-US" b="0" i="1" smtClean="0">
+                                  <a:latin typeface="Cambria Math" panose="02040503050406030204" pitchFamily="18" charset="0"/>
+                                </a:rPr>
+                                <m:t>_</m:t>
+                              </m:r>
+                              <m:r>
+                                <a:rPr lang="en-US" b="0" i="1" smtClean="0">
+                                  <a:latin typeface="Cambria Math" panose="02040503050406030204" pitchFamily="18" charset="0"/>
+                                </a:rPr>
+                                <m:t>𝑀𝐴𝑋</m:t>
+                              </m:r>
+                              <m:r>
+                                <a:rPr lang="en-US" b="0" i="1" smtClean="0">
+                                  <a:latin typeface="Cambria Math" panose="02040503050406030204" pitchFamily="18" charset="0"/>
+                                </a:rPr>
+                                <m:t>_</m:t>
+                              </m:r>
+                              <m:r>
+                                <a:rPr lang="en-US" b="0" i="1" smtClean="0">
+                                  <a:latin typeface="Cambria Math" panose="02040503050406030204" pitchFamily="18" charset="0"/>
+                                </a:rPr>
+                                <m:t>𝑆𝐼𝑍𝐸</m:t>
+                              </m:r>
+                            </m:e>
+                            <m:e/>
+                            <m:e>
+                              <m:f>
+                                <m:fPr>
+                                  <m:ctrlPr>
+                                    <a:rPr lang="en-US" b="0" i="1" smtClean="0">
+                                      <a:latin typeface="Cambria Math" panose="02040503050406030204" pitchFamily="18" charset="0"/>
+                                    </a:rPr>
+                                  </m:ctrlPr>
+                                </m:fPr>
+                                <m:num>
+                                  <m:r>
+                                    <a:rPr lang="en-US" b="0" i="1" smtClean="0">
+                                      <a:latin typeface="Cambria Math" panose="02040503050406030204" pitchFamily="18" charset="0"/>
+                                    </a:rPr>
+                                    <m:t>_</m:t>
+                                  </m:r>
+                                  <m:r>
+                                    <a:rPr lang="en-US" b="0" i="1" smtClean="0">
+                                      <a:latin typeface="Cambria Math" panose="02040503050406030204" pitchFamily="18" charset="0"/>
+                                    </a:rPr>
+                                    <m:t>𝑆𝑀𝑀</m:t>
+                                  </m:r>
+                                  <m:r>
+                                    <a:rPr lang="en-US" b="0" i="1" smtClean="0">
+                                      <a:latin typeface="Cambria Math" panose="02040503050406030204" pitchFamily="18" charset="0"/>
+                                    </a:rPr>
+                                    <m:t>_</m:t>
+                                  </m:r>
+                                  <m:r>
+                                    <a:rPr lang="en-US" b="0" i="1" smtClean="0">
+                                      <a:latin typeface="Cambria Math" panose="02040503050406030204" pitchFamily="18" charset="0"/>
+                                    </a:rPr>
+                                    <m:t>𝑃𝑋</m:t>
+                                  </m:r>
+                                  <m:r>
+                                    <a:rPr lang="en-US" b="0" i="1" smtClean="0">
+                                      <a:latin typeface="Cambria Math" panose="02040503050406030204" pitchFamily="18" charset="0"/>
+                                    </a:rPr>
+                                    <m:t>_</m:t>
+                                  </m:r>
+                                  <m:r>
+                                    <a:rPr lang="en-US" b="0" i="1" smtClean="0">
+                                      <a:latin typeface="Cambria Math" panose="02040503050406030204" pitchFamily="18" charset="0"/>
+                                    </a:rPr>
+                                    <m:t>𝑀𝐴𝑋</m:t>
+                                  </m:r>
+                                  <m:r>
+                                    <a:rPr lang="en-US" b="0" i="1" smtClean="0">
+                                      <a:latin typeface="Cambria Math" panose="02040503050406030204" pitchFamily="18" charset="0"/>
+                                    </a:rPr>
+                                    <m:t>_</m:t>
+                                  </m:r>
+                                  <m:r>
+                                    <a:rPr lang="en-US" b="0" i="1" smtClean="0">
+                                      <a:latin typeface="Cambria Math" panose="02040503050406030204" pitchFamily="18" charset="0"/>
+                                    </a:rPr>
+                                    <m:t>𝑆𝐼𝑍𝐸</m:t>
+                                  </m:r>
+                                </m:num>
+                                <m:den>
+                                  <m:r>
+                                    <a:rPr lang="en-US" b="0" i="1" smtClean="0">
+                                      <a:latin typeface="Cambria Math" panose="02040503050406030204" pitchFamily="18" charset="0"/>
+                                    </a:rPr>
+                                    <m:t>𝐷𝑂𝑃</m:t>
+                                  </m:r>
+                                </m:den>
+                              </m:f>
+                            </m:e>
+                          </m:eqArr>
+                        </m:e>
+                      </m:d>
+                    </m:oMath>
+                  </m:oMathPara>
+                </a14:m>
+                <a:endParaRPr lang="en-US" dirty="0" err="1" smtClean="0"/>
+              </a:p>
+            </p:txBody>
+          </p:sp>
+        </mc:Choice>
+        <mc:Fallback>
+          <p:sp>
+            <p:nvSpPr>
+              <p:cNvPr id="10" name="TextBox 9"/>
+              <p:cNvSpPr txBox="1">
+                <a:spLocks noRot="1" noChangeAspect="1" noMove="1" noResize="1" noEditPoints="1" noAdjustHandles="1" noChangeArrowheads="1" noChangeShapeType="1" noTextEdit="1"/>
+              </p:cNvSpPr>
+              <p:nvPr/>
+            </p:nvSpPr>
+            <p:spPr>
+              <a:xfrm>
+                <a:off x="6246812" y="4724400"/>
+                <a:ext cx="4928714" cy="1219200"/>
+              </a:xfrm>
+              <a:prstGeom prst="rect">
+                <a:avLst/>
+              </a:prstGeom>
+              <a:blipFill rotWithShape="0">
+                <a:blip r:embed="rId3"/>
+                <a:stretch>
+                  <a:fillRect t="-5500"/>
+                </a:stretch>
+              </a:blipFill>
+            </p:spPr>
+            <p:txBody>
+              <a:bodyPr/>
+              <a:lstStyle/>
+              <a:p>
+                <a:r>
+                  <a:rPr lang="en-US">
+                    <a:noFill/>
+                  </a:rPr>
+                  <a:t> </a:t>
+                </a:r>
+              </a:p>
+            </p:txBody>
+          </p:sp>
+        </mc:Fallback>
+      </mc:AlternateContent>
+    </p:spTree>
+    <p:extLst>
+      <p:ext uri="{BB962C8B-B14F-4D97-AF65-F5344CB8AC3E}">
+        <p14:creationId xmlns:p14="http://schemas.microsoft.com/office/powerpoint/2010/main" val="2629167013"/>
+      </p:ext>
+    </p:extLst>
+  </p:cSld>
+  <p:clrMapOvr>
+    <a:masterClrMapping/>
+  </p:clrMapOvr>
+  <mc:AlternateContent xmlns:mc="http://schemas.openxmlformats.org/markup-compatibility/2006" xmlns:p14="http://schemas.microsoft.com/office/powerpoint/2010/main">
+    <mc:Choice Requires="p14">
+      <p:transition spd="med" p14:dur="700">
+        <p:fade/>
+      </p:transition>
+    </mc:Choice>
+    <mc:Fallback xmlns="">
+      <p:transition spd="med">
+        <p:fade/>
+      </p:transition>
+    </mc:Fallback>
+  </mc:AlternateContent>
+  <p:timing>
+    <p:tnLst>
+      <p:par>
+        <p:cTn id="1" dur="indefinite" restart="never" nodeType="tmRoot"/>
+      </p:par>
+    </p:tnLst>
+  </p:timing>
+</p:sld>
+</file>
+
+<file path=ppt/slides/slide11.xml><?xml version="1.0" encoding="utf-8"?>
+<p:sld xmlns:a="http://schemas.openxmlformats.org/drawingml/2006/main" xmlns:r="http://schemas.openxmlformats.org/officeDocument/2006/relationships" xmlns:p="http://schemas.openxmlformats.org/presentationml/2006/main">
+  <p:cSld>
+    <p:spTree>
+      <p:nvGrpSpPr>
+        <p:cNvPr id="1" name=""/>
+        <p:cNvGrpSpPr/>
+        <p:nvPr/>
+      </p:nvGrpSpPr>
+      <p:grpSpPr>
+        <a:xfrm>
+          <a:off x="0" y="0"/>
+          <a:ext cx="0" cy="0"/>
+          <a:chOff x="0" y="0"/>
+          <a:chExt cx="0" cy="0"/>
+        </a:xfrm>
+      </p:grpSpPr>
+      <p:sp>
+        <p:nvSpPr>
+          <p:cNvPr id="2" name="Title 1"/>
+          <p:cNvSpPr>
+            <a:spLocks noGrp="1"/>
+          </p:cNvSpPr>
+          <p:nvPr>
+            <p:ph type="title"/>
+          </p:nvPr>
+        </p:nvSpPr>
+        <p:spPr/>
+        <p:txBody>
+          <a:bodyPr/>
+          <a:lstStyle/>
+          <a:p>
+            <a:r>
+              <a:rPr lang="en-US" dirty="0" smtClean="0"/>
+              <a:t>Parallel query</a:t>
+            </a:r>
+            <a:endParaRPr lang="en-US" dirty="0"/>
+          </a:p>
+        </p:txBody>
+      </p:sp>
+      <p:pic>
+        <p:nvPicPr>
+          <p:cNvPr id="1026" name="Picture 2" descr="Description of Figure 8-2 follows"/>
+          <p:cNvPicPr>
+            <a:picLocks noChangeAspect="1" noChangeArrowheads="1"/>
+          </p:cNvPicPr>
+          <p:nvPr/>
+        </p:nvPicPr>
+        <p:blipFill>
+          <a:blip r:embed="rId2">
+            <a:extLst>
+              <a:ext uri="{28A0092B-C50C-407E-A947-70E740481C1C}">
+                <a14:useLocalDpi xmlns:a14="http://schemas.microsoft.com/office/drawing/2010/main" val="0"/>
+              </a:ext>
+            </a:extLst>
+          </a:blip>
+          <a:srcRect/>
+          <a:stretch>
+            <a:fillRect/>
+          </a:stretch>
+        </p:blipFill>
+        <p:spPr bwMode="auto">
+          <a:xfrm>
+            <a:off x="5942012" y="3185458"/>
+            <a:ext cx="4951571" cy="2468284"/>
+          </a:xfrm>
+          <a:prstGeom prst="rect">
+            <a:avLst/>
+          </a:prstGeom>
+          <a:noFill/>
+          <a:extLst>
+            <a:ext uri="{909E8E84-426E-40DD-AFC4-6F175D3DCCD1}">
+              <a14:hiddenFill xmlns:a14="http://schemas.microsoft.com/office/drawing/2010/main">
+                <a:solidFill>
+                  <a:srgbClr val="FFFFFF"/>
+                </a:solidFill>
+              </a14:hiddenFill>
+            </a:ext>
+          </a:extLst>
+        </p:spPr>
+      </p:pic>
+      <p:sp>
+        <p:nvSpPr>
+          <p:cNvPr id="7" name="TextBox 6"/>
+          <p:cNvSpPr txBox="1"/>
+          <p:nvPr/>
+        </p:nvSpPr>
+        <p:spPr>
+          <a:xfrm>
+            <a:off x="836612" y="2286000"/>
+            <a:ext cx="3048000" cy="2133600"/>
+          </a:xfrm>
+          <a:prstGeom prst="rect">
+            <a:avLst/>
+          </a:prstGeom>
+          <a:noFill/>
+        </p:spPr>
+        <p:txBody>
+          <a:bodyPr wrap="none" lIns="0" tIns="0" rIns="0" bIns="0" rtlCol="0">
+            <a:noAutofit/>
+          </a:bodyPr>
+          <a:lstStyle/>
+          <a:p>
+            <a:pPr>
+              <a:lnSpc>
+                <a:spcPct val="90000"/>
+              </a:lnSpc>
+            </a:pPr>
+            <a:r>
+              <a:rPr lang="en-US" sz="2400" b="1" dirty="0" smtClean="0"/>
+              <a:t>Areas of interest for us</a:t>
+            </a:r>
+          </a:p>
+          <a:p>
+            <a:pPr>
+              <a:lnSpc>
+                <a:spcPct val="90000"/>
+              </a:lnSpc>
+            </a:pPr>
+            <a:endParaRPr lang="en-US" dirty="0"/>
+          </a:p>
+          <a:p>
+            <a:pPr marL="342900" indent="-342900">
+              <a:lnSpc>
+                <a:spcPct val="90000"/>
+              </a:lnSpc>
+              <a:buFont typeface="Arial" panose="020B0604020202020204" pitchFamily="34" charset="0"/>
+              <a:buChar char="•"/>
+            </a:pPr>
+            <a:r>
+              <a:rPr lang="en-US" sz="2000" dirty="0" smtClean="0"/>
+              <a:t>Queuing</a:t>
+            </a:r>
+          </a:p>
+          <a:p>
+            <a:pPr marL="342900" indent="-342900">
+              <a:lnSpc>
+                <a:spcPct val="90000"/>
+              </a:lnSpc>
+              <a:buFont typeface="Arial" panose="020B0604020202020204" pitchFamily="34" charset="0"/>
+              <a:buChar char="•"/>
+            </a:pPr>
+            <a:endParaRPr lang="en-US" sz="2000" dirty="0"/>
+          </a:p>
+          <a:p>
+            <a:pPr marL="342900" indent="-342900">
+              <a:lnSpc>
+                <a:spcPct val="90000"/>
+              </a:lnSpc>
+              <a:buFont typeface="Arial" panose="020B0604020202020204" pitchFamily="34" charset="0"/>
+              <a:buChar char="•"/>
+            </a:pPr>
+            <a:r>
+              <a:rPr lang="en-US" sz="2000" dirty="0"/>
+              <a:t>PX server </a:t>
+            </a:r>
+            <a:r>
+              <a:rPr lang="en-US" sz="2000" dirty="0" smtClean="0"/>
+              <a:t>pool</a:t>
+            </a:r>
+          </a:p>
+          <a:p>
+            <a:pPr marL="342900" indent="-342900">
+              <a:lnSpc>
+                <a:spcPct val="90000"/>
+              </a:lnSpc>
+              <a:buFont typeface="Arial" panose="020B0604020202020204" pitchFamily="34" charset="0"/>
+              <a:buChar char="•"/>
+            </a:pPr>
+            <a:endParaRPr lang="en-US" sz="2000" dirty="0"/>
+          </a:p>
+          <a:p>
+            <a:pPr marL="342900" indent="-342900">
+              <a:lnSpc>
+                <a:spcPct val="90000"/>
+              </a:lnSpc>
+              <a:buFont typeface="Arial" panose="020B0604020202020204" pitchFamily="34" charset="0"/>
+              <a:buChar char="•"/>
+            </a:pPr>
+            <a:r>
+              <a:rPr lang="en-US" sz="2000" dirty="0"/>
+              <a:t>Granules</a:t>
+            </a:r>
+          </a:p>
+          <a:p>
+            <a:pPr marL="285750" indent="-285750">
+              <a:lnSpc>
+                <a:spcPct val="90000"/>
+              </a:lnSpc>
+              <a:buFont typeface="Arial" panose="020B0604020202020204" pitchFamily="34" charset="0"/>
+              <a:buChar char="•"/>
+            </a:pPr>
+            <a:endParaRPr lang="en-US" dirty="0" smtClean="0"/>
+          </a:p>
+        </p:txBody>
+      </p:sp>
+    </p:spTree>
+    <p:extLst>
+      <p:ext uri="{BB962C8B-B14F-4D97-AF65-F5344CB8AC3E}">
+        <p14:creationId xmlns:p14="http://schemas.microsoft.com/office/powerpoint/2010/main" val="2326920971"/>
+      </p:ext>
+    </p:extLst>
+  </p:cSld>
+  <p:clrMapOvr>
+    <a:masterClrMapping/>
+  </p:clrMapOvr>
+  <mc:AlternateContent xmlns:mc="http://schemas.openxmlformats.org/markup-compatibility/2006" xmlns:p14="http://schemas.microsoft.com/office/powerpoint/2010/main">
+    <mc:Choice Requires="p14">
+      <p:transition spd="med" p14:dur="700">
+        <p:fade/>
+      </p:transition>
+    </mc:Choice>
+    <mc:Fallback xmlns="">
+      <p:transition spd="med">
+        <p:fade/>
+      </p:transition>
+    </mc:Fallback>
+  </mc:AlternateContent>
+  <p:timing>
+    <p:tnLst>
+      <p:par>
+        <p:cTn id="1" dur="indefinite" restart="never" nodeType="tmRoot"/>
+      </p:par>
+    </p:tnLst>
+  </p:timing>
+</p:sld>
+</file>
+
+<file path=ppt/slides/slide12.xml><?xml version="1.0" encoding="utf-8"?>
+<p:sld xmlns:a="http://schemas.openxmlformats.org/drawingml/2006/main" xmlns:r="http://schemas.openxmlformats.org/officeDocument/2006/relationships" xmlns:p="http://schemas.openxmlformats.org/presentationml/2006/main">
+  <p:cSld>
+    <p:spTree>
+      <p:nvGrpSpPr>
+        <p:cNvPr id="1" name=""/>
+        <p:cNvGrpSpPr/>
+        <p:nvPr/>
+      </p:nvGrpSpPr>
+      <p:grpSpPr>
+        <a:xfrm>
+          <a:off x="0" y="0"/>
+          <a:ext cx="0" cy="0"/>
+          <a:chOff x="0" y="0"/>
+          <a:chExt cx="0" cy="0"/>
+        </a:xfrm>
+      </p:grpSpPr>
+      <p:sp>
+        <p:nvSpPr>
+          <p:cNvPr id="2" name="Title 1"/>
+          <p:cNvSpPr>
+            <a:spLocks noGrp="1"/>
+          </p:cNvSpPr>
+          <p:nvPr>
+            <p:ph type="title"/>
+          </p:nvPr>
+        </p:nvSpPr>
+        <p:spPr/>
+        <p:txBody>
+          <a:bodyPr/>
+          <a:lstStyle/>
+          <a:p>
+            <a:r>
+              <a:rPr lang="en-US" dirty="0" smtClean="0"/>
+              <a:t>Experiment # 1:  Tuning PGA</a:t>
+            </a:r>
+            <a:endParaRPr lang="en-US" dirty="0"/>
+          </a:p>
+        </p:txBody>
+      </p:sp>
+      <p:sp>
+        <p:nvSpPr>
+          <p:cNvPr id="3" name="Content Placeholder 2"/>
+          <p:cNvSpPr>
+            <a:spLocks noGrp="1"/>
+          </p:cNvSpPr>
+          <p:nvPr>
+            <p:ph idx="1"/>
+          </p:nvPr>
+        </p:nvSpPr>
+        <p:spPr>
+          <a:xfrm>
+            <a:off x="8151812" y="1295401"/>
+            <a:ext cx="3886200" cy="4038599"/>
           </a:xfrm>
         </p:spPr>
         <p:txBody>
@@ -12364,7 +13135,7 @@
         <p:spPr>
           <a:xfrm>
             <a:off x="379412" y="1219200"/>
-            <a:ext cx="6296449" cy="4572000"/>
+            <a:ext cx="7620000" cy="5533062"/>
           </a:xfrm>
           <a:prstGeom prst="rect">
             <a:avLst/>
@@ -12396,7 +13167,7 @@
 </p:sld>
 </file>
 
-<file path=ppt/slides/slide11.xml><?xml version="1.0" encoding="utf-8"?>
+<file path=ppt/slides/slide13.xml><?xml version="1.0" encoding="utf-8"?>
 <p:sld xmlns:a="http://schemas.openxmlformats.org/drawingml/2006/main" xmlns:r="http://schemas.openxmlformats.org/officeDocument/2006/relationships" xmlns:p="http://schemas.openxmlformats.org/presentationml/2006/main">
   <p:cSld>
     <p:spTree>
@@ -12647,21 +13418,45 @@
             <a:pPr lvl="1"/>
             <a:r>
               <a:rPr lang="en-US" dirty="0" smtClean="0"/>
-              <a:t>ALTER SYSTEM SET “PGA_MAX_SIZE” = 2G</a:t>
+              <a:t>ALTER SYSTEM SET </a:t>
+            </a:r>
+            <a:r>
+              <a:rPr lang="en-US" dirty="0" smtClean="0"/>
+              <a:t>“_PGA_MAX_SIZE</a:t>
+            </a:r>
+            <a:r>
+              <a:rPr lang="en-US" dirty="0" smtClean="0"/>
+              <a:t>” = 2G</a:t>
             </a:r>
           </a:p>
           <a:p>
             <a:pPr lvl="1"/>
             <a:r>
               <a:rPr lang="en-US" dirty="0" smtClean="0"/>
-              <a:t>ALTER SYSTEM SET “PGA_MAX_SIZE” = 4G</a:t>
+              <a:t>ALTER SYSTEM SET </a:t>
+            </a:r>
+            <a:r>
+              <a:rPr lang="en-US" dirty="0" smtClean="0"/>
+              <a:t>“_PGA_MAX_SIZE</a:t>
+            </a:r>
+            <a:r>
+              <a:rPr lang="en-US" dirty="0" smtClean="0"/>
+              <a:t>” = 4G</a:t>
             </a:r>
           </a:p>
           <a:p>
             <a:pPr lvl="1"/>
             <a:r>
               <a:rPr lang="en-US" dirty="0" smtClean="0"/>
-              <a:t>ALTER SYSTEM SET “PGA_MAX_SIZE” = 6G</a:t>
+              <a:t>ALTER SYSTEM SET </a:t>
+            </a:r>
+            <a:r>
+              <a:rPr lang="en-US" dirty="0" smtClean="0"/>
+              <a:t>“_PGA_MAX_SIZE</a:t>
+            </a:r>
+            <a:r>
+              <a:rPr lang="en-US" dirty="0" smtClean="0"/>
+              <a:t>” = 6G</a:t>
             </a:r>
           </a:p>
           <a:p>
@@ -12713,13 +13508,25 @@
           <a:p>
             <a:pPr lvl="1"/>
             <a:r>
-              <a:rPr lang="en-US" dirty="0" err="1" smtClean="0"/>
-              <a:t>Workarea</a:t>
-            </a:r>
-            <a:r>
               <a:rPr lang="en-US" dirty="0" smtClean="0"/>
-              <a:t> Size (PGA and Temp)</a:t>
-            </a:r>
+              <a:t>Work Area </a:t>
+            </a:r>
+            <a:r>
+              <a:rPr lang="en-US" dirty="0" smtClean="0"/>
+              <a:t>Size (PGA and Temp</a:t>
+            </a:r>
+            <a:r>
+              <a:rPr lang="en-US" dirty="0" smtClean="0"/>
+              <a:t>)</a:t>
+            </a:r>
+          </a:p>
+          <a:p>
+            <a:pPr lvl="2"/>
+            <a:r>
+              <a:rPr lang="en-US" dirty="0" smtClean="0"/>
+              <a:t>V$SQL_WORKAREA_ACTIVE</a:t>
+            </a:r>
+            <a:endParaRPr lang="en-US" dirty="0" smtClean="0"/>
           </a:p>
           <a:p>
             <a:pPr lvl="1"/>
@@ -12754,6 +13561,43 @@
           </a:prstGeom>
         </p:spPr>
       </p:pic>
+      <p:sp>
+        <p:nvSpPr>
+          <p:cNvPr id="3" name="TextBox 2"/>
+          <p:cNvSpPr txBox="1"/>
+          <p:nvPr/>
+        </p:nvSpPr>
+        <p:spPr>
+          <a:xfrm>
+            <a:off x="495637" y="4953000"/>
+            <a:ext cx="4495800" cy="914400"/>
+          </a:xfrm>
+          <a:prstGeom prst="rect">
+            <a:avLst/>
+          </a:prstGeom>
+          <a:solidFill>
+            <a:schemeClr val="bg2"/>
+          </a:solidFill>
+        </p:spPr>
+        <p:txBody>
+          <a:bodyPr wrap="square" lIns="0" tIns="0" rIns="0" bIns="0" rtlCol="0" anchor="ctr" anchorCtr="1">
+            <a:noAutofit/>
+          </a:bodyPr>
+          <a:lstStyle/>
+          <a:p>
+            <a:pPr algn="ctr">
+              <a:lnSpc>
+                <a:spcPct val="90000"/>
+              </a:lnSpc>
+            </a:pPr>
+            <a:r>
+              <a:rPr lang="en-US" dirty="0" smtClean="0"/>
+              <a:t>Can we stop going to temp if we enable larger work areas?</a:t>
+            </a:r>
+            <a:endParaRPr lang="en-US" dirty="0" smtClean="0"/>
+          </a:p>
+        </p:txBody>
+      </p:sp>
     </p:spTree>
     <p:extLst>
       <p:ext uri="{BB962C8B-B14F-4D97-AF65-F5344CB8AC3E}">
@@ -12779,7 +13623,7 @@
 </p:sld>
 </file>
 
-<file path=ppt/slides/slide12.xml><?xml version="1.0" encoding="utf-8"?>
+<file path=ppt/slides/slide14.xml><?xml version="1.0" encoding="utf-8"?>
 <p:sld xmlns:a="http://schemas.openxmlformats.org/drawingml/2006/main" xmlns:r="http://schemas.openxmlformats.org/officeDocument/2006/relationships" xmlns:p="http://schemas.openxmlformats.org/presentationml/2006/main">
   <p:cSld>
     <p:spTree>
@@ -12796,32 +13640,9 @@
           <a:chExt cx="0" cy="0"/>
         </a:xfrm>
       </p:grpSpPr>
-      <p:sp>
-        <p:nvSpPr>
-          <p:cNvPr id="2" name="Title 1"/>
-          <p:cNvSpPr>
-            <a:spLocks noGrp="1"/>
-          </p:cNvSpPr>
-          <p:nvPr>
-            <p:ph type="title"/>
-          </p:nvPr>
-        </p:nvSpPr>
-        <p:spPr/>
-        <p:txBody>
-          <a:bodyPr/>
-          <a:lstStyle/>
-          <a:p>
-            <a:r>
-              <a:rPr lang="en-US" dirty="0" smtClean="0"/>
-              <a:t>Experiment # 1: Tuning PGA</a:t>
-            </a:r>
-            <a:endParaRPr lang="en-US" dirty="0"/>
-          </a:p>
-        </p:txBody>
-      </p:sp>
       <p:pic>
         <p:nvPicPr>
-          <p:cNvPr id="4" name="Picture 3"/>
+          <p:cNvPr id="10" name="Picture 9"/>
           <p:cNvPicPr>
             <a:picLocks noChangeAspect="1"/>
           </p:cNvPicPr>
@@ -12835,8 +13656,8 @@
         </p:blipFill>
         <p:spPr>
           <a:xfrm>
-            <a:off x="35482" y="1295401"/>
-            <a:ext cx="6795392" cy="4937760"/>
+            <a:off x="0" y="1295401"/>
+            <a:ext cx="6800165" cy="4937760"/>
           </a:xfrm>
           <a:prstGeom prst="rect">
             <a:avLst/>
@@ -12845,6 +13666,29 @@
       </p:pic>
       <p:sp>
         <p:nvSpPr>
+          <p:cNvPr id="2" name="Title 1"/>
+          <p:cNvSpPr>
+            <a:spLocks noGrp="1"/>
+          </p:cNvSpPr>
+          <p:nvPr>
+            <p:ph type="title"/>
+          </p:nvPr>
+        </p:nvSpPr>
+        <p:spPr/>
+        <p:txBody>
+          <a:bodyPr/>
+          <a:lstStyle/>
+          <a:p>
+            <a:r>
+              <a:rPr lang="en-US" dirty="0" smtClean="0"/>
+              <a:t>Experiment # 1: Tuning PGA</a:t>
+            </a:r>
+            <a:endParaRPr lang="en-US" dirty="0"/>
+          </a:p>
+        </p:txBody>
+      </p:sp>
+      <p:sp>
+        <p:nvSpPr>
           <p:cNvPr id="11" name="Content Placeholder 2"/>
           <p:cNvSpPr>
             <a:spLocks noGrp="1"/>
@@ -12872,37 +13716,132 @@
             <a:pPr lvl="1"/>
             <a:r>
               <a:rPr lang="en-US" dirty="0" smtClean="0"/>
-              <a:t>Approx. 1.8X improvement</a:t>
-            </a:r>
-          </a:p>
-          <a:p>
+              <a:t>Approx. </a:t>
+            </a:r>
             <a:r>
               <a:rPr lang="en-US" dirty="0" smtClean="0"/>
-              <a:t>If we accept the default PGA_MAX_SIZE we have to use a very high DOP to get away from swapping to temp.</a:t>
-            </a:r>
+              <a:t>1.3X improvement over default</a:t>
+            </a:r>
+            <a:endParaRPr lang="en-US" dirty="0" smtClean="0"/>
           </a:p>
           <a:p>
             <a:r>
               <a:rPr lang="en-US" dirty="0" smtClean="0"/>
-              <a:t>We never come close to approaching our PGA_AGGREGATE_TARGET (192G).</a:t>
-            </a:r>
-          </a:p>
-          <a:p>
+              <a:t>How do we prevent TEMP?</a:t>
+            </a:r>
+          </a:p>
+          <a:p>
+            <a:pPr lvl="1"/>
             <a:r>
               <a:rPr lang="en-US" dirty="0" smtClean="0"/>
-              <a:t>So what is the best PGA_AGGREGATE_SIZE?</a:t>
+              <a:t>Really high DOP</a:t>
+            </a:r>
+          </a:p>
+          <a:p>
+            <a:pPr lvl="2"/>
+            <a:r>
+              <a:rPr lang="en-US" dirty="0" smtClean="0"/>
+              <a:t>Not ideal, requires lots of CPU without a big improvement in run time. </a:t>
             </a:r>
           </a:p>
           <a:p>
             <a:pPr lvl="1"/>
             <a:r>
               <a:rPr lang="en-US" dirty="0" smtClean="0"/>
-              <a:t>It depends on your typical workload.</a:t>
-            </a:r>
-            <a:endParaRPr lang="en-US" dirty="0"/>
-          </a:p>
-        </p:txBody>
-      </p:sp>
+              <a:t>4G PGA_MAX_SIZE</a:t>
+            </a:r>
+          </a:p>
+          <a:p>
+            <a:pPr lvl="2"/>
+            <a:r>
+              <a:rPr lang="en-US" dirty="0" smtClean="0"/>
+              <a:t>A more attractive approach.  Allows us to use more PGA</a:t>
+            </a:r>
+          </a:p>
+          <a:p>
+            <a:pPr lvl="2"/>
+            <a:r>
+              <a:rPr lang="en-US" dirty="0" smtClean="0"/>
+              <a:t>Somewhat scary since it’s an undocumented parameter</a:t>
+            </a:r>
+            <a:endParaRPr lang="en-US" dirty="0" smtClean="0"/>
+          </a:p>
+        </p:txBody>
+      </p:sp>
+      <p:sp>
+        <p:nvSpPr>
+          <p:cNvPr id="5" name="TextBox 4"/>
+          <p:cNvSpPr txBox="1"/>
+          <p:nvPr/>
+        </p:nvSpPr>
+        <p:spPr>
+          <a:xfrm>
+            <a:off x="3122612" y="2514600"/>
+            <a:ext cx="838200" cy="304800"/>
+          </a:xfrm>
+          <a:prstGeom prst="rect">
+            <a:avLst/>
+          </a:prstGeom>
+          <a:noFill/>
+        </p:spPr>
+        <p:txBody>
+          <a:bodyPr wrap="none" lIns="0" tIns="0" rIns="0" bIns="0" rtlCol="0">
+            <a:noAutofit/>
+          </a:bodyPr>
+          <a:lstStyle/>
+          <a:p>
+            <a:pPr algn="ctr">
+              <a:lnSpc>
+                <a:spcPct val="90000"/>
+              </a:lnSpc>
+            </a:pPr>
+            <a:r>
+              <a:rPr lang="en-US" dirty="0" smtClean="0"/>
+              <a:t>Default</a:t>
+            </a:r>
+            <a:endParaRPr lang="en-US" dirty="0" smtClean="0"/>
+          </a:p>
+        </p:txBody>
+      </p:sp>
+      <p:cxnSp>
+        <p:nvCxnSpPr>
+          <p:cNvPr id="7" name="Straight Arrow Connector 6"/>
+          <p:cNvCxnSpPr>
+            <a:stCxn id="5" idx="1"/>
+          </p:cNvCxnSpPr>
+          <p:nvPr/>
+        </p:nvCxnSpPr>
+        <p:spPr>
+          <a:xfrm flipH="1">
+            <a:off x="2894012" y="2667000"/>
+            <a:ext cx="228600" cy="457200"/>
+          </a:xfrm>
+          <a:prstGeom prst="straightConnector1">
+            <a:avLst/>
+          </a:prstGeom>
+          <a:ln w="19050">
+            <a:solidFill>
+              <a:schemeClr val="tx1"/>
+            </a:solidFill>
+            <a:miter lim="800000"/>
+            <a:tailEnd type="triangle"/>
+          </a:ln>
+        </p:spPr>
+        <p:style>
+          <a:lnRef idx="1">
+            <a:schemeClr val="accent1"/>
+          </a:lnRef>
+          <a:fillRef idx="0">
+            <a:schemeClr val="accent1"/>
+          </a:fillRef>
+          <a:effectRef idx="0">
+            <a:schemeClr val="accent1"/>
+          </a:effectRef>
+          <a:fontRef idx="minor">
+            <a:schemeClr val="tx1"/>
+          </a:fontRef>
+        </p:style>
+      </p:cxnSp>
     </p:spTree>
     <p:extLst>
       <p:ext uri="{BB962C8B-B14F-4D97-AF65-F5344CB8AC3E}">
@@ -12928,7 +13867,7 @@
 </p:sld>
 </file>
 
-<file path=ppt/slides/slide13.xml><?xml version="1.0" encoding="utf-8"?>
+<file path=ppt/slides/slide15.xml><?xml version="1.0" encoding="utf-8"?>
 <p:sld xmlns:a="http://schemas.openxmlformats.org/drawingml/2006/main" xmlns:r="http://schemas.openxmlformats.org/officeDocument/2006/relationships" xmlns:p="http://schemas.openxmlformats.org/presentationml/2006/main">
   <p:cSld>
     <p:spTree>
@@ -12961,17 +13900,252 @@
           <a:lstStyle/>
           <a:p>
             <a:r>
+              <a:rPr lang="en-US" dirty="0" smtClean="0"/>
+              <a:t>SGA Overview</a:t>
+            </a:r>
+            <a:endParaRPr lang="en-US" dirty="0"/>
+          </a:p>
+        </p:txBody>
+      </p:sp>
+      <p:sp>
+        <p:nvSpPr>
+          <p:cNvPr id="3" name="Content Placeholder 2"/>
+          <p:cNvSpPr>
+            <a:spLocks noGrp="1"/>
+          </p:cNvSpPr>
+          <p:nvPr>
+            <p:ph idx="1"/>
+          </p:nvPr>
+        </p:nvSpPr>
+        <p:spPr/>
+        <p:txBody>
+          <a:bodyPr/>
+          <a:lstStyle/>
+          <a:p>
+            <a:r>
+              <a:rPr lang="en-US" dirty="0" smtClean="0"/>
+              <a:t>Quick refresher on SGA memory structures </a:t>
+            </a:r>
+            <a:endParaRPr lang="en-US" dirty="0"/>
+          </a:p>
+        </p:txBody>
+      </p:sp>
+      <p:sp>
+        <p:nvSpPr>
+          <p:cNvPr id="4" name="TextBox 3"/>
+          <p:cNvSpPr txBox="1"/>
+          <p:nvPr/>
+        </p:nvSpPr>
+        <p:spPr>
+          <a:xfrm>
+            <a:off x="1370012" y="2438400"/>
+            <a:ext cx="3048000" cy="2133600"/>
+          </a:xfrm>
+          <a:prstGeom prst="rect">
+            <a:avLst/>
+          </a:prstGeom>
+          <a:noFill/>
+        </p:spPr>
+        <p:txBody>
+          <a:bodyPr wrap="none" lIns="0" tIns="0" rIns="0" bIns="0" rtlCol="0">
+            <a:noAutofit/>
+          </a:bodyPr>
+          <a:lstStyle/>
+          <a:p>
+            <a:pPr>
+              <a:lnSpc>
+                <a:spcPct val="90000"/>
+              </a:lnSpc>
+            </a:pPr>
+            <a:r>
+              <a:rPr lang="en-US" sz="2400" b="1" dirty="0" smtClean="0"/>
+              <a:t>Areas of interest for us</a:t>
+            </a:r>
+          </a:p>
+          <a:p>
+            <a:pPr>
+              <a:lnSpc>
+                <a:spcPct val="90000"/>
+              </a:lnSpc>
+            </a:pPr>
+            <a:endParaRPr lang="en-US" dirty="0"/>
+          </a:p>
+          <a:p>
+            <a:pPr marL="285750" indent="-285750">
+              <a:lnSpc>
+                <a:spcPct val="90000"/>
+              </a:lnSpc>
+              <a:buFont typeface="Arial" panose="020B0604020202020204" pitchFamily="34" charset="0"/>
+              <a:buChar char="•"/>
+            </a:pPr>
+            <a:r>
+              <a:rPr lang="en-US" sz="2000" dirty="0" smtClean="0"/>
+              <a:t>Buffer Cache</a:t>
+            </a:r>
+          </a:p>
+          <a:p>
+            <a:pPr marL="285750" indent="-285750">
+              <a:lnSpc>
+                <a:spcPct val="90000"/>
+              </a:lnSpc>
+              <a:buFont typeface="Arial" panose="020B0604020202020204" pitchFamily="34" charset="0"/>
+              <a:buChar char="•"/>
+            </a:pPr>
+            <a:endParaRPr lang="en-US" sz="2000" dirty="0" smtClean="0"/>
+          </a:p>
+          <a:p>
+            <a:pPr marL="285750" indent="-285750">
+              <a:lnSpc>
+                <a:spcPct val="90000"/>
+              </a:lnSpc>
+              <a:buFont typeface="Arial" panose="020B0604020202020204" pitchFamily="34" charset="0"/>
+              <a:buChar char="•"/>
+            </a:pPr>
+            <a:r>
+              <a:rPr lang="en-US" sz="2000" dirty="0" smtClean="0"/>
+              <a:t>In-Memory Column Store</a:t>
+            </a:r>
+          </a:p>
+          <a:p>
+            <a:pPr marL="285750" indent="-285750">
+              <a:lnSpc>
+                <a:spcPct val="90000"/>
+              </a:lnSpc>
+              <a:buFont typeface="Arial" panose="020B0604020202020204" pitchFamily="34" charset="0"/>
+              <a:buChar char="•"/>
+            </a:pPr>
+            <a:endParaRPr lang="en-US" sz="2000" dirty="0" smtClean="0"/>
+          </a:p>
+          <a:p>
+            <a:pPr marL="285750" indent="-285750">
+              <a:lnSpc>
+                <a:spcPct val="90000"/>
+              </a:lnSpc>
+              <a:buFont typeface="Arial" panose="020B0604020202020204" pitchFamily="34" charset="0"/>
+              <a:buChar char="•"/>
+            </a:pPr>
+            <a:endParaRPr lang="en-US" dirty="0" smtClean="0"/>
+          </a:p>
+        </p:txBody>
+      </p:sp>
+      <p:pic>
+        <p:nvPicPr>
+          <p:cNvPr id="1025" name="Picture 1" descr="Description of Figure 14-1 follows"/>
+          <p:cNvPicPr>
+            <a:picLocks noChangeAspect="1" noChangeArrowheads="1"/>
+          </p:cNvPicPr>
+          <p:nvPr/>
+        </p:nvPicPr>
+        <p:blipFill>
+          <a:blip r:embed="rId2">
+            <a:extLst>
+              <a:ext uri="{28A0092B-C50C-407E-A947-70E740481C1C}">
+                <a14:useLocalDpi xmlns:a14="http://schemas.microsoft.com/office/drawing/2010/main" val="0"/>
+              </a:ext>
+            </a:extLst>
+          </a:blip>
+          <a:srcRect/>
+          <a:stretch>
+            <a:fillRect/>
+          </a:stretch>
+        </p:blipFill>
+        <p:spPr bwMode="auto">
+          <a:xfrm>
+            <a:off x="6379629" y="762001"/>
+            <a:ext cx="5199755" cy="5334000"/>
+          </a:xfrm>
+          <a:prstGeom prst="rect">
+            <a:avLst/>
+          </a:prstGeom>
+          <a:noFill/>
+          <a:extLst>
+            <a:ext uri="{909E8E84-426E-40DD-AFC4-6F175D3DCCD1}">
+              <a14:hiddenFill xmlns:a14="http://schemas.microsoft.com/office/drawing/2010/main">
+                <a:solidFill>
+                  <a:srgbClr val="FFFFFF"/>
+                </a:solidFill>
+              </a14:hiddenFill>
+            </a:ext>
+          </a:extLst>
+        </p:spPr>
+      </p:pic>
+    </p:spTree>
+    <p:extLst>
+      <p:ext uri="{BB962C8B-B14F-4D97-AF65-F5344CB8AC3E}">
+        <p14:creationId xmlns:p14="http://schemas.microsoft.com/office/powerpoint/2010/main" val="3143141133"/>
+      </p:ext>
+    </p:extLst>
+  </p:cSld>
+  <p:clrMapOvr>
+    <a:masterClrMapping/>
+  </p:clrMapOvr>
+  <mc:AlternateContent xmlns:mc="http://schemas.openxmlformats.org/markup-compatibility/2006" xmlns:p14="http://schemas.microsoft.com/office/powerpoint/2010/main">
+    <mc:Choice Requires="p14">
+      <p:transition spd="med" p14:dur="700">
+        <p:fade/>
+      </p:transition>
+    </mc:Choice>
+    <mc:Fallback xmlns="">
+      <p:transition spd="med">
+        <p:fade/>
+      </p:transition>
+    </mc:Fallback>
+  </mc:AlternateContent>
+  <p:timing>
+    <p:tnLst>
+      <p:par>
+        <p:cTn id="1" dur="indefinite" restart="never" nodeType="tmRoot"/>
+      </p:par>
+    </p:tnLst>
+  </p:timing>
+</p:sld>
+</file>
+
+<file path=ppt/slides/slide16.xml><?xml version="1.0" encoding="utf-8"?>
+<p:sld xmlns:a="http://schemas.openxmlformats.org/drawingml/2006/main" xmlns:r="http://schemas.openxmlformats.org/officeDocument/2006/relationships" xmlns:p="http://schemas.openxmlformats.org/presentationml/2006/main">
+  <p:cSld>
+    <p:spTree>
+      <p:nvGrpSpPr>
+        <p:cNvPr id="1" name=""/>
+        <p:cNvGrpSpPr/>
+        <p:nvPr/>
+      </p:nvGrpSpPr>
+      <p:grpSpPr>
+        <a:xfrm>
+          <a:off x="0" y="0"/>
+          <a:ext cx="0" cy="0"/>
+          <a:chOff x="0" y="0"/>
+          <a:chExt cx="0" cy="0"/>
+        </a:xfrm>
+      </p:grpSpPr>
+      <p:sp>
+        <p:nvSpPr>
+          <p:cNvPr id="2" name="Title 1"/>
+          <p:cNvSpPr>
+            <a:spLocks noGrp="1"/>
+          </p:cNvSpPr>
+          <p:nvPr>
+            <p:ph type="title"/>
+          </p:nvPr>
+        </p:nvSpPr>
+        <p:spPr/>
+        <p:txBody>
+          <a:bodyPr/>
+          <a:lstStyle/>
+          <a:p>
+            <a:r>
               <a:rPr lang="en-US" dirty="0"/>
               <a:t>Experiment </a:t>
             </a:r>
             <a:r>
               <a:rPr lang="en-US" dirty="0" smtClean="0"/>
-              <a:t># 2:  </a:t>
-            </a:r>
-            <a:r>
-              <a:rPr lang="en-US" dirty="0"/>
-              <a:t>Tuning PGA</a:t>
-            </a:r>
+              <a:t># 2: </a:t>
+            </a:r>
+            <a:r>
+              <a:rPr lang="en-US" dirty="0" smtClean="0"/>
+              <a:t>Big Table Caching</a:t>
+            </a:r>
+            <a:endParaRPr lang="en-US" dirty="0"/>
           </a:p>
         </p:txBody>
       </p:sp>
@@ -13201,24 +14375,13 @@
             </a:r>
           </a:p>
           <a:p>
-            <a:pPr lvl="1"/>
-            <a:r>
-              <a:rPr lang="en-US" dirty="0"/>
-              <a:t>ALTER SYSTEM SET PARALLEL_DEGREE_POLICY </a:t>
-            </a:r>
-            <a:r>
-              <a:rPr lang="en-US" dirty="0" smtClean="0"/>
-              <a:t>= </a:t>
-            </a:r>
             <a:r>
               <a:rPr lang="en-US" b="1" u="sng" dirty="0" smtClean="0"/>
-              <a:t>ADAPTIVE</a:t>
-            </a:r>
-          </a:p>
-          <a:p>
+              <a:t>We </a:t>
+            </a:r>
             <a:r>
               <a:rPr lang="en-US" b="1" u="sng" dirty="0" smtClean="0"/>
-              <a:t>We manually set Big Table cache percent target</a:t>
+              <a:t>manually set Big Table cache percent target</a:t>
             </a:r>
           </a:p>
           <a:p>
@@ -13306,25 +14469,25 @@
           <a:p>
             <a:pPr lvl="1"/>
             <a:r>
-              <a:rPr lang="en-US" dirty="0" err="1" smtClean="0"/>
-              <a:t>Workarea</a:t>
-            </a:r>
-            <a:r>
               <a:rPr lang="en-US" dirty="0" smtClean="0"/>
-              <a:t> Size (PGA and Temp)</a:t>
+              <a:t>Time </a:t>
+            </a:r>
+            <a:r>
+              <a:rPr lang="en-US" dirty="0" smtClean="0"/>
+              <a:t>(Run Time, CPU Time, IO Wait, DB Time)</a:t>
             </a:r>
           </a:p>
           <a:p>
             <a:pPr lvl="1"/>
             <a:r>
               <a:rPr lang="en-US" dirty="0" smtClean="0"/>
-              <a:t>Time (Run Time, CPU Time, IO Wait, DB Time)</a:t>
-            </a:r>
-          </a:p>
-          <a:p>
-            <a:pPr lvl="1"/>
-            <a:r>
-              <a:rPr lang="en-US" dirty="0"/>
+              <a:t>BT Cache Object Status</a:t>
+            </a:r>
+          </a:p>
+          <a:p>
+            <a:pPr lvl="2"/>
+            <a:r>
+              <a:rPr lang="en-US" dirty="0" smtClean="0"/>
               <a:t>V$BT_SCAN_OBJ_TEMPS</a:t>
             </a:r>
             <a:endParaRPr lang="en-US" dirty="0" smtClean="0"/>
@@ -13333,7 +14496,7 @@
       </p:sp>
       <p:pic>
         <p:nvPicPr>
-          <p:cNvPr id="3" name="Picture 2"/>
+          <p:cNvPr id="7" name="Picture 6"/>
           <p:cNvPicPr>
             <a:picLocks noChangeAspect="1"/>
           </p:cNvPicPr>
@@ -13347,374 +14510,55 @@
         </p:blipFill>
         <p:spPr>
           <a:xfrm>
-            <a:off x="34671" y="1297460"/>
-            <a:ext cx="5448713" cy="2527200"/>
+            <a:off x="74612" y="1315995"/>
+            <a:ext cx="5214519" cy="1828800"/>
           </a:xfrm>
           <a:prstGeom prst="rect">
             <a:avLst/>
           </a:prstGeom>
         </p:spPr>
       </p:pic>
+      <p:sp>
+        <p:nvSpPr>
+          <p:cNvPr id="8" name="TextBox 7"/>
+          <p:cNvSpPr txBox="1"/>
+          <p:nvPr/>
+        </p:nvSpPr>
+        <p:spPr>
+          <a:xfrm>
+            <a:off x="433971" y="3581400"/>
+            <a:ext cx="4495800" cy="914400"/>
+          </a:xfrm>
+          <a:prstGeom prst="rect">
+            <a:avLst/>
+          </a:prstGeom>
+          <a:solidFill>
+            <a:schemeClr val="bg2"/>
+          </a:solidFill>
+        </p:spPr>
+        <p:txBody>
+          <a:bodyPr wrap="square" lIns="0" tIns="0" rIns="0" bIns="0" rtlCol="0" anchor="ctr" anchorCtr="1">
+            <a:noAutofit/>
+          </a:bodyPr>
+          <a:lstStyle/>
+          <a:p>
+            <a:pPr algn="ctr">
+              <a:lnSpc>
+                <a:spcPct val="90000"/>
+              </a:lnSpc>
+            </a:pPr>
+            <a:r>
+              <a:rPr lang="en-US" dirty="0" smtClean="0"/>
+              <a:t>Can we put tables into memory and eliminate or minimize IO?</a:t>
+            </a:r>
+            <a:endParaRPr lang="en-US" dirty="0" smtClean="0"/>
+          </a:p>
+        </p:txBody>
+      </p:sp>
     </p:spTree>
     <p:extLst>
       <p:ext uri="{BB962C8B-B14F-4D97-AF65-F5344CB8AC3E}">
         <p14:creationId xmlns:p14="http://schemas.microsoft.com/office/powerpoint/2010/main" val="3269037085"/>
-      </p:ext>
-    </p:extLst>
-  </p:cSld>
-  <p:clrMapOvr>
-    <a:masterClrMapping/>
-  </p:clrMapOvr>
-  <mc:AlternateContent xmlns:mc="http://schemas.openxmlformats.org/markup-compatibility/2006" xmlns:p14="http://schemas.microsoft.com/office/powerpoint/2010/main">
-    <mc:Choice Requires="p14">
-      <p:transition spd="med" p14:dur="700">
-        <p:fade/>
-      </p:transition>
-    </mc:Choice>
-    <mc:Fallback xmlns="">
-      <p:transition spd="med">
-        <p:fade/>
-      </p:transition>
-    </mc:Fallback>
-  </mc:AlternateContent>
-</p:sld>
-</file>
-
-<file path=ppt/slides/slide14.xml><?xml version="1.0" encoding="utf-8"?>
-<p:sld xmlns:a="http://schemas.openxmlformats.org/drawingml/2006/main" xmlns:r="http://schemas.openxmlformats.org/officeDocument/2006/relationships" xmlns:p="http://schemas.openxmlformats.org/presentationml/2006/main">
-  <p:cSld>
-    <p:spTree>
-      <p:nvGrpSpPr>
-        <p:cNvPr id="1" name=""/>
-        <p:cNvGrpSpPr/>
-        <p:nvPr/>
-      </p:nvGrpSpPr>
-      <p:grpSpPr>
-        <a:xfrm>
-          <a:off x="0" y="0"/>
-          <a:ext cx="0" cy="0"/>
-          <a:chOff x="0" y="0"/>
-          <a:chExt cx="0" cy="0"/>
-        </a:xfrm>
-      </p:grpSpPr>
-      <p:sp>
-        <p:nvSpPr>
-          <p:cNvPr id="2" name="Title 1"/>
-          <p:cNvSpPr>
-            <a:spLocks noGrp="1"/>
-          </p:cNvSpPr>
-          <p:nvPr>
-            <p:ph type="title"/>
-          </p:nvPr>
-        </p:nvSpPr>
-        <p:spPr/>
-        <p:txBody>
-          <a:bodyPr/>
-          <a:lstStyle/>
-          <a:p>
-            <a:r>
-              <a:rPr lang="en-US" dirty="0" smtClean="0"/>
-              <a:t>Experiment # 2: Big Table Caching </a:t>
-            </a:r>
-            <a:endParaRPr lang="en-US" dirty="0"/>
-          </a:p>
-        </p:txBody>
-      </p:sp>
-      <p:pic>
-        <p:nvPicPr>
-          <p:cNvPr id="4" name="Picture 3"/>
-          <p:cNvPicPr>
-            <a:picLocks noChangeAspect="1"/>
-          </p:cNvPicPr>
-          <p:nvPr/>
-        </p:nvPicPr>
-        <p:blipFill>
-          <a:blip r:embed="rId2"/>
-          <a:stretch>
-            <a:fillRect/>
-          </a:stretch>
-        </p:blipFill>
-        <p:spPr>
-          <a:xfrm>
-            <a:off x="2531" y="1295401"/>
-            <a:ext cx="6795390" cy="4937760"/>
-          </a:xfrm>
-          <a:prstGeom prst="rect">
-            <a:avLst/>
-          </a:prstGeom>
-        </p:spPr>
-      </p:pic>
-      <p:sp>
-        <p:nvSpPr>
-          <p:cNvPr id="6" name="Content Placeholder 2"/>
-          <p:cNvSpPr>
-            <a:spLocks noGrp="1"/>
-          </p:cNvSpPr>
-          <p:nvPr>
-            <p:ph idx="1"/>
-          </p:nvPr>
-        </p:nvSpPr>
-        <p:spPr>
-          <a:xfrm>
-            <a:off x="6932612" y="1295401"/>
-            <a:ext cx="5181600" cy="4800600"/>
-          </a:xfrm>
-        </p:spPr>
-        <p:txBody>
-          <a:bodyPr/>
-          <a:lstStyle/>
-          <a:p>
-            <a:r>
-              <a:rPr lang="en-US" dirty="0" smtClean="0"/>
-              <a:t>Policy = Manual</a:t>
-            </a:r>
-          </a:p>
-          <a:p>
-            <a:pPr lvl="1"/>
-            <a:r>
-              <a:rPr lang="en-US" dirty="0" smtClean="0"/>
-              <a:t>Notice that as the cache percent target gets large, the queries slow significantly.  Big tables do appear to go into the standard buffer cache</a:t>
-            </a:r>
-          </a:p>
-          <a:p>
-            <a:r>
-              <a:rPr lang="en-US" dirty="0" smtClean="0"/>
-              <a:t>Policy = Auto/Adaptive</a:t>
-            </a:r>
-          </a:p>
-          <a:p>
-            <a:pPr lvl="1"/>
-            <a:r>
-              <a:rPr lang="en-US" dirty="0" smtClean="0"/>
-              <a:t>As you increase the big table cache percent you get significant query speed improvements.</a:t>
-            </a:r>
-          </a:p>
-          <a:p>
-            <a:pPr lvl="2"/>
-            <a:r>
-              <a:rPr lang="en-US" dirty="0" smtClean="0"/>
-              <a:t>4.7X speed improvement from worst case</a:t>
-            </a:r>
-          </a:p>
-          <a:p>
-            <a:pPr lvl="2"/>
-            <a:r>
-              <a:rPr lang="en-US" dirty="0" smtClean="0"/>
-              <a:t>2.6X speed improvement from the default</a:t>
-            </a:r>
-          </a:p>
-          <a:p>
-            <a:pPr lvl="1"/>
-            <a:r>
-              <a:rPr lang="en-US" dirty="0" smtClean="0"/>
-              <a:t>However, you still have to go disk for some of the data.</a:t>
-            </a:r>
-          </a:p>
-        </p:txBody>
-      </p:sp>
-    </p:spTree>
-    <p:extLst>
-      <p:ext uri="{BB962C8B-B14F-4D97-AF65-F5344CB8AC3E}">
-        <p14:creationId xmlns:p14="http://schemas.microsoft.com/office/powerpoint/2010/main" val="4060126076"/>
-      </p:ext>
-    </p:extLst>
-  </p:cSld>
-  <p:clrMapOvr>
-    <a:masterClrMapping/>
-  </p:clrMapOvr>
-  <mc:AlternateContent xmlns:mc="http://schemas.openxmlformats.org/markup-compatibility/2006" xmlns:p14="http://schemas.microsoft.com/office/powerpoint/2010/main">
-    <mc:Choice Requires="p14">
-      <p:transition spd="med" p14:dur="700">
-        <p:fade/>
-      </p:transition>
-    </mc:Choice>
-    <mc:Fallback xmlns="">
-      <p:transition spd="med">
-        <p:fade/>
-      </p:transition>
-    </mc:Fallback>
-  </mc:AlternateContent>
-</p:sld>
-</file>
-
-<file path=ppt/slides/slide15.xml><?xml version="1.0" encoding="utf-8"?>
-<p:sld xmlns:a="http://schemas.openxmlformats.org/drawingml/2006/main" xmlns:r="http://schemas.openxmlformats.org/officeDocument/2006/relationships" xmlns:p="http://schemas.openxmlformats.org/presentationml/2006/main">
-  <p:cSld>
-    <p:spTree>
-      <p:nvGrpSpPr>
-        <p:cNvPr id="1" name=""/>
-        <p:cNvGrpSpPr/>
-        <p:nvPr/>
-      </p:nvGrpSpPr>
-      <p:grpSpPr>
-        <a:xfrm>
-          <a:off x="0" y="0"/>
-          <a:ext cx="0" cy="0"/>
-          <a:chOff x="0" y="0"/>
-          <a:chExt cx="0" cy="0"/>
-        </a:xfrm>
-      </p:grpSpPr>
-      <p:sp>
-        <p:nvSpPr>
-          <p:cNvPr id="2" name="Title 1"/>
-          <p:cNvSpPr>
-            <a:spLocks noGrp="1"/>
-          </p:cNvSpPr>
-          <p:nvPr>
-            <p:ph type="title"/>
-          </p:nvPr>
-        </p:nvSpPr>
-        <p:spPr/>
-        <p:txBody>
-          <a:bodyPr/>
-          <a:lstStyle/>
-          <a:p>
-            <a:r>
-              <a:rPr lang="en-US" dirty="0"/>
-              <a:t>Experiment # 2: Big Table Caching </a:t>
-            </a:r>
-          </a:p>
-        </p:txBody>
-      </p:sp>
-      <p:pic>
-        <p:nvPicPr>
-          <p:cNvPr id="5" name="Picture 4"/>
-          <p:cNvPicPr>
-            <a:picLocks noChangeAspect="1"/>
-          </p:cNvPicPr>
-          <p:nvPr/>
-        </p:nvPicPr>
-        <p:blipFill>
-          <a:blip r:embed="rId2"/>
-          <a:stretch>
-            <a:fillRect/>
-          </a:stretch>
-        </p:blipFill>
-        <p:spPr>
-          <a:xfrm>
-            <a:off x="0" y="1219200"/>
-            <a:ext cx="6795390" cy="4937760"/>
-          </a:xfrm>
-          <a:prstGeom prst="rect">
-            <a:avLst/>
-          </a:prstGeom>
-        </p:spPr>
-      </p:pic>
-      <p:sp>
-        <p:nvSpPr>
-          <p:cNvPr id="6" name="Content Placeholder 2"/>
-          <p:cNvSpPr>
-            <a:spLocks noGrp="1"/>
-          </p:cNvSpPr>
-          <p:nvPr>
-            <p:ph idx="1"/>
-          </p:nvPr>
-        </p:nvSpPr>
-        <p:spPr>
-          <a:xfrm>
-            <a:off x="6932612" y="1295401"/>
-            <a:ext cx="5181600" cy="4800600"/>
-          </a:xfrm>
-        </p:spPr>
-        <p:txBody>
-          <a:bodyPr/>
-          <a:lstStyle/>
-          <a:p>
-            <a:r>
-              <a:rPr lang="en-US" dirty="0" smtClean="0"/>
-              <a:t>Notice that you appear to pay a penalty on the first run, but if your buffer cache is large enough you really reap the benefits of the subsequent runs.</a:t>
-            </a:r>
-          </a:p>
-        </p:txBody>
-      </p:sp>
-    </p:spTree>
-    <p:extLst>
-      <p:ext uri="{BB962C8B-B14F-4D97-AF65-F5344CB8AC3E}">
-        <p14:creationId xmlns:p14="http://schemas.microsoft.com/office/powerpoint/2010/main" val="926116004"/>
-      </p:ext>
-    </p:extLst>
-  </p:cSld>
-  <p:clrMapOvr>
-    <a:masterClrMapping/>
-  </p:clrMapOvr>
-  <mc:AlternateContent xmlns:mc="http://schemas.openxmlformats.org/markup-compatibility/2006" xmlns:p14="http://schemas.microsoft.com/office/powerpoint/2010/main">
-    <mc:Choice Requires="p14">
-      <p:transition spd="med" p14:dur="700">
-        <p:fade/>
-      </p:transition>
-    </mc:Choice>
-    <mc:Fallback xmlns="">
-      <p:transition spd="med">
-        <p:fade/>
-      </p:transition>
-    </mc:Fallback>
-  </mc:AlternateContent>
-</p:sld>
-</file>
-
-<file path=ppt/slides/slide16.xml><?xml version="1.0" encoding="utf-8"?>
-<p:sld xmlns:a="http://schemas.openxmlformats.org/drawingml/2006/main" xmlns:r="http://schemas.openxmlformats.org/officeDocument/2006/relationships" xmlns:p="http://schemas.openxmlformats.org/presentationml/2006/main">
-  <p:cSld>
-    <p:spTree>
-      <p:nvGrpSpPr>
-        <p:cNvPr id="1" name=""/>
-        <p:cNvGrpSpPr/>
-        <p:nvPr/>
-      </p:nvGrpSpPr>
-      <p:grpSpPr>
-        <a:xfrm>
-          <a:off x="0" y="0"/>
-          <a:ext cx="0" cy="0"/>
-          <a:chOff x="0" y="0"/>
-          <a:chExt cx="0" cy="0"/>
-        </a:xfrm>
-      </p:grpSpPr>
-      <p:sp>
-        <p:nvSpPr>
-          <p:cNvPr id="2" name="Title 1"/>
-          <p:cNvSpPr>
-            <a:spLocks noGrp="1"/>
-          </p:cNvSpPr>
-          <p:nvPr>
-            <p:ph type="title"/>
-          </p:nvPr>
-        </p:nvSpPr>
-        <p:spPr/>
-        <p:txBody>
-          <a:bodyPr/>
-          <a:lstStyle/>
-          <a:p>
-            <a:r>
-              <a:rPr lang="en-US" dirty="0" smtClean="0"/>
-              <a:t>Experiment # 3:  In-Memory Column Store</a:t>
-            </a:r>
-            <a:endParaRPr lang="en-US" dirty="0"/>
-          </a:p>
-        </p:txBody>
-      </p:sp>
-      <p:sp>
-        <p:nvSpPr>
-          <p:cNvPr id="3" name="Content Placeholder 2"/>
-          <p:cNvSpPr>
-            <a:spLocks noGrp="1"/>
-          </p:cNvSpPr>
-          <p:nvPr>
-            <p:ph idx="1"/>
-          </p:nvPr>
-        </p:nvSpPr>
-        <p:spPr/>
-        <p:txBody>
-          <a:bodyPr/>
-          <a:lstStyle/>
-          <a:p>
-            <a:endParaRPr lang="en-US"/>
-          </a:p>
-        </p:txBody>
-      </p:sp>
-    </p:spTree>
-    <p:extLst>
-      <p:ext uri="{BB962C8B-B14F-4D97-AF65-F5344CB8AC3E}">
-        <p14:creationId xmlns:p14="http://schemas.microsoft.com/office/powerpoint/2010/main" val="2274868542"/>
       </p:ext>
     </p:extLst>
   </p:cSld>
@@ -13770,7 +14614,7 @@
           <a:p>
             <a:r>
               <a:rPr lang="en-US" dirty="0" smtClean="0"/>
-              <a:t>Experiment # 4: Statement Queuing</a:t>
+              <a:t>Experiment # 2: Big Table Caching </a:t>
             </a:r>
             <a:endParaRPr lang="en-US" dirty="0"/>
           </a:p>
@@ -13778,7 +14622,7 @@
       </p:sp>
       <p:sp>
         <p:nvSpPr>
-          <p:cNvPr id="3" name="Content Placeholder 2"/>
+          <p:cNvPr id="6" name="Content Placeholder 2"/>
           <p:cNvSpPr>
             <a:spLocks noGrp="1"/>
           </p:cNvSpPr>
@@ -13786,19 +14630,116 @@
             <p:ph idx="1"/>
           </p:nvPr>
         </p:nvSpPr>
-        <p:spPr/>
+        <p:spPr>
+          <a:xfrm>
+            <a:off x="6932612" y="1295401"/>
+            <a:ext cx="5181600" cy="4800600"/>
+          </a:xfrm>
+        </p:spPr>
         <p:txBody>
           <a:bodyPr/>
           <a:lstStyle/>
           <a:p>
-            <a:endParaRPr lang="en-US"/>
-          </a:p>
-        </p:txBody>
-      </p:sp>
+            <a:r>
+              <a:rPr lang="en-US" dirty="0" smtClean="0"/>
+              <a:t>Policy = Manual</a:t>
+            </a:r>
+          </a:p>
+          <a:p>
+            <a:pPr lvl="1"/>
+            <a:r>
+              <a:rPr lang="en-US" dirty="0" smtClean="0"/>
+              <a:t>Notice that as the cache percent target gets large, the queries slow significantly.  Big tables do appear to go into the standard buffer cache</a:t>
+            </a:r>
+          </a:p>
+          <a:p>
+            <a:r>
+              <a:rPr lang="en-US" dirty="0" smtClean="0"/>
+              <a:t>Policy = Auto/Adaptive</a:t>
+            </a:r>
+          </a:p>
+          <a:p>
+            <a:pPr lvl="1"/>
+            <a:r>
+              <a:rPr lang="en-US" dirty="0" smtClean="0"/>
+              <a:t>As you increase the big table cache percent you get significant query speed improvements.</a:t>
+            </a:r>
+          </a:p>
+          <a:p>
+            <a:pPr lvl="2"/>
+            <a:r>
+              <a:rPr lang="en-US" dirty="0" smtClean="0"/>
+              <a:t>4.7X speed improvement from worst case</a:t>
+            </a:r>
+          </a:p>
+          <a:p>
+            <a:pPr lvl="2"/>
+            <a:r>
+              <a:rPr lang="en-US" dirty="0" smtClean="0"/>
+              <a:t>2.6X speed improvement from the default</a:t>
+            </a:r>
+          </a:p>
+          <a:p>
+            <a:pPr lvl="1"/>
+            <a:r>
+              <a:rPr lang="en-US" dirty="0" smtClean="0"/>
+              <a:t>However, you still have to go disk for some of the data.</a:t>
+            </a:r>
+          </a:p>
+        </p:txBody>
+      </p:sp>
+      <p:pic>
+        <p:nvPicPr>
+          <p:cNvPr id="8" name="Picture 7"/>
+          <p:cNvPicPr>
+            <a:picLocks noChangeAspect="1"/>
+          </p:cNvPicPr>
+          <p:nvPr/>
+        </p:nvPicPr>
+        <p:blipFill>
+          <a:blip r:embed="rId2"/>
+          <a:stretch>
+            <a:fillRect/>
+          </a:stretch>
+        </p:blipFill>
+        <p:spPr>
+          <a:xfrm>
+            <a:off x="7267032" y="4953001"/>
+            <a:ext cx="4512759" cy="1143000"/>
+          </a:xfrm>
+          <a:prstGeom prst="rect">
+            <a:avLst/>
+          </a:prstGeom>
+        </p:spPr>
+      </p:pic>
+      <p:pic>
+        <p:nvPicPr>
+          <p:cNvPr id="9" name="Picture 8"/>
+          <p:cNvPicPr>
+            <a:picLocks noChangeAspect="1"/>
+          </p:cNvPicPr>
+          <p:nvPr/>
+        </p:nvPicPr>
+        <p:blipFill>
+          <a:blip r:embed="rId3"/>
+          <a:stretch>
+            <a:fillRect/>
+          </a:stretch>
+        </p:blipFill>
+        <p:spPr>
+          <a:xfrm>
+            <a:off x="0" y="1295401"/>
+            <a:ext cx="6800165" cy="4937760"/>
+          </a:xfrm>
+          <a:prstGeom prst="rect">
+            <a:avLst/>
+          </a:prstGeom>
+        </p:spPr>
+      </p:pic>
     </p:spTree>
     <p:extLst>
       <p:ext uri="{BB962C8B-B14F-4D97-AF65-F5344CB8AC3E}">
-        <p14:creationId xmlns:p14="http://schemas.microsoft.com/office/powerpoint/2010/main" val="3275659065"/>
+        <p14:creationId xmlns:p14="http://schemas.microsoft.com/office/powerpoint/2010/main" val="4060126076"/>
       </p:ext>
     </p:extLst>
   </p:cSld>
@@ -13853,16 +14794,15 @@
           <a:lstStyle/>
           <a:p>
             <a:r>
-              <a:rPr lang="en-US" dirty="0" smtClean="0"/>
-              <a:t>More Results to Follow</a:t>
-            </a:r>
-            <a:endParaRPr lang="en-US" dirty="0"/>
-          </a:p>
-        </p:txBody>
-      </p:sp>
-      <p:sp>
-        <p:nvSpPr>
-          <p:cNvPr id="3" name="Content Placeholder 2"/>
+              <a:rPr lang="en-US" dirty="0"/>
+              <a:t>Experiment # 2: Big Table Caching </a:t>
+            </a:r>
+          </a:p>
+        </p:txBody>
+      </p:sp>
+      <p:sp>
+        <p:nvSpPr>
+          <p:cNvPr id="6" name="Content Placeholder 2"/>
           <p:cNvSpPr>
             <a:spLocks noGrp="1"/>
           </p:cNvSpPr>
@@ -13870,19 +14810,51 @@
             <p:ph idx="1"/>
           </p:nvPr>
         </p:nvSpPr>
-        <p:spPr/>
+        <p:spPr>
+          <a:xfrm>
+            <a:off x="6932612" y="1295401"/>
+            <a:ext cx="5181600" cy="4800600"/>
+          </a:xfrm>
+        </p:spPr>
         <p:txBody>
           <a:bodyPr/>
           <a:lstStyle/>
           <a:p>
-            <a:endParaRPr lang="en-US"/>
-          </a:p>
-        </p:txBody>
-      </p:sp>
+            <a:r>
+              <a:rPr lang="en-US" dirty="0" smtClean="0"/>
+              <a:t>Notice that you appear to pay a penalty on the first run, but if your buffer cache is large enough you really reap the benefits of the subsequent runs.</a:t>
+            </a:r>
+          </a:p>
+        </p:txBody>
+      </p:sp>
+      <p:pic>
+        <p:nvPicPr>
+          <p:cNvPr id="3" name="Picture 2"/>
+          <p:cNvPicPr>
+            <a:picLocks noChangeAspect="1"/>
+          </p:cNvPicPr>
+          <p:nvPr/>
+        </p:nvPicPr>
+        <p:blipFill>
+          <a:blip r:embed="rId2"/>
+          <a:stretch>
+            <a:fillRect/>
+          </a:stretch>
+        </p:blipFill>
+        <p:spPr>
+          <a:xfrm>
+            <a:off x="0" y="1295401"/>
+            <a:ext cx="6800165" cy="4937760"/>
+          </a:xfrm>
+          <a:prstGeom prst="rect">
+            <a:avLst/>
+          </a:prstGeom>
+        </p:spPr>
+      </p:pic>
     </p:spTree>
     <p:extLst>
       <p:ext uri="{BB962C8B-B14F-4D97-AF65-F5344CB8AC3E}">
-        <p14:creationId xmlns:p14="http://schemas.microsoft.com/office/powerpoint/2010/main" val="2211247432"/>
+        <p14:creationId xmlns:p14="http://schemas.microsoft.com/office/powerpoint/2010/main" val="926116004"/>
       </p:ext>
     </p:extLst>
   </p:cSld>
@@ -13904,7 +14876,7 @@
 </p:sld>
 </file>
 
-<file path=ppt/slides/slide2.xml><?xml version="1.0" encoding="utf-8"?>
+<file path=ppt/slides/slide19.xml><?xml version="1.0" encoding="utf-8"?>
 <p:sld xmlns:a="http://schemas.openxmlformats.org/drawingml/2006/main" xmlns:r="http://schemas.openxmlformats.org/officeDocument/2006/relationships" xmlns:p="http://schemas.openxmlformats.org/presentationml/2006/main">
   <p:cSld>
     <p:spTree>
@@ -13938,7 +14910,7 @@
           <a:p>
             <a:r>
               <a:rPr lang="en-US" dirty="0" smtClean="0"/>
-              <a:t>What we do</a:t>
+              <a:t>Experiment # 3:  In-Memory Column Store</a:t>
             </a:r>
             <a:endParaRPr lang="en-US" dirty="0"/>
           </a:p>
@@ -13946,16 +14918,16 @@
       </p:sp>
       <p:sp>
         <p:nvSpPr>
-          <p:cNvPr id="4" name="Content Placeholder 2"/>
-          <p:cNvSpPr>
-            <a:spLocks noGrp="1"/>
+          <p:cNvPr id="5" name="Content Placeholder 2"/>
+          <p:cNvSpPr txBox="1">
+            <a:spLocks/>
           </p:cNvSpPr>
           <p:nvPr/>
         </p:nvSpPr>
         <p:spPr>
           <a:xfrm>
-            <a:off x="606583" y="1219200"/>
-            <a:ext cx="10972801" cy="4800600"/>
+            <a:off x="5483384" y="1297460"/>
+            <a:ext cx="6554628" cy="4800600"/>
           </a:xfrm>
           <a:prstGeom prst="rect">
             <a:avLst/>
@@ -13963,7 +14935,7 @@
         </p:spPr>
         <p:txBody>
           <a:bodyPr vert="horz" lIns="0" tIns="0" rIns="0" bIns="0" rtlCol="0">
-            <a:normAutofit/>
+            <a:normAutofit fontScale="92500" lnSpcReduction="20000"/>
           </a:bodyPr>
           <a:lstStyle>
             <a:lvl1pPr marL="182880" indent="-182880" algn="l" defTabSz="914400" rtl="0" eaLnBrk="1" latinLnBrk="0" hangingPunct="1">
@@ -14136,40 +15108,1425 @@
           <a:p>
             <a:r>
               <a:rPr lang="en-US" b="1" u="sng" dirty="0" smtClean="0"/>
-              <a:t>Engineering Analytics</a:t>
-            </a:r>
+              <a:t>We manually set parallel degree policy</a:t>
+            </a:r>
+          </a:p>
+          <a:p>
+            <a:pPr lvl="1"/>
             <a:r>
               <a:rPr lang="en-US" dirty="0" smtClean="0"/>
-              <a:t>:  Using analytics on large datasets to understand what is happening and why, which allows us to generate a feedback loop to R&amp;D, the Call Center, and the Customer.</a:t>
-            </a:r>
+              <a:t>ALTER </a:t>
+            </a:r>
+            <a:r>
+              <a:rPr lang="en-US" dirty="0"/>
+              <a:t>SYSTEM SET PARALLEL_DEGREE_POLICY = </a:t>
+            </a:r>
+            <a:r>
+              <a:rPr lang="en-US" b="1" u="sng" dirty="0" smtClean="0"/>
+              <a:t>AUTO</a:t>
+            </a:r>
+          </a:p>
+          <a:p>
+            <a:r>
+              <a:rPr lang="en-US" b="1" u="sng" dirty="0" smtClean="0"/>
+              <a:t>We </a:t>
+            </a:r>
+            <a:r>
+              <a:rPr lang="en-US" b="1" u="sng" dirty="0" smtClean="0"/>
+              <a:t>manually set </a:t>
+            </a:r>
+            <a:r>
+              <a:rPr lang="en-US" b="1" u="sng" dirty="0" err="1" smtClean="0"/>
+              <a:t>InMemory</a:t>
+            </a:r>
+            <a:r>
+              <a:rPr lang="en-US" b="1" u="sng" dirty="0" smtClean="0"/>
+              <a:t> Size</a:t>
+            </a:r>
+            <a:endParaRPr lang="en-US" b="1" u="sng" dirty="0" smtClean="0"/>
           </a:p>
           <a:p>
             <a:pPr lvl="1"/>
             <a:r>
+              <a:rPr lang="en-US" dirty="0"/>
+              <a:t>ALTER SYSTEM SET INMEMORY_SIZE=</a:t>
+            </a:r>
+            <a:r>
+              <a:rPr lang="en-US" b="1" u="sng" dirty="0"/>
+              <a:t>192G</a:t>
+            </a:r>
+            <a:r>
+              <a:rPr lang="en-US" dirty="0"/>
+              <a:t> </a:t>
+            </a:r>
+            <a:r>
               <a:rPr lang="en-US" dirty="0" smtClean="0"/>
-              <a:t>We collect sensor information like temperature, pressure, speed, tension, etc. as well as device specific information like alarms and faults and states.</a:t>
+              <a:t>SCOPE=SPFILE</a:t>
+            </a:r>
+            <a:endParaRPr lang="en-US" b="1" u="sng" dirty="0" smtClean="0"/>
+          </a:p>
+          <a:p>
+            <a:r>
+              <a:rPr lang="en-US" b="1" u="sng" dirty="0" smtClean="0"/>
+              <a:t>We forced DOP with a hint</a:t>
             </a:r>
           </a:p>
           <a:p>
             <a:pPr lvl="1"/>
             <a:r>
               <a:rPr lang="en-US" dirty="0" smtClean="0"/>
-              <a:t>The data is linked only by the device it came from and the timestamp.</a:t>
+              <a:t>/*+ PARALLEL(32) */</a:t>
+            </a:r>
+          </a:p>
+          <a:p>
+            <a:r>
+              <a:rPr lang="en-US" b="1" u="sng" dirty="0" smtClean="0"/>
+              <a:t>We forced PGA_MAX_SIZE</a:t>
             </a:r>
           </a:p>
           <a:p>
             <a:pPr lvl="1"/>
             <a:r>
+              <a:rPr lang="en-US" dirty="0"/>
+              <a:t>ALTER SYSTEM SET “PGA_MAX_SIZE” = </a:t>
+            </a:r>
+            <a:r>
+              <a:rPr lang="en-US" b="1" u="sng" dirty="0" smtClean="0"/>
+              <a:t>4G</a:t>
+            </a:r>
+          </a:p>
+          <a:p>
+            <a:r>
+              <a:rPr lang="en-US" b="1" u="sng" dirty="0" smtClean="0"/>
+              <a:t>We backed off on buffer cache size</a:t>
+            </a:r>
+          </a:p>
+          <a:p>
+            <a:pPr lvl="1"/>
+            <a:r>
+              <a:rPr lang="en-US" dirty="0"/>
+              <a:t>ALTER SYSTEM SET DB_CACHE_SIZE = </a:t>
+            </a:r>
+            <a:r>
+              <a:rPr lang="en-US" b="1" u="sng" dirty="0"/>
+              <a:t>32G</a:t>
+            </a:r>
+            <a:r>
+              <a:rPr lang="en-US" dirty="0"/>
+              <a:t> </a:t>
+            </a:r>
+            <a:r>
               <a:rPr lang="en-US" dirty="0" smtClean="0"/>
-              <a:t>Using SQL, we combine all the information together in unique ways to develop fundamental models for how things work and why things aren’t working as intended.</a:t>
-            </a:r>
-          </a:p>
-        </p:txBody>
-      </p:sp>
+              <a:t>SCOPE=SPFILE</a:t>
+            </a:r>
+          </a:p>
+          <a:p>
+            <a:r>
+              <a:rPr lang="en-US" b="1" u="sng" dirty="0" smtClean="0"/>
+              <a:t>We forced tables </a:t>
+            </a:r>
+            <a:r>
+              <a:rPr lang="en-US" b="1" u="sng" dirty="0" smtClean="0"/>
+              <a:t>to be </a:t>
+            </a:r>
+            <a:r>
+              <a:rPr lang="en-US" b="1" u="sng" dirty="0" err="1" smtClean="0"/>
+              <a:t>InMemory</a:t>
+            </a:r>
+            <a:endParaRPr lang="en-US" b="1" u="sng" dirty="0" smtClean="0"/>
+          </a:p>
+          <a:p>
+            <a:pPr lvl="1"/>
+            <a:r>
+              <a:rPr lang="en-US" sz="1100" dirty="0" smtClean="0"/>
+              <a:t>ALTER TABLE [table name] </a:t>
+            </a:r>
+            <a:r>
+              <a:rPr lang="en-US" sz="1100" dirty="0"/>
+              <a:t>INMEMORY MEMCOMPRESS FOR QUERY </a:t>
+            </a:r>
+            <a:r>
+              <a:rPr lang="en-US" sz="1100" dirty="0" smtClean="0"/>
+              <a:t>LOW PRIORITY CRITICAL</a:t>
+            </a:r>
+          </a:p>
+          <a:p>
+            <a:r>
+              <a:rPr lang="en-US" b="1" u="sng" dirty="0" smtClean="0"/>
+              <a:t>We waited for the table to fully populate </a:t>
+            </a:r>
+            <a:r>
+              <a:rPr lang="en-US" b="1" u="sng" dirty="0" err="1" smtClean="0"/>
+              <a:t>InMemory</a:t>
+            </a:r>
+            <a:endParaRPr lang="en-US" b="1" u="sng" dirty="0" smtClean="0"/>
+          </a:p>
+          <a:p>
+            <a:pPr lvl="1"/>
+            <a:r>
+              <a:rPr lang="en-US" dirty="0"/>
+              <a:t>V$IM_SEGMENTS</a:t>
+            </a:r>
+            <a:endParaRPr lang="en-US" dirty="0" smtClean="0"/>
+          </a:p>
+          <a:p>
+            <a:r>
+              <a:rPr lang="en-US" b="1" u="sng" dirty="0" smtClean="0"/>
+              <a:t>We </a:t>
+            </a:r>
+            <a:r>
+              <a:rPr lang="en-US" b="1" u="sng" dirty="0" smtClean="0"/>
+              <a:t>tracked resource usage</a:t>
+            </a:r>
+          </a:p>
+          <a:p>
+            <a:pPr lvl="1"/>
+            <a:r>
+              <a:rPr lang="en-US" dirty="0" smtClean="0"/>
+              <a:t>Time </a:t>
+            </a:r>
+            <a:r>
+              <a:rPr lang="en-US" dirty="0" smtClean="0"/>
+              <a:t>(Run Time, CPU Time, IO Wait, DB Time</a:t>
+            </a:r>
+            <a:r>
+              <a:rPr lang="en-US" dirty="0" smtClean="0"/>
+              <a:t>)</a:t>
+            </a:r>
+          </a:p>
+          <a:p>
+            <a:pPr lvl="1"/>
+            <a:endParaRPr lang="en-US" dirty="0" smtClean="0"/>
+          </a:p>
+        </p:txBody>
+      </p:sp>
+      <p:sp>
+        <p:nvSpPr>
+          <p:cNvPr id="6" name="TextBox 5"/>
+          <p:cNvSpPr txBox="1"/>
+          <p:nvPr/>
+        </p:nvSpPr>
+        <p:spPr>
+          <a:xfrm>
+            <a:off x="580034" y="4495800"/>
+            <a:ext cx="4495800" cy="1371600"/>
+          </a:xfrm>
+          <a:prstGeom prst="rect">
+            <a:avLst/>
+          </a:prstGeom>
+          <a:solidFill>
+            <a:schemeClr val="bg2"/>
+          </a:solidFill>
+        </p:spPr>
+        <p:txBody>
+          <a:bodyPr wrap="square" lIns="0" tIns="0" rIns="0" bIns="0" rtlCol="0" anchor="ctr" anchorCtr="1">
+            <a:noAutofit/>
+          </a:bodyPr>
+          <a:lstStyle/>
+          <a:p>
+            <a:pPr algn="ctr">
+              <a:lnSpc>
+                <a:spcPct val="90000"/>
+              </a:lnSpc>
+            </a:pPr>
+            <a:r>
+              <a:rPr lang="en-US" dirty="0" smtClean="0"/>
+              <a:t>How does IM compression change query speed?  </a:t>
+            </a:r>
+          </a:p>
+          <a:p>
+            <a:pPr algn="ctr">
+              <a:lnSpc>
+                <a:spcPct val="90000"/>
+              </a:lnSpc>
+            </a:pPr>
+            <a:endParaRPr lang="en-US" dirty="0"/>
+          </a:p>
+          <a:p>
+            <a:pPr algn="ctr">
+              <a:lnSpc>
+                <a:spcPct val="90000"/>
+              </a:lnSpc>
+            </a:pPr>
+            <a:r>
+              <a:rPr lang="en-US" dirty="0" smtClean="0"/>
+              <a:t>How does compression option change object size in memory?</a:t>
+            </a:r>
+            <a:endParaRPr lang="en-US" dirty="0" smtClean="0"/>
+          </a:p>
+        </p:txBody>
+      </p:sp>
+      <p:pic>
+        <p:nvPicPr>
+          <p:cNvPr id="8" name="Picture 7"/>
+          <p:cNvPicPr>
+            <a:picLocks noChangeAspect="1"/>
+          </p:cNvPicPr>
+          <p:nvPr/>
+        </p:nvPicPr>
+        <p:blipFill>
+          <a:blip r:embed="rId2"/>
+          <a:stretch>
+            <a:fillRect/>
+          </a:stretch>
+        </p:blipFill>
+        <p:spPr>
+          <a:xfrm>
+            <a:off x="379412" y="1297460"/>
+            <a:ext cx="4897045" cy="2741140"/>
+          </a:xfrm>
+          <a:prstGeom prst="rect">
+            <a:avLst/>
+          </a:prstGeom>
+        </p:spPr>
+      </p:pic>
     </p:spTree>
     <p:extLst>
       <p:ext uri="{BB962C8B-B14F-4D97-AF65-F5344CB8AC3E}">
-        <p14:creationId xmlns:p14="http://schemas.microsoft.com/office/powerpoint/2010/main" val="971412991"/>
+        <p14:creationId xmlns:p14="http://schemas.microsoft.com/office/powerpoint/2010/main" val="2274868542"/>
+      </p:ext>
+    </p:extLst>
+  </p:cSld>
+  <p:clrMapOvr>
+    <a:masterClrMapping/>
+  </p:clrMapOvr>
+  <mc:AlternateContent xmlns:mc="http://schemas.openxmlformats.org/markup-compatibility/2006" xmlns:p14="http://schemas.microsoft.com/office/powerpoint/2010/main">
+    <mc:Choice Requires="p14">
+      <p:transition spd="med" p14:dur="700">
+        <p:fade/>
+      </p:transition>
+    </mc:Choice>
+    <mc:Fallback xmlns="">
+      <p:transition spd="med">
+        <p:fade/>
+      </p:transition>
+    </mc:Fallback>
+  </mc:AlternateContent>
+</p:sld>
+</file>
+
+<file path=ppt/slides/slide2.xml><?xml version="1.0" encoding="utf-8"?>
+<p:sld xmlns:a="http://schemas.openxmlformats.org/drawingml/2006/main" xmlns:r="http://schemas.openxmlformats.org/officeDocument/2006/relationships" xmlns:p="http://schemas.openxmlformats.org/presentationml/2006/main">
+  <p:cSld>
+    <p:spTree>
+      <p:nvGrpSpPr>
+        <p:cNvPr id="1" name=""/>
+        <p:cNvGrpSpPr/>
+        <p:nvPr/>
+      </p:nvGrpSpPr>
+      <p:grpSpPr>
+        <a:xfrm>
+          <a:off x="0" y="0"/>
+          <a:ext cx="0" cy="0"/>
+          <a:chOff x="0" y="0"/>
+          <a:chExt cx="0" cy="0"/>
+        </a:xfrm>
+      </p:grpSpPr>
+      <p:sp>
+        <p:nvSpPr>
+          <p:cNvPr id="2" name="Title 1"/>
+          <p:cNvSpPr>
+            <a:spLocks noGrp="1"/>
+          </p:cNvSpPr>
+          <p:nvPr>
+            <p:ph type="title"/>
+          </p:nvPr>
+        </p:nvSpPr>
+        <p:spPr/>
+        <p:txBody>
+          <a:bodyPr/>
+          <a:lstStyle/>
+          <a:p>
+            <a:r>
+              <a:rPr lang="en-US" dirty="0" smtClean="0"/>
+              <a:t>Presentation Overview</a:t>
+            </a:r>
+            <a:endParaRPr lang="en-US" dirty="0"/>
+          </a:p>
+        </p:txBody>
+      </p:sp>
+      <p:sp>
+        <p:nvSpPr>
+          <p:cNvPr id="3" name="Content Placeholder 2"/>
+          <p:cNvSpPr>
+            <a:spLocks noGrp="1"/>
+          </p:cNvSpPr>
+          <p:nvPr>
+            <p:ph idx="1"/>
+          </p:nvPr>
+        </p:nvSpPr>
+        <p:spPr/>
+        <p:txBody>
+          <a:bodyPr>
+            <a:normAutofit/>
+          </a:bodyPr>
+          <a:lstStyle/>
+          <a:p>
+            <a:r>
+              <a:rPr lang="en-US" sz="2400" dirty="0" smtClean="0"/>
+              <a:t>Introduction</a:t>
+            </a:r>
+          </a:p>
+          <a:p>
+            <a:r>
+              <a:rPr lang="en-US" sz="2400" dirty="0" smtClean="0"/>
+              <a:t>Problem Statement</a:t>
+            </a:r>
+          </a:p>
+          <a:p>
+            <a:r>
+              <a:rPr lang="en-US" sz="2400" dirty="0" smtClean="0"/>
+              <a:t>Experiments Designed to Address Issues With Processing Large Datasets</a:t>
+            </a:r>
+          </a:p>
+          <a:p>
+            <a:pPr lvl="1"/>
+            <a:r>
+              <a:rPr lang="en-US" sz="2000" dirty="0" smtClean="0"/>
+              <a:t>PGA Experiments</a:t>
+            </a:r>
+          </a:p>
+          <a:p>
+            <a:pPr lvl="2"/>
+            <a:r>
+              <a:rPr lang="en-US" sz="1800" dirty="0" smtClean="0"/>
+              <a:t>Modifying work area size and DOP to prevent going to temp</a:t>
+            </a:r>
+          </a:p>
+          <a:p>
+            <a:pPr lvl="1"/>
+            <a:r>
+              <a:rPr lang="en-US" sz="2000" dirty="0" smtClean="0"/>
+              <a:t>SGA Experiments</a:t>
+            </a:r>
+          </a:p>
+          <a:p>
+            <a:pPr lvl="2"/>
+            <a:r>
+              <a:rPr lang="en-US" sz="1800" dirty="0" smtClean="0"/>
+              <a:t>Big Table Caching</a:t>
+            </a:r>
+          </a:p>
+          <a:p>
+            <a:pPr lvl="2"/>
+            <a:r>
+              <a:rPr lang="en-US" sz="1800" dirty="0" smtClean="0"/>
+              <a:t>In-Memory Column Store</a:t>
+            </a:r>
+          </a:p>
+          <a:p>
+            <a:pPr lvl="1"/>
+            <a:r>
+              <a:rPr lang="en-US" sz="2000" dirty="0" smtClean="0"/>
+              <a:t>Statement Queuing</a:t>
+            </a:r>
+          </a:p>
+          <a:p>
+            <a:r>
+              <a:rPr lang="en-US" sz="2200" dirty="0" smtClean="0"/>
+              <a:t>Conclusions &amp; Future Work</a:t>
+            </a:r>
+          </a:p>
+          <a:p>
+            <a:r>
+              <a:rPr lang="en-US" sz="2200" dirty="0" smtClean="0"/>
+              <a:t>Acknowledgements</a:t>
+            </a:r>
+            <a:endParaRPr lang="en-US" sz="2200" dirty="0"/>
+          </a:p>
+        </p:txBody>
+      </p:sp>
+    </p:spTree>
+    <p:extLst>
+      <p:ext uri="{BB962C8B-B14F-4D97-AF65-F5344CB8AC3E}">
+        <p14:creationId xmlns:p14="http://schemas.microsoft.com/office/powerpoint/2010/main" val="2147390003"/>
+      </p:ext>
+    </p:extLst>
+  </p:cSld>
+  <p:clrMapOvr>
+    <a:masterClrMapping/>
+  </p:clrMapOvr>
+  <mc:AlternateContent xmlns:mc="http://schemas.openxmlformats.org/markup-compatibility/2006" xmlns:p14="http://schemas.microsoft.com/office/powerpoint/2010/main">
+    <mc:Choice Requires="p14">
+      <p:transition spd="med" p14:dur="700">
+        <p:fade/>
+      </p:transition>
+    </mc:Choice>
+    <mc:Fallback xmlns="">
+      <p:transition spd="med">
+        <p:fade/>
+      </p:transition>
+    </mc:Fallback>
+  </mc:AlternateContent>
+</p:sld>
+</file>
+
+<file path=ppt/slides/slide20.xml><?xml version="1.0" encoding="utf-8"?>
+<p:sld xmlns:a="http://schemas.openxmlformats.org/drawingml/2006/main" xmlns:r="http://schemas.openxmlformats.org/officeDocument/2006/relationships" xmlns:p="http://schemas.openxmlformats.org/presentationml/2006/main">
+  <p:cSld>
+    <p:spTree>
+      <p:nvGrpSpPr>
+        <p:cNvPr id="1" name=""/>
+        <p:cNvGrpSpPr/>
+        <p:nvPr/>
+      </p:nvGrpSpPr>
+      <p:grpSpPr>
+        <a:xfrm>
+          <a:off x="0" y="0"/>
+          <a:ext cx="0" cy="0"/>
+          <a:chOff x="0" y="0"/>
+          <a:chExt cx="0" cy="0"/>
+        </a:xfrm>
+      </p:grpSpPr>
+      <p:sp>
+        <p:nvSpPr>
+          <p:cNvPr id="2" name="Title 1"/>
+          <p:cNvSpPr>
+            <a:spLocks noGrp="1"/>
+          </p:cNvSpPr>
+          <p:nvPr>
+            <p:ph type="title"/>
+          </p:nvPr>
+        </p:nvSpPr>
+        <p:spPr/>
+        <p:txBody>
+          <a:bodyPr/>
+          <a:lstStyle/>
+          <a:p>
+            <a:r>
+              <a:rPr lang="en-US" dirty="0"/>
+              <a:t>Experiment # </a:t>
+            </a:r>
+            <a:r>
+              <a:rPr lang="en-US" dirty="0"/>
+              <a:t>3:  In-Memory Column Store</a:t>
+            </a:r>
+            <a:endParaRPr lang="en-US" dirty="0"/>
+          </a:p>
+        </p:txBody>
+      </p:sp>
+      <p:sp>
+        <p:nvSpPr>
+          <p:cNvPr id="6" name="Content Placeholder 2"/>
+          <p:cNvSpPr>
+            <a:spLocks noGrp="1"/>
+          </p:cNvSpPr>
+          <p:nvPr>
+            <p:ph idx="1"/>
+          </p:nvPr>
+        </p:nvSpPr>
+        <p:spPr>
+          <a:xfrm>
+            <a:off x="6932612" y="1295401"/>
+            <a:ext cx="5181600" cy="4800600"/>
+          </a:xfrm>
+        </p:spPr>
+        <p:txBody>
+          <a:bodyPr/>
+          <a:lstStyle/>
+          <a:p>
+            <a:r>
+              <a:rPr lang="en-US" dirty="0" smtClean="0"/>
+              <a:t>“For Query Low” looks like a great choice</a:t>
+            </a:r>
+          </a:p>
+          <a:p>
+            <a:pPr lvl="1"/>
+            <a:r>
+              <a:rPr lang="en-US" dirty="0" smtClean="0"/>
+              <a:t>Best performance (153 sec)</a:t>
+            </a:r>
+          </a:p>
+          <a:p>
+            <a:pPr lvl="1"/>
+            <a:r>
+              <a:rPr lang="en-US" dirty="0" smtClean="0"/>
+              <a:t>Decent compression (37% reduction)</a:t>
+            </a:r>
+          </a:p>
+          <a:p>
+            <a:pPr lvl="1"/>
+            <a:endParaRPr lang="en-US" dirty="0"/>
+          </a:p>
+          <a:p>
+            <a:r>
+              <a:rPr lang="en-US" dirty="0" smtClean="0"/>
+              <a:t>For huge tables you could do “For Capacity High” so as not to use up all your In-Memory space.</a:t>
+            </a:r>
+          </a:p>
+          <a:p>
+            <a:pPr lvl="1"/>
+            <a:r>
+              <a:rPr lang="en-US" dirty="0" smtClean="0"/>
+              <a:t>Still get a 2.6X improvement over going to disk</a:t>
+            </a:r>
+            <a:endParaRPr lang="en-US" dirty="0" smtClean="0"/>
+          </a:p>
+        </p:txBody>
+      </p:sp>
+      <p:pic>
+        <p:nvPicPr>
+          <p:cNvPr id="7" name="Picture 6"/>
+          <p:cNvPicPr>
+            <a:picLocks noChangeAspect="1"/>
+          </p:cNvPicPr>
+          <p:nvPr/>
+        </p:nvPicPr>
+        <p:blipFill>
+          <a:blip r:embed="rId2"/>
+          <a:stretch>
+            <a:fillRect/>
+          </a:stretch>
+        </p:blipFill>
+        <p:spPr>
+          <a:xfrm>
+            <a:off x="0" y="1295401"/>
+            <a:ext cx="6800165" cy="4937760"/>
+          </a:xfrm>
+          <a:prstGeom prst="rect">
+            <a:avLst/>
+          </a:prstGeom>
+        </p:spPr>
+      </p:pic>
+    </p:spTree>
+    <p:extLst>
+      <p:ext uri="{BB962C8B-B14F-4D97-AF65-F5344CB8AC3E}">
+        <p14:creationId xmlns:p14="http://schemas.microsoft.com/office/powerpoint/2010/main" val="1852073711"/>
+      </p:ext>
+    </p:extLst>
+  </p:cSld>
+  <p:clrMapOvr>
+    <a:masterClrMapping/>
+  </p:clrMapOvr>
+  <mc:AlternateContent xmlns:mc="http://schemas.openxmlformats.org/markup-compatibility/2006" xmlns:p14="http://schemas.microsoft.com/office/powerpoint/2010/main">
+    <mc:Choice Requires="p14">
+      <p:transition spd="med" p14:dur="700">
+        <p:fade/>
+      </p:transition>
+    </mc:Choice>
+    <mc:Fallback xmlns="">
+      <p:transition spd="med">
+        <p:fade/>
+      </p:transition>
+    </mc:Fallback>
+  </mc:AlternateContent>
+</p:sld>
+</file>
+
+<file path=ppt/slides/slide21.xml><?xml version="1.0" encoding="utf-8"?>
+<p:sld xmlns:a="http://schemas.openxmlformats.org/drawingml/2006/main" xmlns:r="http://schemas.openxmlformats.org/officeDocument/2006/relationships" xmlns:p="http://schemas.openxmlformats.org/presentationml/2006/main">
+  <p:cSld>
+    <p:spTree>
+      <p:nvGrpSpPr>
+        <p:cNvPr id="1" name=""/>
+        <p:cNvGrpSpPr/>
+        <p:nvPr/>
+      </p:nvGrpSpPr>
+      <p:grpSpPr>
+        <a:xfrm>
+          <a:off x="0" y="0"/>
+          <a:ext cx="0" cy="0"/>
+          <a:chOff x="0" y="0"/>
+          <a:chExt cx="0" cy="0"/>
+        </a:xfrm>
+      </p:grpSpPr>
+      <p:sp>
+        <p:nvSpPr>
+          <p:cNvPr id="2" name="Title 1"/>
+          <p:cNvSpPr>
+            <a:spLocks noGrp="1"/>
+          </p:cNvSpPr>
+          <p:nvPr>
+            <p:ph type="title"/>
+          </p:nvPr>
+        </p:nvSpPr>
+        <p:spPr/>
+        <p:txBody>
+          <a:bodyPr/>
+          <a:lstStyle/>
+          <a:p>
+            <a:r>
+              <a:rPr lang="en-US" dirty="0" smtClean="0"/>
+              <a:t>Let’s Put It All Together…</a:t>
+            </a:r>
+            <a:endParaRPr lang="en-US" dirty="0"/>
+          </a:p>
+        </p:txBody>
+      </p:sp>
+      <p:pic>
+        <p:nvPicPr>
+          <p:cNvPr id="4" name="Picture 3"/>
+          <p:cNvPicPr>
+            <a:picLocks noChangeAspect="1"/>
+          </p:cNvPicPr>
+          <p:nvPr/>
+        </p:nvPicPr>
+        <p:blipFill>
+          <a:blip r:embed="rId2"/>
+          <a:stretch>
+            <a:fillRect/>
+          </a:stretch>
+        </p:blipFill>
+        <p:spPr>
+          <a:xfrm>
+            <a:off x="0" y="1158241"/>
+            <a:ext cx="6795390" cy="4937760"/>
+          </a:xfrm>
+          <a:prstGeom prst="rect">
+            <a:avLst/>
+          </a:prstGeom>
+        </p:spPr>
+      </p:pic>
+      <p:sp>
+        <p:nvSpPr>
+          <p:cNvPr id="5" name="Content Placeholder 2"/>
+          <p:cNvSpPr>
+            <a:spLocks noGrp="1"/>
+          </p:cNvSpPr>
+          <p:nvPr>
+            <p:ph idx="1"/>
+          </p:nvPr>
+        </p:nvSpPr>
+        <p:spPr>
+          <a:xfrm>
+            <a:off x="6932612" y="1295401"/>
+            <a:ext cx="5181600" cy="4800600"/>
+          </a:xfrm>
+        </p:spPr>
+        <p:txBody>
+          <a:bodyPr/>
+          <a:lstStyle/>
+          <a:p>
+            <a:r>
+              <a:rPr lang="en-US" dirty="0" smtClean="0"/>
+              <a:t>Summary</a:t>
+            </a:r>
+          </a:p>
+          <a:p>
+            <a:pPr lvl="1"/>
+            <a:r>
+              <a:rPr lang="en-US" dirty="0" smtClean="0"/>
+              <a:t>23% improvement from not going to temp</a:t>
+            </a:r>
+          </a:p>
+          <a:p>
+            <a:pPr lvl="1"/>
+            <a:r>
+              <a:rPr lang="en-US" dirty="0" smtClean="0"/>
+              <a:t>70% improvement from also caching big tables</a:t>
+            </a:r>
+          </a:p>
+          <a:p>
+            <a:pPr lvl="1"/>
+            <a:r>
+              <a:rPr lang="en-US" dirty="0" smtClean="0"/>
+              <a:t>76% improvement from using In-Memory</a:t>
+            </a:r>
+          </a:p>
+          <a:p>
+            <a:pPr lvl="1"/>
+            <a:endParaRPr lang="en-US" dirty="0"/>
+          </a:p>
+          <a:p>
+            <a:r>
+              <a:rPr lang="en-US" dirty="0" smtClean="0"/>
+              <a:t>One Big Caveat…</a:t>
+            </a:r>
+          </a:p>
+          <a:p>
+            <a:pPr lvl="1"/>
+            <a:r>
+              <a:rPr lang="en-US" dirty="0" smtClean="0"/>
+              <a:t>All experiments were run serially</a:t>
+            </a:r>
+          </a:p>
+          <a:p>
+            <a:pPr lvl="2"/>
+            <a:r>
+              <a:rPr lang="en-US" dirty="0" smtClean="0"/>
+              <a:t>No competition for resources</a:t>
+            </a:r>
+          </a:p>
+          <a:p>
+            <a:pPr lvl="2"/>
+            <a:r>
+              <a:rPr lang="en-US" dirty="0" smtClean="0"/>
+              <a:t>No other work being done on the system</a:t>
+            </a:r>
+            <a:endParaRPr lang="en-US" dirty="0"/>
+          </a:p>
+          <a:p>
+            <a:pPr lvl="2"/>
+            <a:r>
+              <a:rPr lang="en-US" dirty="0" smtClean="0"/>
+              <a:t>Not a real-world test case</a:t>
+            </a:r>
+          </a:p>
+          <a:p>
+            <a:endParaRPr lang="en-US" dirty="0"/>
+          </a:p>
+          <a:p>
+            <a:r>
+              <a:rPr lang="en-US" dirty="0" smtClean="0"/>
+              <a:t>So lets do a bunch of stuff all at once and see what happens…</a:t>
+            </a:r>
+          </a:p>
+        </p:txBody>
+      </p:sp>
+    </p:spTree>
+    <p:extLst>
+      <p:ext uri="{BB962C8B-B14F-4D97-AF65-F5344CB8AC3E}">
+        <p14:creationId xmlns:p14="http://schemas.microsoft.com/office/powerpoint/2010/main" val="3275659065"/>
+      </p:ext>
+    </p:extLst>
+  </p:cSld>
+  <p:clrMapOvr>
+    <a:masterClrMapping/>
+  </p:clrMapOvr>
+  <mc:AlternateContent xmlns:mc="http://schemas.openxmlformats.org/markup-compatibility/2006" xmlns:p14="http://schemas.microsoft.com/office/powerpoint/2010/main">
+    <mc:Choice Requires="p14">
+      <p:transition spd="med" p14:dur="700">
+        <p:fade/>
+      </p:transition>
+    </mc:Choice>
+    <mc:Fallback xmlns="">
+      <p:transition spd="med">
+        <p:fade/>
+      </p:transition>
+    </mc:Fallback>
+  </mc:AlternateContent>
+</p:sld>
+</file>
+
+<file path=ppt/slides/slide22.xml><?xml version="1.0" encoding="utf-8"?>
+<p:sld xmlns:a="http://schemas.openxmlformats.org/drawingml/2006/main" xmlns:r="http://schemas.openxmlformats.org/officeDocument/2006/relationships" xmlns:p="http://schemas.openxmlformats.org/presentationml/2006/main">
+  <p:cSld>
+    <p:spTree>
+      <p:nvGrpSpPr>
+        <p:cNvPr id="1" name=""/>
+        <p:cNvGrpSpPr/>
+        <p:nvPr/>
+      </p:nvGrpSpPr>
+      <p:grpSpPr>
+        <a:xfrm>
+          <a:off x="0" y="0"/>
+          <a:ext cx="0" cy="0"/>
+          <a:chOff x="0" y="0"/>
+          <a:chExt cx="0" cy="0"/>
+        </a:xfrm>
+      </p:grpSpPr>
+      <p:sp>
+        <p:nvSpPr>
+          <p:cNvPr id="2" name="Title 1"/>
+          <p:cNvSpPr>
+            <a:spLocks noGrp="1"/>
+          </p:cNvSpPr>
+          <p:nvPr>
+            <p:ph type="title"/>
+          </p:nvPr>
+        </p:nvSpPr>
+        <p:spPr/>
+        <p:txBody>
+          <a:bodyPr/>
+          <a:lstStyle/>
+          <a:p>
+            <a:r>
+              <a:rPr lang="en-US" dirty="0" smtClean="0"/>
+              <a:t>Experiment # 4: Statement Queuing</a:t>
+            </a:r>
+            <a:endParaRPr lang="en-US" dirty="0"/>
+          </a:p>
+        </p:txBody>
+      </p:sp>
+      <p:sp>
+        <p:nvSpPr>
+          <p:cNvPr id="3" name="Content Placeholder 2"/>
+          <p:cNvSpPr>
+            <a:spLocks noGrp="1"/>
+          </p:cNvSpPr>
+          <p:nvPr>
+            <p:ph idx="1"/>
+          </p:nvPr>
+        </p:nvSpPr>
+        <p:spPr/>
+        <p:txBody>
+          <a:bodyPr/>
+          <a:lstStyle/>
+          <a:p>
+            <a:endParaRPr lang="en-US"/>
+          </a:p>
+        </p:txBody>
+      </p:sp>
+    </p:spTree>
+    <p:extLst>
+      <p:ext uri="{BB962C8B-B14F-4D97-AF65-F5344CB8AC3E}">
+        <p14:creationId xmlns:p14="http://schemas.microsoft.com/office/powerpoint/2010/main" val="576107688"/>
+      </p:ext>
+    </p:extLst>
+  </p:cSld>
+  <p:clrMapOvr>
+    <a:masterClrMapping/>
+  </p:clrMapOvr>
+  <mc:AlternateContent xmlns:mc="http://schemas.openxmlformats.org/markup-compatibility/2006" xmlns:p14="http://schemas.microsoft.com/office/powerpoint/2010/main">
+    <mc:Choice Requires="p14">
+      <p:transition spd="med" p14:dur="700">
+        <p:fade/>
+      </p:transition>
+    </mc:Choice>
+    <mc:Fallback xmlns="">
+      <p:transition spd="med">
+        <p:fade/>
+      </p:transition>
+    </mc:Fallback>
+  </mc:AlternateContent>
+</p:sld>
+</file>
+
+<file path=ppt/slides/slide23.xml><?xml version="1.0" encoding="utf-8"?>
+<p:sld xmlns:a="http://schemas.openxmlformats.org/drawingml/2006/main" xmlns:r="http://schemas.openxmlformats.org/officeDocument/2006/relationships" xmlns:p="http://schemas.openxmlformats.org/presentationml/2006/main">
+  <p:cSld>
+    <p:spTree>
+      <p:nvGrpSpPr>
+        <p:cNvPr id="1" name=""/>
+        <p:cNvGrpSpPr/>
+        <p:nvPr/>
+      </p:nvGrpSpPr>
+      <p:grpSpPr>
+        <a:xfrm>
+          <a:off x="0" y="0"/>
+          <a:ext cx="0" cy="0"/>
+          <a:chOff x="0" y="0"/>
+          <a:chExt cx="0" cy="0"/>
+        </a:xfrm>
+      </p:grpSpPr>
+      <p:sp>
+        <p:nvSpPr>
+          <p:cNvPr id="2" name="Title 1"/>
+          <p:cNvSpPr>
+            <a:spLocks noGrp="1"/>
+          </p:cNvSpPr>
+          <p:nvPr>
+            <p:ph type="title"/>
+          </p:nvPr>
+        </p:nvSpPr>
+        <p:spPr/>
+        <p:txBody>
+          <a:bodyPr/>
+          <a:lstStyle/>
+          <a:p>
+            <a:r>
+              <a:rPr lang="en-US" dirty="0" smtClean="0"/>
+              <a:t>Conclusions</a:t>
+            </a:r>
+            <a:endParaRPr lang="en-US" dirty="0"/>
+          </a:p>
+        </p:txBody>
+      </p:sp>
+      <p:sp>
+        <p:nvSpPr>
+          <p:cNvPr id="3" name="Content Placeholder 2"/>
+          <p:cNvSpPr>
+            <a:spLocks noGrp="1"/>
+          </p:cNvSpPr>
+          <p:nvPr>
+            <p:ph idx="1"/>
+          </p:nvPr>
+        </p:nvSpPr>
+        <p:spPr/>
+        <p:txBody>
+          <a:bodyPr/>
+          <a:lstStyle/>
+          <a:p>
+            <a:r>
+              <a:rPr lang="en-US" dirty="0" smtClean="0"/>
+              <a:t>Going to temp is bad</a:t>
+            </a:r>
+          </a:p>
+          <a:p>
+            <a:pPr lvl="1"/>
+            <a:r>
+              <a:rPr lang="en-US" dirty="0" smtClean="0"/>
+              <a:t>Changing _PGA_MAX_SIZE allows us to increase our work area size without drastically increasing our DOP</a:t>
+            </a:r>
+          </a:p>
+          <a:p>
+            <a:r>
+              <a:rPr lang="en-US" dirty="0" smtClean="0"/>
+              <a:t>Putting data into memory is good</a:t>
+            </a:r>
+          </a:p>
+          <a:p>
+            <a:pPr lvl="1"/>
+            <a:r>
+              <a:rPr lang="en-US" dirty="0" smtClean="0"/>
+              <a:t>Big table caching is a good alternative if you don’t have Oracle 12c or if you don’t want to pay for the In-Memory option</a:t>
+            </a:r>
+          </a:p>
+          <a:p>
+            <a:pPr lvl="1"/>
+            <a:r>
+              <a:rPr lang="en-US" dirty="0" smtClean="0"/>
+              <a:t>In-Memory column store is very performant</a:t>
+            </a:r>
+            <a:endParaRPr lang="en-US" dirty="0"/>
+          </a:p>
+        </p:txBody>
+      </p:sp>
+    </p:spTree>
+    <p:extLst>
+      <p:ext uri="{BB962C8B-B14F-4D97-AF65-F5344CB8AC3E}">
+        <p14:creationId xmlns:p14="http://schemas.microsoft.com/office/powerpoint/2010/main" val="1560789858"/>
+      </p:ext>
+    </p:extLst>
+  </p:cSld>
+  <p:clrMapOvr>
+    <a:masterClrMapping/>
+  </p:clrMapOvr>
+  <mc:AlternateContent xmlns:mc="http://schemas.openxmlformats.org/markup-compatibility/2006" xmlns:p14="http://schemas.microsoft.com/office/powerpoint/2010/main">
+    <mc:Choice Requires="p14">
+      <p:transition spd="med" p14:dur="700">
+        <p:fade/>
+      </p:transition>
+    </mc:Choice>
+    <mc:Fallback xmlns="">
+      <p:transition spd="med">
+        <p:fade/>
+      </p:transition>
+    </mc:Fallback>
+  </mc:AlternateContent>
+</p:sld>
+</file>
+
+<file path=ppt/slides/slide24.xml><?xml version="1.0" encoding="utf-8"?>
+<p:sld xmlns:a="http://schemas.openxmlformats.org/drawingml/2006/main" xmlns:r="http://schemas.openxmlformats.org/officeDocument/2006/relationships" xmlns:p="http://schemas.openxmlformats.org/presentationml/2006/main">
+  <p:cSld>
+    <p:spTree>
+      <p:nvGrpSpPr>
+        <p:cNvPr id="1" name=""/>
+        <p:cNvGrpSpPr/>
+        <p:nvPr/>
+      </p:nvGrpSpPr>
+      <p:grpSpPr>
+        <a:xfrm>
+          <a:off x="0" y="0"/>
+          <a:ext cx="0" cy="0"/>
+          <a:chOff x="0" y="0"/>
+          <a:chExt cx="0" cy="0"/>
+        </a:xfrm>
+      </p:grpSpPr>
+      <p:sp>
+        <p:nvSpPr>
+          <p:cNvPr id="2" name="Title 1"/>
+          <p:cNvSpPr>
+            <a:spLocks noGrp="1"/>
+          </p:cNvSpPr>
+          <p:nvPr>
+            <p:ph type="title"/>
+          </p:nvPr>
+        </p:nvSpPr>
+        <p:spPr/>
+        <p:txBody>
+          <a:bodyPr/>
+          <a:lstStyle/>
+          <a:p>
+            <a:r>
+              <a:rPr lang="en-US" dirty="0" smtClean="0"/>
+              <a:t>Future Work</a:t>
+            </a:r>
+            <a:endParaRPr lang="en-US" dirty="0"/>
+          </a:p>
+        </p:txBody>
+      </p:sp>
+      <p:sp>
+        <p:nvSpPr>
+          <p:cNvPr id="5" name="TextBox 4"/>
+          <p:cNvSpPr txBox="1"/>
+          <p:nvPr/>
+        </p:nvSpPr>
+        <p:spPr>
+          <a:xfrm>
+            <a:off x="1446212" y="3746156"/>
+            <a:ext cx="2817971" cy="304800"/>
+          </a:xfrm>
+          <a:prstGeom prst="rect">
+            <a:avLst/>
+          </a:prstGeom>
+          <a:noFill/>
+        </p:spPr>
+        <p:txBody>
+          <a:bodyPr wrap="square" lIns="0" tIns="0" rIns="0" bIns="0" rtlCol="0">
+            <a:noAutofit/>
+          </a:bodyPr>
+          <a:lstStyle/>
+          <a:p>
+            <a:pPr>
+              <a:lnSpc>
+                <a:spcPct val="90000"/>
+              </a:lnSpc>
+            </a:pPr>
+            <a:r>
+              <a:rPr lang="en-US" sz="2000" dirty="0" smtClean="0"/>
+              <a:t>What we </a:t>
+            </a:r>
+            <a:r>
+              <a:rPr lang="en-US" sz="2000" dirty="0" smtClean="0"/>
+              <a:t>think we know</a:t>
+            </a:r>
+            <a:endParaRPr lang="en-US" sz="2000" dirty="0" smtClean="0"/>
+          </a:p>
+        </p:txBody>
+      </p:sp>
+      <p:sp>
+        <p:nvSpPr>
+          <p:cNvPr id="9" name="Oval 8"/>
+          <p:cNvSpPr/>
+          <p:nvPr/>
+        </p:nvSpPr>
+        <p:spPr>
+          <a:xfrm>
+            <a:off x="6323012" y="2222156"/>
+            <a:ext cx="3962400" cy="4026243"/>
+          </a:xfrm>
+          <a:prstGeom prst="ellipse">
+            <a:avLst/>
+          </a:prstGeom>
+          <a:solidFill>
+            <a:schemeClr val="tx2">
+              <a:lumMod val="20000"/>
+              <a:lumOff val="80000"/>
+            </a:schemeClr>
+          </a:solidFill>
+          <a:ln w="19050">
+            <a:solidFill>
+              <a:schemeClr val="tx2"/>
+            </a:solidFill>
+            <a:miter lim="800000"/>
+          </a:ln>
+        </p:spPr>
+        <p:style>
+          <a:lnRef idx="2">
+            <a:schemeClr val="accent1">
+              <a:shade val="50000"/>
+            </a:schemeClr>
+          </a:lnRef>
+          <a:fillRef idx="1">
+            <a:schemeClr val="accent1"/>
+          </a:fillRef>
+          <a:effectRef idx="0">
+            <a:schemeClr val="accent1"/>
+          </a:effectRef>
+          <a:fontRef idx="minor">
+            <a:schemeClr val="lt1"/>
+          </a:fontRef>
+        </p:style>
+        <p:txBody>
+          <a:bodyPr rtlCol="0" anchor="ctr"/>
+          <a:lstStyle/>
+          <a:p>
+            <a:pPr algn="ctr">
+              <a:lnSpc>
+                <a:spcPct val="90000"/>
+              </a:lnSpc>
+            </a:pPr>
+            <a:endParaRPr lang="en-US" dirty="0" smtClean="0"/>
+          </a:p>
+        </p:txBody>
+      </p:sp>
+      <p:sp>
+        <p:nvSpPr>
+          <p:cNvPr id="6" name="Oval 5"/>
+          <p:cNvSpPr/>
+          <p:nvPr/>
+        </p:nvSpPr>
+        <p:spPr>
+          <a:xfrm>
+            <a:off x="4570412" y="2222156"/>
+            <a:ext cx="3048000" cy="3048000"/>
+          </a:xfrm>
+          <a:prstGeom prst="ellipse">
+            <a:avLst/>
+          </a:prstGeom>
+          <a:noFill/>
+          <a:ln w="19050">
+            <a:solidFill>
+              <a:schemeClr val="tx1"/>
+            </a:solidFill>
+            <a:miter lim="800000"/>
+          </a:ln>
+        </p:spPr>
+        <p:style>
+          <a:lnRef idx="2">
+            <a:schemeClr val="accent1">
+              <a:shade val="50000"/>
+            </a:schemeClr>
+          </a:lnRef>
+          <a:fillRef idx="1">
+            <a:schemeClr val="accent1"/>
+          </a:fillRef>
+          <a:effectRef idx="0">
+            <a:schemeClr val="accent1"/>
+          </a:effectRef>
+          <a:fontRef idx="minor">
+            <a:schemeClr val="lt1"/>
+          </a:fontRef>
+        </p:style>
+        <p:txBody>
+          <a:bodyPr rtlCol="0" anchor="ctr"/>
+          <a:lstStyle/>
+          <a:p>
+            <a:pPr algn="ctr">
+              <a:lnSpc>
+                <a:spcPct val="90000"/>
+              </a:lnSpc>
+            </a:pPr>
+            <a:endParaRPr lang="en-US" dirty="0" smtClean="0"/>
+          </a:p>
+        </p:txBody>
+      </p:sp>
+      <p:cxnSp>
+        <p:nvCxnSpPr>
+          <p:cNvPr id="11" name="Straight Arrow Connector 10"/>
+          <p:cNvCxnSpPr>
+            <a:stCxn id="5" idx="3"/>
+          </p:cNvCxnSpPr>
+          <p:nvPr/>
+        </p:nvCxnSpPr>
+        <p:spPr>
+          <a:xfrm>
+            <a:off x="4264183" y="3898556"/>
+            <a:ext cx="2439829" cy="152400"/>
+          </a:xfrm>
+          <a:prstGeom prst="straightConnector1">
+            <a:avLst/>
+          </a:prstGeom>
+          <a:ln w="19050">
+            <a:solidFill>
+              <a:schemeClr val="tx1"/>
+            </a:solidFill>
+            <a:miter lim="800000"/>
+            <a:tailEnd type="triangle"/>
+          </a:ln>
+        </p:spPr>
+        <p:style>
+          <a:lnRef idx="1">
+            <a:schemeClr val="accent1"/>
+          </a:lnRef>
+          <a:fillRef idx="0">
+            <a:schemeClr val="accent1"/>
+          </a:fillRef>
+          <a:effectRef idx="0">
+            <a:schemeClr val="accent1"/>
+          </a:effectRef>
+          <a:fontRef idx="minor">
+            <a:schemeClr val="tx1"/>
+          </a:fontRef>
+        </p:style>
+      </p:cxnSp>
+      <p:sp>
+        <p:nvSpPr>
+          <p:cNvPr id="13" name="TextBox 12"/>
+          <p:cNvSpPr txBox="1"/>
+          <p:nvPr/>
+        </p:nvSpPr>
+        <p:spPr>
+          <a:xfrm>
+            <a:off x="8151812" y="1752600"/>
+            <a:ext cx="3352800" cy="381000"/>
+          </a:xfrm>
+          <a:prstGeom prst="rect">
+            <a:avLst/>
+          </a:prstGeom>
+          <a:noFill/>
+        </p:spPr>
+        <p:txBody>
+          <a:bodyPr wrap="none" lIns="0" tIns="0" rIns="0" bIns="0" rtlCol="0">
+            <a:noAutofit/>
+          </a:bodyPr>
+          <a:lstStyle/>
+          <a:p>
+            <a:pPr>
+              <a:lnSpc>
+                <a:spcPct val="90000"/>
+              </a:lnSpc>
+            </a:pPr>
+            <a:r>
+              <a:rPr lang="en-US" sz="2000" dirty="0" smtClean="0"/>
+              <a:t>What we </a:t>
+            </a:r>
+            <a:r>
+              <a:rPr lang="en-US" sz="2000" dirty="0" smtClean="0"/>
+              <a:t>still want to learn</a:t>
+            </a:r>
+            <a:endParaRPr lang="en-US" sz="2000" dirty="0" smtClean="0"/>
+          </a:p>
+        </p:txBody>
+      </p:sp>
+      <p:cxnSp>
+        <p:nvCxnSpPr>
+          <p:cNvPr id="15" name="Straight Arrow Connector 14"/>
+          <p:cNvCxnSpPr/>
+          <p:nvPr/>
+        </p:nvCxnSpPr>
+        <p:spPr>
+          <a:xfrm flipH="1">
+            <a:off x="9218612" y="2057400"/>
+            <a:ext cx="228600" cy="304800"/>
+          </a:xfrm>
+          <a:prstGeom prst="straightConnector1">
+            <a:avLst/>
+          </a:prstGeom>
+          <a:ln w="19050">
+            <a:solidFill>
+              <a:schemeClr val="tx1"/>
+            </a:solidFill>
+            <a:miter lim="800000"/>
+            <a:tailEnd type="triangle"/>
+          </a:ln>
+        </p:spPr>
+        <p:style>
+          <a:lnRef idx="1">
+            <a:schemeClr val="accent1"/>
+          </a:lnRef>
+          <a:fillRef idx="0">
+            <a:schemeClr val="accent1"/>
+          </a:fillRef>
+          <a:effectRef idx="0">
+            <a:schemeClr val="accent1"/>
+          </a:effectRef>
+          <a:fontRef idx="minor">
+            <a:schemeClr val="tx1"/>
+          </a:fontRef>
+        </p:style>
+      </p:cxnSp>
+      <p:sp>
+        <p:nvSpPr>
+          <p:cNvPr id="19" name="Oval 18"/>
+          <p:cNvSpPr/>
+          <p:nvPr/>
+        </p:nvSpPr>
+        <p:spPr>
+          <a:xfrm>
+            <a:off x="5942012" y="5046615"/>
+            <a:ext cx="1206844" cy="1206844"/>
+          </a:xfrm>
+          <a:prstGeom prst="ellipse">
+            <a:avLst/>
+          </a:prstGeom>
+          <a:noFill/>
+          <a:ln w="19050">
+            <a:solidFill>
+              <a:schemeClr val="tx1"/>
+            </a:solidFill>
+            <a:miter lim="800000"/>
+          </a:ln>
+        </p:spPr>
+        <p:style>
+          <a:lnRef idx="2">
+            <a:schemeClr val="accent1">
+              <a:shade val="50000"/>
+            </a:schemeClr>
+          </a:lnRef>
+          <a:fillRef idx="1">
+            <a:schemeClr val="accent1"/>
+          </a:fillRef>
+          <a:effectRef idx="0">
+            <a:schemeClr val="accent1"/>
+          </a:effectRef>
+          <a:fontRef idx="minor">
+            <a:schemeClr val="lt1"/>
+          </a:fontRef>
+        </p:style>
+        <p:txBody>
+          <a:bodyPr rtlCol="0" anchor="ctr"/>
+          <a:lstStyle/>
+          <a:p>
+            <a:pPr algn="ctr">
+              <a:lnSpc>
+                <a:spcPct val="90000"/>
+              </a:lnSpc>
+            </a:pPr>
+            <a:endParaRPr lang="en-US" dirty="0" smtClean="0"/>
+          </a:p>
+        </p:txBody>
+      </p:sp>
+      <p:sp>
+        <p:nvSpPr>
+          <p:cNvPr id="21" name="TextBox 20"/>
+          <p:cNvSpPr txBox="1"/>
+          <p:nvPr/>
+        </p:nvSpPr>
+        <p:spPr>
+          <a:xfrm>
+            <a:off x="989013" y="5650037"/>
+            <a:ext cx="4684156" cy="304800"/>
+          </a:xfrm>
+          <a:prstGeom prst="rect">
+            <a:avLst/>
+          </a:prstGeom>
+          <a:noFill/>
+        </p:spPr>
+        <p:txBody>
+          <a:bodyPr wrap="square" lIns="0" tIns="0" rIns="0" bIns="0" rtlCol="0">
+            <a:noAutofit/>
+          </a:bodyPr>
+          <a:lstStyle/>
+          <a:p>
+            <a:pPr>
+              <a:lnSpc>
+                <a:spcPct val="90000"/>
+              </a:lnSpc>
+            </a:pPr>
+            <a:r>
+              <a:rPr lang="en-US" sz="2000" dirty="0" smtClean="0"/>
+              <a:t>What we probably don’t fully understand</a:t>
+            </a:r>
+            <a:endParaRPr lang="en-US" sz="2000" dirty="0" smtClean="0"/>
+          </a:p>
+        </p:txBody>
+      </p:sp>
+      <p:cxnSp>
+        <p:nvCxnSpPr>
+          <p:cNvPr id="22" name="Straight Arrow Connector 21"/>
+          <p:cNvCxnSpPr>
+            <a:stCxn id="21" idx="3"/>
+          </p:cNvCxnSpPr>
+          <p:nvPr/>
+        </p:nvCxnSpPr>
+        <p:spPr>
+          <a:xfrm flipV="1">
+            <a:off x="5673169" y="5410200"/>
+            <a:ext cx="1259443" cy="392237"/>
+          </a:xfrm>
+          <a:prstGeom prst="straightConnector1">
+            <a:avLst/>
+          </a:prstGeom>
+          <a:ln w="19050">
+            <a:solidFill>
+              <a:schemeClr val="tx1"/>
+            </a:solidFill>
+            <a:miter lim="800000"/>
+            <a:tailEnd type="triangle"/>
+          </a:ln>
+        </p:spPr>
+        <p:style>
+          <a:lnRef idx="1">
+            <a:schemeClr val="accent1"/>
+          </a:lnRef>
+          <a:fillRef idx="0">
+            <a:schemeClr val="accent1"/>
+          </a:fillRef>
+          <a:effectRef idx="0">
+            <a:schemeClr val="accent1"/>
+          </a:effectRef>
+          <a:fontRef idx="minor">
+            <a:schemeClr val="tx1"/>
+          </a:fontRef>
+        </p:style>
+      </p:cxnSp>
+    </p:spTree>
+    <p:extLst>
+      <p:ext uri="{BB962C8B-B14F-4D97-AF65-F5344CB8AC3E}">
+        <p14:creationId xmlns:p14="http://schemas.microsoft.com/office/powerpoint/2010/main" val="4223149475"/>
       </p:ext>
     </p:extLst>
   </p:cSld>
@@ -14198,7 +16555,663 @@
 </p:sld>
 </file>
 
+<file path=ppt/slides/slide25.xml><?xml version="1.0" encoding="utf-8"?>
+<p:sld xmlns:a="http://schemas.openxmlformats.org/drawingml/2006/main" xmlns:r="http://schemas.openxmlformats.org/officeDocument/2006/relationships" xmlns:p="http://schemas.openxmlformats.org/presentationml/2006/main">
+  <p:cSld>
+    <p:spTree>
+      <p:nvGrpSpPr>
+        <p:cNvPr id="1" name=""/>
+        <p:cNvGrpSpPr/>
+        <p:nvPr/>
+      </p:nvGrpSpPr>
+      <p:grpSpPr>
+        <a:xfrm>
+          <a:off x="0" y="0"/>
+          <a:ext cx="0" cy="0"/>
+          <a:chOff x="0" y="0"/>
+          <a:chExt cx="0" cy="0"/>
+        </a:xfrm>
+      </p:grpSpPr>
+      <p:sp>
+        <p:nvSpPr>
+          <p:cNvPr id="2" name="Title 1"/>
+          <p:cNvSpPr>
+            <a:spLocks noGrp="1"/>
+          </p:cNvSpPr>
+          <p:nvPr>
+            <p:ph type="title"/>
+          </p:nvPr>
+        </p:nvSpPr>
+        <p:spPr/>
+        <p:txBody>
+          <a:bodyPr/>
+          <a:lstStyle/>
+          <a:p>
+            <a:r>
+              <a:rPr lang="en-US" dirty="0" smtClean="0"/>
+              <a:t>Future Work</a:t>
+            </a:r>
+            <a:endParaRPr lang="en-US" dirty="0"/>
+          </a:p>
+        </p:txBody>
+      </p:sp>
+      <p:sp>
+        <p:nvSpPr>
+          <p:cNvPr id="3" name="Content Placeholder 2"/>
+          <p:cNvSpPr>
+            <a:spLocks noGrp="1"/>
+          </p:cNvSpPr>
+          <p:nvPr>
+            <p:ph idx="1"/>
+          </p:nvPr>
+        </p:nvSpPr>
+        <p:spPr/>
+        <p:txBody>
+          <a:bodyPr>
+            <a:normAutofit/>
+          </a:bodyPr>
+          <a:lstStyle/>
+          <a:p>
+            <a:r>
+              <a:rPr lang="en-US" sz="2400" dirty="0" smtClean="0"/>
+              <a:t>What happens with…</a:t>
+            </a:r>
+          </a:p>
+          <a:p>
+            <a:pPr lvl="1"/>
+            <a:r>
+              <a:rPr lang="en-US" sz="2000" dirty="0" smtClean="0"/>
+              <a:t>Partitioning and parallel queries</a:t>
+            </a:r>
+          </a:p>
+          <a:p>
+            <a:pPr lvl="1"/>
+            <a:r>
+              <a:rPr lang="en-US" sz="2000" dirty="0" smtClean="0"/>
+              <a:t>Table compression and parallel queries</a:t>
+            </a:r>
+          </a:p>
+          <a:p>
+            <a:pPr lvl="1"/>
+            <a:r>
+              <a:rPr lang="en-US" sz="2000" dirty="0" smtClean="0"/>
+              <a:t>Indexing and In-Memory</a:t>
+            </a:r>
+          </a:p>
+          <a:p>
+            <a:pPr lvl="1"/>
+            <a:r>
+              <a:rPr lang="en-US" sz="2000" dirty="0" smtClean="0"/>
+              <a:t>DML and In-Memory</a:t>
+            </a:r>
+            <a:endParaRPr lang="en-US" sz="2000" dirty="0"/>
+          </a:p>
+        </p:txBody>
+      </p:sp>
+    </p:spTree>
+    <p:extLst>
+      <p:ext uri="{BB962C8B-B14F-4D97-AF65-F5344CB8AC3E}">
+        <p14:creationId xmlns:p14="http://schemas.microsoft.com/office/powerpoint/2010/main" val="3857914130"/>
+      </p:ext>
+    </p:extLst>
+  </p:cSld>
+  <p:clrMapOvr>
+    <a:masterClrMapping/>
+  </p:clrMapOvr>
+  <mc:AlternateContent xmlns:mc="http://schemas.openxmlformats.org/markup-compatibility/2006" xmlns:p14="http://schemas.microsoft.com/office/powerpoint/2010/main">
+    <mc:Choice Requires="p14">
+      <p:transition spd="med" p14:dur="700">
+        <p:fade/>
+      </p:transition>
+    </mc:Choice>
+    <mc:Fallback xmlns="">
+      <p:transition spd="med">
+        <p:fade/>
+      </p:transition>
+    </mc:Fallback>
+  </mc:AlternateContent>
+</p:sld>
+</file>
+
+<file path=ppt/slides/slide26.xml><?xml version="1.0" encoding="utf-8"?>
+<p:sld xmlns:a="http://schemas.openxmlformats.org/drawingml/2006/main" xmlns:r="http://schemas.openxmlformats.org/officeDocument/2006/relationships" xmlns:p="http://schemas.openxmlformats.org/presentationml/2006/main">
+  <p:cSld>
+    <p:spTree>
+      <p:nvGrpSpPr>
+        <p:cNvPr id="1" name=""/>
+        <p:cNvGrpSpPr/>
+        <p:nvPr/>
+      </p:nvGrpSpPr>
+      <p:grpSpPr>
+        <a:xfrm>
+          <a:off x="0" y="0"/>
+          <a:ext cx="0" cy="0"/>
+          <a:chOff x="0" y="0"/>
+          <a:chExt cx="0" cy="0"/>
+        </a:xfrm>
+      </p:grpSpPr>
+      <p:sp>
+        <p:nvSpPr>
+          <p:cNvPr id="2" name="Title 1"/>
+          <p:cNvSpPr>
+            <a:spLocks noGrp="1"/>
+          </p:cNvSpPr>
+          <p:nvPr>
+            <p:ph type="title"/>
+          </p:nvPr>
+        </p:nvSpPr>
+        <p:spPr/>
+        <p:txBody>
+          <a:bodyPr/>
+          <a:lstStyle/>
+          <a:p>
+            <a:r>
+              <a:rPr lang="en-US" dirty="0" smtClean="0"/>
+              <a:t>Acknowledgements</a:t>
+            </a:r>
+            <a:endParaRPr lang="en-US" dirty="0"/>
+          </a:p>
+        </p:txBody>
+      </p:sp>
+      <p:sp>
+        <p:nvSpPr>
+          <p:cNvPr id="3" name="Content Placeholder 2"/>
+          <p:cNvSpPr>
+            <a:spLocks noGrp="1"/>
+          </p:cNvSpPr>
+          <p:nvPr>
+            <p:ph idx="1"/>
+          </p:nvPr>
+        </p:nvSpPr>
+        <p:spPr/>
+        <p:txBody>
+          <a:bodyPr/>
+          <a:lstStyle/>
+          <a:p>
+            <a:r>
+              <a:rPr lang="en-US" dirty="0" err="1" smtClean="0"/>
+              <a:t>Hotsos</a:t>
+            </a:r>
+            <a:r>
+              <a:rPr lang="en-US" dirty="0" smtClean="0"/>
+              <a:t>!</a:t>
+            </a:r>
+          </a:p>
+          <a:p>
+            <a:r>
+              <a:rPr lang="en-US" dirty="0" smtClean="0"/>
+              <a:t>OSU Computer Science Students</a:t>
+            </a:r>
+          </a:p>
+          <a:p>
+            <a:pPr lvl="1"/>
+            <a:r>
+              <a:rPr lang="en-US" dirty="0" smtClean="0"/>
+              <a:t>Nathaniel Whitlock</a:t>
+            </a:r>
+          </a:p>
+          <a:p>
+            <a:pPr lvl="1"/>
+            <a:r>
+              <a:rPr lang="en-US" dirty="0" err="1" smtClean="0"/>
+              <a:t>Nic</a:t>
+            </a:r>
+            <a:r>
+              <a:rPr lang="en-US" dirty="0" smtClean="0"/>
+              <a:t> </a:t>
+            </a:r>
+            <a:r>
+              <a:rPr lang="en-US" dirty="0" err="1" smtClean="0"/>
+              <a:t>Desilets</a:t>
+            </a:r>
+            <a:endParaRPr lang="en-US" dirty="0" smtClean="0"/>
+          </a:p>
+          <a:p>
+            <a:r>
+              <a:rPr lang="en-US" dirty="0" smtClean="0"/>
+              <a:t>All the great Oracle Bloggers</a:t>
+            </a:r>
+          </a:p>
+          <a:p>
+            <a:pPr lvl="1"/>
+            <a:r>
+              <a:rPr lang="en-US" dirty="0" smtClean="0"/>
+              <a:t>Kerry Osborn</a:t>
+            </a:r>
+          </a:p>
+          <a:p>
+            <a:pPr lvl="1"/>
+            <a:r>
+              <a:rPr lang="en-US" dirty="0" err="1" smtClean="0"/>
+              <a:t>Tanel</a:t>
+            </a:r>
+            <a:r>
+              <a:rPr lang="en-US" dirty="0" smtClean="0"/>
+              <a:t> </a:t>
+            </a:r>
+            <a:r>
+              <a:rPr lang="en-US" dirty="0" err="1" smtClean="0"/>
+              <a:t>Poder</a:t>
+            </a:r>
+            <a:endParaRPr lang="en-US" dirty="0" smtClean="0"/>
+          </a:p>
+          <a:p>
+            <a:pPr lvl="1"/>
+            <a:r>
+              <a:rPr lang="en-US" dirty="0" smtClean="0"/>
+              <a:t>Jonathan Lewis</a:t>
+            </a:r>
+          </a:p>
+          <a:p>
+            <a:pPr lvl="1"/>
+            <a:endParaRPr lang="en-US" dirty="0" smtClean="0"/>
+          </a:p>
+          <a:p>
+            <a:pPr lvl="1"/>
+            <a:endParaRPr lang="en-US" dirty="0"/>
+          </a:p>
+        </p:txBody>
+      </p:sp>
+    </p:spTree>
+    <p:extLst>
+      <p:ext uri="{BB962C8B-B14F-4D97-AF65-F5344CB8AC3E}">
+        <p14:creationId xmlns:p14="http://schemas.microsoft.com/office/powerpoint/2010/main" val="1127954951"/>
+      </p:ext>
+    </p:extLst>
+  </p:cSld>
+  <p:clrMapOvr>
+    <a:masterClrMapping/>
+  </p:clrMapOvr>
+  <mc:AlternateContent xmlns:mc="http://schemas.openxmlformats.org/markup-compatibility/2006" xmlns:p14="http://schemas.microsoft.com/office/powerpoint/2010/main">
+    <mc:Choice Requires="p14">
+      <p:transition spd="med" p14:dur="700">
+        <p:fade/>
+      </p:transition>
+    </mc:Choice>
+    <mc:Fallback xmlns="">
+      <p:transition spd="med">
+        <p:fade/>
+      </p:transition>
+    </mc:Fallback>
+  </mc:AlternateContent>
+</p:sld>
+</file>
+
 <file path=ppt/slides/slide3.xml><?xml version="1.0" encoding="utf-8"?>
+<p:sld xmlns:a="http://schemas.openxmlformats.org/drawingml/2006/main" xmlns:r="http://schemas.openxmlformats.org/officeDocument/2006/relationships" xmlns:p="http://schemas.openxmlformats.org/presentationml/2006/main">
+  <p:cSld>
+    <p:spTree>
+      <p:nvGrpSpPr>
+        <p:cNvPr id="1" name=""/>
+        <p:cNvGrpSpPr/>
+        <p:nvPr/>
+      </p:nvGrpSpPr>
+      <p:grpSpPr>
+        <a:xfrm>
+          <a:off x="0" y="0"/>
+          <a:ext cx="0" cy="0"/>
+          <a:chOff x="0" y="0"/>
+          <a:chExt cx="0" cy="0"/>
+        </a:xfrm>
+      </p:grpSpPr>
+      <p:sp>
+        <p:nvSpPr>
+          <p:cNvPr id="2" name="Title 1"/>
+          <p:cNvSpPr>
+            <a:spLocks noGrp="1"/>
+          </p:cNvSpPr>
+          <p:nvPr>
+            <p:ph type="title"/>
+          </p:nvPr>
+        </p:nvSpPr>
+        <p:spPr/>
+        <p:txBody>
+          <a:bodyPr/>
+          <a:lstStyle/>
+          <a:p>
+            <a:r>
+              <a:rPr lang="en-US" dirty="0" smtClean="0"/>
+              <a:t>Introduction</a:t>
+            </a:r>
+            <a:endParaRPr lang="en-US" dirty="0"/>
+          </a:p>
+        </p:txBody>
+      </p:sp>
+      <p:sp>
+        <p:nvSpPr>
+          <p:cNvPr id="3" name="Content Placeholder 2"/>
+          <p:cNvSpPr>
+            <a:spLocks noGrp="1"/>
+          </p:cNvSpPr>
+          <p:nvPr>
+            <p:ph idx="1"/>
+          </p:nvPr>
+        </p:nvSpPr>
+        <p:spPr/>
+        <p:txBody>
+          <a:bodyPr>
+            <a:normAutofit lnSpcReduction="10000"/>
+          </a:bodyPr>
+          <a:lstStyle/>
+          <a:p>
+            <a:r>
+              <a:rPr lang="en-US" dirty="0" smtClean="0"/>
+              <a:t>We work for Hewlett Packard in Corvallis Oregon</a:t>
+            </a:r>
+          </a:p>
+          <a:p>
+            <a:r>
+              <a:rPr lang="en-US" dirty="0" smtClean="0"/>
+              <a:t>We are on a team that builds really big printers</a:t>
+            </a:r>
+          </a:p>
+          <a:p>
+            <a:r>
+              <a:rPr lang="en-US" b="1" u="sng" dirty="0" smtClean="0"/>
+              <a:t>Engineering </a:t>
+            </a:r>
+            <a:r>
+              <a:rPr lang="en-US" b="1" u="sng" dirty="0"/>
+              <a:t>Analytics</a:t>
+            </a:r>
+            <a:endParaRPr lang="en-US" dirty="0"/>
+          </a:p>
+          <a:p>
+            <a:pPr lvl="1"/>
+            <a:r>
+              <a:rPr lang="en-US" dirty="0"/>
+              <a:t>Analytics on large datasets to provide insights to the engineering team, the tiered support organization, and to the end customer.</a:t>
+            </a:r>
+          </a:p>
+          <a:p>
+            <a:pPr lvl="2"/>
+            <a:r>
+              <a:rPr lang="en-US" dirty="0"/>
+              <a:t>Failure mode detection</a:t>
+            </a:r>
+          </a:p>
+          <a:p>
+            <a:pPr lvl="2"/>
+            <a:r>
+              <a:rPr lang="en-US" dirty="0"/>
+              <a:t>Machine performance</a:t>
+            </a:r>
+          </a:p>
+          <a:p>
+            <a:pPr lvl="2"/>
+            <a:r>
+              <a:rPr lang="en-US" dirty="0"/>
+              <a:t>Fundamental engineering models</a:t>
+            </a:r>
+          </a:p>
+          <a:p>
+            <a:r>
+              <a:rPr lang="en-US" b="1" u="sng" dirty="0"/>
+              <a:t>Our Data</a:t>
+            </a:r>
+          </a:p>
+          <a:p>
+            <a:pPr lvl="1"/>
+            <a:r>
+              <a:rPr lang="en-US" dirty="0"/>
+              <a:t>Raw sensor information</a:t>
+            </a:r>
+          </a:p>
+          <a:p>
+            <a:pPr lvl="2"/>
+            <a:r>
+              <a:rPr lang="en-US" dirty="0"/>
+              <a:t>temperature, pressure, speed, tension, vision system output, etc.</a:t>
+            </a:r>
+          </a:p>
+          <a:p>
+            <a:pPr lvl="1"/>
+            <a:r>
+              <a:rPr lang="en-US" dirty="0"/>
+              <a:t>Device status information</a:t>
+            </a:r>
+          </a:p>
+          <a:p>
+            <a:pPr lvl="2"/>
+            <a:r>
+              <a:rPr lang="en-US" dirty="0"/>
+              <a:t>Alarms, faults, compute system usage, etc.</a:t>
+            </a:r>
+          </a:p>
+          <a:p>
+            <a:pPr lvl="1"/>
+            <a:r>
+              <a:rPr lang="en-US" dirty="0"/>
+              <a:t>Production information</a:t>
+            </a:r>
+          </a:p>
+          <a:p>
+            <a:pPr lvl="2"/>
+            <a:r>
+              <a:rPr lang="en-US" dirty="0"/>
+              <a:t>Jobs, consumables, operator interactions, etc.</a:t>
+            </a:r>
+          </a:p>
+          <a:p>
+            <a:pPr lvl="1"/>
+            <a:r>
+              <a:rPr lang="en-US" dirty="0"/>
+              <a:t>The data is linked only by the device it came from and the timestamp.</a:t>
+            </a:r>
+          </a:p>
+          <a:p>
+            <a:endParaRPr lang="en-US" dirty="0"/>
+          </a:p>
+        </p:txBody>
+      </p:sp>
+      <p:pic>
+        <p:nvPicPr>
+          <p:cNvPr id="4" name="Picture 3"/>
+          <p:cNvPicPr>
+            <a:picLocks noChangeAspect="1"/>
+          </p:cNvPicPr>
+          <p:nvPr/>
+        </p:nvPicPr>
+        <p:blipFill>
+          <a:blip r:embed="rId2"/>
+          <a:stretch>
+            <a:fillRect/>
+          </a:stretch>
+        </p:blipFill>
+        <p:spPr>
+          <a:xfrm>
+            <a:off x="6399212" y="76200"/>
+            <a:ext cx="5545282" cy="1502005"/>
+          </a:xfrm>
+          <a:prstGeom prst="rect">
+            <a:avLst/>
+          </a:prstGeom>
+        </p:spPr>
+      </p:pic>
+    </p:spTree>
+    <p:extLst>
+      <p:ext uri="{BB962C8B-B14F-4D97-AF65-F5344CB8AC3E}">
+        <p14:creationId xmlns:p14="http://schemas.microsoft.com/office/powerpoint/2010/main" val="2334711322"/>
+      </p:ext>
+    </p:extLst>
+  </p:cSld>
+  <p:clrMapOvr>
+    <a:masterClrMapping/>
+  </p:clrMapOvr>
+  <mc:AlternateContent xmlns:mc="http://schemas.openxmlformats.org/markup-compatibility/2006" xmlns:p14="http://schemas.microsoft.com/office/powerpoint/2010/main">
+    <mc:Choice Requires="p14">
+      <p:transition spd="med" p14:dur="700">
+        <p:fade/>
+      </p:transition>
+    </mc:Choice>
+    <mc:Fallback xmlns="">
+      <p:transition spd="med">
+        <p:fade/>
+      </p:transition>
+    </mc:Fallback>
+  </mc:AlternateContent>
+</p:sld>
+</file>
+
+<file path=ppt/slides/slide4.xml><?xml version="1.0" encoding="utf-8"?>
+<p:sld xmlns:a="http://schemas.openxmlformats.org/drawingml/2006/main" xmlns:r="http://schemas.openxmlformats.org/officeDocument/2006/relationships" xmlns:p="http://schemas.openxmlformats.org/presentationml/2006/main">
+  <p:cSld>
+    <p:spTree>
+      <p:nvGrpSpPr>
+        <p:cNvPr id="1" name=""/>
+        <p:cNvGrpSpPr/>
+        <p:nvPr/>
+      </p:nvGrpSpPr>
+      <p:grpSpPr>
+        <a:xfrm>
+          <a:off x="0" y="0"/>
+          <a:ext cx="0" cy="0"/>
+          <a:chOff x="0" y="0"/>
+          <a:chExt cx="0" cy="0"/>
+        </a:xfrm>
+      </p:grpSpPr>
+      <p:sp>
+        <p:nvSpPr>
+          <p:cNvPr id="2" name="Title 1"/>
+          <p:cNvSpPr>
+            <a:spLocks noGrp="1"/>
+          </p:cNvSpPr>
+          <p:nvPr>
+            <p:ph type="title"/>
+          </p:nvPr>
+        </p:nvSpPr>
+        <p:spPr/>
+        <p:txBody>
+          <a:bodyPr/>
+          <a:lstStyle/>
+          <a:p>
+            <a:r>
+              <a:rPr lang="en-US" dirty="0" smtClean="0"/>
+              <a:t>The Different Approaches to Tuning</a:t>
+            </a:r>
+            <a:endParaRPr lang="en-US" dirty="0"/>
+          </a:p>
+        </p:txBody>
+      </p:sp>
+      <p:sp>
+        <p:nvSpPr>
+          <p:cNvPr id="3" name="Content Placeholder 2"/>
+          <p:cNvSpPr>
+            <a:spLocks noGrp="1"/>
+          </p:cNvSpPr>
+          <p:nvPr>
+            <p:ph idx="1"/>
+          </p:nvPr>
+        </p:nvSpPr>
+        <p:spPr/>
+        <p:txBody>
+          <a:bodyPr>
+            <a:normAutofit/>
+          </a:bodyPr>
+          <a:lstStyle/>
+          <a:p>
+            <a:r>
+              <a:rPr lang="en-US" sz="2800" dirty="0" smtClean="0"/>
+              <a:t>The 3 R’s of query tuning</a:t>
+            </a:r>
+          </a:p>
+          <a:p>
+            <a:pPr lvl="1"/>
+            <a:r>
+              <a:rPr lang="en-US" sz="2400" b="1" u="sng" dirty="0" smtClean="0"/>
+              <a:t>Reduce</a:t>
+            </a:r>
+          </a:p>
+          <a:p>
+            <a:pPr lvl="2"/>
+            <a:r>
+              <a:rPr lang="en-US" sz="2000" dirty="0" smtClean="0"/>
+              <a:t>Partition pruning, indexing, etc.</a:t>
+            </a:r>
+          </a:p>
+          <a:p>
+            <a:pPr lvl="1"/>
+            <a:r>
+              <a:rPr lang="en-US" sz="2400" b="1" u="sng" dirty="0" smtClean="0"/>
+              <a:t>Reuse</a:t>
+            </a:r>
+          </a:p>
+          <a:p>
+            <a:pPr lvl="2"/>
+            <a:r>
+              <a:rPr lang="en-US" sz="2000" dirty="0" smtClean="0"/>
+              <a:t>Pre-Aggregation, Bind variables, SQL Plan Baselines, etc.</a:t>
+            </a:r>
+          </a:p>
+          <a:p>
+            <a:pPr lvl="1"/>
+            <a:r>
+              <a:rPr lang="en-US" sz="2400" b="1" u="sng" dirty="0" smtClean="0"/>
+              <a:t>Rev It Up!</a:t>
+            </a:r>
+          </a:p>
+          <a:p>
+            <a:pPr lvl="2"/>
+            <a:r>
+              <a:rPr lang="en-US" sz="2000" dirty="0" smtClean="0"/>
+              <a:t>Use your resources</a:t>
+            </a:r>
+          </a:p>
+          <a:p>
+            <a:pPr marL="411480" lvl="2" indent="0">
+              <a:buNone/>
+            </a:pPr>
+            <a:endParaRPr lang="en-US" sz="2000" dirty="0" smtClean="0"/>
+          </a:p>
+          <a:p>
+            <a:r>
+              <a:rPr lang="en-US" sz="2800" dirty="0" smtClean="0"/>
+              <a:t>Sometimes you just have to crunch a lot of data…</a:t>
+            </a:r>
+          </a:p>
+          <a:p>
+            <a:pPr lvl="1"/>
+            <a:r>
+              <a:rPr lang="en-US" sz="2600" dirty="0" smtClean="0"/>
+              <a:t>Monthly/Weekly/Nightly/Hourly Jobs</a:t>
+            </a:r>
+          </a:p>
+          <a:p>
+            <a:pPr lvl="1"/>
+            <a:r>
+              <a:rPr lang="en-US" sz="2600" dirty="0" smtClean="0"/>
+              <a:t>Ad-hoc queries</a:t>
+            </a:r>
+            <a:endParaRPr lang="en-US" sz="2600" dirty="0"/>
+          </a:p>
+        </p:txBody>
+      </p:sp>
+    </p:spTree>
+    <p:extLst>
+      <p:ext uri="{BB962C8B-B14F-4D97-AF65-F5344CB8AC3E}">
+        <p14:creationId xmlns:p14="http://schemas.microsoft.com/office/powerpoint/2010/main" val="4107619936"/>
+      </p:ext>
+    </p:extLst>
+  </p:cSld>
+  <p:clrMapOvr>
+    <a:masterClrMapping/>
+  </p:clrMapOvr>
+  <mc:AlternateContent xmlns:mc="http://schemas.openxmlformats.org/markup-compatibility/2006" xmlns:p14="http://schemas.microsoft.com/office/powerpoint/2010/main">
+    <mc:Choice Requires="p14">
+      <p:transition spd="med" p14:dur="700">
+        <p:fade/>
+      </p:transition>
+    </mc:Choice>
+    <mc:Fallback xmlns="">
+      <p:transition spd="med">
+        <p:fade/>
+      </p:transition>
+    </mc:Fallback>
+  </mc:AlternateContent>
+</p:sld>
+</file>
+
+<file path=ppt/slides/slide5.xml><?xml version="1.0" encoding="utf-8"?>
 <p:sld xmlns:a="http://schemas.openxmlformats.org/drawingml/2006/main" xmlns:r="http://schemas.openxmlformats.org/officeDocument/2006/relationships" xmlns:p="http://schemas.openxmlformats.org/presentationml/2006/main">
   <p:cSld>
     <p:spTree>
@@ -15024,7 +18037,7 @@
 </p:sld>
 </file>
 
-<file path=ppt/slides/slide4.xml><?xml version="1.0" encoding="utf-8"?>
+<file path=ppt/slides/slide6.xml><?xml version="1.0" encoding="utf-8"?>
 <p:sld xmlns:a="http://schemas.openxmlformats.org/drawingml/2006/main" xmlns:r="http://schemas.openxmlformats.org/officeDocument/2006/relationships" xmlns:p="http://schemas.openxmlformats.org/presentationml/2006/main">
   <p:cSld>
     <p:spTree>
@@ -15149,7 +18162,7 @@
 </p:sld>
 </file>
 
-<file path=ppt/slides/slide5.xml><?xml version="1.0" encoding="utf-8"?>
+<file path=ppt/slides/slide7.xml><?xml version="1.0" encoding="utf-8"?>
 <p:sld xmlns:a="http://schemas.openxmlformats.org/drawingml/2006/main" xmlns:r="http://schemas.openxmlformats.org/officeDocument/2006/relationships" xmlns:p="http://schemas.openxmlformats.org/presentationml/2006/main">
   <p:cSld>
     <p:spTree>
@@ -15242,7 +18255,11 @@
           <a:p>
             <a:r>
               <a:rPr lang="en-US" dirty="0" smtClean="0"/>
-              <a:t>Lets set up a test … how hard can it be?</a:t>
+              <a:t>Let’s </a:t>
+            </a:r>
+            <a:r>
+              <a:rPr lang="en-US" dirty="0" smtClean="0"/>
+              <a:t>set up a test … how hard can it be?</a:t>
             </a:r>
             <a:endParaRPr lang="en-US" dirty="0"/>
           </a:p>
@@ -15297,7 +18314,7 @@
         <p:spPr>
           <a:xfrm>
             <a:off x="3351212" y="1752600"/>
-            <a:ext cx="2743200" cy="304800"/>
+            <a:ext cx="3048000" cy="381000"/>
           </a:xfrm>
           <a:prstGeom prst="rect">
             <a:avLst/>
@@ -15317,8 +18334,13 @@
             </a:pPr>
             <a:r>
               <a:rPr lang="en-US" sz="2000" dirty="0" smtClean="0"/>
-              <a:t>What we thought we new</a:t>
-            </a:r>
+              <a:t>What we thought we </a:t>
+            </a:r>
+            <a:r>
+              <a:rPr lang="en-US" sz="2000" dirty="0" smtClean="0"/>
+              <a:t>knew</a:t>
+            </a:r>
+            <a:endParaRPr lang="en-US" sz="2000" dirty="0" smtClean="0"/>
           </a:p>
         </p:txBody>
       </p:sp>
@@ -15490,8 +18512,8 @@
         </p:nvCxnSpPr>
         <p:spPr>
           <a:xfrm>
-            <a:off x="4722812" y="2057400"/>
-            <a:ext cx="152400" cy="381000"/>
+            <a:off x="4875212" y="2133600"/>
+            <a:ext cx="0" cy="304800"/>
           </a:xfrm>
           <a:prstGeom prst="straightConnector1">
             <a:avLst/>
@@ -15693,7 +18715,7 @@
 </p:sld>
 </file>
 
-<file path=ppt/slides/slide6.xml><?xml version="1.0" encoding="utf-8"?>
+<file path=ppt/slides/slide8.xml><?xml version="1.0" encoding="utf-8"?>
 <p:sld xmlns:a="http://schemas.openxmlformats.org/drawingml/2006/main" xmlns:r="http://schemas.openxmlformats.org/officeDocument/2006/relationships" xmlns:p="http://schemas.openxmlformats.org/presentationml/2006/main">
   <p:cSld>
     <p:spTree>
@@ -15726,8 +18748,12 @@
           <a:lstStyle/>
           <a:p>
             <a:r>
+              <a:rPr lang="en-US" dirty="0"/>
+              <a:t>Experiment </a:t>
+            </a:r>
+            <a:r>
               <a:rPr lang="en-US" dirty="0" smtClean="0"/>
-              <a:t>SGA Overview</a:t>
+              <a:t>Overview (Representative Tables &amp; Queries)</a:t>
             </a:r>
             <a:endParaRPr lang="en-US" dirty="0"/>
           </a:p>
@@ -15735,298 +18761,31 @@
       </p:sp>
       <p:sp>
         <p:nvSpPr>
-          <p:cNvPr id="3" name="Content Placeholder 2"/>
-          <p:cNvSpPr>
-            <a:spLocks noGrp="1"/>
-          </p:cNvSpPr>
-          <p:nvPr>
-            <p:ph idx="1"/>
-          </p:nvPr>
-        </p:nvSpPr>
-        <p:spPr/>
-        <p:txBody>
-          <a:bodyPr/>
-          <a:lstStyle/>
-          <a:p>
-            <a:r>
-              <a:rPr lang="en-US" dirty="0" smtClean="0"/>
-              <a:t>Quick refresher on SGA memory structures </a:t>
-            </a:r>
-            <a:endParaRPr lang="en-US" dirty="0"/>
-          </a:p>
-        </p:txBody>
-      </p:sp>
-      <p:sp>
-        <p:nvSpPr>
-          <p:cNvPr id="4" name="TextBox 3"/>
-          <p:cNvSpPr txBox="1"/>
+          <p:cNvPr id="5" name="Content Placeholder 2"/>
+          <p:cNvSpPr txBox="1">
+            <a:spLocks/>
+          </p:cNvSpPr>
           <p:nvPr/>
         </p:nvSpPr>
         <p:spPr>
           <a:xfrm>
-            <a:off x="1370012" y="2438400"/>
-            <a:ext cx="3048000" cy="2133600"/>
+            <a:off x="418227" y="1143000"/>
+            <a:ext cx="5486400" cy="2743200"/>
           </a:xfrm>
           <a:prstGeom prst="rect">
             <a:avLst/>
           </a:prstGeom>
-          <a:noFill/>
+          <a:solidFill>
+            <a:srgbClr val="BFE2CA"/>
+          </a:solidFill>
+          <a:ln>
+            <a:solidFill>
+              <a:schemeClr val="tx1"/>
+            </a:solidFill>
+          </a:ln>
         </p:spPr>
         <p:txBody>
-          <a:bodyPr wrap="none" lIns="0" tIns="0" rIns="0" bIns="0" rtlCol="0">
-            <a:noAutofit/>
-          </a:bodyPr>
-          <a:lstStyle/>
-          <a:p>
-            <a:pPr>
-              <a:lnSpc>
-                <a:spcPct val="90000"/>
-              </a:lnSpc>
-            </a:pPr>
-            <a:r>
-              <a:rPr lang="en-US" sz="2400" b="1" dirty="0" smtClean="0"/>
-              <a:t>Areas of interest for us</a:t>
-            </a:r>
-          </a:p>
-          <a:p>
-            <a:pPr>
-              <a:lnSpc>
-                <a:spcPct val="90000"/>
-              </a:lnSpc>
-            </a:pPr>
-            <a:endParaRPr lang="en-US" dirty="0"/>
-          </a:p>
-          <a:p>
-            <a:pPr marL="285750" indent="-285750">
-              <a:lnSpc>
-                <a:spcPct val="90000"/>
-              </a:lnSpc>
-              <a:buFont typeface="Arial" panose="020B0604020202020204" pitchFamily="34" charset="0"/>
-              <a:buChar char="•"/>
-            </a:pPr>
-            <a:r>
-              <a:rPr lang="en-US" sz="2000" dirty="0" smtClean="0"/>
-              <a:t>Buffer Cache</a:t>
-            </a:r>
-          </a:p>
-          <a:p>
-            <a:pPr marL="285750" indent="-285750">
-              <a:lnSpc>
-                <a:spcPct val="90000"/>
-              </a:lnSpc>
-              <a:buFont typeface="Arial" panose="020B0604020202020204" pitchFamily="34" charset="0"/>
-              <a:buChar char="•"/>
-            </a:pPr>
-            <a:endParaRPr lang="en-US" sz="2000" dirty="0" smtClean="0"/>
-          </a:p>
-          <a:p>
-            <a:pPr marL="285750" indent="-285750">
-              <a:lnSpc>
-                <a:spcPct val="90000"/>
-              </a:lnSpc>
-              <a:buFont typeface="Arial" panose="020B0604020202020204" pitchFamily="34" charset="0"/>
-              <a:buChar char="•"/>
-            </a:pPr>
-            <a:r>
-              <a:rPr lang="en-US" sz="2000" dirty="0" smtClean="0"/>
-              <a:t>In-Memory Column Store</a:t>
-            </a:r>
-          </a:p>
-          <a:p>
-            <a:pPr marL="285750" indent="-285750">
-              <a:lnSpc>
-                <a:spcPct val="90000"/>
-              </a:lnSpc>
-              <a:buFont typeface="Arial" panose="020B0604020202020204" pitchFamily="34" charset="0"/>
-              <a:buChar char="•"/>
-            </a:pPr>
-            <a:endParaRPr lang="en-US" sz="2000" dirty="0" smtClean="0"/>
-          </a:p>
-          <a:p>
-            <a:pPr marL="285750" indent="-285750">
-              <a:lnSpc>
-                <a:spcPct val="90000"/>
-              </a:lnSpc>
-              <a:buFont typeface="Arial" panose="020B0604020202020204" pitchFamily="34" charset="0"/>
-              <a:buChar char="•"/>
-            </a:pPr>
-            <a:endParaRPr lang="en-US" dirty="0" smtClean="0"/>
-          </a:p>
-        </p:txBody>
-      </p:sp>
-      <p:pic>
-        <p:nvPicPr>
-          <p:cNvPr id="1025" name="Picture 1" descr="Description of Figure 14-1 follows"/>
-          <p:cNvPicPr>
-            <a:picLocks noChangeAspect="1" noChangeArrowheads="1"/>
-          </p:cNvPicPr>
-          <p:nvPr/>
-        </p:nvPicPr>
-        <p:blipFill>
-          <a:blip r:embed="rId2">
-            <a:extLst>
-              <a:ext uri="{28A0092B-C50C-407E-A947-70E740481C1C}">
-                <a14:useLocalDpi xmlns:a14="http://schemas.microsoft.com/office/drawing/2010/main" val="0"/>
-              </a:ext>
-            </a:extLst>
-          </a:blip>
-          <a:srcRect/>
-          <a:stretch>
-            <a:fillRect/>
-          </a:stretch>
-        </p:blipFill>
-        <p:spPr bwMode="auto">
-          <a:xfrm>
-            <a:off x="6379629" y="762001"/>
-            <a:ext cx="5199755" cy="5334000"/>
-          </a:xfrm>
-          <a:prstGeom prst="rect">
-            <a:avLst/>
-          </a:prstGeom>
-          <a:noFill/>
-          <a:extLst>
-            <a:ext uri="{909E8E84-426E-40DD-AFC4-6F175D3DCCD1}">
-              <a14:hiddenFill xmlns:a14="http://schemas.microsoft.com/office/drawing/2010/main">
-                <a:solidFill>
-                  <a:srgbClr val="FFFFFF"/>
-                </a:solidFill>
-              </a14:hiddenFill>
-            </a:ext>
-          </a:extLst>
-        </p:spPr>
-      </p:pic>
-    </p:spTree>
-    <p:extLst>
-      <p:ext uri="{BB962C8B-B14F-4D97-AF65-F5344CB8AC3E}">
-        <p14:creationId xmlns:p14="http://schemas.microsoft.com/office/powerpoint/2010/main" val="3143141133"/>
-      </p:ext>
-    </p:extLst>
-  </p:cSld>
-  <p:clrMapOvr>
-    <a:masterClrMapping/>
-  </p:clrMapOvr>
-  <mc:AlternateContent xmlns:mc="http://schemas.openxmlformats.org/markup-compatibility/2006" xmlns:p14="http://schemas.microsoft.com/office/powerpoint/2010/main">
-    <mc:Choice Requires="p14">
-      <p:transition spd="med" p14:dur="700">
-        <p:fade/>
-      </p:transition>
-    </mc:Choice>
-    <mc:Fallback xmlns="">
-      <p:transition spd="med">
-        <p:fade/>
-      </p:transition>
-    </mc:Fallback>
-  </mc:AlternateContent>
-  <p:timing>
-    <p:tnLst>
-      <p:par>
-        <p:cTn id="1" dur="indefinite" restart="never" nodeType="tmRoot"/>
-      </p:par>
-    </p:tnLst>
-  </p:timing>
-</p:sld>
-</file>
-
-<file path=ppt/slides/slide7.xml><?xml version="1.0" encoding="utf-8"?>
-<p:sld xmlns:a="http://schemas.openxmlformats.org/drawingml/2006/main" xmlns:r="http://schemas.openxmlformats.org/officeDocument/2006/relationships" xmlns:p="http://schemas.openxmlformats.org/presentationml/2006/main">
-  <p:cSld>
-    <p:spTree>
-      <p:nvGrpSpPr>
-        <p:cNvPr id="1" name=""/>
-        <p:cNvGrpSpPr/>
-        <p:nvPr/>
-      </p:nvGrpSpPr>
-      <p:grpSpPr>
-        <a:xfrm>
-          <a:off x="0" y="0"/>
-          <a:ext cx="0" cy="0"/>
-          <a:chOff x="0" y="0"/>
-          <a:chExt cx="0" cy="0"/>
-        </a:xfrm>
-      </p:grpSpPr>
-      <p:sp>
-        <p:nvSpPr>
-          <p:cNvPr id="2" name="Title 1"/>
-          <p:cNvSpPr>
-            <a:spLocks noGrp="1"/>
-          </p:cNvSpPr>
-          <p:nvPr>
-            <p:ph type="title"/>
-          </p:nvPr>
-        </p:nvSpPr>
-        <p:spPr/>
-        <p:txBody>
-          <a:bodyPr/>
-          <a:lstStyle/>
-          <a:p>
-            <a:r>
-              <a:rPr lang="en-US" dirty="0" smtClean="0"/>
-              <a:t>PGA Overview</a:t>
-            </a:r>
-            <a:endParaRPr lang="en-US" dirty="0"/>
-          </a:p>
-        </p:txBody>
-      </p:sp>
-      <p:pic>
-        <p:nvPicPr>
-          <p:cNvPr id="2052" name="Picture 4" descr="Description of Figure 14-4 follows"/>
-          <p:cNvPicPr>
-            <a:picLocks noChangeAspect="1" noChangeArrowheads="1"/>
-          </p:cNvPicPr>
-          <p:nvPr/>
-        </p:nvPicPr>
-        <p:blipFill>
-          <a:blip r:embed="rId2">
-            <a:extLst>
-              <a:ext uri="{28A0092B-C50C-407E-A947-70E740481C1C}">
-                <a14:useLocalDpi xmlns:a14="http://schemas.microsoft.com/office/drawing/2010/main" val="0"/>
-              </a:ext>
-            </a:extLst>
-          </a:blip>
-          <a:srcRect/>
-          <a:stretch>
-            <a:fillRect/>
-          </a:stretch>
-        </p:blipFill>
-        <p:spPr bwMode="auto">
-          <a:xfrm>
-            <a:off x="379412" y="1524000"/>
-            <a:ext cx="4791075" cy="1162050"/>
-          </a:xfrm>
-          <a:prstGeom prst="rect">
-            <a:avLst/>
-          </a:prstGeom>
-          <a:noFill/>
-          <a:extLst>
-            <a:ext uri="{909E8E84-426E-40DD-AFC4-6F175D3DCCD1}">
-              <a14:hiddenFill xmlns:a14="http://schemas.microsoft.com/office/drawing/2010/main">
-                <a:solidFill>
-                  <a:srgbClr val="FFFFFF"/>
-                </a:solidFill>
-              </a14:hiddenFill>
-            </a:ext>
-          </a:extLst>
-        </p:spPr>
-      </p:pic>
-      <p:sp>
-        <p:nvSpPr>
-          <p:cNvPr id="5" name="Text Placeholder 4"/>
-          <p:cNvSpPr txBox="1">
-            <a:spLocks/>
-          </p:cNvSpPr>
-          <p:nvPr/>
-        </p:nvSpPr>
-        <p:spPr>
-          <a:xfrm>
-            <a:off x="6780212" y="1524000"/>
-            <a:ext cx="2513012" cy="526576"/>
-          </a:xfrm>
-          <a:prstGeom prst="rect">
-            <a:avLst/>
-          </a:prstGeom>
-        </p:spPr>
-        <p:txBody>
-          <a:bodyPr anchor="ctr" anchorCtr="0">
+          <a:bodyPr vert="horz" lIns="0" tIns="0" rIns="0" bIns="0" rtlCol="0" anchor="ctr">
             <a:normAutofit/>
           </a:bodyPr>
           <a:lstStyle>
@@ -16198,237 +18957,908 @@
             </a:lvl9pPr>
           </a:lstStyle>
           <a:p>
-            <a:pPr marL="0" indent="0" algn="ctr">
-              <a:buNone/>
-            </a:pPr>
+            <a:r>
+              <a:rPr lang="en-US" sz="2200" dirty="0" smtClean="0"/>
+              <a:t>Parent/Child Analytics</a:t>
+            </a:r>
+          </a:p>
+          <a:p>
+            <a:pPr lvl="1"/>
             <a:r>
               <a:rPr lang="en-US" sz="2000" dirty="0" smtClean="0"/>
-              <a:t>Parallel Execution</a:t>
-            </a:r>
-            <a:endParaRPr lang="en-US" sz="2000" dirty="0"/>
-          </a:p>
-        </p:txBody>
-      </p:sp>
-      <p:sp>
-        <p:nvSpPr>
-          <p:cNvPr id="6" name="Content Placeholder 5"/>
-          <p:cNvSpPr>
-            <a:spLocks noGrp="1"/>
-          </p:cNvSpPr>
-          <p:nvPr>
-            <p:ph sz="quarter" idx="4294967295"/>
-          </p:nvPr>
+              <a:t>Tables</a:t>
+            </a:r>
+          </a:p>
+          <a:p>
+            <a:pPr lvl="2"/>
+            <a:r>
+              <a:rPr lang="en-US" sz="1800" dirty="0" smtClean="0"/>
+              <a:t>PARENT_TABLE_V1</a:t>
+            </a:r>
+          </a:p>
+          <a:p>
+            <a:pPr lvl="3"/>
+            <a:r>
+              <a:rPr lang="en-US" sz="1600" dirty="0" smtClean="0"/>
+              <a:t>50M Rows, 1GB</a:t>
+            </a:r>
+          </a:p>
+          <a:p>
+            <a:pPr lvl="2"/>
+            <a:r>
+              <a:rPr lang="en-US" sz="1800" dirty="0" smtClean="0"/>
+              <a:t>CHILD_TABLE_V1</a:t>
+            </a:r>
+          </a:p>
+          <a:p>
+            <a:pPr lvl="3"/>
+            <a:r>
+              <a:rPr lang="en-US" sz="1600" dirty="0" smtClean="0"/>
+              <a:t>5B rows, 100GB</a:t>
+            </a:r>
+          </a:p>
+          <a:p>
+            <a:pPr lvl="1"/>
+            <a:r>
+              <a:rPr lang="en-US" sz="2000" dirty="0" smtClean="0"/>
+              <a:t>Standard Analytic Functions</a:t>
+            </a:r>
+          </a:p>
+          <a:p>
+            <a:pPr lvl="2"/>
+            <a:r>
+              <a:rPr lang="en-US" sz="1800" dirty="0" err="1" smtClean="0"/>
+              <a:t>Avg</a:t>
+            </a:r>
+            <a:r>
+              <a:rPr lang="en-US" sz="1800" dirty="0" smtClean="0"/>
+              <a:t>/Sum/Count</a:t>
+            </a:r>
+          </a:p>
+        </p:txBody>
+      </p:sp>
+      <p:sp>
+        <p:nvSpPr>
+          <p:cNvPr id="6" name="Content Placeholder 2"/>
+          <p:cNvSpPr txBox="1">
+            <a:spLocks/>
+          </p:cNvSpPr>
+          <p:nvPr/>
         </p:nvSpPr>
         <p:spPr>
           <a:xfrm>
-            <a:off x="5332412" y="2362200"/>
-            <a:ext cx="6705600" cy="3886200"/>
+            <a:off x="6284198" y="3989962"/>
+            <a:ext cx="5486400" cy="2743200"/>
           </a:xfrm>
           <a:prstGeom prst="rect">
             <a:avLst/>
           </a:prstGeom>
+          <a:solidFill>
+            <a:srgbClr val="BFE2CA"/>
+          </a:solidFill>
+          <a:ln>
+            <a:solidFill>
+              <a:schemeClr val="tx1"/>
+            </a:solidFill>
+          </a:ln>
         </p:spPr>
         <p:txBody>
-          <a:bodyPr>
-            <a:normAutofit fontScale="55000" lnSpcReduction="20000"/>
+          <a:bodyPr vert="horz" lIns="0" tIns="0" rIns="0" bIns="0" rtlCol="0" anchor="ctr">
+            <a:normAutofit/>
           </a:bodyPr>
-          <a:lstStyle/>
-          <a:p>
-            <a:r>
-              <a:rPr lang="en-US" sz="2900" dirty="0"/>
-              <a:t>_</a:t>
-            </a:r>
-            <a:r>
-              <a:rPr lang="en-US" sz="3300" dirty="0"/>
-              <a:t>PGA_MAX_SIZE: </a:t>
+          <a:lstStyle>
+            <a:lvl1pPr marL="182880" indent="-182880" algn="l" defTabSz="914400" rtl="0" eaLnBrk="1" latinLnBrk="0" hangingPunct="1">
+              <a:lnSpc>
+                <a:spcPct val="90000"/>
+              </a:lnSpc>
+              <a:spcBef>
+                <a:spcPts val="1200"/>
+              </a:spcBef>
+              <a:buFont typeface="HP Simplified" panose="020B0604020204020204" pitchFamily="34" charset="0"/>
+              <a:buChar char="•"/>
+              <a:defRPr sz="1800" kern="1200">
+                <a:solidFill>
+                  <a:schemeClr val="tx1"/>
+                </a:solidFill>
+                <a:latin typeface="+mn-lt"/>
+                <a:ea typeface="+mn-ea"/>
+                <a:cs typeface="+mn-cs"/>
+              </a:defRPr>
+            </a:lvl1pPr>
+            <a:lvl2pPr marL="411480" indent="-182880" algn="l" defTabSz="914400" rtl="0" eaLnBrk="1" latinLnBrk="0" hangingPunct="1">
+              <a:lnSpc>
+                <a:spcPct val="90000"/>
+              </a:lnSpc>
+              <a:spcBef>
+                <a:spcPts val="800"/>
+              </a:spcBef>
+              <a:buSzPct val="80000"/>
+              <a:buFont typeface="HP Simplified" panose="020B0604020204020204" pitchFamily="34" charset="0"/>
+              <a:buChar char="–"/>
+              <a:defRPr sz="1600" kern="1200">
+                <a:solidFill>
+                  <a:schemeClr val="tx1"/>
+                </a:solidFill>
+                <a:latin typeface="+mn-lt"/>
+                <a:ea typeface="+mn-ea"/>
+                <a:cs typeface="+mn-cs"/>
+              </a:defRPr>
+            </a:lvl2pPr>
+            <a:lvl3pPr marL="548640" indent="-137160" algn="l" defTabSz="914400" rtl="0" eaLnBrk="1" latinLnBrk="0" hangingPunct="1">
+              <a:lnSpc>
+                <a:spcPct val="90000"/>
+              </a:lnSpc>
+              <a:spcBef>
+                <a:spcPts val="600"/>
+              </a:spcBef>
+              <a:buFont typeface="HP Simplified" panose="020B0604020204020204" pitchFamily="34" charset="0"/>
+              <a:buChar char="•"/>
+              <a:defRPr sz="1400" kern="1200">
+                <a:solidFill>
+                  <a:schemeClr val="tx1"/>
+                </a:solidFill>
+                <a:latin typeface="+mn-lt"/>
+                <a:ea typeface="+mn-ea"/>
+                <a:cs typeface="+mn-cs"/>
+              </a:defRPr>
+            </a:lvl3pPr>
+            <a:lvl4pPr marL="731520" indent="-137160" algn="l" defTabSz="914400" rtl="0" eaLnBrk="1" latinLnBrk="0" hangingPunct="1">
+              <a:lnSpc>
+                <a:spcPct val="90000"/>
+              </a:lnSpc>
+              <a:spcBef>
+                <a:spcPts val="600"/>
+              </a:spcBef>
+              <a:buSzPct val="80000"/>
+              <a:buFont typeface="HP Simplified" panose="020B0604020204020204" pitchFamily="34" charset="0"/>
+              <a:buChar char="–"/>
+              <a:defRPr sz="1200" kern="1200">
+                <a:solidFill>
+                  <a:schemeClr val="tx1"/>
+                </a:solidFill>
+                <a:latin typeface="+mn-lt"/>
+                <a:ea typeface="+mn-ea"/>
+                <a:cs typeface="+mn-cs"/>
+              </a:defRPr>
+            </a:lvl4pPr>
+            <a:lvl5pPr marL="868680" indent="-137160" algn="l" defTabSz="914400" rtl="0" eaLnBrk="1" latinLnBrk="0" hangingPunct="1">
+              <a:lnSpc>
+                <a:spcPct val="90000"/>
+              </a:lnSpc>
+              <a:spcBef>
+                <a:spcPts val="600"/>
+              </a:spcBef>
+              <a:buFont typeface="HP Simplified" panose="020B0604020204020204" pitchFamily="34" charset="0"/>
+              <a:buChar char="•"/>
+              <a:defRPr sz="1200" kern="1200">
+                <a:solidFill>
+                  <a:schemeClr val="tx1"/>
+                </a:solidFill>
+                <a:latin typeface="+mn-lt"/>
+                <a:ea typeface="+mn-ea"/>
+                <a:cs typeface="+mn-cs"/>
+              </a:defRPr>
+            </a:lvl5pPr>
+            <a:lvl6pPr marL="1051560" indent="-137160" algn="l" defTabSz="914400" rtl="0" eaLnBrk="1" latinLnBrk="0" hangingPunct="1">
+              <a:lnSpc>
+                <a:spcPct val="90000"/>
+              </a:lnSpc>
+              <a:spcBef>
+                <a:spcPts val="600"/>
+              </a:spcBef>
+              <a:buSzPct val="80000"/>
+              <a:buFont typeface="HP Simplified" panose="020B0604020204020204" pitchFamily="34" charset="0"/>
+              <a:buChar char="–"/>
+              <a:defRPr sz="1200" kern="1200">
+                <a:solidFill>
+                  <a:schemeClr val="tx1"/>
+                </a:solidFill>
+                <a:latin typeface="+mn-lt"/>
+                <a:ea typeface="+mn-ea"/>
+                <a:cs typeface="+mn-cs"/>
+              </a:defRPr>
+            </a:lvl6pPr>
+            <a:lvl7pPr marL="1188720" indent="-137160" algn="l" defTabSz="914400" rtl="0" eaLnBrk="1" latinLnBrk="0" hangingPunct="1">
+              <a:lnSpc>
+                <a:spcPct val="90000"/>
+              </a:lnSpc>
+              <a:spcBef>
+                <a:spcPts val="600"/>
+              </a:spcBef>
+              <a:buFont typeface="HP Simplified" panose="020B0604020204020204" pitchFamily="34" charset="0"/>
+              <a:buChar char="•"/>
+              <a:defRPr sz="1200" kern="1200">
+                <a:solidFill>
+                  <a:schemeClr val="tx1"/>
+                </a:solidFill>
+                <a:latin typeface="+mn-lt"/>
+                <a:ea typeface="+mn-ea"/>
+                <a:cs typeface="+mn-cs"/>
+              </a:defRPr>
+            </a:lvl7pPr>
+            <a:lvl8pPr marL="1371600" indent="-137160" algn="l" defTabSz="914400" rtl="0" eaLnBrk="1" latinLnBrk="0" hangingPunct="1">
+              <a:lnSpc>
+                <a:spcPct val="90000"/>
+              </a:lnSpc>
+              <a:spcBef>
+                <a:spcPts val="600"/>
+              </a:spcBef>
+              <a:buSzPct val="80000"/>
+              <a:buFont typeface="HP Simplified" panose="020B0604020204020204" pitchFamily="34" charset="0"/>
+              <a:buChar char="–"/>
+              <a:defRPr sz="1200" kern="1200">
+                <a:solidFill>
+                  <a:schemeClr val="tx1"/>
+                </a:solidFill>
+                <a:latin typeface="+mn-lt"/>
+                <a:ea typeface="+mn-ea"/>
+                <a:cs typeface="+mn-cs"/>
+              </a:defRPr>
+            </a:lvl8pPr>
+            <a:lvl9pPr marL="1554480" indent="-137160" algn="l" defTabSz="914400" rtl="0" eaLnBrk="1" latinLnBrk="0" hangingPunct="1">
+              <a:lnSpc>
+                <a:spcPct val="90000"/>
+              </a:lnSpc>
+              <a:spcBef>
+                <a:spcPts val="600"/>
+              </a:spcBef>
+              <a:buFont typeface="HP Simplified" panose="020B0604020204020204" pitchFamily="34" charset="0"/>
+              <a:buChar char="•"/>
+              <a:defRPr sz="1200" kern="1200">
+                <a:solidFill>
+                  <a:schemeClr val="tx1"/>
+                </a:solidFill>
+                <a:latin typeface="+mn-lt"/>
+                <a:ea typeface="+mn-ea"/>
+                <a:cs typeface="+mn-cs"/>
+              </a:defRPr>
+            </a:lvl9pPr>
+          </a:lstStyle>
+          <a:p>
+            <a:r>
+              <a:rPr lang="en-US" sz="2200" dirty="0" smtClean="0"/>
+              <a:t>Windowing Functions</a:t>
             </a:r>
           </a:p>
           <a:p>
             <a:pPr lvl="1"/>
             <a:r>
-              <a:rPr lang="en-US" sz="2900" dirty="0"/>
-              <a:t>PAT &lt; 1GB:	 	200MB</a:t>
+              <a:rPr lang="en-US" sz="2000" dirty="0" smtClean="0"/>
+              <a:t>Tables</a:t>
+            </a:r>
+          </a:p>
+          <a:p>
+            <a:pPr lvl="2"/>
+            <a:r>
+              <a:rPr lang="en-US" sz="1800" dirty="0" smtClean="0"/>
+              <a:t>LEAD_LAG_TEST_V1</a:t>
+            </a:r>
+          </a:p>
+          <a:p>
+            <a:pPr lvl="3"/>
+            <a:r>
+              <a:rPr lang="en-US" sz="1600" dirty="0" smtClean="0"/>
+              <a:t>2.4B rows, 60GB</a:t>
             </a:r>
           </a:p>
           <a:p>
             <a:pPr lvl="1"/>
             <a:r>
-              <a:rPr lang="en-US" sz="2900" dirty="0"/>
-              <a:t>1GB &gt;= PAT &lt;= 2GB: 		20% of PAT</a:t>
-            </a:r>
-          </a:p>
-          <a:p>
-            <a:pPr lvl="1"/>
-            <a:r>
-              <a:rPr lang="en-US" sz="2900" dirty="0"/>
-              <a:t>PAT &gt; 2GB: 	 	min(2GB,  20% of PAT)</a:t>
-            </a:r>
-          </a:p>
-          <a:p>
-            <a:r>
-              <a:rPr lang="en-US" sz="3300" dirty="0"/>
-              <a:t>_SMM_MAX_SIZE: </a:t>
-            </a:r>
-          </a:p>
-          <a:p>
-            <a:pPr lvl="1"/>
-            <a:r>
-              <a:rPr lang="en-US" sz="2900" dirty="0"/>
-              <a:t>PAT &lt; 512MB: 		20% of PAT</a:t>
-            </a:r>
-          </a:p>
-          <a:p>
-            <a:pPr lvl="1"/>
-            <a:r>
-              <a:rPr lang="en-US" sz="2900" dirty="0"/>
-              <a:t>512MB &gt;= PAT &lt;= 1GB:	100MB</a:t>
-            </a:r>
-          </a:p>
-          <a:p>
-            <a:pPr lvl="1"/>
-            <a:r>
-              <a:rPr lang="en-US" sz="2900" dirty="0"/>
-              <a:t>PAT &gt; 1GB: 	 	min(1GB, 50% of _PGA_MAX_SIZE)</a:t>
-            </a:r>
-          </a:p>
-          <a:p>
-            <a:r>
-              <a:rPr lang="en-US" sz="3300" dirty="0"/>
-              <a:t>_SMM_PX_MAX_SIZE:</a:t>
-            </a:r>
-          </a:p>
-          <a:p>
-            <a:pPr lvl="1"/>
-            <a:r>
-              <a:rPr lang="en-US" sz="2900" dirty="0"/>
-              <a:t>Always 50% of PAT</a:t>
-            </a:r>
-          </a:p>
-          <a:p>
-            <a:pPr lvl="1"/>
-            <a:endParaRPr lang="en-US" sz="2900" dirty="0"/>
-          </a:p>
-          <a:p>
-            <a:r>
-              <a:rPr lang="en-US" sz="3300" dirty="0"/>
-              <a:t>Work Area = min(_SMM_MAX_SIZE, _SMM_PX_MAX_SIZE / DoP)</a:t>
-            </a:r>
-          </a:p>
-          <a:p>
-            <a:endParaRPr lang="en-US" sz="1400" dirty="0"/>
-          </a:p>
-        </p:txBody>
-      </p:sp>
-      <p:sp>
-        <p:nvSpPr>
-          <p:cNvPr id="7" name="Rounded Rectangle 6"/>
-          <p:cNvSpPr/>
+              <a:rPr lang="en-US" sz="2000" dirty="0" smtClean="0"/>
+              <a:t>Windowing Functions</a:t>
+            </a:r>
+          </a:p>
+          <a:p>
+            <a:pPr lvl="2"/>
+            <a:r>
+              <a:rPr lang="en-US" sz="1800" dirty="0" smtClean="0"/>
+              <a:t>Lead/Lag finding changes</a:t>
+            </a:r>
+          </a:p>
+        </p:txBody>
+      </p:sp>
+      <p:sp>
+        <p:nvSpPr>
+          <p:cNvPr id="7" name="Content Placeholder 2"/>
+          <p:cNvSpPr txBox="1">
+            <a:spLocks/>
+          </p:cNvSpPr>
           <p:nvPr/>
         </p:nvSpPr>
         <p:spPr>
           <a:xfrm>
-            <a:off x="6908613" y="627448"/>
-            <a:ext cx="2094816" cy="740740"/>
+            <a:off x="6284198" y="1141379"/>
+            <a:ext cx="5486400" cy="2743200"/>
           </a:xfrm>
-          <a:prstGeom prst="roundRect">
-            <a:avLst>
-              <a:gd name="adj" fmla="val 865"/>
-            </a:avLst>
+          <a:prstGeom prst="rect">
+            <a:avLst/>
           </a:prstGeom>
           <a:solidFill>
-            <a:srgbClr val="A5C663"/>
+            <a:srgbClr val="BFE2CA"/>
           </a:solidFill>
+          <a:ln>
+            <a:solidFill>
+              <a:schemeClr val="tx1"/>
+            </a:solidFill>
+          </a:ln>
         </p:spPr>
-        <p:style>
-          <a:lnRef idx="2">
-            <a:schemeClr val="accent5">
-              <a:shade val="50000"/>
-            </a:schemeClr>
-          </a:lnRef>
-          <a:fillRef idx="1">
-            <a:schemeClr val="accent5"/>
-          </a:fillRef>
-          <a:effectRef idx="0">
-            <a:schemeClr val="accent5"/>
-          </a:effectRef>
-          <a:fontRef idx="minor">
-            <a:schemeClr val="lt1"/>
-          </a:fontRef>
-        </p:style>
-        <p:txBody>
-          <a:bodyPr rtlCol="0" anchor="ctr"/>
-          <a:lstStyle/>
-          <a:p>
-            <a:pPr algn="ctr"/>
-            <a:r>
-              <a:rPr lang="en-US" sz="1600" dirty="0"/>
-              <a:t>SQL Work Area</a:t>
-            </a:r>
-          </a:p>
-        </p:txBody>
-      </p:sp>
-      <p:cxnSp>
-        <p:nvCxnSpPr>
-          <p:cNvPr id="8" name="Straight Arrow Connector 7"/>
-          <p:cNvCxnSpPr/>
+        <p:txBody>
+          <a:bodyPr vert="horz" lIns="0" tIns="0" rIns="0" bIns="0" rtlCol="0" anchor="ctr">
+            <a:normAutofit/>
+          </a:bodyPr>
+          <a:lstStyle>
+            <a:lvl1pPr marL="182880" indent="-182880" algn="l" defTabSz="914400" rtl="0" eaLnBrk="1" latinLnBrk="0" hangingPunct="1">
+              <a:lnSpc>
+                <a:spcPct val="90000"/>
+              </a:lnSpc>
+              <a:spcBef>
+                <a:spcPts val="1200"/>
+              </a:spcBef>
+              <a:buFont typeface="HP Simplified" panose="020B0604020204020204" pitchFamily="34" charset="0"/>
+              <a:buChar char="•"/>
+              <a:defRPr sz="1800" kern="1200">
+                <a:solidFill>
+                  <a:schemeClr val="tx1"/>
+                </a:solidFill>
+                <a:latin typeface="+mn-lt"/>
+                <a:ea typeface="+mn-ea"/>
+                <a:cs typeface="+mn-cs"/>
+              </a:defRPr>
+            </a:lvl1pPr>
+            <a:lvl2pPr marL="411480" indent="-182880" algn="l" defTabSz="914400" rtl="0" eaLnBrk="1" latinLnBrk="0" hangingPunct="1">
+              <a:lnSpc>
+                <a:spcPct val="90000"/>
+              </a:lnSpc>
+              <a:spcBef>
+                <a:spcPts val="800"/>
+              </a:spcBef>
+              <a:buSzPct val="80000"/>
+              <a:buFont typeface="HP Simplified" panose="020B0604020204020204" pitchFamily="34" charset="0"/>
+              <a:buChar char="–"/>
+              <a:defRPr sz="1600" kern="1200">
+                <a:solidFill>
+                  <a:schemeClr val="tx1"/>
+                </a:solidFill>
+                <a:latin typeface="+mn-lt"/>
+                <a:ea typeface="+mn-ea"/>
+                <a:cs typeface="+mn-cs"/>
+              </a:defRPr>
+            </a:lvl2pPr>
+            <a:lvl3pPr marL="548640" indent="-137160" algn="l" defTabSz="914400" rtl="0" eaLnBrk="1" latinLnBrk="0" hangingPunct="1">
+              <a:lnSpc>
+                <a:spcPct val="90000"/>
+              </a:lnSpc>
+              <a:spcBef>
+                <a:spcPts val="600"/>
+              </a:spcBef>
+              <a:buFont typeface="HP Simplified" panose="020B0604020204020204" pitchFamily="34" charset="0"/>
+              <a:buChar char="•"/>
+              <a:defRPr sz="1400" kern="1200">
+                <a:solidFill>
+                  <a:schemeClr val="tx1"/>
+                </a:solidFill>
+                <a:latin typeface="+mn-lt"/>
+                <a:ea typeface="+mn-ea"/>
+                <a:cs typeface="+mn-cs"/>
+              </a:defRPr>
+            </a:lvl3pPr>
+            <a:lvl4pPr marL="731520" indent="-137160" algn="l" defTabSz="914400" rtl="0" eaLnBrk="1" latinLnBrk="0" hangingPunct="1">
+              <a:lnSpc>
+                <a:spcPct val="90000"/>
+              </a:lnSpc>
+              <a:spcBef>
+                <a:spcPts val="600"/>
+              </a:spcBef>
+              <a:buSzPct val="80000"/>
+              <a:buFont typeface="HP Simplified" panose="020B0604020204020204" pitchFamily="34" charset="0"/>
+              <a:buChar char="–"/>
+              <a:defRPr sz="1200" kern="1200">
+                <a:solidFill>
+                  <a:schemeClr val="tx1"/>
+                </a:solidFill>
+                <a:latin typeface="+mn-lt"/>
+                <a:ea typeface="+mn-ea"/>
+                <a:cs typeface="+mn-cs"/>
+              </a:defRPr>
+            </a:lvl4pPr>
+            <a:lvl5pPr marL="868680" indent="-137160" algn="l" defTabSz="914400" rtl="0" eaLnBrk="1" latinLnBrk="0" hangingPunct="1">
+              <a:lnSpc>
+                <a:spcPct val="90000"/>
+              </a:lnSpc>
+              <a:spcBef>
+                <a:spcPts val="600"/>
+              </a:spcBef>
+              <a:buFont typeface="HP Simplified" panose="020B0604020204020204" pitchFamily="34" charset="0"/>
+              <a:buChar char="•"/>
+              <a:defRPr sz="1200" kern="1200">
+                <a:solidFill>
+                  <a:schemeClr val="tx1"/>
+                </a:solidFill>
+                <a:latin typeface="+mn-lt"/>
+                <a:ea typeface="+mn-ea"/>
+                <a:cs typeface="+mn-cs"/>
+              </a:defRPr>
+            </a:lvl5pPr>
+            <a:lvl6pPr marL="1051560" indent="-137160" algn="l" defTabSz="914400" rtl="0" eaLnBrk="1" latinLnBrk="0" hangingPunct="1">
+              <a:lnSpc>
+                <a:spcPct val="90000"/>
+              </a:lnSpc>
+              <a:spcBef>
+                <a:spcPts val="600"/>
+              </a:spcBef>
+              <a:buSzPct val="80000"/>
+              <a:buFont typeface="HP Simplified" panose="020B0604020204020204" pitchFamily="34" charset="0"/>
+              <a:buChar char="–"/>
+              <a:defRPr sz="1200" kern="1200">
+                <a:solidFill>
+                  <a:schemeClr val="tx1"/>
+                </a:solidFill>
+                <a:latin typeface="+mn-lt"/>
+                <a:ea typeface="+mn-ea"/>
+                <a:cs typeface="+mn-cs"/>
+              </a:defRPr>
+            </a:lvl6pPr>
+            <a:lvl7pPr marL="1188720" indent="-137160" algn="l" defTabSz="914400" rtl="0" eaLnBrk="1" latinLnBrk="0" hangingPunct="1">
+              <a:lnSpc>
+                <a:spcPct val="90000"/>
+              </a:lnSpc>
+              <a:spcBef>
+                <a:spcPts val="600"/>
+              </a:spcBef>
+              <a:buFont typeface="HP Simplified" panose="020B0604020204020204" pitchFamily="34" charset="0"/>
+              <a:buChar char="•"/>
+              <a:defRPr sz="1200" kern="1200">
+                <a:solidFill>
+                  <a:schemeClr val="tx1"/>
+                </a:solidFill>
+                <a:latin typeface="+mn-lt"/>
+                <a:ea typeface="+mn-ea"/>
+                <a:cs typeface="+mn-cs"/>
+              </a:defRPr>
+            </a:lvl7pPr>
+            <a:lvl8pPr marL="1371600" indent="-137160" algn="l" defTabSz="914400" rtl="0" eaLnBrk="1" latinLnBrk="0" hangingPunct="1">
+              <a:lnSpc>
+                <a:spcPct val="90000"/>
+              </a:lnSpc>
+              <a:spcBef>
+                <a:spcPts val="600"/>
+              </a:spcBef>
+              <a:buSzPct val="80000"/>
+              <a:buFont typeface="HP Simplified" panose="020B0604020204020204" pitchFamily="34" charset="0"/>
+              <a:buChar char="–"/>
+              <a:defRPr sz="1200" kern="1200">
+                <a:solidFill>
+                  <a:schemeClr val="tx1"/>
+                </a:solidFill>
+                <a:latin typeface="+mn-lt"/>
+                <a:ea typeface="+mn-ea"/>
+                <a:cs typeface="+mn-cs"/>
+              </a:defRPr>
+            </a:lvl8pPr>
+            <a:lvl9pPr marL="1554480" indent="-137160" algn="l" defTabSz="914400" rtl="0" eaLnBrk="1" latinLnBrk="0" hangingPunct="1">
+              <a:lnSpc>
+                <a:spcPct val="90000"/>
+              </a:lnSpc>
+              <a:spcBef>
+                <a:spcPts val="600"/>
+              </a:spcBef>
+              <a:buFont typeface="HP Simplified" panose="020B0604020204020204" pitchFamily="34" charset="0"/>
+              <a:buChar char="•"/>
+              <a:defRPr sz="1200" kern="1200">
+                <a:solidFill>
+                  <a:schemeClr val="tx1"/>
+                </a:solidFill>
+                <a:latin typeface="+mn-lt"/>
+                <a:ea typeface="+mn-ea"/>
+                <a:cs typeface="+mn-cs"/>
+              </a:defRPr>
+            </a:lvl9pPr>
+          </a:lstStyle>
+          <a:p>
+            <a:r>
+              <a:rPr lang="en-US" sz="2200" dirty="0" smtClean="0"/>
+              <a:t>Single Table Analytics</a:t>
+            </a:r>
+          </a:p>
+          <a:p>
+            <a:pPr lvl="1"/>
+            <a:r>
+              <a:rPr lang="en-US" sz="2000" dirty="0" smtClean="0"/>
+              <a:t>Tables</a:t>
+            </a:r>
+          </a:p>
+          <a:p>
+            <a:pPr lvl="2"/>
+            <a:r>
+              <a:rPr lang="en-US" sz="1800" dirty="0" smtClean="0"/>
+              <a:t>CAPSTONE_PARALLEL_TEST_V1</a:t>
+            </a:r>
+          </a:p>
+          <a:p>
+            <a:pPr lvl="3"/>
+            <a:r>
+              <a:rPr lang="en-US" sz="1600" dirty="0" smtClean="0"/>
+              <a:t>32M rows, 7GB</a:t>
+            </a:r>
+          </a:p>
+          <a:p>
+            <a:pPr lvl="1"/>
+            <a:r>
+              <a:rPr lang="en-US" sz="2000" dirty="0"/>
+              <a:t>Standard Analytic Functions</a:t>
+            </a:r>
+          </a:p>
+          <a:p>
+            <a:pPr lvl="2"/>
+            <a:r>
+              <a:rPr lang="en-US" sz="1800" dirty="0" err="1"/>
+              <a:t>Avg</a:t>
+            </a:r>
+            <a:r>
+              <a:rPr lang="en-US" sz="1800" dirty="0"/>
+              <a:t>/Sum/Count</a:t>
+            </a:r>
+          </a:p>
+        </p:txBody>
+      </p:sp>
+      <p:sp>
+        <p:nvSpPr>
+          <p:cNvPr id="9" name="Content Placeholder 2"/>
+          <p:cNvSpPr txBox="1">
+            <a:spLocks/>
+          </p:cNvSpPr>
           <p:nvPr/>
-        </p:nvCxnSpPr>
+        </p:nvSpPr>
         <p:spPr>
           <a:xfrm>
-            <a:off x="6704012" y="627448"/>
-            <a:ext cx="0" cy="740740"/>
+            <a:off x="418454" y="3991583"/>
+            <a:ext cx="5486400" cy="2743200"/>
           </a:xfrm>
-          <a:prstGeom prst="straightConnector1">
+          <a:prstGeom prst="rect">
             <a:avLst/>
           </a:prstGeom>
-          <a:ln w="31750">
-            <a:headEnd type="triangle"/>
-            <a:tailEnd type="triangle"/>
+          <a:solidFill>
+            <a:srgbClr val="BFE2CA"/>
+          </a:solidFill>
+          <a:ln>
+            <a:solidFill>
+              <a:schemeClr val="tx1"/>
+            </a:solidFill>
           </a:ln>
         </p:spPr>
-        <p:style>
-          <a:lnRef idx="1">
-            <a:schemeClr val="accent1"/>
-          </a:lnRef>
-          <a:fillRef idx="0">
-            <a:schemeClr val="accent1"/>
-          </a:fillRef>
-          <a:effectRef idx="0">
-            <a:schemeClr val="accent1"/>
-          </a:effectRef>
-          <a:fontRef idx="minor">
-            <a:schemeClr val="tx1"/>
-          </a:fontRef>
-        </p:style>
-      </p:cxnSp>
+        <p:txBody>
+          <a:bodyPr vert="horz" lIns="0" tIns="0" rIns="0" bIns="0" rtlCol="0" anchor="ctr">
+            <a:normAutofit/>
+          </a:bodyPr>
+          <a:lstStyle>
+            <a:lvl1pPr marL="182880" indent="-182880" algn="l" defTabSz="914400" rtl="0" eaLnBrk="1" latinLnBrk="0" hangingPunct="1">
+              <a:lnSpc>
+                <a:spcPct val="90000"/>
+              </a:lnSpc>
+              <a:spcBef>
+                <a:spcPts val="1200"/>
+              </a:spcBef>
+              <a:buFont typeface="HP Simplified" panose="020B0604020204020204" pitchFamily="34" charset="0"/>
+              <a:buChar char="•"/>
+              <a:defRPr sz="1800" kern="1200">
+                <a:solidFill>
+                  <a:schemeClr val="tx1"/>
+                </a:solidFill>
+                <a:latin typeface="+mn-lt"/>
+                <a:ea typeface="+mn-ea"/>
+                <a:cs typeface="+mn-cs"/>
+              </a:defRPr>
+            </a:lvl1pPr>
+            <a:lvl2pPr marL="411480" indent="-182880" algn="l" defTabSz="914400" rtl="0" eaLnBrk="1" latinLnBrk="0" hangingPunct="1">
+              <a:lnSpc>
+                <a:spcPct val="90000"/>
+              </a:lnSpc>
+              <a:spcBef>
+                <a:spcPts val="800"/>
+              </a:spcBef>
+              <a:buSzPct val="80000"/>
+              <a:buFont typeface="HP Simplified" panose="020B0604020204020204" pitchFamily="34" charset="0"/>
+              <a:buChar char="–"/>
+              <a:defRPr sz="1600" kern="1200">
+                <a:solidFill>
+                  <a:schemeClr val="tx1"/>
+                </a:solidFill>
+                <a:latin typeface="+mn-lt"/>
+                <a:ea typeface="+mn-ea"/>
+                <a:cs typeface="+mn-cs"/>
+              </a:defRPr>
+            </a:lvl2pPr>
+            <a:lvl3pPr marL="548640" indent="-137160" algn="l" defTabSz="914400" rtl="0" eaLnBrk="1" latinLnBrk="0" hangingPunct="1">
+              <a:lnSpc>
+                <a:spcPct val="90000"/>
+              </a:lnSpc>
+              <a:spcBef>
+                <a:spcPts val="600"/>
+              </a:spcBef>
+              <a:buFont typeface="HP Simplified" panose="020B0604020204020204" pitchFamily="34" charset="0"/>
+              <a:buChar char="•"/>
+              <a:defRPr sz="1400" kern="1200">
+                <a:solidFill>
+                  <a:schemeClr val="tx1"/>
+                </a:solidFill>
+                <a:latin typeface="+mn-lt"/>
+                <a:ea typeface="+mn-ea"/>
+                <a:cs typeface="+mn-cs"/>
+              </a:defRPr>
+            </a:lvl3pPr>
+            <a:lvl4pPr marL="731520" indent="-137160" algn="l" defTabSz="914400" rtl="0" eaLnBrk="1" latinLnBrk="0" hangingPunct="1">
+              <a:lnSpc>
+                <a:spcPct val="90000"/>
+              </a:lnSpc>
+              <a:spcBef>
+                <a:spcPts val="600"/>
+              </a:spcBef>
+              <a:buSzPct val="80000"/>
+              <a:buFont typeface="HP Simplified" panose="020B0604020204020204" pitchFamily="34" charset="0"/>
+              <a:buChar char="–"/>
+              <a:defRPr sz="1200" kern="1200">
+                <a:solidFill>
+                  <a:schemeClr val="tx1"/>
+                </a:solidFill>
+                <a:latin typeface="+mn-lt"/>
+                <a:ea typeface="+mn-ea"/>
+                <a:cs typeface="+mn-cs"/>
+              </a:defRPr>
+            </a:lvl4pPr>
+            <a:lvl5pPr marL="868680" indent="-137160" algn="l" defTabSz="914400" rtl="0" eaLnBrk="1" latinLnBrk="0" hangingPunct="1">
+              <a:lnSpc>
+                <a:spcPct val="90000"/>
+              </a:lnSpc>
+              <a:spcBef>
+                <a:spcPts val="600"/>
+              </a:spcBef>
+              <a:buFont typeface="HP Simplified" panose="020B0604020204020204" pitchFamily="34" charset="0"/>
+              <a:buChar char="•"/>
+              <a:defRPr sz="1200" kern="1200">
+                <a:solidFill>
+                  <a:schemeClr val="tx1"/>
+                </a:solidFill>
+                <a:latin typeface="+mn-lt"/>
+                <a:ea typeface="+mn-ea"/>
+                <a:cs typeface="+mn-cs"/>
+              </a:defRPr>
+            </a:lvl5pPr>
+            <a:lvl6pPr marL="1051560" indent="-137160" algn="l" defTabSz="914400" rtl="0" eaLnBrk="1" latinLnBrk="0" hangingPunct="1">
+              <a:lnSpc>
+                <a:spcPct val="90000"/>
+              </a:lnSpc>
+              <a:spcBef>
+                <a:spcPts val="600"/>
+              </a:spcBef>
+              <a:buSzPct val="80000"/>
+              <a:buFont typeface="HP Simplified" panose="020B0604020204020204" pitchFamily="34" charset="0"/>
+              <a:buChar char="–"/>
+              <a:defRPr sz="1200" kern="1200">
+                <a:solidFill>
+                  <a:schemeClr val="tx1"/>
+                </a:solidFill>
+                <a:latin typeface="+mn-lt"/>
+                <a:ea typeface="+mn-ea"/>
+                <a:cs typeface="+mn-cs"/>
+              </a:defRPr>
+            </a:lvl6pPr>
+            <a:lvl7pPr marL="1188720" indent="-137160" algn="l" defTabSz="914400" rtl="0" eaLnBrk="1" latinLnBrk="0" hangingPunct="1">
+              <a:lnSpc>
+                <a:spcPct val="90000"/>
+              </a:lnSpc>
+              <a:spcBef>
+                <a:spcPts val="600"/>
+              </a:spcBef>
+              <a:buFont typeface="HP Simplified" panose="020B0604020204020204" pitchFamily="34" charset="0"/>
+              <a:buChar char="•"/>
+              <a:defRPr sz="1200" kern="1200">
+                <a:solidFill>
+                  <a:schemeClr val="tx1"/>
+                </a:solidFill>
+                <a:latin typeface="+mn-lt"/>
+                <a:ea typeface="+mn-ea"/>
+                <a:cs typeface="+mn-cs"/>
+              </a:defRPr>
+            </a:lvl7pPr>
+            <a:lvl8pPr marL="1371600" indent="-137160" algn="l" defTabSz="914400" rtl="0" eaLnBrk="1" latinLnBrk="0" hangingPunct="1">
+              <a:lnSpc>
+                <a:spcPct val="90000"/>
+              </a:lnSpc>
+              <a:spcBef>
+                <a:spcPts val="600"/>
+              </a:spcBef>
+              <a:buSzPct val="80000"/>
+              <a:buFont typeface="HP Simplified" panose="020B0604020204020204" pitchFamily="34" charset="0"/>
+              <a:buChar char="–"/>
+              <a:defRPr sz="1200" kern="1200">
+                <a:solidFill>
+                  <a:schemeClr val="tx1"/>
+                </a:solidFill>
+                <a:latin typeface="+mn-lt"/>
+                <a:ea typeface="+mn-ea"/>
+                <a:cs typeface="+mn-cs"/>
+              </a:defRPr>
+            </a:lvl8pPr>
+            <a:lvl9pPr marL="1554480" indent="-137160" algn="l" defTabSz="914400" rtl="0" eaLnBrk="1" latinLnBrk="0" hangingPunct="1">
+              <a:lnSpc>
+                <a:spcPct val="90000"/>
+              </a:lnSpc>
+              <a:spcBef>
+                <a:spcPts val="600"/>
+              </a:spcBef>
+              <a:buFont typeface="HP Simplified" panose="020B0604020204020204" pitchFamily="34" charset="0"/>
+              <a:buChar char="•"/>
+              <a:defRPr sz="1200" kern="1200">
+                <a:solidFill>
+                  <a:schemeClr val="tx1"/>
+                </a:solidFill>
+                <a:latin typeface="+mn-lt"/>
+                <a:ea typeface="+mn-ea"/>
+                <a:cs typeface="+mn-cs"/>
+              </a:defRPr>
+            </a:lvl9pPr>
+          </a:lstStyle>
+          <a:p>
+            <a:r>
+              <a:rPr lang="en-US" sz="2200" dirty="0" smtClean="0"/>
+              <a:t>Filter Parent/Child Join</a:t>
+            </a:r>
+          </a:p>
+          <a:p>
+            <a:pPr lvl="1"/>
+            <a:r>
+              <a:rPr lang="en-US" sz="2000" dirty="0" smtClean="0"/>
+              <a:t>Tables</a:t>
+            </a:r>
+          </a:p>
+          <a:p>
+            <a:pPr lvl="2"/>
+            <a:r>
+              <a:rPr lang="en-US" sz="1800" dirty="0"/>
+              <a:t>PARENT_TABLE_V1</a:t>
+            </a:r>
+          </a:p>
+          <a:p>
+            <a:pPr lvl="3"/>
+            <a:r>
+              <a:rPr lang="en-US" sz="1600" dirty="0"/>
+              <a:t>50M Rows, 1GB</a:t>
+            </a:r>
+          </a:p>
+          <a:p>
+            <a:pPr lvl="2"/>
+            <a:r>
+              <a:rPr lang="en-US" sz="1800" dirty="0"/>
+              <a:t>CHILD_TABLE_V1</a:t>
+            </a:r>
+          </a:p>
+          <a:p>
+            <a:pPr lvl="3"/>
+            <a:r>
+              <a:rPr lang="en-US" sz="1600" dirty="0"/>
+              <a:t>5B rows, 100GB</a:t>
+            </a:r>
+          </a:p>
+          <a:p>
+            <a:pPr lvl="1"/>
+            <a:r>
+              <a:rPr lang="en-US" sz="1800" dirty="0" smtClean="0"/>
+              <a:t>Filter with WHERE clause</a:t>
+            </a:r>
+            <a:endParaRPr lang="en-US" sz="1800" dirty="0"/>
+          </a:p>
+        </p:txBody>
+      </p:sp>
+    </p:spTree>
+    <p:extLst>
+      <p:ext uri="{BB962C8B-B14F-4D97-AF65-F5344CB8AC3E}">
+        <p14:creationId xmlns:p14="http://schemas.microsoft.com/office/powerpoint/2010/main" val="99228392"/>
+      </p:ext>
+    </p:extLst>
+  </p:cSld>
+  <p:clrMapOvr>
+    <a:masterClrMapping/>
+  </p:clrMapOvr>
+  <mc:AlternateContent xmlns:mc="http://schemas.openxmlformats.org/markup-compatibility/2006" xmlns:p14="http://schemas.microsoft.com/office/powerpoint/2010/main">
+    <mc:Choice Requires="p14">
+      <p:transition spd="med" p14:dur="700">
+        <p:fade/>
+      </p:transition>
+    </mc:Choice>
+    <mc:Fallback xmlns="">
+      <p:transition spd="med">
+        <p:fade/>
+      </p:transition>
+    </mc:Fallback>
+  </mc:AlternateContent>
+</p:sld>
+</file>
+
+<file path=ppt/slides/slide9.xml><?xml version="1.0" encoding="utf-8"?>
+<p:sld xmlns:a="http://schemas.openxmlformats.org/drawingml/2006/main" xmlns:r="http://schemas.openxmlformats.org/officeDocument/2006/relationships" xmlns:p="http://schemas.openxmlformats.org/presentationml/2006/main">
+  <p:cSld>
+    <p:spTree>
+      <p:nvGrpSpPr>
+        <p:cNvPr id="1" name=""/>
+        <p:cNvGrpSpPr/>
+        <p:nvPr/>
+      </p:nvGrpSpPr>
+      <p:grpSpPr>
+        <a:xfrm>
+          <a:off x="0" y="0"/>
+          <a:ext cx="0" cy="0"/>
+          <a:chOff x="0" y="0"/>
+          <a:chExt cx="0" cy="0"/>
+        </a:xfrm>
+      </p:grpSpPr>
+      <p:sp>
+        <p:nvSpPr>
+          <p:cNvPr id="2" name="Title 1"/>
+          <p:cNvSpPr>
+            <a:spLocks noGrp="1"/>
+          </p:cNvSpPr>
+          <p:nvPr>
+            <p:ph type="title"/>
+          </p:nvPr>
+        </p:nvSpPr>
+        <p:spPr/>
+        <p:txBody>
+          <a:bodyPr/>
+          <a:lstStyle/>
+          <a:p>
+            <a:r>
+              <a:rPr lang="en-US" smtClean="0"/>
+              <a:t>PGA Overview</a:t>
+            </a:r>
+            <a:endParaRPr lang="en-US" dirty="0"/>
+          </a:p>
+        </p:txBody>
+      </p:sp>
       <p:pic>
         <p:nvPicPr>
-          <p:cNvPr id="9" name="Picture 8"/>
+          <p:cNvPr id="2052" name="Picture 4" descr="Description of Figure 14-4 follows"/>
           <p:cNvPicPr>
-            <a:picLocks noChangeAspect="1"/>
+            <a:picLocks noChangeAspect="1" noChangeArrowheads="1"/>
           </p:cNvPicPr>
           <p:nvPr/>
         </p:nvPicPr>
         <p:blipFill>
-          <a:blip r:embed="rId3"/>
+          <a:blip r:embed="rId2">
+            <a:extLst>
+              <a:ext uri="{28A0092B-C50C-407E-A947-70E740481C1C}">
+                <a14:useLocalDpi xmlns:a14="http://schemas.microsoft.com/office/drawing/2010/main" val="0"/>
+              </a:ext>
+            </a:extLst>
+          </a:blip>
+          <a:srcRect/>
           <a:stretch>
             <a:fillRect/>
           </a:stretch>
         </p:blipFill>
-        <p:spPr>
+        <p:spPr bwMode="auto">
           <a:xfrm>
-            <a:off x="133328" y="2819400"/>
-            <a:ext cx="5037159" cy="3657600"/>
+            <a:off x="379412" y="1524000"/>
+            <a:ext cx="4791075" cy="1162050"/>
           </a:xfrm>
           <a:prstGeom prst="rect">
             <a:avLst/>
           </a:prstGeom>
+          <a:noFill/>
+          <a:extLst>
+            <a:ext uri="{909E8E84-426E-40DD-AFC4-6F175D3DCCD1}">
+              <a14:hiddenFill xmlns:a14="http://schemas.microsoft.com/office/drawing/2010/main">
+                <a:solidFill>
+                  <a:srgbClr val="FFFFFF"/>
+                </a:solidFill>
+              </a14:hiddenFill>
+            </a:ext>
+          </a:extLst>
         </p:spPr>
       </p:pic>
     </p:spTree>
     <p:extLst>
       <p:ext uri="{BB962C8B-B14F-4D97-AF65-F5344CB8AC3E}">
-        <p14:creationId xmlns:p14="http://schemas.microsoft.com/office/powerpoint/2010/main" val="2629167013"/>
+        <p14:creationId xmlns:p14="http://schemas.microsoft.com/office/powerpoint/2010/main" val="479161441"/>
       </p:ext>
     </p:extLst>
   </p:cSld>
@@ -16454,467 +19884,6 @@
       </p:par>
     </p:tnLst>
   </p:timing>
-</p:sld>
-</file>
-
-<file path=ppt/slides/slide8.xml><?xml version="1.0" encoding="utf-8"?>
-<p:sld xmlns:a="http://schemas.openxmlformats.org/drawingml/2006/main" xmlns:r="http://schemas.openxmlformats.org/officeDocument/2006/relationships" xmlns:p="http://schemas.openxmlformats.org/presentationml/2006/main">
-  <p:cSld>
-    <p:spTree>
-      <p:nvGrpSpPr>
-        <p:cNvPr id="1" name=""/>
-        <p:cNvGrpSpPr/>
-        <p:nvPr/>
-      </p:nvGrpSpPr>
-      <p:grpSpPr>
-        <a:xfrm>
-          <a:off x="0" y="0"/>
-          <a:ext cx="0" cy="0"/>
-          <a:chOff x="0" y="0"/>
-          <a:chExt cx="0" cy="0"/>
-        </a:xfrm>
-      </p:grpSpPr>
-      <p:sp>
-        <p:nvSpPr>
-          <p:cNvPr id="2" name="Title 1"/>
-          <p:cNvSpPr>
-            <a:spLocks noGrp="1"/>
-          </p:cNvSpPr>
-          <p:nvPr>
-            <p:ph type="title"/>
-          </p:nvPr>
-        </p:nvSpPr>
-        <p:spPr/>
-        <p:txBody>
-          <a:bodyPr/>
-          <a:lstStyle/>
-          <a:p>
-            <a:r>
-              <a:rPr lang="en-US" dirty="0" smtClean="0"/>
-              <a:t>Parallel query</a:t>
-            </a:r>
-            <a:endParaRPr lang="en-US" dirty="0"/>
-          </a:p>
-        </p:txBody>
-      </p:sp>
-      <p:pic>
-        <p:nvPicPr>
-          <p:cNvPr id="1026" name="Picture 2" descr="Description of Figure 8-2 follows"/>
-          <p:cNvPicPr>
-            <a:picLocks noChangeAspect="1" noChangeArrowheads="1"/>
-          </p:cNvPicPr>
-          <p:nvPr/>
-        </p:nvPicPr>
-        <p:blipFill>
-          <a:blip r:embed="rId2">
-            <a:extLst>
-              <a:ext uri="{28A0092B-C50C-407E-A947-70E740481C1C}">
-                <a14:useLocalDpi xmlns:a14="http://schemas.microsoft.com/office/drawing/2010/main" val="0"/>
-              </a:ext>
-            </a:extLst>
-          </a:blip>
-          <a:srcRect/>
-          <a:stretch>
-            <a:fillRect/>
-          </a:stretch>
-        </p:blipFill>
-        <p:spPr bwMode="auto">
-          <a:xfrm>
-            <a:off x="5942012" y="3185458"/>
-            <a:ext cx="4951571" cy="2468284"/>
-          </a:xfrm>
-          <a:prstGeom prst="rect">
-            <a:avLst/>
-          </a:prstGeom>
-          <a:noFill/>
-          <a:extLst>
-            <a:ext uri="{909E8E84-426E-40DD-AFC4-6F175D3DCCD1}">
-              <a14:hiddenFill xmlns:a14="http://schemas.microsoft.com/office/drawing/2010/main">
-                <a:solidFill>
-                  <a:srgbClr val="FFFFFF"/>
-                </a:solidFill>
-              </a14:hiddenFill>
-            </a:ext>
-          </a:extLst>
-        </p:spPr>
-      </p:pic>
-      <p:sp>
-        <p:nvSpPr>
-          <p:cNvPr id="7" name="TextBox 6"/>
-          <p:cNvSpPr txBox="1"/>
-          <p:nvPr/>
-        </p:nvSpPr>
-        <p:spPr>
-          <a:xfrm>
-            <a:off x="836612" y="2286000"/>
-            <a:ext cx="3048000" cy="2133600"/>
-          </a:xfrm>
-          <a:prstGeom prst="rect">
-            <a:avLst/>
-          </a:prstGeom>
-          <a:noFill/>
-        </p:spPr>
-        <p:txBody>
-          <a:bodyPr wrap="none" lIns="0" tIns="0" rIns="0" bIns="0" rtlCol="0">
-            <a:noAutofit/>
-          </a:bodyPr>
-          <a:lstStyle/>
-          <a:p>
-            <a:pPr>
-              <a:lnSpc>
-                <a:spcPct val="90000"/>
-              </a:lnSpc>
-            </a:pPr>
-            <a:r>
-              <a:rPr lang="en-US" sz="2400" b="1" dirty="0" smtClean="0"/>
-              <a:t>Areas of interest for us</a:t>
-            </a:r>
-          </a:p>
-          <a:p>
-            <a:pPr>
-              <a:lnSpc>
-                <a:spcPct val="90000"/>
-              </a:lnSpc>
-            </a:pPr>
-            <a:endParaRPr lang="en-US" dirty="0"/>
-          </a:p>
-          <a:p>
-            <a:pPr marL="342900" indent="-342900">
-              <a:lnSpc>
-                <a:spcPct val="90000"/>
-              </a:lnSpc>
-              <a:buFont typeface="Arial" panose="020B0604020202020204" pitchFamily="34" charset="0"/>
-              <a:buChar char="•"/>
-            </a:pPr>
-            <a:r>
-              <a:rPr lang="en-US" sz="2000" dirty="0" smtClean="0"/>
-              <a:t>Queuing</a:t>
-            </a:r>
-          </a:p>
-          <a:p>
-            <a:pPr marL="342900" indent="-342900">
-              <a:lnSpc>
-                <a:spcPct val="90000"/>
-              </a:lnSpc>
-              <a:buFont typeface="Arial" panose="020B0604020202020204" pitchFamily="34" charset="0"/>
-              <a:buChar char="•"/>
-            </a:pPr>
-            <a:endParaRPr lang="en-US" sz="2000" dirty="0"/>
-          </a:p>
-          <a:p>
-            <a:pPr marL="342900" indent="-342900">
-              <a:lnSpc>
-                <a:spcPct val="90000"/>
-              </a:lnSpc>
-              <a:buFont typeface="Arial" panose="020B0604020202020204" pitchFamily="34" charset="0"/>
-              <a:buChar char="•"/>
-            </a:pPr>
-            <a:r>
-              <a:rPr lang="en-US" sz="2000" dirty="0"/>
-              <a:t>PX server </a:t>
-            </a:r>
-            <a:r>
-              <a:rPr lang="en-US" sz="2000" dirty="0" smtClean="0"/>
-              <a:t>pool</a:t>
-            </a:r>
-          </a:p>
-          <a:p>
-            <a:pPr marL="342900" indent="-342900">
-              <a:lnSpc>
-                <a:spcPct val="90000"/>
-              </a:lnSpc>
-              <a:buFont typeface="Arial" panose="020B0604020202020204" pitchFamily="34" charset="0"/>
-              <a:buChar char="•"/>
-            </a:pPr>
-            <a:endParaRPr lang="en-US" sz="2000" dirty="0"/>
-          </a:p>
-          <a:p>
-            <a:pPr marL="342900" indent="-342900">
-              <a:lnSpc>
-                <a:spcPct val="90000"/>
-              </a:lnSpc>
-              <a:buFont typeface="Arial" panose="020B0604020202020204" pitchFamily="34" charset="0"/>
-              <a:buChar char="•"/>
-            </a:pPr>
-            <a:r>
-              <a:rPr lang="en-US" sz="2000" dirty="0"/>
-              <a:t>Granules</a:t>
-            </a:r>
-          </a:p>
-          <a:p>
-            <a:pPr marL="285750" indent="-285750">
-              <a:lnSpc>
-                <a:spcPct val="90000"/>
-              </a:lnSpc>
-              <a:buFont typeface="Arial" panose="020B0604020202020204" pitchFamily="34" charset="0"/>
-              <a:buChar char="•"/>
-            </a:pPr>
-            <a:endParaRPr lang="en-US" dirty="0" smtClean="0"/>
-          </a:p>
-        </p:txBody>
-      </p:sp>
-    </p:spTree>
-    <p:extLst>
-      <p:ext uri="{BB962C8B-B14F-4D97-AF65-F5344CB8AC3E}">
-        <p14:creationId xmlns:p14="http://schemas.microsoft.com/office/powerpoint/2010/main" val="2326920971"/>
-      </p:ext>
-    </p:extLst>
-  </p:cSld>
-  <p:clrMapOvr>
-    <a:masterClrMapping/>
-  </p:clrMapOvr>
-  <mc:AlternateContent xmlns:mc="http://schemas.openxmlformats.org/markup-compatibility/2006" xmlns:p14="http://schemas.microsoft.com/office/powerpoint/2010/main">
-    <mc:Choice Requires="p14">
-      <p:transition spd="med" p14:dur="700">
-        <p:fade/>
-      </p:transition>
-    </mc:Choice>
-    <mc:Fallback xmlns="">
-      <p:transition spd="med">
-        <p:fade/>
-      </p:transition>
-    </mc:Fallback>
-  </mc:AlternateContent>
-  <p:timing>
-    <p:tnLst>
-      <p:par>
-        <p:cTn id="1" dur="indefinite" restart="never" nodeType="tmRoot"/>
-      </p:par>
-    </p:tnLst>
-  </p:timing>
-</p:sld>
-</file>
-
-<file path=ppt/slides/slide9.xml><?xml version="1.0" encoding="utf-8"?>
-<p:sld xmlns:a="http://schemas.openxmlformats.org/drawingml/2006/main" xmlns:r="http://schemas.openxmlformats.org/officeDocument/2006/relationships" xmlns:p="http://schemas.openxmlformats.org/presentationml/2006/main">
-  <p:cSld>
-    <p:spTree>
-      <p:nvGrpSpPr>
-        <p:cNvPr id="1" name=""/>
-        <p:cNvGrpSpPr/>
-        <p:nvPr/>
-      </p:nvGrpSpPr>
-      <p:grpSpPr>
-        <a:xfrm>
-          <a:off x="0" y="0"/>
-          <a:ext cx="0" cy="0"/>
-          <a:chOff x="0" y="0"/>
-          <a:chExt cx="0" cy="0"/>
-        </a:xfrm>
-      </p:grpSpPr>
-      <p:sp>
-        <p:nvSpPr>
-          <p:cNvPr id="2" name="Title 1"/>
-          <p:cNvSpPr>
-            <a:spLocks noGrp="1"/>
-          </p:cNvSpPr>
-          <p:nvPr>
-            <p:ph type="title"/>
-          </p:nvPr>
-        </p:nvSpPr>
-        <p:spPr/>
-        <p:txBody>
-          <a:bodyPr/>
-          <a:lstStyle/>
-          <a:p>
-            <a:r>
-              <a:rPr lang="en-US" dirty="0"/>
-              <a:t>Experiment Overview</a:t>
-            </a:r>
-          </a:p>
-        </p:txBody>
-      </p:sp>
-      <p:sp>
-        <p:nvSpPr>
-          <p:cNvPr id="3" name="Content Placeholder 2"/>
-          <p:cNvSpPr>
-            <a:spLocks noGrp="1"/>
-          </p:cNvSpPr>
-          <p:nvPr>
-            <p:ph idx="1"/>
-          </p:nvPr>
-        </p:nvSpPr>
-        <p:spPr/>
-        <p:txBody>
-          <a:bodyPr>
-            <a:normAutofit/>
-          </a:bodyPr>
-          <a:lstStyle/>
-          <a:p>
-            <a:r>
-              <a:rPr lang="en-US" sz="2400" dirty="0" smtClean="0"/>
-              <a:t>All Experiments Used The Same Standard Tables and Queries</a:t>
-            </a:r>
-          </a:p>
-          <a:p>
-            <a:pPr lvl="1"/>
-            <a:r>
-              <a:rPr lang="en-US" sz="2000" dirty="0" smtClean="0"/>
-              <a:t>4 common types of queries</a:t>
-            </a:r>
-          </a:p>
-          <a:p>
-            <a:pPr lvl="2"/>
-            <a:r>
-              <a:rPr lang="en-US" sz="1800" dirty="0"/>
-              <a:t>Parent/Child </a:t>
-            </a:r>
-            <a:r>
-              <a:rPr lang="en-US" sz="1800" dirty="0" smtClean="0"/>
-              <a:t>join with analytic functions (</a:t>
-            </a:r>
-            <a:r>
-              <a:rPr lang="en-US" sz="1800" dirty="0" err="1" smtClean="0"/>
-              <a:t>avg</a:t>
-            </a:r>
-            <a:r>
-              <a:rPr lang="en-US" sz="1800" dirty="0" smtClean="0"/>
-              <a:t>/median/stdev/</a:t>
-            </a:r>
-            <a:r>
-              <a:rPr lang="en-US" sz="1800" dirty="0" err="1" smtClean="0"/>
-              <a:t>etc</a:t>
-            </a:r>
-            <a:r>
-              <a:rPr lang="en-US" sz="1800" dirty="0" smtClean="0"/>
-              <a:t>)</a:t>
-            </a:r>
-            <a:endParaRPr lang="en-US" sz="1800" dirty="0"/>
-          </a:p>
-          <a:p>
-            <a:pPr lvl="3"/>
-            <a:r>
-              <a:rPr lang="en-US" sz="1600" dirty="0"/>
-              <a:t>100:1 rows </a:t>
-            </a:r>
-            <a:r>
-              <a:rPr lang="en-US" sz="1600" dirty="0" smtClean="0"/>
-              <a:t>joined </a:t>
-            </a:r>
-            <a:r>
-              <a:rPr lang="en-US" sz="1600" dirty="0"/>
-              <a:t>on a key</a:t>
-            </a:r>
-          </a:p>
-          <a:p>
-            <a:pPr lvl="3"/>
-            <a:r>
-              <a:rPr lang="en-US" sz="1600" dirty="0" smtClean="0"/>
-              <a:t>Large Table (100GB, 5B rows)</a:t>
-            </a:r>
-          </a:p>
-          <a:p>
-            <a:pPr lvl="2"/>
-            <a:r>
-              <a:rPr lang="en-US" sz="1800" dirty="0"/>
-              <a:t>Parent/Child table join and filtering</a:t>
-            </a:r>
-          </a:p>
-          <a:p>
-            <a:pPr lvl="3"/>
-            <a:r>
-              <a:rPr lang="en-US" sz="1600" dirty="0"/>
-              <a:t>100GB of </a:t>
-            </a:r>
-            <a:r>
-              <a:rPr lang="en-US" sz="1600" dirty="0" smtClean="0"/>
-              <a:t>data</a:t>
-            </a:r>
-            <a:endParaRPr lang="en-US" sz="1600" dirty="0"/>
-          </a:p>
-          <a:p>
-            <a:pPr lvl="2"/>
-            <a:r>
-              <a:rPr lang="en-US" sz="1800" dirty="0"/>
-              <a:t>Single </a:t>
-            </a:r>
-            <a:r>
-              <a:rPr lang="en-US" sz="1800" dirty="0" smtClean="0"/>
-              <a:t>table with analytic functions </a:t>
-            </a:r>
-            <a:r>
-              <a:rPr lang="en-US" sz="1800" dirty="0"/>
-              <a:t>(</a:t>
-            </a:r>
-            <a:r>
-              <a:rPr lang="en-US" sz="1800" dirty="0" err="1"/>
-              <a:t>avg</a:t>
-            </a:r>
-            <a:r>
-              <a:rPr lang="en-US" sz="1800" dirty="0"/>
-              <a:t>/median/stdev/</a:t>
-            </a:r>
-            <a:r>
-              <a:rPr lang="en-US" sz="1800" dirty="0" err="1"/>
-              <a:t>etc</a:t>
-            </a:r>
-            <a:r>
-              <a:rPr lang="en-US" sz="1800" dirty="0" smtClean="0"/>
-              <a:t>)</a:t>
-            </a:r>
-            <a:endParaRPr lang="en-US" sz="1800" dirty="0"/>
-          </a:p>
-          <a:p>
-            <a:pPr lvl="3"/>
-            <a:r>
-              <a:rPr lang="en-US" sz="1600" dirty="0"/>
-              <a:t>Small table (7GB, 32M rows)</a:t>
-            </a:r>
-          </a:p>
-          <a:p>
-            <a:pPr lvl="2"/>
-            <a:r>
-              <a:rPr lang="en-US" sz="1800" dirty="0"/>
-              <a:t>Windowing Functions (lead/lag)</a:t>
-            </a:r>
-          </a:p>
-          <a:p>
-            <a:pPr lvl="3"/>
-            <a:r>
-              <a:rPr lang="en-US" sz="1600" dirty="0" smtClean="0"/>
-              <a:t>Medium Table (60GB, 2.5B rows)</a:t>
-            </a:r>
-          </a:p>
-          <a:p>
-            <a:pPr lvl="1"/>
-            <a:r>
-              <a:rPr lang="en-US" sz="2000" dirty="0" smtClean="0"/>
-              <a:t>All queries run multiple times back-to-back 3 times to see effects of caching</a:t>
-            </a:r>
-            <a:endParaRPr lang="en-US" sz="2000" dirty="0"/>
-          </a:p>
-          <a:p>
-            <a:pPr lvl="1"/>
-            <a:r>
-              <a:rPr lang="en-US" sz="2000" dirty="0" smtClean="0"/>
-              <a:t>All tables uncompressed and not partitioned</a:t>
-            </a:r>
-            <a:endParaRPr lang="en-US" sz="2000" dirty="0"/>
-          </a:p>
-        </p:txBody>
-      </p:sp>
-    </p:spTree>
-    <p:extLst>
-      <p:ext uri="{BB962C8B-B14F-4D97-AF65-F5344CB8AC3E}">
-        <p14:creationId xmlns:p14="http://schemas.microsoft.com/office/powerpoint/2010/main" val="3194097637"/>
-      </p:ext>
-    </p:extLst>
-  </p:cSld>
-  <p:clrMapOvr>
-    <a:masterClrMapping/>
-  </p:clrMapOvr>
-  <mc:AlternateContent xmlns:mc="http://schemas.openxmlformats.org/markup-compatibility/2006" xmlns:p14="http://schemas.microsoft.com/office/powerpoint/2010/main">
-    <mc:Choice Requires="p14">
-      <p:transition spd="med" p14:dur="700">
-        <p:fade/>
-      </p:transition>
-    </mc:Choice>
-    <mc:Fallback xmlns="">
-      <p:transition spd="med">
-        <p:fade/>
-      </p:transition>
-    </mc:Fallback>
-  </mc:AlternateContent>
 </p:sld>
 </file>
 

--- a/Power Point Files/hotsos_2017 (kirbys inputs).pptx
+++ b/Power Point Files/hotsos_2017 (kirbys inputs).pptx
@@ -5,10 +5,10 @@
     <p:sldMasterId id="2147483648" r:id="rId1"/>
   </p:sldMasterIdLst>
   <p:notesMasterIdLst>
-    <p:notesMasterId r:id="rId28"/>
+    <p:notesMasterId r:id="rId26"/>
   </p:notesMasterIdLst>
   <p:handoutMasterIdLst>
-    <p:handoutMasterId r:id="rId29"/>
+    <p:handoutMasterId r:id="rId27"/>
   </p:handoutMasterIdLst>
   <p:sldIdLst>
     <p:sldId id="256" r:id="rId2"/>
@@ -21,27 +21,25 @@
     <p:sldId id="291" r:id="rId9"/>
     <p:sldId id="289" r:id="rId10"/>
     <p:sldId id="262" r:id="rId11"/>
-    <p:sldId id="263" r:id="rId12"/>
-    <p:sldId id="268" r:id="rId13"/>
-    <p:sldId id="267" r:id="rId14"/>
-    <p:sldId id="269" r:id="rId15"/>
-    <p:sldId id="261" r:id="rId16"/>
-    <p:sldId id="277" r:id="rId17"/>
-    <p:sldId id="272" r:id="rId18"/>
-    <p:sldId id="278" r:id="rId19"/>
-    <p:sldId id="273" r:id="rId20"/>
-    <p:sldId id="279" r:id="rId21"/>
-    <p:sldId id="274" r:id="rId22"/>
-    <p:sldId id="280" r:id="rId23"/>
-    <p:sldId id="281" r:id="rId24"/>
-    <p:sldId id="292" r:id="rId25"/>
-    <p:sldId id="282" r:id="rId26"/>
-    <p:sldId id="283" r:id="rId27"/>
+    <p:sldId id="267" r:id="rId12"/>
+    <p:sldId id="269" r:id="rId13"/>
+    <p:sldId id="261" r:id="rId14"/>
+    <p:sldId id="277" r:id="rId15"/>
+    <p:sldId id="272" r:id="rId16"/>
+    <p:sldId id="278" r:id="rId17"/>
+    <p:sldId id="273" r:id="rId18"/>
+    <p:sldId id="279" r:id="rId19"/>
+    <p:sldId id="274" r:id="rId20"/>
+    <p:sldId id="280" r:id="rId21"/>
+    <p:sldId id="281" r:id="rId22"/>
+    <p:sldId id="292" r:id="rId23"/>
+    <p:sldId id="282" r:id="rId24"/>
+    <p:sldId id="283" r:id="rId25"/>
   </p:sldIdLst>
   <p:sldSz cx="12188825" cy="6858000"/>
   <p:notesSz cx="6858000" cy="9144000"/>
   <p:custDataLst>
-    <p:tags r:id="rId30"/>
+    <p:tags r:id="rId28"/>
   </p:custDataLst>
   <p:defaultTextStyle>
     <a:defPPr>
@@ -278,7 +276,7 @@
           <a:p>
             <a:fld id="{ADCC02A0-C947-4278-96D1-0DB9C063DF55}" type="datetimeFigureOut">
               <a:rPr lang="en-US" smtClean="0"/>
-              <a:t>2/23/2017</a:t>
+              <a:t>2/24/2017</a:t>
             </a:fld>
             <a:endParaRPr lang="en-US"/>
           </a:p>
@@ -936,7 +934,7 @@
           <a:p>
             <a:fld id="{80C853A8-1CF5-4118-9D6D-C132E8FC53CB}" type="datetimeFigureOut">
               <a:rPr lang="en-US" smtClean="0"/>
-              <a:t>2/23/2017</a:t>
+              <a:t>2/24/2017</a:t>
             </a:fld>
             <a:endParaRPr lang="en-US"/>
           </a:p>
@@ -2035,7 +2033,7 @@
             <a:fld id="{80C853A8-1CF5-4118-9D6D-C132E8FC53CB}" type="datetimeFigureOut">
               <a:rPr lang="en-US" smtClean="0"/>
               <a:pPr/>
-              <a:t>2/23/2017</a:t>
+              <a:t>2/24/2017</a:t>
             </a:fld>
             <a:endParaRPr lang="en-US"/>
           </a:p>
@@ -2241,7 +2239,7 @@
           <a:p>
             <a:fld id="{80C853A8-1CF5-4118-9D6D-C132E8FC53CB}" type="datetimeFigureOut">
               <a:rPr lang="en-US" smtClean="0"/>
-              <a:t>2/23/2017</a:t>
+              <a:t>2/24/2017</a:t>
             </a:fld>
             <a:endParaRPr lang="en-US"/>
           </a:p>
@@ -2378,7 +2376,7 @@
           <a:p>
             <a:fld id="{80C853A8-1CF5-4118-9D6D-C132E8FC53CB}" type="datetimeFigureOut">
               <a:rPr lang="en-US" smtClean="0"/>
-              <a:t>2/23/2017</a:t>
+              <a:t>2/24/2017</a:t>
             </a:fld>
             <a:endParaRPr lang="en-US"/>
           </a:p>
@@ -2670,7 +2668,7 @@
           <a:p>
             <a:fld id="{80C853A8-1CF5-4118-9D6D-C132E8FC53CB}" type="datetimeFigureOut">
               <a:rPr lang="en-US" smtClean="0"/>
-              <a:t>2/23/2017</a:t>
+              <a:t>2/24/2017</a:t>
             </a:fld>
             <a:endParaRPr lang="en-US"/>
           </a:p>
@@ -3060,7 +3058,7 @@
           <a:p>
             <a:fld id="{80C853A8-1CF5-4118-9D6D-C132E8FC53CB}" type="datetimeFigureOut">
               <a:rPr lang="en-US" smtClean="0"/>
-              <a:t>2/23/2017</a:t>
+              <a:t>2/24/2017</a:t>
             </a:fld>
             <a:endParaRPr lang="en-US"/>
           </a:p>
@@ -3197,7 +3195,7 @@
           <a:p>
             <a:fld id="{80C853A8-1CF5-4118-9D6D-C132E8FC53CB}" type="datetimeFigureOut">
               <a:rPr lang="en-US" smtClean="0"/>
-              <a:t>2/23/2017</a:t>
+              <a:t>2/24/2017</a:t>
             </a:fld>
             <a:endParaRPr lang="en-US"/>
           </a:p>
@@ -3409,7 +3407,7 @@
           <a:p>
             <a:fld id="{80C853A8-1CF5-4118-9D6D-C132E8FC53CB}" type="datetimeFigureOut">
               <a:rPr lang="en-US" smtClean="0"/>
-              <a:t>2/23/2017</a:t>
+              <a:t>2/24/2017</a:t>
             </a:fld>
             <a:endParaRPr lang="en-US"/>
           </a:p>
@@ -3725,7 +3723,7 @@
           <a:p>
             <a:fld id="{80C853A8-1CF5-4118-9D6D-C132E8FC53CB}" type="datetimeFigureOut">
               <a:rPr lang="en-US" smtClean="0"/>
-              <a:t>2/23/2017</a:t>
+              <a:t>2/24/2017</a:t>
             </a:fld>
             <a:endParaRPr lang="en-US"/>
           </a:p>
@@ -4185,7 +4183,7 @@
           <a:p>
             <a:fld id="{80C853A8-1CF5-4118-9D6D-C132E8FC53CB}" type="datetimeFigureOut">
               <a:rPr lang="en-US" smtClean="0"/>
-              <a:t>2/23/2017</a:t>
+              <a:t>2/24/2017</a:t>
             </a:fld>
             <a:endParaRPr lang="en-US"/>
           </a:p>
@@ -4743,7 +4741,7 @@
           <a:p>
             <a:fld id="{80C853A8-1CF5-4118-9D6D-C132E8FC53CB}" type="datetimeFigureOut">
               <a:rPr lang="en-US" smtClean="0"/>
-              <a:t>2/23/2017</a:t>
+              <a:t>2/24/2017</a:t>
             </a:fld>
             <a:endParaRPr lang="en-US"/>
           </a:p>
@@ -5100,7 +5098,7 @@
             <a:fld id="{80C853A8-1CF5-4118-9D6D-C132E8FC53CB}" type="datetimeFigureOut">
               <a:rPr lang="en-US" smtClean="0"/>
               <a:pPr/>
-              <a:t>2/23/2017</a:t>
+              <a:t>2/24/2017</a:t>
             </a:fld>
             <a:endParaRPr lang="en-US"/>
           </a:p>
@@ -5630,7 +5628,7 @@
           <a:p>
             <a:fld id="{80C853A8-1CF5-4118-9D6D-C132E8FC53CB}" type="datetimeFigureOut">
               <a:rPr lang="en-US" smtClean="0"/>
-              <a:t>2/23/2017</a:t>
+              <a:t>2/24/2017</a:t>
             </a:fld>
             <a:endParaRPr lang="en-US"/>
           </a:p>
@@ -6033,7 +6031,7 @@
           <a:p>
             <a:fld id="{80C853A8-1CF5-4118-9D6D-C132E8FC53CB}" type="datetimeFigureOut">
               <a:rPr lang="en-US" smtClean="0"/>
-              <a:t>2/23/2017</a:t>
+              <a:t>2/24/2017</a:t>
             </a:fld>
             <a:endParaRPr lang="en-US"/>
           </a:p>
@@ -6646,7 +6644,7 @@
           <a:p>
             <a:fld id="{80C853A8-1CF5-4118-9D6D-C132E8FC53CB}" type="datetimeFigureOut">
               <a:rPr lang="en-US" smtClean="0"/>
-              <a:t>2/23/2017</a:t>
+              <a:t>2/24/2017</a:t>
             </a:fld>
             <a:endParaRPr lang="en-US"/>
           </a:p>
@@ -7518,7 +7516,7 @@
           <a:p>
             <a:fld id="{80C853A8-1CF5-4118-9D6D-C132E8FC53CB}" type="datetimeFigureOut">
               <a:rPr lang="en-US" smtClean="0"/>
-              <a:t>2/23/2017</a:t>
+              <a:t>2/24/2017</a:t>
             </a:fld>
             <a:endParaRPr lang="en-US"/>
           </a:p>
@@ -7801,7 +7799,7 @@
           <a:p>
             <a:fld id="{80C853A8-1CF5-4118-9D6D-C132E8FC53CB}" type="datetimeFigureOut">
               <a:rPr lang="en-US" smtClean="0"/>
-              <a:t>2/23/2017</a:t>
+              <a:t>2/24/2017</a:t>
             </a:fld>
             <a:endParaRPr lang="en-US"/>
           </a:p>
@@ -8014,7 +8012,7 @@
           <a:p>
             <a:fld id="{80C853A8-1CF5-4118-9D6D-C132E8FC53CB}" type="datetimeFigureOut">
               <a:rPr lang="en-US" smtClean="0"/>
-              <a:t>2/23/2017</a:t>
+              <a:t>2/24/2017</a:t>
             </a:fld>
             <a:endParaRPr lang="en-US"/>
           </a:p>
@@ -8314,7 +8312,7 @@
           <a:p>
             <a:fld id="{80C853A8-1CF5-4118-9D6D-C132E8FC53CB}" type="datetimeFigureOut">
               <a:rPr lang="en-US" smtClean="0"/>
-              <a:t>2/23/2017</a:t>
+              <a:t>2/24/2017</a:t>
             </a:fld>
             <a:endParaRPr lang="en-US"/>
           </a:p>
@@ -8734,7 +8732,7 @@
           <a:p>
             <a:fld id="{80C853A8-1CF5-4118-9D6D-C132E8FC53CB}" type="datetimeFigureOut">
               <a:rPr lang="en-US" smtClean="0"/>
-              <a:t>2/23/2017</a:t>
+              <a:t>2/24/2017</a:t>
             </a:fld>
             <a:endParaRPr lang="en-US"/>
           </a:p>
@@ -9267,7 +9265,7 @@
           <a:p>
             <a:fld id="{80C853A8-1CF5-4118-9D6D-C132E8FC53CB}" type="datetimeFigureOut">
               <a:rPr lang="en-US" smtClean="0"/>
-              <a:t>2/23/2017</a:t>
+              <a:t>2/24/2017</a:t>
             </a:fld>
             <a:endParaRPr lang="en-US"/>
           </a:p>
@@ -9466,7 +9464,7 @@
           <a:p>
             <a:fld id="{80C853A8-1CF5-4118-9D6D-C132E8FC53CB}" type="datetimeFigureOut">
               <a:rPr lang="en-US" smtClean="0"/>
-              <a:t>2/23/2017</a:t>
+              <a:t>2/24/2017</a:t>
             </a:fld>
             <a:endParaRPr lang="en-US"/>
           </a:p>
@@ -9734,7 +9732,7 @@
           <a:p>
             <a:fld id="{80C853A8-1CF5-4118-9D6D-C132E8FC53CB}" type="datetimeFigureOut">
               <a:rPr lang="en-US" smtClean="0"/>
-              <a:t>2/23/2017</a:t>
+              <a:t>2/24/2017</a:t>
             </a:fld>
             <a:endParaRPr lang="en-US"/>
           </a:p>
@@ -10462,7 +10460,7 @@
             <a:fld id="{80C853A8-1CF5-4118-9D6D-C132E8FC53CB}" type="datetimeFigureOut">
               <a:rPr lang="en-US" smtClean="0"/>
               <a:pPr/>
-              <a:t>2/23/2017</a:t>
+              <a:t>2/24/2017</a:t>
             </a:fld>
             <a:endParaRPr lang="en-US"/>
           </a:p>
@@ -11187,7 +11185,7 @@
             <a:fld id="{80C853A8-1CF5-4118-9D6D-C132E8FC53CB}" type="datetimeFigureOut">
               <a:rPr lang="en-US" smtClean="0"/>
               <a:pPr/>
-              <a:t>2/23/2017</a:t>
+              <a:t>2/24/2017</a:t>
             </a:fld>
             <a:endParaRPr lang="en-US"/>
           </a:p>
@@ -12246,11 +12244,7 @@
           <a:p>
             <a:r>
               <a:rPr lang="en-US" dirty="0" smtClean="0"/>
-              <a:t>PGA </a:t>
-            </a:r>
-            <a:r>
-              <a:rPr lang="en-US" dirty="0" smtClean="0"/>
-              <a:t>Sizing Calculations</a:t>
+              <a:t>PGA Sizing Calculations</a:t>
             </a:r>
             <a:endParaRPr lang="en-US" dirty="0"/>
           </a:p>
@@ -12297,19 +12291,11 @@
             </a:pPr>
             <a:r>
               <a:rPr lang="en-US" sz="1400" dirty="0"/>
-              <a:t>PAT &lt; 1GB:	 	</a:t>
-            </a:r>
-            <a:r>
-              <a:rPr lang="en-US" sz="1400" dirty="0"/>
-              <a:t> </a:t>
+              <a:t>PAT &lt; 1GB:	 	 </a:t>
             </a:r>
             <a:r>
               <a:rPr lang="en-US" sz="1400" dirty="0" smtClean="0"/>
-              <a:t>    </a:t>
-            </a:r>
-            <a:r>
-              <a:rPr lang="en-US" sz="1400" dirty="0" smtClean="0"/>
-              <a:t>200MB</a:t>
+              <a:t>    200MB</a:t>
             </a:r>
             <a:endParaRPr lang="en-US" sz="1400" dirty="0"/>
           </a:p>
@@ -12320,19 +12306,11 @@
             </a:pPr>
             <a:r>
               <a:rPr lang="en-US" sz="1400" dirty="0"/>
-              <a:t>1GB &gt;= PAT &lt;= 2GB: 	</a:t>
-            </a:r>
-            <a:r>
-              <a:rPr lang="en-US" sz="1400" dirty="0"/>
-              <a:t> </a:t>
+              <a:t>1GB &gt;= PAT &lt;= 2GB: 	 </a:t>
             </a:r>
             <a:r>
               <a:rPr lang="en-US" sz="1400" dirty="0" smtClean="0"/>
-              <a:t>    </a:t>
-            </a:r>
-            <a:r>
-              <a:rPr lang="en-US" sz="1400" dirty="0" smtClean="0"/>
-              <a:t>20</a:t>
+              <a:t>    20</a:t>
             </a:r>
             <a:r>
               <a:rPr lang="en-US" sz="1400" dirty="0"/>
@@ -12346,19 +12324,11 @@
             </a:pPr>
             <a:r>
               <a:rPr lang="en-US" sz="1400" dirty="0"/>
-              <a:t>PAT &gt; 2GB: 	 	</a:t>
-            </a:r>
-            <a:r>
-              <a:rPr lang="en-US" sz="1400" dirty="0"/>
-              <a:t> </a:t>
+              <a:t>PAT &gt; 2GB: 	 	 </a:t>
             </a:r>
             <a:r>
               <a:rPr lang="en-US" sz="1400" dirty="0" smtClean="0"/>
-              <a:t>    </a:t>
-            </a:r>
-            <a:r>
-              <a:rPr lang="en-US" sz="1400" dirty="0" smtClean="0"/>
-              <a:t>min(2GB</a:t>
+              <a:t>    min(2GB</a:t>
             </a:r>
             <a:r>
               <a:rPr lang="en-US" sz="1400" dirty="0"/>
@@ -12382,7 +12352,7 @@
             </a:r>
             <a:r>
               <a:rPr lang="en-US" sz="1400" dirty="0" smtClean="0"/>
-              <a:t>     20</a:t>
+              <a:t>     	     20</a:t>
             </a:r>
             <a:r>
               <a:rPr lang="en-US" sz="1400" dirty="0"/>
@@ -12400,7 +12370,7 @@
             </a:r>
             <a:r>
               <a:rPr lang="en-US" sz="1400" dirty="0" smtClean="0"/>
-              <a:t>1GB:   100MB</a:t>
+              <a:t>1GB:   	     100MB</a:t>
             </a:r>
             <a:endParaRPr lang="en-US" sz="1400" dirty="0"/>
           </a:p>
@@ -12473,8 +12443,8 @@
           </a:prstGeom>
         </p:spPr>
       </p:pic>
-      <mc:AlternateContent xmlns:mc="http://schemas.openxmlformats.org/markup-compatibility/2006">
-        <mc:Choice xmlns:a14="http://schemas.microsoft.com/office/drawing/2010/main" Requires="a14">
+      <mc:AlternateContent xmlns:mc="http://schemas.openxmlformats.org/markup-compatibility/2006" xmlns:a14="http://schemas.microsoft.com/office/drawing/2010/main">
+        <mc:Choice Requires="a14">
           <p:sp>
             <p:nvSpPr>
               <p:cNvPr id="10" name="TextBox 9"/>
@@ -12676,7 +12646,7 @@
             </p:txBody>
           </p:sp>
         </mc:Choice>
-        <mc:Fallback>
+        <mc:Fallback xmlns="">
           <p:sp>
             <p:nvSpPr>
               <p:cNvPr id="10" name="TextBox 9"/>
@@ -12748,426 +12718,6 @@
 </file>
 
 <file path=ppt/slides/slide11.xml><?xml version="1.0" encoding="utf-8"?>
-<p:sld xmlns:a="http://schemas.openxmlformats.org/drawingml/2006/main" xmlns:r="http://schemas.openxmlformats.org/officeDocument/2006/relationships" xmlns:p="http://schemas.openxmlformats.org/presentationml/2006/main">
-  <p:cSld>
-    <p:spTree>
-      <p:nvGrpSpPr>
-        <p:cNvPr id="1" name=""/>
-        <p:cNvGrpSpPr/>
-        <p:nvPr/>
-      </p:nvGrpSpPr>
-      <p:grpSpPr>
-        <a:xfrm>
-          <a:off x="0" y="0"/>
-          <a:ext cx="0" cy="0"/>
-          <a:chOff x="0" y="0"/>
-          <a:chExt cx="0" cy="0"/>
-        </a:xfrm>
-      </p:grpSpPr>
-      <p:sp>
-        <p:nvSpPr>
-          <p:cNvPr id="2" name="Title 1"/>
-          <p:cNvSpPr>
-            <a:spLocks noGrp="1"/>
-          </p:cNvSpPr>
-          <p:nvPr>
-            <p:ph type="title"/>
-          </p:nvPr>
-        </p:nvSpPr>
-        <p:spPr/>
-        <p:txBody>
-          <a:bodyPr/>
-          <a:lstStyle/>
-          <a:p>
-            <a:r>
-              <a:rPr lang="en-US" dirty="0" smtClean="0"/>
-              <a:t>Parallel query</a:t>
-            </a:r>
-            <a:endParaRPr lang="en-US" dirty="0"/>
-          </a:p>
-        </p:txBody>
-      </p:sp>
-      <p:pic>
-        <p:nvPicPr>
-          <p:cNvPr id="1026" name="Picture 2" descr="Description of Figure 8-2 follows"/>
-          <p:cNvPicPr>
-            <a:picLocks noChangeAspect="1" noChangeArrowheads="1"/>
-          </p:cNvPicPr>
-          <p:nvPr/>
-        </p:nvPicPr>
-        <p:blipFill>
-          <a:blip r:embed="rId2">
-            <a:extLst>
-              <a:ext uri="{28A0092B-C50C-407E-A947-70E740481C1C}">
-                <a14:useLocalDpi xmlns:a14="http://schemas.microsoft.com/office/drawing/2010/main" val="0"/>
-              </a:ext>
-            </a:extLst>
-          </a:blip>
-          <a:srcRect/>
-          <a:stretch>
-            <a:fillRect/>
-          </a:stretch>
-        </p:blipFill>
-        <p:spPr bwMode="auto">
-          <a:xfrm>
-            <a:off x="5942012" y="3185458"/>
-            <a:ext cx="4951571" cy="2468284"/>
-          </a:xfrm>
-          <a:prstGeom prst="rect">
-            <a:avLst/>
-          </a:prstGeom>
-          <a:noFill/>
-          <a:extLst>
-            <a:ext uri="{909E8E84-426E-40DD-AFC4-6F175D3DCCD1}">
-              <a14:hiddenFill xmlns:a14="http://schemas.microsoft.com/office/drawing/2010/main">
-                <a:solidFill>
-                  <a:srgbClr val="FFFFFF"/>
-                </a:solidFill>
-              </a14:hiddenFill>
-            </a:ext>
-          </a:extLst>
-        </p:spPr>
-      </p:pic>
-      <p:sp>
-        <p:nvSpPr>
-          <p:cNvPr id="7" name="TextBox 6"/>
-          <p:cNvSpPr txBox="1"/>
-          <p:nvPr/>
-        </p:nvSpPr>
-        <p:spPr>
-          <a:xfrm>
-            <a:off x="836612" y="2286000"/>
-            <a:ext cx="3048000" cy="2133600"/>
-          </a:xfrm>
-          <a:prstGeom prst="rect">
-            <a:avLst/>
-          </a:prstGeom>
-          <a:noFill/>
-        </p:spPr>
-        <p:txBody>
-          <a:bodyPr wrap="none" lIns="0" tIns="0" rIns="0" bIns="0" rtlCol="0">
-            <a:noAutofit/>
-          </a:bodyPr>
-          <a:lstStyle/>
-          <a:p>
-            <a:pPr>
-              <a:lnSpc>
-                <a:spcPct val="90000"/>
-              </a:lnSpc>
-            </a:pPr>
-            <a:r>
-              <a:rPr lang="en-US" sz="2400" b="1" dirty="0" smtClean="0"/>
-              <a:t>Areas of interest for us</a:t>
-            </a:r>
-          </a:p>
-          <a:p>
-            <a:pPr>
-              <a:lnSpc>
-                <a:spcPct val="90000"/>
-              </a:lnSpc>
-            </a:pPr>
-            <a:endParaRPr lang="en-US" dirty="0"/>
-          </a:p>
-          <a:p>
-            <a:pPr marL="342900" indent="-342900">
-              <a:lnSpc>
-                <a:spcPct val="90000"/>
-              </a:lnSpc>
-              <a:buFont typeface="Arial" panose="020B0604020202020204" pitchFamily="34" charset="0"/>
-              <a:buChar char="•"/>
-            </a:pPr>
-            <a:r>
-              <a:rPr lang="en-US" sz="2000" dirty="0" smtClean="0"/>
-              <a:t>Queuing</a:t>
-            </a:r>
-          </a:p>
-          <a:p>
-            <a:pPr marL="342900" indent="-342900">
-              <a:lnSpc>
-                <a:spcPct val="90000"/>
-              </a:lnSpc>
-              <a:buFont typeface="Arial" panose="020B0604020202020204" pitchFamily="34" charset="0"/>
-              <a:buChar char="•"/>
-            </a:pPr>
-            <a:endParaRPr lang="en-US" sz="2000" dirty="0"/>
-          </a:p>
-          <a:p>
-            <a:pPr marL="342900" indent="-342900">
-              <a:lnSpc>
-                <a:spcPct val="90000"/>
-              </a:lnSpc>
-              <a:buFont typeface="Arial" panose="020B0604020202020204" pitchFamily="34" charset="0"/>
-              <a:buChar char="•"/>
-            </a:pPr>
-            <a:r>
-              <a:rPr lang="en-US" sz="2000" dirty="0"/>
-              <a:t>PX server </a:t>
-            </a:r>
-            <a:r>
-              <a:rPr lang="en-US" sz="2000" dirty="0" smtClean="0"/>
-              <a:t>pool</a:t>
-            </a:r>
-          </a:p>
-          <a:p>
-            <a:pPr marL="342900" indent="-342900">
-              <a:lnSpc>
-                <a:spcPct val="90000"/>
-              </a:lnSpc>
-              <a:buFont typeface="Arial" panose="020B0604020202020204" pitchFamily="34" charset="0"/>
-              <a:buChar char="•"/>
-            </a:pPr>
-            <a:endParaRPr lang="en-US" sz="2000" dirty="0"/>
-          </a:p>
-          <a:p>
-            <a:pPr marL="342900" indent="-342900">
-              <a:lnSpc>
-                <a:spcPct val="90000"/>
-              </a:lnSpc>
-              <a:buFont typeface="Arial" panose="020B0604020202020204" pitchFamily="34" charset="0"/>
-              <a:buChar char="•"/>
-            </a:pPr>
-            <a:r>
-              <a:rPr lang="en-US" sz="2000" dirty="0"/>
-              <a:t>Granules</a:t>
-            </a:r>
-          </a:p>
-          <a:p>
-            <a:pPr marL="285750" indent="-285750">
-              <a:lnSpc>
-                <a:spcPct val="90000"/>
-              </a:lnSpc>
-              <a:buFont typeface="Arial" panose="020B0604020202020204" pitchFamily="34" charset="0"/>
-              <a:buChar char="•"/>
-            </a:pPr>
-            <a:endParaRPr lang="en-US" dirty="0" smtClean="0"/>
-          </a:p>
-        </p:txBody>
-      </p:sp>
-    </p:spTree>
-    <p:extLst>
-      <p:ext uri="{BB962C8B-B14F-4D97-AF65-F5344CB8AC3E}">
-        <p14:creationId xmlns:p14="http://schemas.microsoft.com/office/powerpoint/2010/main" val="2326920971"/>
-      </p:ext>
-    </p:extLst>
-  </p:cSld>
-  <p:clrMapOvr>
-    <a:masterClrMapping/>
-  </p:clrMapOvr>
-  <mc:AlternateContent xmlns:mc="http://schemas.openxmlformats.org/markup-compatibility/2006" xmlns:p14="http://schemas.microsoft.com/office/powerpoint/2010/main">
-    <mc:Choice Requires="p14">
-      <p:transition spd="med" p14:dur="700">
-        <p:fade/>
-      </p:transition>
-    </mc:Choice>
-    <mc:Fallback xmlns="">
-      <p:transition spd="med">
-        <p:fade/>
-      </p:transition>
-    </mc:Fallback>
-  </mc:AlternateContent>
-  <p:timing>
-    <p:tnLst>
-      <p:par>
-        <p:cTn id="1" dur="indefinite" restart="never" nodeType="tmRoot"/>
-      </p:par>
-    </p:tnLst>
-  </p:timing>
-</p:sld>
-</file>
-
-<file path=ppt/slides/slide12.xml><?xml version="1.0" encoding="utf-8"?>
-<p:sld xmlns:a="http://schemas.openxmlformats.org/drawingml/2006/main" xmlns:r="http://schemas.openxmlformats.org/officeDocument/2006/relationships" xmlns:p="http://schemas.openxmlformats.org/presentationml/2006/main">
-  <p:cSld>
-    <p:spTree>
-      <p:nvGrpSpPr>
-        <p:cNvPr id="1" name=""/>
-        <p:cNvGrpSpPr/>
-        <p:nvPr/>
-      </p:nvGrpSpPr>
-      <p:grpSpPr>
-        <a:xfrm>
-          <a:off x="0" y="0"/>
-          <a:ext cx="0" cy="0"/>
-          <a:chOff x="0" y="0"/>
-          <a:chExt cx="0" cy="0"/>
-        </a:xfrm>
-      </p:grpSpPr>
-      <p:sp>
-        <p:nvSpPr>
-          <p:cNvPr id="2" name="Title 1"/>
-          <p:cNvSpPr>
-            <a:spLocks noGrp="1"/>
-          </p:cNvSpPr>
-          <p:nvPr>
-            <p:ph type="title"/>
-          </p:nvPr>
-        </p:nvSpPr>
-        <p:spPr/>
-        <p:txBody>
-          <a:bodyPr/>
-          <a:lstStyle/>
-          <a:p>
-            <a:r>
-              <a:rPr lang="en-US" dirty="0" smtClean="0"/>
-              <a:t>Experiment # 1:  Tuning PGA</a:t>
-            </a:r>
-            <a:endParaRPr lang="en-US" dirty="0"/>
-          </a:p>
-        </p:txBody>
-      </p:sp>
-      <p:sp>
-        <p:nvSpPr>
-          <p:cNvPr id="3" name="Content Placeholder 2"/>
-          <p:cNvSpPr>
-            <a:spLocks noGrp="1"/>
-          </p:cNvSpPr>
-          <p:nvPr>
-            <p:ph idx="1"/>
-          </p:nvPr>
-        </p:nvSpPr>
-        <p:spPr>
-          <a:xfrm>
-            <a:off x="8151812" y="1295401"/>
-            <a:ext cx="3886200" cy="4038599"/>
-          </a:xfrm>
-        </p:spPr>
-        <p:txBody>
-          <a:bodyPr/>
-          <a:lstStyle/>
-          <a:p>
-            <a:r>
-              <a:rPr lang="en-US" dirty="0" err="1" smtClean="0"/>
-              <a:t>pga_aggregate_target</a:t>
-            </a:r>
-            <a:r>
-              <a:rPr lang="en-US" dirty="0" smtClean="0"/>
-              <a:t> = 192GB</a:t>
-            </a:r>
-          </a:p>
-          <a:p>
-            <a:r>
-              <a:rPr lang="en-US" dirty="0" smtClean="0"/>
-              <a:t>_</a:t>
-            </a:r>
-            <a:r>
-              <a:rPr lang="en-US" dirty="0" err="1" smtClean="0"/>
-              <a:t>pga_max_size</a:t>
-            </a:r>
-            <a:r>
-              <a:rPr lang="en-US" dirty="0" smtClean="0"/>
-              <a:t> = 2GB</a:t>
-            </a:r>
-          </a:p>
-          <a:p>
-            <a:r>
-              <a:rPr lang="en-US" dirty="0" smtClean="0"/>
-              <a:t>_</a:t>
-            </a:r>
-            <a:r>
-              <a:rPr lang="en-US" dirty="0" err="1" smtClean="0"/>
-              <a:t>smm_max_size</a:t>
-            </a:r>
-            <a:r>
-              <a:rPr lang="en-US" dirty="0" smtClean="0"/>
-              <a:t> = 1GB</a:t>
-            </a:r>
-          </a:p>
-          <a:p>
-            <a:r>
-              <a:rPr lang="en-US" dirty="0" smtClean="0"/>
-              <a:t>_</a:t>
-            </a:r>
-            <a:r>
-              <a:rPr lang="en-US" dirty="0" err="1" smtClean="0"/>
-              <a:t>smm_px_max_size</a:t>
-            </a:r>
-            <a:r>
-              <a:rPr lang="en-US" dirty="0" smtClean="0"/>
-              <a:t> = 96GB</a:t>
-            </a:r>
-          </a:p>
-          <a:p>
-            <a:endParaRPr lang="en-US" dirty="0"/>
-          </a:p>
-          <a:p>
-            <a:endParaRPr lang="en-US" dirty="0" smtClean="0"/>
-          </a:p>
-          <a:p>
-            <a:endParaRPr lang="en-US" dirty="0"/>
-          </a:p>
-          <a:p>
-            <a:r>
-              <a:rPr lang="en-US" dirty="0" smtClean="0"/>
-              <a:t>With this setup, we can never have a work area larger than 1GB.  </a:t>
-            </a:r>
-          </a:p>
-          <a:p>
-            <a:pPr lvl="1"/>
-            <a:r>
-              <a:rPr lang="en-US" dirty="0" smtClean="0"/>
-              <a:t>What happens if we manually set _</a:t>
-            </a:r>
-            <a:r>
-              <a:rPr lang="en-US" dirty="0" err="1" smtClean="0"/>
-              <a:t>pga_max_size</a:t>
-            </a:r>
-            <a:r>
-              <a:rPr lang="en-US" dirty="0" smtClean="0"/>
-              <a:t>?</a:t>
-            </a:r>
-          </a:p>
-        </p:txBody>
-      </p:sp>
-      <p:pic>
-        <p:nvPicPr>
-          <p:cNvPr id="5" name="Picture 4"/>
-          <p:cNvPicPr>
-            <a:picLocks noChangeAspect="1"/>
-          </p:cNvPicPr>
-          <p:nvPr/>
-        </p:nvPicPr>
-        <p:blipFill>
-          <a:blip r:embed="rId2"/>
-          <a:stretch>
-            <a:fillRect/>
-          </a:stretch>
-        </p:blipFill>
-        <p:spPr>
-          <a:xfrm>
-            <a:off x="379412" y="1219200"/>
-            <a:ext cx="7620000" cy="5533062"/>
-          </a:xfrm>
-          <a:prstGeom prst="rect">
-            <a:avLst/>
-          </a:prstGeom>
-        </p:spPr>
-      </p:pic>
-    </p:spTree>
-    <p:extLst>
-      <p:ext uri="{BB962C8B-B14F-4D97-AF65-F5344CB8AC3E}">
-        <p14:creationId xmlns:p14="http://schemas.microsoft.com/office/powerpoint/2010/main" val="1706961663"/>
-      </p:ext>
-    </p:extLst>
-  </p:cSld>
-  <p:clrMapOvr>
-    <a:masterClrMapping/>
-  </p:clrMapOvr>
-  <mc:AlternateContent xmlns:mc="http://schemas.openxmlformats.org/markup-compatibility/2006" xmlns:p14="http://schemas.microsoft.com/office/powerpoint/2010/main">
-    <mc:Choice Requires="p14">
-      <p:transition spd="med" p14:dur="700">
-        <p:fade/>
-      </p:transition>
-    </mc:Choice>
-    <mc:Fallback xmlns="">
-      <p:transition spd="med">
-        <p:fade/>
-      </p:transition>
-    </mc:Fallback>
-  </mc:AlternateContent>
-</p:sld>
-</file>
-
-<file path=ppt/slides/slide13.xml><?xml version="1.0" encoding="utf-8"?>
 <p:sld xmlns:a="http://schemas.openxmlformats.org/drawingml/2006/main" xmlns:r="http://schemas.openxmlformats.org/officeDocument/2006/relationships" xmlns:p="http://schemas.openxmlformats.org/presentationml/2006/main">
   <p:cSld>
     <p:spTree>
@@ -13418,45 +12968,21 @@
             <a:pPr lvl="1"/>
             <a:r>
               <a:rPr lang="en-US" dirty="0" smtClean="0"/>
-              <a:t>ALTER SYSTEM SET </a:t>
-            </a:r>
+              <a:t>ALTER SYSTEM SET “_PGA_MAX_SIZE” = 2G</a:t>
+            </a:r>
+          </a:p>
+          <a:p>
+            <a:pPr lvl="1"/>
             <a:r>
               <a:rPr lang="en-US" dirty="0" smtClean="0"/>
-              <a:t>“_PGA_MAX_SIZE</a:t>
-            </a:r>
+              <a:t>ALTER SYSTEM SET “_PGA_MAX_SIZE” = 4G</a:t>
+            </a:r>
+          </a:p>
+          <a:p>
+            <a:pPr lvl="1"/>
             <a:r>
               <a:rPr lang="en-US" dirty="0" smtClean="0"/>
-              <a:t>” = 2G</a:t>
-            </a:r>
-          </a:p>
-          <a:p>
-            <a:pPr lvl="1"/>
-            <a:r>
-              <a:rPr lang="en-US" dirty="0" smtClean="0"/>
-              <a:t>ALTER SYSTEM SET </a:t>
-            </a:r>
-            <a:r>
-              <a:rPr lang="en-US" dirty="0" smtClean="0"/>
-              <a:t>“_PGA_MAX_SIZE</a:t>
-            </a:r>
-            <a:r>
-              <a:rPr lang="en-US" dirty="0" smtClean="0"/>
-              <a:t>” = 4G</a:t>
-            </a:r>
-          </a:p>
-          <a:p>
-            <a:pPr lvl="1"/>
-            <a:r>
-              <a:rPr lang="en-US" dirty="0" smtClean="0"/>
-              <a:t>ALTER SYSTEM SET </a:t>
-            </a:r>
-            <a:r>
-              <a:rPr lang="en-US" dirty="0" smtClean="0"/>
-              <a:t>“_PGA_MAX_SIZE</a:t>
-            </a:r>
-            <a:r>
-              <a:rPr lang="en-US" dirty="0" smtClean="0"/>
-              <a:t>” = 6G</a:t>
+              <a:t>ALTER SYSTEM SET “_PGA_MAX_SIZE” = 6G</a:t>
             </a:r>
           </a:p>
           <a:p>
@@ -13509,15 +13035,7 @@
             <a:pPr lvl="1"/>
             <a:r>
               <a:rPr lang="en-US" dirty="0" smtClean="0"/>
-              <a:t>Work Area </a:t>
-            </a:r>
-            <a:r>
-              <a:rPr lang="en-US" dirty="0" smtClean="0"/>
-              <a:t>Size (PGA and Temp</a:t>
-            </a:r>
-            <a:r>
-              <a:rPr lang="en-US" dirty="0" smtClean="0"/>
-              <a:t>)</a:t>
+              <a:t>Work Area Size (PGA and Temp)</a:t>
             </a:r>
           </a:p>
           <a:p>
@@ -13526,7 +13044,6 @@
               <a:rPr lang="en-US" dirty="0" smtClean="0"/>
               <a:t>V$SQL_WORKAREA_ACTIVE</a:t>
             </a:r>
-            <a:endParaRPr lang="en-US" dirty="0" smtClean="0"/>
           </a:p>
           <a:p>
             <a:pPr lvl="1"/>
@@ -13594,7 +13111,6 @@
               <a:rPr lang="en-US" dirty="0" smtClean="0"/>
               <a:t>Can we stop going to temp if we enable larger work areas?</a:t>
             </a:r>
-            <a:endParaRPr lang="en-US" dirty="0" smtClean="0"/>
           </a:p>
         </p:txBody>
       </p:sp>
@@ -13623,7 +13139,7 @@
 </p:sld>
 </file>
 
-<file path=ppt/slides/slide14.xml><?xml version="1.0" encoding="utf-8"?>
+<file path=ppt/slides/slide12.xml><?xml version="1.0" encoding="utf-8"?>
 <p:sld xmlns:a="http://schemas.openxmlformats.org/drawingml/2006/main" xmlns:r="http://schemas.openxmlformats.org/officeDocument/2006/relationships" xmlns:p="http://schemas.openxmlformats.org/presentationml/2006/main">
   <p:cSld>
     <p:spTree>
@@ -13716,13 +13232,8 @@
             <a:pPr lvl="1"/>
             <a:r>
               <a:rPr lang="en-US" dirty="0" smtClean="0"/>
-              <a:t>Approx. </a:t>
-            </a:r>
-            <a:r>
-              <a:rPr lang="en-US" dirty="0" smtClean="0"/>
-              <a:t>1.3X improvement over default</a:t>
-            </a:r>
-            <a:endParaRPr lang="en-US" dirty="0" smtClean="0"/>
+              <a:t>Approx. 1.3X improvement over default</a:t>
+            </a:r>
           </a:p>
           <a:p>
             <a:r>
@@ -13764,7 +13275,6 @@
               <a:rPr lang="en-US" dirty="0" smtClean="0"/>
               <a:t>Somewhat scary since it’s an undocumented parameter</a:t>
             </a:r>
-            <a:endParaRPr lang="en-US" dirty="0" smtClean="0"/>
           </a:p>
         </p:txBody>
       </p:sp>
@@ -13799,7 +13309,6 @@
               <a:rPr lang="en-US" dirty="0" smtClean="0"/>
               <a:t>Default</a:t>
             </a:r>
-            <a:endParaRPr lang="en-US" dirty="0" smtClean="0"/>
           </a:p>
         </p:txBody>
       </p:sp>
@@ -13867,7 +13376,7 @@
 </p:sld>
 </file>
 
-<file path=ppt/slides/slide15.xml><?xml version="1.0" encoding="utf-8"?>
+<file path=ppt/slides/slide13.xml><?xml version="1.0" encoding="utf-8"?>
 <p:sld xmlns:a="http://schemas.openxmlformats.org/drawingml/2006/main" xmlns:r="http://schemas.openxmlformats.org/officeDocument/2006/relationships" xmlns:p="http://schemas.openxmlformats.org/presentationml/2006/main">
   <p:cSld>
     <p:spTree>
@@ -14101,7 +13610,7 @@
 </p:sld>
 </file>
 
-<file path=ppt/slides/slide16.xml><?xml version="1.0" encoding="utf-8"?>
+<file path=ppt/slides/slide14.xml><?xml version="1.0" encoding="utf-8"?>
 <p:sld xmlns:a="http://schemas.openxmlformats.org/drawingml/2006/main" xmlns:r="http://schemas.openxmlformats.org/officeDocument/2006/relationships" xmlns:p="http://schemas.openxmlformats.org/presentationml/2006/main">
   <p:cSld>
     <p:spTree>
@@ -14139,11 +13648,7 @@
             </a:r>
             <a:r>
               <a:rPr lang="en-US" dirty="0" smtClean="0"/>
-              <a:t># 2: </a:t>
-            </a:r>
-            <a:r>
-              <a:rPr lang="en-US" dirty="0" smtClean="0"/>
-              <a:t>Big Table Caching</a:t>
+              <a:t># 2: Big Table Caching</a:t>
             </a:r>
             <a:endParaRPr lang="en-US" dirty="0"/>
           </a:p>
@@ -14377,11 +13882,7 @@
           <a:p>
             <a:r>
               <a:rPr lang="en-US" b="1" u="sng" dirty="0" smtClean="0"/>
-              <a:t>We </a:t>
-            </a:r>
-            <a:r>
-              <a:rPr lang="en-US" b="1" u="sng" dirty="0" smtClean="0"/>
-              <a:t>manually set Big Table cache percent target</a:t>
+              <a:t>We manually set Big Table cache percent target</a:t>
             </a:r>
           </a:p>
           <a:p>
@@ -14470,11 +13971,7 @@
             <a:pPr lvl="1"/>
             <a:r>
               <a:rPr lang="en-US" dirty="0" smtClean="0"/>
-              <a:t>Time </a:t>
-            </a:r>
-            <a:r>
-              <a:rPr lang="en-US" dirty="0" smtClean="0"/>
-              <a:t>(Run Time, CPU Time, IO Wait, DB Time)</a:t>
+              <a:t>Time (Run Time, CPU Time, IO Wait, DB Time)</a:t>
             </a:r>
           </a:p>
           <a:p>
@@ -14490,7 +13987,6 @@
               <a:rPr lang="en-US" dirty="0" smtClean="0"/>
               <a:t>V$BT_SCAN_OBJ_TEMPS</a:t>
             </a:r>
-            <a:endParaRPr lang="en-US" dirty="0" smtClean="0"/>
           </a:p>
         </p:txBody>
       </p:sp>
@@ -14551,7 +14047,6 @@
               <a:rPr lang="en-US" dirty="0" smtClean="0"/>
               <a:t>Can we put tables into memory and eliminate or minimize IO?</a:t>
             </a:r>
-            <a:endParaRPr lang="en-US" dirty="0" smtClean="0"/>
           </a:p>
         </p:txBody>
       </p:sp>
@@ -14580,7 +14075,7 @@
 </p:sld>
 </file>
 
-<file path=ppt/slides/slide17.xml><?xml version="1.0" encoding="utf-8"?>
+<file path=ppt/slides/slide15.xml><?xml version="1.0" encoding="utf-8"?>
 <p:sld xmlns:a="http://schemas.openxmlformats.org/drawingml/2006/main" xmlns:r="http://schemas.openxmlformats.org/officeDocument/2006/relationships" xmlns:p="http://schemas.openxmlformats.org/presentationml/2006/main">
   <p:cSld>
     <p:spTree>
@@ -14761,7 +14256,7 @@
 </p:sld>
 </file>
 
-<file path=ppt/slides/slide18.xml><?xml version="1.0" encoding="utf-8"?>
+<file path=ppt/slides/slide16.xml><?xml version="1.0" encoding="utf-8"?>
 <p:sld xmlns:a="http://schemas.openxmlformats.org/drawingml/2006/main" xmlns:r="http://schemas.openxmlformats.org/officeDocument/2006/relationships" xmlns:p="http://schemas.openxmlformats.org/presentationml/2006/main">
   <p:cSld>
     <p:spTree>
@@ -14876,7 +14371,7 @@
 </p:sld>
 </file>
 
-<file path=ppt/slides/slide19.xml><?xml version="1.0" encoding="utf-8"?>
+<file path=ppt/slides/slide17.xml><?xml version="1.0" encoding="utf-8"?>
 <p:sld xmlns:a="http://schemas.openxmlformats.org/drawingml/2006/main" xmlns:r="http://schemas.openxmlformats.org/officeDocument/2006/relationships" xmlns:p="http://schemas.openxmlformats.org/presentationml/2006/main">
   <p:cSld>
     <p:spTree>
@@ -15129,11 +14624,7 @@
           <a:p>
             <a:r>
               <a:rPr lang="en-US" b="1" u="sng" dirty="0" smtClean="0"/>
-              <a:t>We </a:t>
-            </a:r>
-            <a:r>
-              <a:rPr lang="en-US" b="1" u="sng" dirty="0" smtClean="0"/>
-              <a:t>manually set </a:t>
+              <a:t>We manually set </a:t>
             </a:r>
             <a:r>
               <a:rPr lang="en-US" b="1" u="sng" dirty="0" err="1" smtClean="0"/>
@@ -15143,7 +14634,6 @@
               <a:rPr lang="en-US" b="1" u="sng" dirty="0" smtClean="0"/>
               <a:t> Size</a:t>
             </a:r>
-            <a:endParaRPr lang="en-US" b="1" u="sng" dirty="0" smtClean="0"/>
           </a:p>
           <a:p>
             <a:pPr lvl="1"/>
@@ -15223,11 +14713,7 @@
           <a:p>
             <a:r>
               <a:rPr lang="en-US" b="1" u="sng" dirty="0" smtClean="0"/>
-              <a:t>We forced tables </a:t>
-            </a:r>
-            <a:r>
-              <a:rPr lang="en-US" b="1" u="sng" dirty="0" smtClean="0"/>
-              <a:t>to be </a:t>
+              <a:t>We forced tables to be </a:t>
             </a:r>
             <a:r>
               <a:rPr lang="en-US" b="1" u="sng" dirty="0" err="1" smtClean="0"/>
@@ -15272,26 +14758,14 @@
           <a:p>
             <a:r>
               <a:rPr lang="en-US" b="1" u="sng" dirty="0" smtClean="0"/>
-              <a:t>We </a:t>
-            </a:r>
-            <a:r>
-              <a:rPr lang="en-US" b="1" u="sng" dirty="0" smtClean="0"/>
-              <a:t>tracked resource usage</a:t>
+              <a:t>We tracked resource usage</a:t>
             </a:r>
           </a:p>
           <a:p>
             <a:pPr lvl="1"/>
             <a:r>
               <a:rPr lang="en-US" dirty="0" smtClean="0"/>
-              <a:t>Time </a:t>
-            </a:r>
-            <a:r>
-              <a:rPr lang="en-US" dirty="0" smtClean="0"/>
-              <a:t>(Run Time, CPU Time, IO Wait, DB Time</a:t>
-            </a:r>
-            <a:r>
-              <a:rPr lang="en-US" dirty="0" smtClean="0"/>
-              <a:t>)</a:t>
+              <a:t>Time (Run Time, CPU Time, IO Wait, DB Time)</a:t>
             </a:r>
           </a:p>
           <a:p>
@@ -15352,7 +14826,6 @@
               <a:rPr lang="en-US" dirty="0" smtClean="0"/>
               <a:t>How does compression option change object size in memory?</a:t>
             </a:r>
-            <a:endParaRPr lang="en-US" dirty="0" smtClean="0"/>
           </a:p>
         </p:txBody>
       </p:sp>
@@ -15405,7 +14878,7 @@
 </p:sld>
 </file>
 
-<file path=ppt/slides/slide2.xml><?xml version="1.0" encoding="utf-8"?>
+<file path=ppt/slides/slide18.xml><?xml version="1.0" encoding="utf-8"?>
 <p:sld xmlns:a="http://schemas.openxmlformats.org/drawingml/2006/main" xmlns:r="http://schemas.openxmlformats.org/officeDocument/2006/relationships" xmlns:p="http://schemas.openxmlformats.org/presentationml/2006/main">
   <p:cSld>
     <p:spTree>
@@ -15438,170 +14911,9 @@
           <a:lstStyle/>
           <a:p>
             <a:r>
-              <a:rPr lang="en-US" dirty="0" smtClean="0"/>
-              <a:t>Presentation Overview</a:t>
-            </a:r>
-            <a:endParaRPr lang="en-US" dirty="0"/>
-          </a:p>
-        </p:txBody>
-      </p:sp>
-      <p:sp>
-        <p:nvSpPr>
-          <p:cNvPr id="3" name="Content Placeholder 2"/>
-          <p:cNvSpPr>
-            <a:spLocks noGrp="1"/>
-          </p:cNvSpPr>
-          <p:nvPr>
-            <p:ph idx="1"/>
-          </p:nvPr>
-        </p:nvSpPr>
-        <p:spPr/>
-        <p:txBody>
-          <a:bodyPr>
-            <a:normAutofit/>
-          </a:bodyPr>
-          <a:lstStyle/>
-          <a:p>
-            <a:r>
-              <a:rPr lang="en-US" sz="2400" dirty="0" smtClean="0"/>
-              <a:t>Introduction</a:t>
-            </a:r>
-          </a:p>
-          <a:p>
-            <a:r>
-              <a:rPr lang="en-US" sz="2400" dirty="0" smtClean="0"/>
-              <a:t>Problem Statement</a:t>
-            </a:r>
-          </a:p>
-          <a:p>
-            <a:r>
-              <a:rPr lang="en-US" sz="2400" dirty="0" smtClean="0"/>
-              <a:t>Experiments Designed to Address Issues With Processing Large Datasets</a:t>
-            </a:r>
-          </a:p>
-          <a:p>
-            <a:pPr lvl="1"/>
-            <a:r>
-              <a:rPr lang="en-US" sz="2000" dirty="0" smtClean="0"/>
-              <a:t>PGA Experiments</a:t>
-            </a:r>
-          </a:p>
-          <a:p>
-            <a:pPr lvl="2"/>
-            <a:r>
-              <a:rPr lang="en-US" sz="1800" dirty="0" smtClean="0"/>
-              <a:t>Modifying work area size and DOP to prevent going to temp</a:t>
-            </a:r>
-          </a:p>
-          <a:p>
-            <a:pPr lvl="1"/>
-            <a:r>
-              <a:rPr lang="en-US" sz="2000" dirty="0" smtClean="0"/>
-              <a:t>SGA Experiments</a:t>
-            </a:r>
-          </a:p>
-          <a:p>
-            <a:pPr lvl="2"/>
-            <a:r>
-              <a:rPr lang="en-US" sz="1800" dirty="0" smtClean="0"/>
-              <a:t>Big Table Caching</a:t>
-            </a:r>
-          </a:p>
-          <a:p>
-            <a:pPr lvl="2"/>
-            <a:r>
-              <a:rPr lang="en-US" sz="1800" dirty="0" smtClean="0"/>
-              <a:t>In-Memory Column Store</a:t>
-            </a:r>
-          </a:p>
-          <a:p>
-            <a:pPr lvl="1"/>
-            <a:r>
-              <a:rPr lang="en-US" sz="2000" dirty="0" smtClean="0"/>
-              <a:t>Statement Queuing</a:t>
-            </a:r>
-          </a:p>
-          <a:p>
-            <a:r>
-              <a:rPr lang="en-US" sz="2200" dirty="0" smtClean="0"/>
-              <a:t>Conclusions &amp; Future Work</a:t>
-            </a:r>
-          </a:p>
-          <a:p>
-            <a:r>
-              <a:rPr lang="en-US" sz="2200" dirty="0" smtClean="0"/>
-              <a:t>Acknowledgements</a:t>
-            </a:r>
-            <a:endParaRPr lang="en-US" sz="2200" dirty="0"/>
-          </a:p>
-        </p:txBody>
-      </p:sp>
-    </p:spTree>
-    <p:extLst>
-      <p:ext uri="{BB962C8B-B14F-4D97-AF65-F5344CB8AC3E}">
-        <p14:creationId xmlns:p14="http://schemas.microsoft.com/office/powerpoint/2010/main" val="2147390003"/>
-      </p:ext>
-    </p:extLst>
-  </p:cSld>
-  <p:clrMapOvr>
-    <a:masterClrMapping/>
-  </p:clrMapOvr>
-  <mc:AlternateContent xmlns:mc="http://schemas.openxmlformats.org/markup-compatibility/2006" xmlns:p14="http://schemas.microsoft.com/office/powerpoint/2010/main">
-    <mc:Choice Requires="p14">
-      <p:transition spd="med" p14:dur="700">
-        <p:fade/>
-      </p:transition>
-    </mc:Choice>
-    <mc:Fallback xmlns="">
-      <p:transition spd="med">
-        <p:fade/>
-      </p:transition>
-    </mc:Fallback>
-  </mc:AlternateContent>
-</p:sld>
-</file>
-
-<file path=ppt/slides/slide20.xml><?xml version="1.0" encoding="utf-8"?>
-<p:sld xmlns:a="http://schemas.openxmlformats.org/drawingml/2006/main" xmlns:r="http://schemas.openxmlformats.org/officeDocument/2006/relationships" xmlns:p="http://schemas.openxmlformats.org/presentationml/2006/main">
-  <p:cSld>
-    <p:spTree>
-      <p:nvGrpSpPr>
-        <p:cNvPr id="1" name=""/>
-        <p:cNvGrpSpPr/>
-        <p:nvPr/>
-      </p:nvGrpSpPr>
-      <p:grpSpPr>
-        <a:xfrm>
-          <a:off x="0" y="0"/>
-          <a:ext cx="0" cy="0"/>
-          <a:chOff x="0" y="0"/>
-          <a:chExt cx="0" cy="0"/>
-        </a:xfrm>
-      </p:grpSpPr>
-      <p:sp>
-        <p:nvSpPr>
-          <p:cNvPr id="2" name="Title 1"/>
-          <p:cNvSpPr>
-            <a:spLocks noGrp="1"/>
-          </p:cNvSpPr>
-          <p:nvPr>
-            <p:ph type="title"/>
-          </p:nvPr>
-        </p:nvSpPr>
-        <p:spPr/>
-        <p:txBody>
-          <a:bodyPr/>
-          <a:lstStyle/>
-          <a:p>
-            <a:r>
               <a:rPr lang="en-US" dirty="0"/>
-              <a:t>Experiment # </a:t>
-            </a:r>
-            <a:r>
-              <a:rPr lang="en-US" dirty="0"/>
-              <a:t>3:  In-Memory Column Store</a:t>
-            </a:r>
-            <a:endParaRPr lang="en-US" dirty="0"/>
+              <a:t>Experiment # 3:  In-Memory Column Store</a:t>
+            </a:r>
           </a:p>
         </p:txBody>
       </p:sp>
@@ -15660,7 +14972,6 @@
               <a:rPr lang="en-US" dirty="0" smtClean="0"/>
               <a:t>Still get a 2.6X improvement over going to disk</a:t>
             </a:r>
-            <a:endParaRPr lang="en-US" dirty="0" smtClean="0"/>
           </a:p>
         </p:txBody>
       </p:sp>
@@ -15713,7 +15024,7 @@
 </p:sld>
 </file>
 
-<file path=ppt/slides/slide21.xml><?xml version="1.0" encoding="utf-8"?>
+<file path=ppt/slides/slide19.xml><?xml version="1.0" encoding="utf-8"?>
 <p:sld xmlns:a="http://schemas.openxmlformats.org/drawingml/2006/main" xmlns:r="http://schemas.openxmlformats.org/officeDocument/2006/relationships" xmlns:p="http://schemas.openxmlformats.org/presentationml/2006/main">
   <p:cSld>
     <p:spTree>
@@ -15877,6 +15188,361 @@
     <p:extLst>
       <p:ext uri="{BB962C8B-B14F-4D97-AF65-F5344CB8AC3E}">
         <p14:creationId xmlns:p14="http://schemas.microsoft.com/office/powerpoint/2010/main" val="3275659065"/>
+      </p:ext>
+    </p:extLst>
+  </p:cSld>
+  <p:clrMapOvr>
+    <a:masterClrMapping/>
+  </p:clrMapOvr>
+  <mc:AlternateContent xmlns:mc="http://schemas.openxmlformats.org/markup-compatibility/2006" xmlns:p14="http://schemas.microsoft.com/office/powerpoint/2010/main">
+    <mc:Choice Requires="p14">
+      <p:transition spd="med" p14:dur="700">
+        <p:fade/>
+      </p:transition>
+    </mc:Choice>
+    <mc:Fallback xmlns="">
+      <p:transition spd="med">
+        <p:fade/>
+      </p:transition>
+    </mc:Fallback>
+  </mc:AlternateContent>
+</p:sld>
+</file>
+
+<file path=ppt/slides/slide2.xml><?xml version="1.0" encoding="utf-8"?>
+<p:sld xmlns:a="http://schemas.openxmlformats.org/drawingml/2006/main" xmlns:r="http://schemas.openxmlformats.org/officeDocument/2006/relationships" xmlns:p="http://schemas.openxmlformats.org/presentationml/2006/main">
+  <p:cSld>
+    <p:spTree>
+      <p:nvGrpSpPr>
+        <p:cNvPr id="1" name=""/>
+        <p:cNvGrpSpPr/>
+        <p:nvPr/>
+      </p:nvGrpSpPr>
+      <p:grpSpPr>
+        <a:xfrm>
+          <a:off x="0" y="0"/>
+          <a:ext cx="0" cy="0"/>
+          <a:chOff x="0" y="0"/>
+          <a:chExt cx="0" cy="0"/>
+        </a:xfrm>
+      </p:grpSpPr>
+      <p:sp>
+        <p:nvSpPr>
+          <p:cNvPr id="2" name="Title 1"/>
+          <p:cNvSpPr>
+            <a:spLocks noGrp="1"/>
+          </p:cNvSpPr>
+          <p:nvPr>
+            <p:ph type="title"/>
+          </p:nvPr>
+        </p:nvSpPr>
+        <p:spPr/>
+        <p:txBody>
+          <a:bodyPr/>
+          <a:lstStyle/>
+          <a:p>
+            <a:r>
+              <a:rPr lang="en-US" dirty="0" smtClean="0"/>
+              <a:t>Presentation Overview</a:t>
+            </a:r>
+            <a:endParaRPr lang="en-US" dirty="0"/>
+          </a:p>
+        </p:txBody>
+      </p:sp>
+      <p:sp>
+        <p:nvSpPr>
+          <p:cNvPr id="3" name="Content Placeholder 2"/>
+          <p:cNvSpPr>
+            <a:spLocks noGrp="1"/>
+          </p:cNvSpPr>
+          <p:nvPr>
+            <p:ph idx="1"/>
+          </p:nvPr>
+        </p:nvSpPr>
+        <p:spPr/>
+        <p:txBody>
+          <a:bodyPr>
+            <a:normAutofit/>
+          </a:bodyPr>
+          <a:lstStyle/>
+          <a:p>
+            <a:r>
+              <a:rPr lang="en-US" sz="2400" dirty="0" smtClean="0"/>
+              <a:t>Introduction</a:t>
+            </a:r>
+          </a:p>
+          <a:p>
+            <a:r>
+              <a:rPr lang="en-US" sz="2400" dirty="0" smtClean="0"/>
+              <a:t>Problem Statement</a:t>
+            </a:r>
+          </a:p>
+          <a:p>
+            <a:r>
+              <a:rPr lang="en-US" sz="2400" dirty="0" smtClean="0"/>
+              <a:t>Experiments Designed to Address Issues With Processing Large Datasets</a:t>
+            </a:r>
+          </a:p>
+          <a:p>
+            <a:pPr lvl="1"/>
+            <a:r>
+              <a:rPr lang="en-US" sz="2000" dirty="0" smtClean="0"/>
+              <a:t>PGA Experiments</a:t>
+            </a:r>
+          </a:p>
+          <a:p>
+            <a:pPr lvl="2"/>
+            <a:r>
+              <a:rPr lang="en-US" sz="1800" dirty="0" smtClean="0"/>
+              <a:t>Modifying work area size and DOP to prevent going to temp</a:t>
+            </a:r>
+          </a:p>
+          <a:p>
+            <a:pPr lvl="1"/>
+            <a:r>
+              <a:rPr lang="en-US" sz="2000" dirty="0" smtClean="0"/>
+              <a:t>SGA Experiments</a:t>
+            </a:r>
+          </a:p>
+          <a:p>
+            <a:pPr lvl="2"/>
+            <a:r>
+              <a:rPr lang="en-US" sz="1800" dirty="0" smtClean="0"/>
+              <a:t>Big Table Caching</a:t>
+            </a:r>
+          </a:p>
+          <a:p>
+            <a:pPr lvl="2"/>
+            <a:r>
+              <a:rPr lang="en-US" sz="1800" dirty="0" smtClean="0"/>
+              <a:t>In-Memory Column Store</a:t>
+            </a:r>
+          </a:p>
+          <a:p>
+            <a:pPr lvl="1"/>
+            <a:r>
+              <a:rPr lang="en-US" sz="2000" dirty="0" smtClean="0"/>
+              <a:t>Statement Queuing</a:t>
+            </a:r>
+          </a:p>
+          <a:p>
+            <a:r>
+              <a:rPr lang="en-US" sz="2200" dirty="0" smtClean="0"/>
+              <a:t>Conclusions &amp; Future Work</a:t>
+            </a:r>
+          </a:p>
+          <a:p>
+            <a:r>
+              <a:rPr lang="en-US" sz="2200" dirty="0" smtClean="0"/>
+              <a:t>Acknowledgements</a:t>
+            </a:r>
+            <a:endParaRPr lang="en-US" sz="2200" dirty="0"/>
+          </a:p>
+        </p:txBody>
+      </p:sp>
+    </p:spTree>
+    <p:extLst>
+      <p:ext uri="{BB962C8B-B14F-4D97-AF65-F5344CB8AC3E}">
+        <p14:creationId xmlns:p14="http://schemas.microsoft.com/office/powerpoint/2010/main" val="2147390003"/>
+      </p:ext>
+    </p:extLst>
+  </p:cSld>
+  <p:clrMapOvr>
+    <a:masterClrMapping/>
+  </p:clrMapOvr>
+  <mc:AlternateContent xmlns:mc="http://schemas.openxmlformats.org/markup-compatibility/2006" xmlns:p14="http://schemas.microsoft.com/office/powerpoint/2010/main">
+    <mc:Choice Requires="p14">
+      <p:transition spd="med" p14:dur="700">
+        <p:fade/>
+      </p:transition>
+    </mc:Choice>
+    <mc:Fallback xmlns="">
+      <p:transition spd="med">
+        <p:fade/>
+      </p:transition>
+    </mc:Fallback>
+  </mc:AlternateContent>
+</p:sld>
+</file>
+
+<file path=ppt/slides/slide20.xml><?xml version="1.0" encoding="utf-8"?>
+<p:sld xmlns:a="http://schemas.openxmlformats.org/drawingml/2006/main" xmlns:r="http://schemas.openxmlformats.org/officeDocument/2006/relationships" xmlns:p="http://schemas.openxmlformats.org/presentationml/2006/main">
+  <p:cSld>
+    <p:spTree>
+      <p:nvGrpSpPr>
+        <p:cNvPr id="1" name=""/>
+        <p:cNvGrpSpPr/>
+        <p:nvPr/>
+      </p:nvGrpSpPr>
+      <p:grpSpPr>
+        <a:xfrm>
+          <a:off x="0" y="0"/>
+          <a:ext cx="0" cy="0"/>
+          <a:chOff x="0" y="0"/>
+          <a:chExt cx="0" cy="0"/>
+        </a:xfrm>
+      </p:grpSpPr>
+      <p:sp>
+        <p:nvSpPr>
+          <p:cNvPr id="2" name="Title 1"/>
+          <p:cNvSpPr>
+            <a:spLocks noGrp="1"/>
+          </p:cNvSpPr>
+          <p:nvPr>
+            <p:ph type="title"/>
+          </p:nvPr>
+        </p:nvSpPr>
+        <p:spPr/>
+        <p:txBody>
+          <a:bodyPr/>
+          <a:lstStyle/>
+          <a:p>
+            <a:r>
+              <a:rPr lang="en-US" dirty="0" smtClean="0"/>
+              <a:t>Experiment # 4: Statement Queuing</a:t>
+            </a:r>
+            <a:endParaRPr lang="en-US" dirty="0"/>
+          </a:p>
+        </p:txBody>
+      </p:sp>
+      <p:sp>
+        <p:nvSpPr>
+          <p:cNvPr id="3" name="Content Placeholder 2"/>
+          <p:cNvSpPr>
+            <a:spLocks noGrp="1"/>
+          </p:cNvSpPr>
+          <p:nvPr>
+            <p:ph idx="1"/>
+          </p:nvPr>
+        </p:nvSpPr>
+        <p:spPr/>
+        <p:txBody>
+          <a:bodyPr/>
+          <a:lstStyle/>
+          <a:p>
+            <a:endParaRPr lang="en-US"/>
+          </a:p>
+        </p:txBody>
+      </p:sp>
+    </p:spTree>
+    <p:extLst>
+      <p:ext uri="{BB962C8B-B14F-4D97-AF65-F5344CB8AC3E}">
+        <p14:creationId xmlns:p14="http://schemas.microsoft.com/office/powerpoint/2010/main" val="576107688"/>
+      </p:ext>
+    </p:extLst>
+  </p:cSld>
+  <p:clrMapOvr>
+    <a:masterClrMapping/>
+  </p:clrMapOvr>
+  <mc:AlternateContent xmlns:mc="http://schemas.openxmlformats.org/markup-compatibility/2006" xmlns:p14="http://schemas.microsoft.com/office/powerpoint/2010/main">
+    <mc:Choice Requires="p14">
+      <p:transition spd="med" p14:dur="700">
+        <p:fade/>
+      </p:transition>
+    </mc:Choice>
+    <mc:Fallback xmlns="">
+      <p:transition spd="med">
+        <p:fade/>
+      </p:transition>
+    </mc:Fallback>
+  </mc:AlternateContent>
+</p:sld>
+</file>
+
+<file path=ppt/slides/slide21.xml><?xml version="1.0" encoding="utf-8"?>
+<p:sld xmlns:a="http://schemas.openxmlformats.org/drawingml/2006/main" xmlns:r="http://schemas.openxmlformats.org/officeDocument/2006/relationships" xmlns:p="http://schemas.openxmlformats.org/presentationml/2006/main">
+  <p:cSld>
+    <p:spTree>
+      <p:nvGrpSpPr>
+        <p:cNvPr id="1" name=""/>
+        <p:cNvGrpSpPr/>
+        <p:nvPr/>
+      </p:nvGrpSpPr>
+      <p:grpSpPr>
+        <a:xfrm>
+          <a:off x="0" y="0"/>
+          <a:ext cx="0" cy="0"/>
+          <a:chOff x="0" y="0"/>
+          <a:chExt cx="0" cy="0"/>
+        </a:xfrm>
+      </p:grpSpPr>
+      <p:sp>
+        <p:nvSpPr>
+          <p:cNvPr id="2" name="Title 1"/>
+          <p:cNvSpPr>
+            <a:spLocks noGrp="1"/>
+          </p:cNvSpPr>
+          <p:nvPr>
+            <p:ph type="title"/>
+          </p:nvPr>
+        </p:nvSpPr>
+        <p:spPr/>
+        <p:txBody>
+          <a:bodyPr/>
+          <a:lstStyle/>
+          <a:p>
+            <a:r>
+              <a:rPr lang="en-US" dirty="0" smtClean="0"/>
+              <a:t>Conclusions</a:t>
+            </a:r>
+            <a:endParaRPr lang="en-US" dirty="0"/>
+          </a:p>
+        </p:txBody>
+      </p:sp>
+      <p:sp>
+        <p:nvSpPr>
+          <p:cNvPr id="3" name="Content Placeholder 2"/>
+          <p:cNvSpPr>
+            <a:spLocks noGrp="1"/>
+          </p:cNvSpPr>
+          <p:nvPr>
+            <p:ph idx="1"/>
+          </p:nvPr>
+        </p:nvSpPr>
+        <p:spPr/>
+        <p:txBody>
+          <a:bodyPr/>
+          <a:lstStyle/>
+          <a:p>
+            <a:r>
+              <a:rPr lang="en-US" dirty="0" smtClean="0"/>
+              <a:t>Going to temp is bad</a:t>
+            </a:r>
+          </a:p>
+          <a:p>
+            <a:pPr lvl="1"/>
+            <a:r>
+              <a:rPr lang="en-US" dirty="0" smtClean="0"/>
+              <a:t>Changing _PGA_MAX_SIZE allows us to increase our work area size without drastically increasing our DOP</a:t>
+            </a:r>
+          </a:p>
+          <a:p>
+            <a:r>
+              <a:rPr lang="en-US" dirty="0" smtClean="0"/>
+              <a:t>Putting data into memory is good</a:t>
+            </a:r>
+          </a:p>
+          <a:p>
+            <a:pPr lvl="1"/>
+            <a:r>
+              <a:rPr lang="en-US" dirty="0" smtClean="0"/>
+              <a:t>Big table caching is a good alternative if you don’t have Oracle 12c or if you don’t want to pay for the In-Memory option</a:t>
+            </a:r>
+          </a:p>
+          <a:p>
+            <a:pPr lvl="1"/>
+            <a:r>
+              <a:rPr lang="en-US" dirty="0" smtClean="0"/>
+              <a:t>In-Memory column store is very performant</a:t>
+            </a:r>
+            <a:endParaRPr lang="en-US" dirty="0"/>
+          </a:p>
+        </p:txBody>
+      </p:sp>
+    </p:spTree>
+    <p:extLst>
+      <p:ext uri="{BB962C8B-B14F-4D97-AF65-F5344CB8AC3E}">
+        <p14:creationId xmlns:p14="http://schemas.microsoft.com/office/powerpoint/2010/main" val="1560789858"/>
       </p:ext>
     </p:extLst>
   </p:cSld>
@@ -15932,205 +15598,6 @@
           <a:p>
             <a:r>
               <a:rPr lang="en-US" dirty="0" smtClean="0"/>
-              <a:t>Experiment # 4: Statement Queuing</a:t>
-            </a:r>
-            <a:endParaRPr lang="en-US" dirty="0"/>
-          </a:p>
-        </p:txBody>
-      </p:sp>
-      <p:sp>
-        <p:nvSpPr>
-          <p:cNvPr id="3" name="Content Placeholder 2"/>
-          <p:cNvSpPr>
-            <a:spLocks noGrp="1"/>
-          </p:cNvSpPr>
-          <p:nvPr>
-            <p:ph idx="1"/>
-          </p:nvPr>
-        </p:nvSpPr>
-        <p:spPr/>
-        <p:txBody>
-          <a:bodyPr/>
-          <a:lstStyle/>
-          <a:p>
-            <a:endParaRPr lang="en-US"/>
-          </a:p>
-        </p:txBody>
-      </p:sp>
-    </p:spTree>
-    <p:extLst>
-      <p:ext uri="{BB962C8B-B14F-4D97-AF65-F5344CB8AC3E}">
-        <p14:creationId xmlns:p14="http://schemas.microsoft.com/office/powerpoint/2010/main" val="576107688"/>
-      </p:ext>
-    </p:extLst>
-  </p:cSld>
-  <p:clrMapOvr>
-    <a:masterClrMapping/>
-  </p:clrMapOvr>
-  <mc:AlternateContent xmlns:mc="http://schemas.openxmlformats.org/markup-compatibility/2006" xmlns:p14="http://schemas.microsoft.com/office/powerpoint/2010/main">
-    <mc:Choice Requires="p14">
-      <p:transition spd="med" p14:dur="700">
-        <p:fade/>
-      </p:transition>
-    </mc:Choice>
-    <mc:Fallback xmlns="">
-      <p:transition spd="med">
-        <p:fade/>
-      </p:transition>
-    </mc:Fallback>
-  </mc:AlternateContent>
-</p:sld>
-</file>
-
-<file path=ppt/slides/slide23.xml><?xml version="1.0" encoding="utf-8"?>
-<p:sld xmlns:a="http://schemas.openxmlformats.org/drawingml/2006/main" xmlns:r="http://schemas.openxmlformats.org/officeDocument/2006/relationships" xmlns:p="http://schemas.openxmlformats.org/presentationml/2006/main">
-  <p:cSld>
-    <p:spTree>
-      <p:nvGrpSpPr>
-        <p:cNvPr id="1" name=""/>
-        <p:cNvGrpSpPr/>
-        <p:nvPr/>
-      </p:nvGrpSpPr>
-      <p:grpSpPr>
-        <a:xfrm>
-          <a:off x="0" y="0"/>
-          <a:ext cx="0" cy="0"/>
-          <a:chOff x="0" y="0"/>
-          <a:chExt cx="0" cy="0"/>
-        </a:xfrm>
-      </p:grpSpPr>
-      <p:sp>
-        <p:nvSpPr>
-          <p:cNvPr id="2" name="Title 1"/>
-          <p:cNvSpPr>
-            <a:spLocks noGrp="1"/>
-          </p:cNvSpPr>
-          <p:nvPr>
-            <p:ph type="title"/>
-          </p:nvPr>
-        </p:nvSpPr>
-        <p:spPr/>
-        <p:txBody>
-          <a:bodyPr/>
-          <a:lstStyle/>
-          <a:p>
-            <a:r>
-              <a:rPr lang="en-US" dirty="0" smtClean="0"/>
-              <a:t>Conclusions</a:t>
-            </a:r>
-            <a:endParaRPr lang="en-US" dirty="0"/>
-          </a:p>
-        </p:txBody>
-      </p:sp>
-      <p:sp>
-        <p:nvSpPr>
-          <p:cNvPr id="3" name="Content Placeholder 2"/>
-          <p:cNvSpPr>
-            <a:spLocks noGrp="1"/>
-          </p:cNvSpPr>
-          <p:nvPr>
-            <p:ph idx="1"/>
-          </p:nvPr>
-        </p:nvSpPr>
-        <p:spPr/>
-        <p:txBody>
-          <a:bodyPr/>
-          <a:lstStyle/>
-          <a:p>
-            <a:r>
-              <a:rPr lang="en-US" dirty="0" smtClean="0"/>
-              <a:t>Going to temp is bad</a:t>
-            </a:r>
-          </a:p>
-          <a:p>
-            <a:pPr lvl="1"/>
-            <a:r>
-              <a:rPr lang="en-US" dirty="0" smtClean="0"/>
-              <a:t>Changing _PGA_MAX_SIZE allows us to increase our work area size without drastically increasing our DOP</a:t>
-            </a:r>
-          </a:p>
-          <a:p>
-            <a:r>
-              <a:rPr lang="en-US" dirty="0" smtClean="0"/>
-              <a:t>Putting data into memory is good</a:t>
-            </a:r>
-          </a:p>
-          <a:p>
-            <a:pPr lvl="1"/>
-            <a:r>
-              <a:rPr lang="en-US" dirty="0" smtClean="0"/>
-              <a:t>Big table caching is a good alternative if you don’t have Oracle 12c or if you don’t want to pay for the In-Memory option</a:t>
-            </a:r>
-          </a:p>
-          <a:p>
-            <a:pPr lvl="1"/>
-            <a:r>
-              <a:rPr lang="en-US" dirty="0" smtClean="0"/>
-              <a:t>In-Memory column store is very performant</a:t>
-            </a:r>
-            <a:endParaRPr lang="en-US" dirty="0"/>
-          </a:p>
-        </p:txBody>
-      </p:sp>
-    </p:spTree>
-    <p:extLst>
-      <p:ext uri="{BB962C8B-B14F-4D97-AF65-F5344CB8AC3E}">
-        <p14:creationId xmlns:p14="http://schemas.microsoft.com/office/powerpoint/2010/main" val="1560789858"/>
-      </p:ext>
-    </p:extLst>
-  </p:cSld>
-  <p:clrMapOvr>
-    <a:masterClrMapping/>
-  </p:clrMapOvr>
-  <mc:AlternateContent xmlns:mc="http://schemas.openxmlformats.org/markup-compatibility/2006" xmlns:p14="http://schemas.microsoft.com/office/powerpoint/2010/main">
-    <mc:Choice Requires="p14">
-      <p:transition spd="med" p14:dur="700">
-        <p:fade/>
-      </p:transition>
-    </mc:Choice>
-    <mc:Fallback xmlns="">
-      <p:transition spd="med">
-        <p:fade/>
-      </p:transition>
-    </mc:Fallback>
-  </mc:AlternateContent>
-</p:sld>
-</file>
-
-<file path=ppt/slides/slide24.xml><?xml version="1.0" encoding="utf-8"?>
-<p:sld xmlns:a="http://schemas.openxmlformats.org/drawingml/2006/main" xmlns:r="http://schemas.openxmlformats.org/officeDocument/2006/relationships" xmlns:p="http://schemas.openxmlformats.org/presentationml/2006/main">
-  <p:cSld>
-    <p:spTree>
-      <p:nvGrpSpPr>
-        <p:cNvPr id="1" name=""/>
-        <p:cNvGrpSpPr/>
-        <p:nvPr/>
-      </p:nvGrpSpPr>
-      <p:grpSpPr>
-        <a:xfrm>
-          <a:off x="0" y="0"/>
-          <a:ext cx="0" cy="0"/>
-          <a:chOff x="0" y="0"/>
-          <a:chExt cx="0" cy="0"/>
-        </a:xfrm>
-      </p:grpSpPr>
-      <p:sp>
-        <p:nvSpPr>
-          <p:cNvPr id="2" name="Title 1"/>
-          <p:cNvSpPr>
-            <a:spLocks noGrp="1"/>
-          </p:cNvSpPr>
-          <p:nvPr>
-            <p:ph type="title"/>
-          </p:nvPr>
-        </p:nvSpPr>
-        <p:spPr/>
-        <p:txBody>
-          <a:bodyPr/>
-          <a:lstStyle/>
-          <a:p>
-            <a:r>
-              <a:rPr lang="en-US" dirty="0" smtClean="0"/>
               <a:t>Future Work</a:t>
             </a:r>
             <a:endParaRPr lang="en-US" dirty="0"/>
@@ -16166,13 +15633,8 @@
             </a:pPr>
             <a:r>
               <a:rPr lang="en-US" sz="2000" dirty="0" smtClean="0"/>
-              <a:t>What we </a:t>
-            </a:r>
-            <a:r>
-              <a:rPr lang="en-US" sz="2000" dirty="0" smtClean="0"/>
-              <a:t>think we know</a:t>
-            </a:r>
-            <a:endParaRPr lang="en-US" sz="2000" dirty="0" smtClean="0"/>
+              <a:t>What we think we know</a:t>
+            </a:r>
           </a:p>
         </p:txBody>
       </p:sp>
@@ -16351,13 +15813,8 @@
             </a:pPr>
             <a:r>
               <a:rPr lang="en-US" sz="2000" dirty="0" smtClean="0"/>
-              <a:t>What we </a:t>
-            </a:r>
-            <a:r>
-              <a:rPr lang="en-US" sz="2000" dirty="0" smtClean="0"/>
-              <a:t>still want to learn</a:t>
-            </a:r>
-            <a:endParaRPr lang="en-US" sz="2000" dirty="0" smtClean="0"/>
+              <a:t>What we still want to learn</a:t>
+            </a:r>
           </a:p>
         </p:txBody>
       </p:sp>
@@ -16480,7 +15937,6 @@
               <a:rPr lang="en-US" sz="2000" dirty="0" smtClean="0"/>
               <a:t>What we probably don’t fully understand</a:t>
             </a:r>
-            <a:endParaRPr lang="en-US" sz="2000" dirty="0" smtClean="0"/>
           </a:p>
         </p:txBody>
       </p:sp>
@@ -16555,7 +16011,7 @@
 </p:sld>
 </file>
 
-<file path=ppt/slides/slide25.xml><?xml version="1.0" encoding="utf-8"?>
+<file path=ppt/slides/slide23.xml><?xml version="1.0" encoding="utf-8"?>
 <p:sld xmlns:a="http://schemas.openxmlformats.org/drawingml/2006/main" xmlns:r="http://schemas.openxmlformats.org/officeDocument/2006/relationships" xmlns:p="http://schemas.openxmlformats.org/presentationml/2006/main">
   <p:cSld>
     <p:spTree>
@@ -16644,7 +16100,24 @@
               <a:rPr lang="en-US" sz="2000" dirty="0" smtClean="0"/>
               <a:t>DML and In-Memory</a:t>
             </a:r>
-            <a:endParaRPr lang="en-US" sz="2000" dirty="0"/>
+          </a:p>
+          <a:p>
+            <a:pPr lvl="1"/>
+            <a:r>
+              <a:rPr lang="en-US" sz="2000" dirty="0" smtClean="0"/>
+              <a:t>Resource Manager</a:t>
+            </a:r>
+          </a:p>
+          <a:p>
+            <a:r>
+              <a:rPr lang="en-US" sz="2200" dirty="0" smtClean="0"/>
+              <a:t>Roll </a:t>
+            </a:r>
+            <a:r>
+              <a:rPr lang="en-US" sz="2200" smtClean="0"/>
+              <a:t>to production</a:t>
+            </a:r>
+            <a:endParaRPr lang="en-US" sz="2200" dirty="0"/>
           </a:p>
         </p:txBody>
       </p:sp>
@@ -16673,7 +16146,7 @@
 </p:sld>
 </file>
 
-<file path=ppt/slides/slide26.xml><?xml version="1.0" encoding="utf-8"?>
+<file path=ppt/slides/slide24.xml><?xml version="1.0" encoding="utf-8"?>
 <p:sld xmlns:a="http://schemas.openxmlformats.org/drawingml/2006/main" xmlns:r="http://schemas.openxmlformats.org/officeDocument/2006/relationships" xmlns:p="http://schemas.openxmlformats.org/presentationml/2006/main">
   <p:cSld>
     <p:spTree>
@@ -16753,23 +16226,18 @@
           <a:p>
             <a:pPr lvl="1"/>
             <a:r>
-              <a:rPr lang="en-US" dirty="0" err="1" smtClean="0"/>
-              <a:t>Nic</a:t>
-            </a:r>
-            <a:r>
               <a:rPr lang="en-US" dirty="0" smtClean="0"/>
-              <a:t> </a:t>
-            </a:r>
-            <a:r>
-              <a:rPr lang="en-US" dirty="0" err="1" smtClean="0"/>
-              <a:t>Desilets</a:t>
-            </a:r>
-            <a:endParaRPr lang="en-US" dirty="0" smtClean="0"/>
+              <a:t>Nic Desilets</a:t>
+            </a:r>
           </a:p>
           <a:p>
             <a:r>
               <a:rPr lang="en-US" dirty="0" smtClean="0"/>
-              <a:t>All the great Oracle Bloggers</a:t>
+              <a:t>All </a:t>
+            </a:r>
+            <a:r>
+              <a:rPr lang="en-US" dirty="0" smtClean="0"/>
+              <a:t>the great Oracle Bloggers</a:t>
             </a:r>
           </a:p>
           <a:p>
@@ -18255,11 +17723,7 @@
           <a:p>
             <a:r>
               <a:rPr lang="en-US" dirty="0" smtClean="0"/>
-              <a:t>Let’s </a:t>
-            </a:r>
-            <a:r>
-              <a:rPr lang="en-US" dirty="0" smtClean="0"/>
-              <a:t>set up a test … how hard can it be?</a:t>
+              <a:t>Let’s set up a test … how hard can it be?</a:t>
             </a:r>
             <a:endParaRPr lang="en-US" dirty="0"/>
           </a:p>
@@ -18334,13 +17798,8 @@
             </a:pPr>
             <a:r>
               <a:rPr lang="en-US" sz="2000" dirty="0" smtClean="0"/>
-              <a:t>What we thought we </a:t>
-            </a:r>
-            <a:r>
-              <a:rPr lang="en-US" sz="2000" dirty="0" smtClean="0"/>
-              <a:t>knew</a:t>
-            </a:r>
-            <a:endParaRPr lang="en-US" sz="2000" dirty="0" smtClean="0"/>
+              <a:t>What we thought we knew</a:t>
+            </a:r>
           </a:p>
         </p:txBody>
       </p:sp>
@@ -18785,7 +18244,7 @@
           </a:ln>
         </p:spPr>
         <p:txBody>
-          <a:bodyPr vert="horz" lIns="0" tIns="0" rIns="0" bIns="0" rtlCol="0" anchor="ctr">
+          <a:bodyPr vert="horz" lIns="182880" tIns="0" rIns="0" bIns="0" rtlCol="0" anchor="ctr">
             <a:normAutofit/>
           </a:bodyPr>
           <a:lstStyle>
@@ -19027,7 +18486,7 @@
         </p:nvSpPr>
         <p:spPr>
           <a:xfrm>
-            <a:off x="6284198" y="3989962"/>
+            <a:off x="6018212" y="3989962"/>
             <a:ext cx="5486400" cy="2743200"/>
           </a:xfrm>
           <a:prstGeom prst="rect">
@@ -19043,7 +18502,7 @@
           </a:ln>
         </p:spPr>
         <p:txBody>
-          <a:bodyPr vert="horz" lIns="0" tIns="0" rIns="0" bIns="0" rtlCol="0" anchor="ctr">
+          <a:bodyPr vert="horz" lIns="182880" tIns="0" rIns="0" bIns="0" rtlCol="0" anchor="ctr">
             <a:normAutofit/>
           </a:bodyPr>
           <a:lstStyle>
@@ -19267,7 +18726,7 @@
         </p:nvSpPr>
         <p:spPr>
           <a:xfrm>
-            <a:off x="6284198" y="1141379"/>
+            <a:off x="6018212" y="1141379"/>
             <a:ext cx="5486400" cy="2743200"/>
           </a:xfrm>
           <a:prstGeom prst="rect">
@@ -19283,7 +18742,7 @@
           </a:ln>
         </p:spPr>
         <p:txBody>
-          <a:bodyPr vert="horz" lIns="0" tIns="0" rIns="0" bIns="0" rtlCol="0" anchor="ctr">
+          <a:bodyPr vert="horz" lIns="182880" tIns="0" rIns="0" bIns="0" rtlCol="0" anchor="ctr">
             <a:normAutofit/>
           </a:bodyPr>
           <a:lstStyle>
@@ -19527,7 +18986,7 @@
           </a:ln>
         </p:spPr>
         <p:txBody>
-          <a:bodyPr vert="horz" lIns="0" tIns="0" rIns="0" bIns="0" rtlCol="0" anchor="ctr">
+          <a:bodyPr vert="horz" lIns="182880" tIns="0" rIns="0" bIns="0" rtlCol="0" anchor="ctr">
             <a:normAutofit/>
           </a:bodyPr>
           <a:lstStyle>

--- a/Power Point Files/hotsos_2017 (kirbys inputs).pptx
+++ b/Power Point Files/hotsos_2017 (kirbys inputs).pptx
@@ -5,10 +5,10 @@
     <p:sldMasterId id="2147483648" r:id="rId1"/>
   </p:sldMasterIdLst>
   <p:notesMasterIdLst>
-    <p:notesMasterId r:id="rId26"/>
+    <p:notesMasterId r:id="rId27"/>
   </p:notesMasterIdLst>
   <p:handoutMasterIdLst>
-    <p:handoutMasterId r:id="rId27"/>
+    <p:handoutMasterId r:id="rId28"/>
   </p:handoutMasterIdLst>
   <p:sldIdLst>
     <p:sldId id="256" r:id="rId2"/>
@@ -31,15 +31,16 @@
     <p:sldId id="279" r:id="rId19"/>
     <p:sldId id="274" r:id="rId20"/>
     <p:sldId id="280" r:id="rId21"/>
-    <p:sldId id="281" r:id="rId22"/>
-    <p:sldId id="292" r:id="rId23"/>
-    <p:sldId id="282" r:id="rId24"/>
-    <p:sldId id="283" r:id="rId25"/>
+    <p:sldId id="293" r:id="rId22"/>
+    <p:sldId id="281" r:id="rId23"/>
+    <p:sldId id="292" r:id="rId24"/>
+    <p:sldId id="282" r:id="rId25"/>
+    <p:sldId id="283" r:id="rId26"/>
   </p:sldIdLst>
   <p:sldSz cx="12188825" cy="6858000"/>
   <p:notesSz cx="6858000" cy="9144000"/>
   <p:custDataLst>
-    <p:tags r:id="rId28"/>
+    <p:tags r:id="rId29"/>
   </p:custDataLst>
   <p:defaultTextStyle>
     <a:defPPr>
@@ -14150,8 +14151,13 @@
           <a:p>
             <a:r>
               <a:rPr lang="en-US" dirty="0" smtClean="0"/>
-              <a:t>Policy = Auto/Adaptive</a:t>
-            </a:r>
+              <a:t>Policy = </a:t>
+            </a:r>
+            <a:r>
+              <a:rPr lang="en-US" dirty="0" smtClean="0"/>
+              <a:t>Auto</a:t>
+            </a:r>
+            <a:endParaRPr lang="en-US" dirty="0" smtClean="0"/>
           </a:p>
           <a:p>
             <a:pPr lvl="1"/>
@@ -14164,14 +14170,11 @@
             <a:pPr lvl="2"/>
             <a:r>
               <a:rPr lang="en-US" dirty="0" smtClean="0"/>
-              <a:t>4.7X speed improvement from worst case</a:t>
-            </a:r>
-          </a:p>
-          <a:p>
-            <a:pPr lvl="2"/>
+              <a:t>2.6X </a:t>
+            </a:r>
             <a:r>
               <a:rPr lang="en-US" dirty="0" smtClean="0"/>
-              <a:t>2.6X speed improvement from the default</a:t>
+              <a:t>speed improvement from the default</a:t>
             </a:r>
           </a:p>
           <a:p>
@@ -14317,8 +14320,41 @@
           <a:p>
             <a:r>
               <a:rPr lang="en-US" dirty="0" smtClean="0"/>
-              <a:t>Notice that you appear to pay a penalty on the first run, but if your buffer cache is large enough you really reap the benefits of the subsequent runs.</a:t>
-            </a:r>
+              <a:t>Notice that you appear to pay a penalty on the first run, but if your buffer cache is large enough you </a:t>
+            </a:r>
+            <a:r>
+              <a:rPr lang="en-US" dirty="0" smtClean="0"/>
+              <a:t>significantly improve </a:t>
+            </a:r>
+            <a:r>
+              <a:rPr lang="en-US" dirty="0" smtClean="0"/>
+              <a:t>the </a:t>
+            </a:r>
+            <a:r>
+              <a:rPr lang="en-US" dirty="0" smtClean="0"/>
+              <a:t>subsequent </a:t>
+            </a:r>
+            <a:r>
+              <a:rPr lang="en-US" dirty="0" smtClean="0"/>
+              <a:t>runs</a:t>
+            </a:r>
+            <a:r>
+              <a:rPr lang="en-US" dirty="0" smtClean="0"/>
+              <a:t>.</a:t>
+            </a:r>
+          </a:p>
+          <a:p>
+            <a:r>
+              <a:rPr lang="en-US" dirty="0" smtClean="0"/>
+              <a:t>This isn’t ideal for something like a nightly job because those typically aren’t run more than once.</a:t>
+            </a:r>
+          </a:p>
+          <a:p>
+            <a:r>
+              <a:rPr lang="en-US" dirty="0" smtClean="0"/>
+              <a:t>This might be a very nice solution for ad-hoc queries on large tables.</a:t>
+            </a:r>
+            <a:endParaRPr lang="en-US" dirty="0" smtClean="0"/>
           </a:p>
         </p:txBody>
       </p:sp>
@@ -14430,7 +14466,7 @@
         </p:spPr>
         <p:txBody>
           <a:bodyPr vert="horz" lIns="0" tIns="0" rIns="0" bIns="0" rtlCol="0">
-            <a:normAutofit fontScale="92500" lnSpcReduction="20000"/>
+            <a:normAutofit/>
           </a:bodyPr>
           <a:lstStyle>
             <a:lvl1pPr marL="182880" indent="-182880" algn="l" defTabSz="914400" rtl="0" eaLnBrk="1" latinLnBrk="0" hangingPunct="1">
@@ -14603,8 +14639,43 @@
           <a:p>
             <a:r>
               <a:rPr lang="en-US" b="1" u="sng" dirty="0" smtClean="0"/>
-              <a:t>We manually set parallel degree policy</a:t>
-            </a:r>
+              <a:t>We manually </a:t>
+            </a:r>
+            <a:r>
+              <a:rPr lang="en-US" b="1" u="sng" dirty="0" smtClean="0"/>
+              <a:t>set…</a:t>
+            </a:r>
+          </a:p>
+          <a:p>
+            <a:pPr lvl="1"/>
+            <a:r>
+              <a:rPr lang="en-US" dirty="0" smtClean="0"/>
+              <a:t>ALTER SYSTEM SET PARALLEL_DEGREE_POLICY = </a:t>
+            </a:r>
+            <a:r>
+              <a:rPr lang="en-US" b="1" u="sng" dirty="0" smtClean="0"/>
+              <a:t>AUTO</a:t>
+            </a:r>
+          </a:p>
+          <a:p>
+            <a:pPr lvl="1"/>
+            <a:r>
+              <a:rPr lang="en-US" dirty="0"/>
+              <a:t>ALTER SYSTEM SET DB_CACHE_SIZE = </a:t>
+            </a:r>
+            <a:r>
+              <a:rPr lang="en-US" b="1" u="sng" dirty="0"/>
+              <a:t>32G</a:t>
+            </a:r>
+            <a:r>
+              <a:rPr lang="en-US" dirty="0"/>
+              <a:t> </a:t>
+            </a:r>
+            <a:r>
+              <a:rPr lang="en-US" dirty="0" smtClean="0"/>
+              <a:t>SCOPE=SPFILE</a:t>
+            </a:r>
+            <a:endParaRPr lang="en-US" b="1" u="sng" dirty="0" smtClean="0"/>
           </a:p>
           <a:p>
             <a:pPr lvl="1"/>
@@ -14614,111 +14685,59 @@
             </a:r>
             <a:r>
               <a:rPr lang="en-US" dirty="0"/>
-              <a:t>SYSTEM SET PARALLEL_DEGREE_POLICY = </a:t>
+              <a:t>SYSTEM SET INMEMORY_SIZE=</a:t>
+            </a:r>
+            <a:r>
+              <a:rPr lang="en-US" b="1" u="sng" dirty="0"/>
+              <a:t>192G</a:t>
+            </a:r>
+            <a:r>
+              <a:rPr lang="en-US" dirty="0"/>
+              <a:t> </a:t>
+            </a:r>
+            <a:r>
+              <a:rPr lang="en-US" dirty="0" smtClean="0"/>
+              <a:t>SCOPE=SPFILE</a:t>
+            </a:r>
+          </a:p>
+          <a:p>
+            <a:pPr lvl="1"/>
+            <a:r>
+              <a:rPr lang="en-US" dirty="0"/>
+              <a:t>ALTER SYSTEM SET “PGA_MAX_SIZE” = </a:t>
             </a:r>
             <a:r>
               <a:rPr lang="en-US" b="1" u="sng" dirty="0" smtClean="0"/>
-              <a:t>AUTO</a:t>
-            </a:r>
+              <a:t>4G</a:t>
+            </a:r>
+            <a:endParaRPr lang="en-US" b="1" u="sng" dirty="0" smtClean="0"/>
           </a:p>
           <a:p>
             <a:r>
               <a:rPr lang="en-US" b="1" u="sng" dirty="0" smtClean="0"/>
-              <a:t>We manually set </a:t>
+              <a:t>We forced DOP with a hint</a:t>
+            </a:r>
+          </a:p>
+          <a:p>
+            <a:pPr lvl="1"/>
+            <a:r>
+              <a:rPr lang="en-US" dirty="0" smtClean="0"/>
+              <a:t>/*+ PARALLEL(32) */</a:t>
+            </a:r>
+          </a:p>
+          <a:p>
+            <a:r>
+              <a:rPr lang="en-US" b="1" u="sng" dirty="0" smtClean="0"/>
+              <a:t>We </a:t>
+            </a:r>
+            <a:r>
+              <a:rPr lang="en-US" b="1" u="sng" dirty="0" smtClean="0"/>
+              <a:t>forced tables to be </a:t>
             </a:r>
             <a:r>
               <a:rPr lang="en-US" b="1" u="sng" dirty="0" err="1" smtClean="0"/>
               <a:t>InMemory</a:t>
             </a:r>
-            <a:r>
-              <a:rPr lang="en-US" b="1" u="sng" dirty="0" smtClean="0"/>
-              <a:t> Size</a:t>
-            </a:r>
-          </a:p>
-          <a:p>
-            <a:pPr lvl="1"/>
-            <a:r>
-              <a:rPr lang="en-US" dirty="0"/>
-              <a:t>ALTER SYSTEM SET INMEMORY_SIZE=</a:t>
-            </a:r>
-            <a:r>
-              <a:rPr lang="en-US" b="1" u="sng" dirty="0"/>
-              <a:t>192G</a:t>
-            </a:r>
-            <a:r>
-              <a:rPr lang="en-US" dirty="0"/>
-              <a:t> </a:t>
-            </a:r>
-            <a:r>
-              <a:rPr lang="en-US" dirty="0" smtClean="0"/>
-              <a:t>SCOPE=SPFILE</a:t>
-            </a:r>
-            <a:endParaRPr lang="en-US" b="1" u="sng" dirty="0" smtClean="0"/>
-          </a:p>
-          <a:p>
-            <a:r>
-              <a:rPr lang="en-US" b="1" u="sng" dirty="0" smtClean="0"/>
-              <a:t>We forced DOP with a hint</a:t>
-            </a:r>
-          </a:p>
-          <a:p>
-            <a:pPr lvl="1"/>
-            <a:r>
-              <a:rPr lang="en-US" dirty="0" smtClean="0"/>
-              <a:t>/*+ PARALLEL(32) */</a:t>
-            </a:r>
-          </a:p>
-          <a:p>
-            <a:r>
-              <a:rPr lang="en-US" b="1" u="sng" dirty="0" smtClean="0"/>
-              <a:t>We forced PGA_MAX_SIZE</a:t>
-            </a:r>
-          </a:p>
-          <a:p>
-            <a:pPr lvl="1"/>
-            <a:r>
-              <a:rPr lang="en-US" dirty="0"/>
-              <a:t>ALTER SYSTEM SET “PGA_MAX_SIZE” = </a:t>
-            </a:r>
-            <a:r>
-              <a:rPr lang="en-US" b="1" u="sng" dirty="0" smtClean="0"/>
-              <a:t>4G</a:t>
-            </a:r>
-          </a:p>
-          <a:p>
-            <a:r>
-              <a:rPr lang="en-US" b="1" u="sng" dirty="0" smtClean="0"/>
-              <a:t>We backed off on buffer cache size</a:t>
-            </a:r>
-          </a:p>
-          <a:p>
-            <a:pPr lvl="1"/>
-            <a:r>
-              <a:rPr lang="en-US" dirty="0"/>
-              <a:t>ALTER SYSTEM SET DB_CACHE_SIZE = </a:t>
-            </a:r>
-            <a:r>
-              <a:rPr lang="en-US" b="1" u="sng" dirty="0"/>
-              <a:t>32G</a:t>
-            </a:r>
-            <a:r>
-              <a:rPr lang="en-US" dirty="0"/>
-              <a:t> </a:t>
-            </a:r>
-            <a:r>
-              <a:rPr lang="en-US" dirty="0" smtClean="0"/>
-              <a:t>SCOPE=SPFILE</a:t>
-            </a:r>
-          </a:p>
-          <a:p>
-            <a:r>
-              <a:rPr lang="en-US" b="1" u="sng" dirty="0" smtClean="0"/>
-              <a:t>We forced tables to be </a:t>
-            </a:r>
-            <a:r>
-              <a:rPr lang="en-US" b="1" u="sng" dirty="0" err="1" smtClean="0"/>
-              <a:t>InMemory</a:t>
-            </a:r>
             <a:endParaRPr lang="en-US" b="1" u="sng" dirty="0" smtClean="0"/>
           </a:p>
           <a:p>
@@ -14742,8 +14761,8 @@
               <a:t>We waited for the table to fully populate </a:t>
             </a:r>
             <a:r>
-              <a:rPr lang="en-US" b="1" u="sng" dirty="0" err="1" smtClean="0"/>
-              <a:t>InMemory</a:t>
+              <a:rPr lang="en-US" b="1" u="sng" dirty="0" smtClean="0"/>
+              <a:t>In-Memory</a:t>
             </a:r>
             <a:endParaRPr lang="en-US" b="1" u="sng" dirty="0" smtClean="0"/>
           </a:p>
@@ -14946,8 +14965,13 @@
             <a:pPr lvl="1"/>
             <a:r>
               <a:rPr lang="en-US" dirty="0" smtClean="0"/>
-              <a:t>Best performance (153 sec)</a:t>
-            </a:r>
+              <a:t>Best performance </a:t>
+            </a:r>
+            <a:r>
+              <a:rPr lang="en-US" dirty="0" smtClean="0"/>
+              <a:t>(3.2X faster than going to disk)</a:t>
+            </a:r>
+            <a:endParaRPr lang="en-US" dirty="0" smtClean="0"/>
           </a:p>
           <a:p>
             <a:pPr lvl="1"/>
@@ -15117,21 +15141,33 @@
             <a:pPr lvl="1"/>
             <a:r>
               <a:rPr lang="en-US" dirty="0" smtClean="0"/>
-              <a:t>23% improvement from not going to temp</a:t>
+              <a:t>1.3X </a:t>
+            </a:r>
+            <a:r>
+              <a:rPr lang="en-US" dirty="0" smtClean="0"/>
+              <a:t>improvement from not going to temp</a:t>
             </a:r>
           </a:p>
           <a:p>
             <a:pPr lvl="1"/>
             <a:r>
               <a:rPr lang="en-US" dirty="0" smtClean="0"/>
-              <a:t>70% improvement from also caching big tables</a:t>
+              <a:t>3.4X </a:t>
+            </a:r>
+            <a:r>
+              <a:rPr lang="en-US" dirty="0" smtClean="0"/>
+              <a:t>improvement from also caching big tables</a:t>
             </a:r>
           </a:p>
           <a:p>
             <a:pPr lvl="1"/>
             <a:r>
               <a:rPr lang="en-US" dirty="0" smtClean="0"/>
-              <a:t>76% improvement from using In-Memory</a:t>
+              <a:t>4.2X </a:t>
+            </a:r>
+            <a:r>
+              <a:rPr lang="en-US" dirty="0" smtClean="0"/>
+              <a:t>improvement from using In-Memory</a:t>
             </a:r>
           </a:p>
           <a:p>
@@ -15280,55 +15316,18 @@
           <a:p>
             <a:r>
               <a:rPr lang="en-US" sz="2400" dirty="0" smtClean="0"/>
-              <a:t>Experiments Designed to Address Issues With Processing Large Datasets</a:t>
-            </a:r>
-          </a:p>
-          <a:p>
-            <a:pPr lvl="1"/>
-            <a:r>
-              <a:rPr lang="en-US" sz="2000" dirty="0" smtClean="0"/>
-              <a:t>PGA Experiments</a:t>
-            </a:r>
-          </a:p>
-          <a:p>
-            <a:pPr lvl="2"/>
-            <a:r>
-              <a:rPr lang="en-US" sz="1800" dirty="0" smtClean="0"/>
-              <a:t>Modifying work area size and DOP to prevent going to temp</a:t>
-            </a:r>
-          </a:p>
-          <a:p>
-            <a:pPr lvl="1"/>
-            <a:r>
-              <a:rPr lang="en-US" sz="2000" dirty="0" smtClean="0"/>
-              <a:t>SGA Experiments</a:t>
-            </a:r>
-          </a:p>
-          <a:p>
-            <a:pPr lvl="2"/>
-            <a:r>
-              <a:rPr lang="en-US" sz="1800" dirty="0" smtClean="0"/>
-              <a:t>Big Table Caching</a:t>
-            </a:r>
-          </a:p>
-          <a:p>
-            <a:pPr lvl="2"/>
-            <a:r>
-              <a:rPr lang="en-US" sz="1800" dirty="0" smtClean="0"/>
-              <a:t>In-Memory Column Store</a:t>
-            </a:r>
-          </a:p>
-          <a:p>
-            <a:pPr lvl="1"/>
-            <a:r>
-              <a:rPr lang="en-US" sz="2000" dirty="0" smtClean="0"/>
-              <a:t>Statement Queuing</a:t>
-            </a:r>
+              <a:t>Experiment Design and Results</a:t>
+            </a:r>
+            <a:endParaRPr lang="en-US" sz="2400" dirty="0" smtClean="0"/>
           </a:p>
           <a:p>
             <a:r>
               <a:rPr lang="en-US" sz="2200" dirty="0" smtClean="0"/>
-              <a:t>Conclusions &amp; Future Work</a:t>
+              <a:t>Conclusions </a:t>
+            </a:r>
+            <a:r>
+              <a:rPr lang="en-US" sz="2200" dirty="0" smtClean="0"/>
+              <a:t>&amp; Future Work</a:t>
             </a:r>
           </a:p>
           <a:p>
@@ -15405,9 +15404,545 @@
           </a:p>
         </p:txBody>
       </p:sp>
-      <p:sp>
-        <p:nvSpPr>
-          <p:cNvPr id="3" name="Content Placeholder 2"/>
+      <p:cxnSp>
+        <p:nvCxnSpPr>
+          <p:cNvPr id="7" name="Straight Connector 6"/>
+          <p:cNvCxnSpPr/>
+          <p:nvPr/>
+        </p:nvCxnSpPr>
+        <p:spPr>
+          <a:xfrm>
+            <a:off x="150812" y="4191000"/>
+            <a:ext cx="6629399" cy="0"/>
+          </a:xfrm>
+          <a:prstGeom prst="line">
+            <a:avLst/>
+          </a:prstGeom>
+          <a:ln w="19050">
+            <a:solidFill>
+              <a:schemeClr val="tx1"/>
+            </a:solidFill>
+            <a:miter lim="800000"/>
+            <a:headEnd type="none" w="med" len="med"/>
+            <a:tailEnd type="arrow" w="med" len="med"/>
+          </a:ln>
+        </p:spPr>
+        <p:style>
+          <a:lnRef idx="1">
+            <a:schemeClr val="accent1"/>
+          </a:lnRef>
+          <a:fillRef idx="0">
+            <a:schemeClr val="accent1"/>
+          </a:fillRef>
+          <a:effectRef idx="0">
+            <a:schemeClr val="accent1"/>
+          </a:effectRef>
+          <a:fontRef idx="minor">
+            <a:schemeClr val="tx1"/>
+          </a:fontRef>
+        </p:style>
+      </p:cxnSp>
+      <p:cxnSp>
+        <p:nvCxnSpPr>
+          <p:cNvPr id="11" name="Straight Connector 10"/>
+          <p:cNvCxnSpPr/>
+          <p:nvPr/>
+        </p:nvCxnSpPr>
+        <p:spPr>
+          <a:xfrm>
+            <a:off x="989012" y="2286000"/>
+            <a:ext cx="0" cy="3810000"/>
+          </a:xfrm>
+          <a:prstGeom prst="line">
+            <a:avLst/>
+          </a:prstGeom>
+          <a:ln w="19050">
+            <a:solidFill>
+              <a:schemeClr val="tx1"/>
+            </a:solidFill>
+            <a:miter lim="800000"/>
+          </a:ln>
+        </p:spPr>
+        <p:style>
+          <a:lnRef idx="1">
+            <a:schemeClr val="accent1"/>
+          </a:lnRef>
+          <a:fillRef idx="0">
+            <a:schemeClr val="accent1"/>
+          </a:fillRef>
+          <a:effectRef idx="0">
+            <a:schemeClr val="accent1"/>
+          </a:effectRef>
+          <a:fontRef idx="minor">
+            <a:schemeClr val="tx1"/>
+          </a:fontRef>
+        </p:style>
+      </p:cxnSp>
+      <p:sp>
+        <p:nvSpPr>
+          <p:cNvPr id="12" name="TextBox 11"/>
+          <p:cNvSpPr txBox="1"/>
+          <p:nvPr/>
+        </p:nvSpPr>
+        <p:spPr>
+          <a:xfrm rot="16200000">
+            <a:off x="-111005" y="2907823"/>
+            <a:ext cx="1676401" cy="381000"/>
+          </a:xfrm>
+          <a:prstGeom prst="rect">
+            <a:avLst/>
+          </a:prstGeom>
+          <a:noFill/>
+        </p:spPr>
+        <p:txBody>
+          <a:bodyPr wrap="none" lIns="0" tIns="0" rIns="0" bIns="0" rtlCol="0">
+            <a:noAutofit/>
+          </a:bodyPr>
+          <a:lstStyle/>
+          <a:p>
+            <a:pPr algn="ctr">
+              <a:lnSpc>
+                <a:spcPct val="90000"/>
+              </a:lnSpc>
+            </a:pPr>
+            <a:r>
+              <a:rPr lang="en-US" dirty="0" smtClean="0"/>
+              <a:t>Queuing</a:t>
+            </a:r>
+            <a:endParaRPr lang="en-GB" dirty="0" err="1" smtClean="0"/>
+          </a:p>
+        </p:txBody>
+      </p:sp>
+      <p:sp>
+        <p:nvSpPr>
+          <p:cNvPr id="13" name="TextBox 12"/>
+          <p:cNvSpPr txBox="1"/>
+          <p:nvPr/>
+        </p:nvSpPr>
+        <p:spPr>
+          <a:xfrm rot="16200000">
+            <a:off x="-111005" y="4995989"/>
+            <a:ext cx="1676399" cy="381000"/>
+          </a:xfrm>
+          <a:prstGeom prst="rect">
+            <a:avLst/>
+          </a:prstGeom>
+          <a:noFill/>
+        </p:spPr>
+        <p:txBody>
+          <a:bodyPr wrap="none" lIns="0" tIns="0" rIns="0" bIns="0" rtlCol="0">
+            <a:noAutofit/>
+          </a:bodyPr>
+          <a:lstStyle/>
+          <a:p>
+            <a:pPr algn="ctr">
+              <a:lnSpc>
+                <a:spcPct val="90000"/>
+              </a:lnSpc>
+            </a:pPr>
+            <a:r>
+              <a:rPr lang="en-US" dirty="0" smtClean="0"/>
+              <a:t>No Queuing</a:t>
+            </a:r>
+            <a:endParaRPr lang="en-GB" dirty="0" err="1" smtClean="0"/>
+          </a:p>
+        </p:txBody>
+      </p:sp>
+      <p:grpSp>
+        <p:nvGrpSpPr>
+          <p:cNvPr id="32" name="Group 31"/>
+          <p:cNvGrpSpPr/>
+          <p:nvPr/>
+        </p:nvGrpSpPr>
+        <p:grpSpPr>
+          <a:xfrm>
+            <a:off x="1293811" y="4343400"/>
+            <a:ext cx="5486401" cy="1670651"/>
+            <a:chOff x="2208211" y="4038600"/>
+            <a:chExt cx="5486401" cy="1670651"/>
+          </a:xfrm>
+        </p:grpSpPr>
+        <p:grpSp>
+          <p:nvGrpSpPr>
+            <p:cNvPr id="29" name="Group 28"/>
+            <p:cNvGrpSpPr/>
+            <p:nvPr/>
+          </p:nvGrpSpPr>
+          <p:grpSpPr>
+            <a:xfrm>
+              <a:off x="2208212" y="4038600"/>
+              <a:ext cx="457200" cy="456050"/>
+              <a:chOff x="2208212" y="4038600"/>
+              <a:chExt cx="457200" cy="456050"/>
+            </a:xfrm>
+          </p:grpSpPr>
+          <p:sp>
+            <p:nvSpPr>
+              <p:cNvPr id="20" name="Rectangle 19"/>
+              <p:cNvSpPr/>
+              <p:nvPr/>
+            </p:nvSpPr>
+            <p:spPr>
+              <a:xfrm>
+                <a:off x="2208212" y="4038600"/>
+                <a:ext cx="457200" cy="152400"/>
+              </a:xfrm>
+              <a:prstGeom prst="rect">
+                <a:avLst/>
+              </a:prstGeom>
+              <a:ln w="19050">
+                <a:solidFill>
+                  <a:schemeClr val="accent1"/>
+                </a:solidFill>
+                <a:miter lim="800000"/>
+              </a:ln>
+            </p:spPr>
+            <p:style>
+              <a:lnRef idx="2">
+                <a:schemeClr val="accent1">
+                  <a:shade val="50000"/>
+                </a:schemeClr>
+              </a:lnRef>
+              <a:fillRef idx="1">
+                <a:schemeClr val="accent1"/>
+              </a:fillRef>
+              <a:effectRef idx="0">
+                <a:schemeClr val="accent1"/>
+              </a:effectRef>
+              <a:fontRef idx="minor">
+                <a:schemeClr val="lt1"/>
+              </a:fontRef>
+            </p:style>
+            <p:txBody>
+              <a:bodyPr rtlCol="0" anchor="ctr"/>
+              <a:lstStyle/>
+              <a:p>
+                <a:pPr algn="ctr">
+                  <a:lnSpc>
+                    <a:spcPct val="90000"/>
+                  </a:lnSpc>
+                </a:pPr>
+                <a:endParaRPr lang="en-GB" dirty="0" smtClean="0"/>
+              </a:p>
+            </p:txBody>
+          </p:sp>
+          <p:sp>
+            <p:nvSpPr>
+              <p:cNvPr id="21" name="Rectangle 20"/>
+              <p:cNvSpPr/>
+              <p:nvPr/>
+            </p:nvSpPr>
+            <p:spPr>
+              <a:xfrm>
+                <a:off x="2208212" y="4342250"/>
+                <a:ext cx="457200" cy="152400"/>
+              </a:xfrm>
+              <a:prstGeom prst="rect">
+                <a:avLst/>
+              </a:prstGeom>
+              <a:ln w="19050">
+                <a:solidFill>
+                  <a:schemeClr val="accent1"/>
+                </a:solidFill>
+                <a:miter lim="800000"/>
+              </a:ln>
+            </p:spPr>
+            <p:style>
+              <a:lnRef idx="2">
+                <a:schemeClr val="accent1">
+                  <a:shade val="50000"/>
+                </a:schemeClr>
+              </a:lnRef>
+              <a:fillRef idx="1">
+                <a:schemeClr val="accent1"/>
+              </a:fillRef>
+              <a:effectRef idx="0">
+                <a:schemeClr val="accent1"/>
+              </a:effectRef>
+              <a:fontRef idx="minor">
+                <a:schemeClr val="lt1"/>
+              </a:fontRef>
+            </p:style>
+            <p:txBody>
+              <a:bodyPr rtlCol="0" anchor="ctr"/>
+              <a:lstStyle/>
+              <a:p>
+                <a:pPr algn="ctr">
+                  <a:lnSpc>
+                    <a:spcPct val="90000"/>
+                  </a:lnSpc>
+                </a:pPr>
+                <a:endParaRPr lang="en-GB" dirty="0" smtClean="0"/>
+              </a:p>
+            </p:txBody>
+          </p:sp>
+        </p:grpSp>
+        <p:grpSp>
+          <p:nvGrpSpPr>
+            <p:cNvPr id="30" name="Group 29"/>
+            <p:cNvGrpSpPr/>
+            <p:nvPr/>
+          </p:nvGrpSpPr>
+          <p:grpSpPr>
+            <a:xfrm>
+              <a:off x="2208211" y="4645900"/>
+              <a:ext cx="5486401" cy="1063351"/>
+              <a:chOff x="2208211" y="4645900"/>
+              <a:chExt cx="5486401" cy="1063351"/>
+            </a:xfrm>
+          </p:grpSpPr>
+          <p:sp>
+            <p:nvSpPr>
+              <p:cNvPr id="22" name="Rectangle 21"/>
+              <p:cNvSpPr/>
+              <p:nvPr/>
+            </p:nvSpPr>
+            <p:spPr>
+              <a:xfrm>
+                <a:off x="2208212" y="4645900"/>
+                <a:ext cx="5486400" cy="152400"/>
+              </a:xfrm>
+              <a:prstGeom prst="rect">
+                <a:avLst/>
+              </a:prstGeom>
+              <a:solidFill>
+                <a:srgbClr val="F47E65"/>
+              </a:solidFill>
+              <a:ln w="19050">
+                <a:solidFill>
+                  <a:schemeClr val="accent1"/>
+                </a:solidFill>
+                <a:miter lim="800000"/>
+              </a:ln>
+            </p:spPr>
+            <p:style>
+              <a:lnRef idx="2">
+                <a:schemeClr val="accent1">
+                  <a:shade val="50000"/>
+                </a:schemeClr>
+              </a:lnRef>
+              <a:fillRef idx="1">
+                <a:schemeClr val="accent1"/>
+              </a:fillRef>
+              <a:effectRef idx="0">
+                <a:schemeClr val="accent1"/>
+              </a:effectRef>
+              <a:fontRef idx="minor">
+                <a:schemeClr val="lt1"/>
+              </a:fontRef>
+            </p:style>
+            <p:txBody>
+              <a:bodyPr rtlCol="0" anchor="ctr"/>
+              <a:lstStyle/>
+              <a:p>
+                <a:pPr algn="ctr">
+                  <a:lnSpc>
+                    <a:spcPct val="90000"/>
+                  </a:lnSpc>
+                </a:pPr>
+                <a:endParaRPr lang="en-GB" dirty="0" smtClean="0"/>
+              </a:p>
+            </p:txBody>
+          </p:sp>
+          <p:sp>
+            <p:nvSpPr>
+              <p:cNvPr id="23" name="Rectangle 22"/>
+              <p:cNvSpPr/>
+              <p:nvPr/>
+            </p:nvSpPr>
+            <p:spPr>
+              <a:xfrm>
+                <a:off x="2208212" y="4949550"/>
+                <a:ext cx="5486400" cy="152400"/>
+              </a:xfrm>
+              <a:prstGeom prst="rect">
+                <a:avLst/>
+              </a:prstGeom>
+              <a:solidFill>
+                <a:srgbClr val="F47E65"/>
+              </a:solidFill>
+              <a:ln w="19050">
+                <a:solidFill>
+                  <a:schemeClr val="accent1"/>
+                </a:solidFill>
+                <a:miter lim="800000"/>
+              </a:ln>
+            </p:spPr>
+            <p:style>
+              <a:lnRef idx="2">
+                <a:schemeClr val="accent1">
+                  <a:shade val="50000"/>
+                </a:schemeClr>
+              </a:lnRef>
+              <a:fillRef idx="1">
+                <a:schemeClr val="accent1"/>
+              </a:fillRef>
+              <a:effectRef idx="0">
+                <a:schemeClr val="accent1"/>
+              </a:effectRef>
+              <a:fontRef idx="minor">
+                <a:schemeClr val="lt1"/>
+              </a:fontRef>
+            </p:style>
+            <p:txBody>
+              <a:bodyPr rtlCol="0" anchor="ctr"/>
+              <a:lstStyle/>
+              <a:p>
+                <a:pPr algn="ctr">
+                  <a:lnSpc>
+                    <a:spcPct val="90000"/>
+                  </a:lnSpc>
+                </a:pPr>
+                <a:endParaRPr lang="en-GB" dirty="0" smtClean="0"/>
+              </a:p>
+            </p:txBody>
+          </p:sp>
+          <p:sp>
+            <p:nvSpPr>
+              <p:cNvPr id="24" name="Rectangle 23"/>
+              <p:cNvSpPr/>
+              <p:nvPr/>
+            </p:nvSpPr>
+            <p:spPr>
+              <a:xfrm>
+                <a:off x="2208212" y="5253200"/>
+                <a:ext cx="5486400" cy="152400"/>
+              </a:xfrm>
+              <a:prstGeom prst="rect">
+                <a:avLst/>
+              </a:prstGeom>
+              <a:solidFill>
+                <a:srgbClr val="F47E65"/>
+              </a:solidFill>
+              <a:ln w="19050">
+                <a:solidFill>
+                  <a:schemeClr val="accent1"/>
+                </a:solidFill>
+                <a:miter lim="800000"/>
+              </a:ln>
+            </p:spPr>
+            <p:style>
+              <a:lnRef idx="2">
+                <a:schemeClr val="accent1">
+                  <a:shade val="50000"/>
+                </a:schemeClr>
+              </a:lnRef>
+              <a:fillRef idx="1">
+                <a:schemeClr val="accent1"/>
+              </a:fillRef>
+              <a:effectRef idx="0">
+                <a:schemeClr val="accent1"/>
+              </a:effectRef>
+              <a:fontRef idx="minor">
+                <a:schemeClr val="lt1"/>
+              </a:fontRef>
+            </p:style>
+            <p:txBody>
+              <a:bodyPr rtlCol="0" anchor="ctr"/>
+              <a:lstStyle/>
+              <a:p>
+                <a:pPr algn="ctr">
+                  <a:lnSpc>
+                    <a:spcPct val="90000"/>
+                  </a:lnSpc>
+                </a:pPr>
+                <a:endParaRPr lang="en-GB" dirty="0" smtClean="0"/>
+              </a:p>
+            </p:txBody>
+          </p:sp>
+          <p:sp>
+            <p:nvSpPr>
+              <p:cNvPr id="25" name="Rectangle 24"/>
+              <p:cNvSpPr/>
+              <p:nvPr/>
+            </p:nvSpPr>
+            <p:spPr>
+              <a:xfrm>
+                <a:off x="2208211" y="5556851"/>
+                <a:ext cx="5486400" cy="152400"/>
+              </a:xfrm>
+              <a:prstGeom prst="rect">
+                <a:avLst/>
+              </a:prstGeom>
+              <a:solidFill>
+                <a:srgbClr val="F47E65"/>
+              </a:solidFill>
+              <a:ln w="19050">
+                <a:solidFill>
+                  <a:schemeClr val="accent1"/>
+                </a:solidFill>
+                <a:miter lim="800000"/>
+              </a:ln>
+            </p:spPr>
+            <p:style>
+              <a:lnRef idx="2">
+                <a:schemeClr val="accent1">
+                  <a:shade val="50000"/>
+                </a:schemeClr>
+              </a:lnRef>
+              <a:fillRef idx="1">
+                <a:schemeClr val="accent1"/>
+              </a:fillRef>
+              <a:effectRef idx="0">
+                <a:schemeClr val="accent1"/>
+              </a:effectRef>
+              <a:fontRef idx="minor">
+                <a:schemeClr val="lt1"/>
+              </a:fontRef>
+            </p:style>
+            <p:txBody>
+              <a:bodyPr rtlCol="0" anchor="ctr"/>
+              <a:lstStyle/>
+              <a:p>
+                <a:pPr algn="ctr">
+                  <a:lnSpc>
+                    <a:spcPct val="90000"/>
+                  </a:lnSpc>
+                </a:pPr>
+                <a:endParaRPr lang="en-GB" dirty="0" smtClean="0"/>
+              </a:p>
+            </p:txBody>
+          </p:sp>
+        </p:grpSp>
+      </p:grpSp>
+      <p:sp>
+        <p:nvSpPr>
+          <p:cNvPr id="34" name="TextBox 33"/>
+          <p:cNvSpPr txBox="1"/>
+          <p:nvPr/>
+        </p:nvSpPr>
+        <p:spPr>
+          <a:xfrm>
+            <a:off x="6179954" y="3936523"/>
+            <a:ext cx="685800" cy="228600"/>
+          </a:xfrm>
+          <a:prstGeom prst="rect">
+            <a:avLst/>
+          </a:prstGeom>
+          <a:noFill/>
+        </p:spPr>
+        <p:txBody>
+          <a:bodyPr wrap="none" lIns="0" tIns="0" rIns="0" bIns="0" rtlCol="0">
+            <a:noAutofit/>
+          </a:bodyPr>
+          <a:lstStyle/>
+          <a:p>
+            <a:pPr>
+              <a:lnSpc>
+                <a:spcPct val="90000"/>
+              </a:lnSpc>
+            </a:pPr>
+            <a:r>
+              <a:rPr lang="en-US" dirty="0" smtClean="0"/>
+              <a:t>Time</a:t>
+            </a:r>
+            <a:endParaRPr lang="en-GB" dirty="0" err="1" smtClean="0"/>
+          </a:p>
+        </p:txBody>
+      </p:sp>
+      <p:sp>
+        <p:nvSpPr>
+          <p:cNvPr id="35" name="Content Placeholder 2"/>
           <p:cNvSpPr>
             <a:spLocks noGrp="1"/>
           </p:cNvSpPr>
@@ -15415,12 +15950,646 @@
             <p:ph idx="1"/>
           </p:nvPr>
         </p:nvSpPr>
-        <p:spPr/>
+        <p:spPr>
+          <a:xfrm>
+            <a:off x="6932612" y="1295401"/>
+            <a:ext cx="5181600" cy="4800600"/>
+          </a:xfrm>
+        </p:spPr>
         <p:txBody>
           <a:bodyPr/>
           <a:lstStyle/>
           <a:p>
-            <a:endParaRPr lang="en-US"/>
+            <a:r>
+              <a:rPr lang="en-US" dirty="0" smtClean="0"/>
+              <a:t>With Statement Queuing</a:t>
+            </a:r>
+          </a:p>
+          <a:p>
+            <a:pPr lvl="1"/>
+            <a:r>
+              <a:rPr lang="en-US" dirty="0" smtClean="0"/>
+              <a:t>Queries are allocated the desired level or resources</a:t>
+            </a:r>
+          </a:p>
+          <a:p>
+            <a:pPr lvl="1"/>
+            <a:r>
+              <a:rPr lang="en-US" dirty="0" smtClean="0"/>
+              <a:t>When PGA_AGGREGATE_TARGET and/or PARALLEL_SERVERS_TARGET are surpassed, statements get queued</a:t>
+            </a:r>
+          </a:p>
+          <a:p>
+            <a:r>
+              <a:rPr lang="en-US" dirty="0" smtClean="0"/>
+              <a:t>Without Statement Queuing</a:t>
+            </a:r>
+          </a:p>
+          <a:p>
+            <a:pPr lvl="1"/>
+            <a:r>
+              <a:rPr lang="en-US" dirty="0" smtClean="0"/>
+              <a:t>Queries are all started as soon as they arrive, and CPU is downgraded causing some queries to run quickly, and some queries to run VERY slow.</a:t>
+            </a:r>
+          </a:p>
+          <a:p>
+            <a:pPr lvl="1"/>
+            <a:r>
+              <a:rPr lang="en-US" dirty="0" smtClean="0"/>
+              <a:t>If you run without statement queuing and you include parallel hints in your query things can get ugly real quick.</a:t>
+            </a:r>
+            <a:endParaRPr lang="en-US" dirty="0" smtClean="0"/>
+          </a:p>
+        </p:txBody>
+      </p:sp>
+      <p:sp>
+        <p:nvSpPr>
+          <p:cNvPr id="37" name="Right Brace 36"/>
+          <p:cNvSpPr/>
+          <p:nvPr/>
+        </p:nvSpPr>
+        <p:spPr>
+          <a:xfrm>
+            <a:off x="6865754" y="4950700"/>
+            <a:ext cx="371658" cy="1063351"/>
+          </a:xfrm>
+          <a:prstGeom prst="rightBrace">
+            <a:avLst/>
+          </a:prstGeom>
+          <a:ln w="19050">
+            <a:solidFill>
+              <a:schemeClr val="tx1"/>
+            </a:solidFill>
+            <a:miter lim="800000"/>
+          </a:ln>
+        </p:spPr>
+        <p:style>
+          <a:lnRef idx="1">
+            <a:schemeClr val="accent1"/>
+          </a:lnRef>
+          <a:fillRef idx="0">
+            <a:schemeClr val="accent1"/>
+          </a:fillRef>
+          <a:effectRef idx="0">
+            <a:schemeClr val="accent1"/>
+          </a:effectRef>
+          <a:fontRef idx="minor">
+            <a:schemeClr val="tx1"/>
+          </a:fontRef>
+        </p:style>
+        <p:txBody>
+          <a:bodyPr rtlCol="0" anchor="ctr"/>
+          <a:lstStyle/>
+          <a:p>
+            <a:pPr algn="ctr"/>
+            <a:endParaRPr lang="en-GB"/>
+          </a:p>
+        </p:txBody>
+      </p:sp>
+      <p:sp>
+        <p:nvSpPr>
+          <p:cNvPr id="38" name="TextBox 37"/>
+          <p:cNvSpPr txBox="1"/>
+          <p:nvPr/>
+        </p:nvSpPr>
+        <p:spPr>
+          <a:xfrm>
+            <a:off x="7367014" y="5368074"/>
+            <a:ext cx="2461197" cy="270725"/>
+          </a:xfrm>
+          <a:prstGeom prst="rect">
+            <a:avLst/>
+          </a:prstGeom>
+          <a:noFill/>
+        </p:spPr>
+        <p:txBody>
+          <a:bodyPr wrap="none" lIns="0" tIns="0" rIns="0" bIns="0" rtlCol="0">
+            <a:noAutofit/>
+          </a:bodyPr>
+          <a:lstStyle/>
+          <a:p>
+            <a:pPr>
+              <a:lnSpc>
+                <a:spcPct val="90000"/>
+              </a:lnSpc>
+            </a:pPr>
+            <a:r>
+              <a:rPr lang="en-US" dirty="0" smtClean="0"/>
+              <a:t>Statements Downgraded</a:t>
+            </a:r>
+            <a:endParaRPr lang="en-GB" dirty="0" err="1" smtClean="0"/>
+          </a:p>
+        </p:txBody>
+      </p:sp>
+      <p:sp>
+        <p:nvSpPr>
+          <p:cNvPr id="14" name="Rectangle 13"/>
+          <p:cNvSpPr/>
+          <p:nvPr/>
+        </p:nvSpPr>
+        <p:spPr>
+          <a:xfrm>
+            <a:off x="1293812" y="2362200"/>
+            <a:ext cx="457200" cy="152400"/>
+          </a:xfrm>
+          <a:prstGeom prst="rect">
+            <a:avLst/>
+          </a:prstGeom>
+          <a:ln w="19050">
+            <a:solidFill>
+              <a:schemeClr val="accent1"/>
+            </a:solidFill>
+            <a:miter lim="800000"/>
+          </a:ln>
+        </p:spPr>
+        <p:style>
+          <a:lnRef idx="2">
+            <a:schemeClr val="accent1">
+              <a:shade val="50000"/>
+            </a:schemeClr>
+          </a:lnRef>
+          <a:fillRef idx="1">
+            <a:schemeClr val="accent1"/>
+          </a:fillRef>
+          <a:effectRef idx="0">
+            <a:schemeClr val="accent1"/>
+          </a:effectRef>
+          <a:fontRef idx="minor">
+            <a:schemeClr val="lt1"/>
+          </a:fontRef>
+        </p:style>
+        <p:txBody>
+          <a:bodyPr rtlCol="0" anchor="ctr"/>
+          <a:lstStyle/>
+          <a:p>
+            <a:pPr algn="ctr">
+              <a:lnSpc>
+                <a:spcPct val="90000"/>
+              </a:lnSpc>
+            </a:pPr>
+            <a:endParaRPr lang="en-GB" dirty="0" smtClean="0"/>
+          </a:p>
+        </p:txBody>
+      </p:sp>
+      <p:sp>
+        <p:nvSpPr>
+          <p:cNvPr id="15" name="Rectangle 14"/>
+          <p:cNvSpPr/>
+          <p:nvPr/>
+        </p:nvSpPr>
+        <p:spPr>
+          <a:xfrm>
+            <a:off x="1293812" y="2646585"/>
+            <a:ext cx="457200" cy="152400"/>
+          </a:xfrm>
+          <a:prstGeom prst="rect">
+            <a:avLst/>
+          </a:prstGeom>
+          <a:ln w="19050">
+            <a:solidFill>
+              <a:schemeClr val="accent1"/>
+            </a:solidFill>
+            <a:miter lim="800000"/>
+          </a:ln>
+        </p:spPr>
+        <p:style>
+          <a:lnRef idx="2">
+            <a:schemeClr val="accent1">
+              <a:shade val="50000"/>
+            </a:schemeClr>
+          </a:lnRef>
+          <a:fillRef idx="1">
+            <a:schemeClr val="accent1"/>
+          </a:fillRef>
+          <a:effectRef idx="0">
+            <a:schemeClr val="accent1"/>
+          </a:effectRef>
+          <a:fontRef idx="minor">
+            <a:schemeClr val="lt1"/>
+          </a:fontRef>
+        </p:style>
+        <p:txBody>
+          <a:bodyPr rtlCol="0" anchor="ctr"/>
+          <a:lstStyle/>
+          <a:p>
+            <a:pPr algn="ctr">
+              <a:lnSpc>
+                <a:spcPct val="90000"/>
+              </a:lnSpc>
+            </a:pPr>
+            <a:endParaRPr lang="en-GB" dirty="0" smtClean="0"/>
+          </a:p>
+        </p:txBody>
+      </p:sp>
+      <p:sp>
+        <p:nvSpPr>
+          <p:cNvPr id="16" name="Rectangle 15"/>
+          <p:cNvSpPr/>
+          <p:nvPr/>
+        </p:nvSpPr>
+        <p:spPr>
+          <a:xfrm>
+            <a:off x="1751012" y="2930970"/>
+            <a:ext cx="457200" cy="152400"/>
+          </a:xfrm>
+          <a:prstGeom prst="rect">
+            <a:avLst/>
+          </a:prstGeom>
+          <a:ln w="19050">
+            <a:solidFill>
+              <a:schemeClr val="accent1"/>
+            </a:solidFill>
+            <a:miter lim="800000"/>
+          </a:ln>
+        </p:spPr>
+        <p:style>
+          <a:lnRef idx="2">
+            <a:schemeClr val="accent1">
+              <a:shade val="50000"/>
+            </a:schemeClr>
+          </a:lnRef>
+          <a:fillRef idx="1">
+            <a:schemeClr val="accent1"/>
+          </a:fillRef>
+          <a:effectRef idx="0">
+            <a:schemeClr val="accent1"/>
+          </a:effectRef>
+          <a:fontRef idx="minor">
+            <a:schemeClr val="lt1"/>
+          </a:fontRef>
+        </p:style>
+        <p:txBody>
+          <a:bodyPr rtlCol="0" anchor="ctr"/>
+          <a:lstStyle/>
+          <a:p>
+            <a:pPr algn="ctr">
+              <a:lnSpc>
+                <a:spcPct val="90000"/>
+              </a:lnSpc>
+            </a:pPr>
+            <a:endParaRPr lang="en-GB" dirty="0" smtClean="0"/>
+          </a:p>
+        </p:txBody>
+      </p:sp>
+      <p:sp>
+        <p:nvSpPr>
+          <p:cNvPr id="17" name="Rectangle 16"/>
+          <p:cNvSpPr/>
+          <p:nvPr/>
+        </p:nvSpPr>
+        <p:spPr>
+          <a:xfrm>
+            <a:off x="1751012" y="3215355"/>
+            <a:ext cx="457200" cy="152400"/>
+          </a:xfrm>
+          <a:prstGeom prst="rect">
+            <a:avLst/>
+          </a:prstGeom>
+          <a:ln w="19050">
+            <a:solidFill>
+              <a:schemeClr val="accent1"/>
+            </a:solidFill>
+            <a:miter lim="800000"/>
+          </a:ln>
+        </p:spPr>
+        <p:style>
+          <a:lnRef idx="2">
+            <a:schemeClr val="accent1">
+              <a:shade val="50000"/>
+            </a:schemeClr>
+          </a:lnRef>
+          <a:fillRef idx="1">
+            <a:schemeClr val="accent1"/>
+          </a:fillRef>
+          <a:effectRef idx="0">
+            <a:schemeClr val="accent1"/>
+          </a:effectRef>
+          <a:fontRef idx="minor">
+            <a:schemeClr val="lt1"/>
+          </a:fontRef>
+        </p:style>
+        <p:txBody>
+          <a:bodyPr rtlCol="0" anchor="ctr"/>
+          <a:lstStyle/>
+          <a:p>
+            <a:pPr algn="ctr">
+              <a:lnSpc>
+                <a:spcPct val="90000"/>
+              </a:lnSpc>
+            </a:pPr>
+            <a:endParaRPr lang="en-GB" dirty="0" smtClean="0"/>
+          </a:p>
+        </p:txBody>
+      </p:sp>
+      <p:sp>
+        <p:nvSpPr>
+          <p:cNvPr id="18" name="Rectangle 17"/>
+          <p:cNvSpPr/>
+          <p:nvPr/>
+        </p:nvSpPr>
+        <p:spPr>
+          <a:xfrm>
+            <a:off x="2208212" y="3499740"/>
+            <a:ext cx="457200" cy="152400"/>
+          </a:xfrm>
+          <a:prstGeom prst="rect">
+            <a:avLst/>
+          </a:prstGeom>
+          <a:ln w="19050">
+            <a:solidFill>
+              <a:schemeClr val="accent1"/>
+            </a:solidFill>
+            <a:miter lim="800000"/>
+          </a:ln>
+        </p:spPr>
+        <p:style>
+          <a:lnRef idx="2">
+            <a:schemeClr val="accent1">
+              <a:shade val="50000"/>
+            </a:schemeClr>
+          </a:lnRef>
+          <a:fillRef idx="1">
+            <a:schemeClr val="accent1"/>
+          </a:fillRef>
+          <a:effectRef idx="0">
+            <a:schemeClr val="accent1"/>
+          </a:effectRef>
+          <a:fontRef idx="minor">
+            <a:schemeClr val="lt1"/>
+          </a:fontRef>
+        </p:style>
+        <p:txBody>
+          <a:bodyPr rtlCol="0" anchor="ctr"/>
+          <a:lstStyle/>
+          <a:p>
+            <a:pPr algn="ctr">
+              <a:lnSpc>
+                <a:spcPct val="90000"/>
+              </a:lnSpc>
+            </a:pPr>
+            <a:endParaRPr lang="en-GB" dirty="0" smtClean="0"/>
+          </a:p>
+        </p:txBody>
+      </p:sp>
+      <p:sp>
+        <p:nvSpPr>
+          <p:cNvPr id="19" name="Rectangle 18"/>
+          <p:cNvSpPr/>
+          <p:nvPr/>
+        </p:nvSpPr>
+        <p:spPr>
+          <a:xfrm>
+            <a:off x="2208212" y="3784123"/>
+            <a:ext cx="457200" cy="152400"/>
+          </a:xfrm>
+          <a:prstGeom prst="rect">
+            <a:avLst/>
+          </a:prstGeom>
+          <a:ln w="19050">
+            <a:solidFill>
+              <a:schemeClr val="accent1"/>
+            </a:solidFill>
+            <a:miter lim="800000"/>
+          </a:ln>
+        </p:spPr>
+        <p:style>
+          <a:lnRef idx="2">
+            <a:schemeClr val="accent1">
+              <a:shade val="50000"/>
+            </a:schemeClr>
+          </a:lnRef>
+          <a:fillRef idx="1">
+            <a:schemeClr val="accent1"/>
+          </a:fillRef>
+          <a:effectRef idx="0">
+            <a:schemeClr val="accent1"/>
+          </a:effectRef>
+          <a:fontRef idx="minor">
+            <a:schemeClr val="lt1"/>
+          </a:fontRef>
+        </p:style>
+        <p:txBody>
+          <a:bodyPr rtlCol="0" anchor="ctr"/>
+          <a:lstStyle/>
+          <a:p>
+            <a:pPr algn="ctr">
+              <a:lnSpc>
+                <a:spcPct val="90000"/>
+              </a:lnSpc>
+            </a:pPr>
+            <a:endParaRPr lang="en-GB" dirty="0" smtClean="0"/>
+          </a:p>
+        </p:txBody>
+      </p:sp>
+      <p:sp>
+        <p:nvSpPr>
+          <p:cNvPr id="39" name="Rectangle 38"/>
+          <p:cNvSpPr/>
+          <p:nvPr/>
+        </p:nvSpPr>
+        <p:spPr>
+          <a:xfrm>
+            <a:off x="1293811" y="2930970"/>
+            <a:ext cx="457200" cy="152400"/>
+          </a:xfrm>
+          <a:prstGeom prst="rect">
+            <a:avLst/>
+          </a:prstGeom>
+          <a:solidFill>
+            <a:srgbClr val="92D050"/>
+          </a:solidFill>
+          <a:ln w="19050">
+            <a:solidFill>
+              <a:schemeClr val="accent1"/>
+            </a:solidFill>
+            <a:miter lim="800000"/>
+          </a:ln>
+        </p:spPr>
+        <p:style>
+          <a:lnRef idx="2">
+            <a:schemeClr val="accent1">
+              <a:shade val="50000"/>
+            </a:schemeClr>
+          </a:lnRef>
+          <a:fillRef idx="1">
+            <a:schemeClr val="accent1"/>
+          </a:fillRef>
+          <a:effectRef idx="0">
+            <a:schemeClr val="accent1"/>
+          </a:effectRef>
+          <a:fontRef idx="minor">
+            <a:schemeClr val="lt1"/>
+          </a:fontRef>
+        </p:style>
+        <p:txBody>
+          <a:bodyPr rtlCol="0" anchor="ctr"/>
+          <a:lstStyle/>
+          <a:p>
+            <a:pPr algn="ctr">
+              <a:lnSpc>
+                <a:spcPct val="90000"/>
+              </a:lnSpc>
+            </a:pPr>
+            <a:endParaRPr lang="en-GB" dirty="0" smtClean="0"/>
+          </a:p>
+        </p:txBody>
+      </p:sp>
+      <p:sp>
+        <p:nvSpPr>
+          <p:cNvPr id="40" name="Rectangle 39"/>
+          <p:cNvSpPr/>
+          <p:nvPr/>
+        </p:nvSpPr>
+        <p:spPr>
+          <a:xfrm>
+            <a:off x="1293811" y="3215355"/>
+            <a:ext cx="457200" cy="152400"/>
+          </a:xfrm>
+          <a:prstGeom prst="rect">
+            <a:avLst/>
+          </a:prstGeom>
+          <a:solidFill>
+            <a:srgbClr val="92D050"/>
+          </a:solidFill>
+          <a:ln w="19050">
+            <a:solidFill>
+              <a:schemeClr val="accent1"/>
+            </a:solidFill>
+            <a:miter lim="800000"/>
+          </a:ln>
+        </p:spPr>
+        <p:style>
+          <a:lnRef idx="2">
+            <a:schemeClr val="accent1">
+              <a:shade val="50000"/>
+            </a:schemeClr>
+          </a:lnRef>
+          <a:fillRef idx="1">
+            <a:schemeClr val="accent1"/>
+          </a:fillRef>
+          <a:effectRef idx="0">
+            <a:schemeClr val="accent1"/>
+          </a:effectRef>
+          <a:fontRef idx="minor">
+            <a:schemeClr val="lt1"/>
+          </a:fontRef>
+        </p:style>
+        <p:txBody>
+          <a:bodyPr rtlCol="0" anchor="ctr"/>
+          <a:lstStyle/>
+          <a:p>
+            <a:pPr algn="ctr">
+              <a:lnSpc>
+                <a:spcPct val="90000"/>
+              </a:lnSpc>
+            </a:pPr>
+            <a:endParaRPr lang="en-GB" dirty="0" smtClean="0"/>
+          </a:p>
+        </p:txBody>
+      </p:sp>
+      <p:sp>
+        <p:nvSpPr>
+          <p:cNvPr id="42" name="Rectangle 41"/>
+          <p:cNvSpPr/>
+          <p:nvPr/>
+        </p:nvSpPr>
+        <p:spPr>
+          <a:xfrm>
+            <a:off x="1303367" y="3499740"/>
+            <a:ext cx="914400" cy="152400"/>
+          </a:xfrm>
+          <a:prstGeom prst="rect">
+            <a:avLst/>
+          </a:prstGeom>
+          <a:solidFill>
+            <a:srgbClr val="92D050"/>
+          </a:solidFill>
+          <a:ln w="19050">
+            <a:solidFill>
+              <a:schemeClr val="accent1"/>
+            </a:solidFill>
+            <a:miter lim="800000"/>
+          </a:ln>
+        </p:spPr>
+        <p:style>
+          <a:lnRef idx="2">
+            <a:schemeClr val="accent1">
+              <a:shade val="50000"/>
+            </a:schemeClr>
+          </a:lnRef>
+          <a:fillRef idx="1">
+            <a:schemeClr val="accent1"/>
+          </a:fillRef>
+          <a:effectRef idx="0">
+            <a:schemeClr val="accent1"/>
+          </a:effectRef>
+          <a:fontRef idx="minor">
+            <a:schemeClr val="lt1"/>
+          </a:fontRef>
+        </p:style>
+        <p:txBody>
+          <a:bodyPr rtlCol="0" anchor="ctr"/>
+          <a:lstStyle/>
+          <a:p>
+            <a:pPr algn="ctr">
+              <a:lnSpc>
+                <a:spcPct val="90000"/>
+              </a:lnSpc>
+            </a:pPr>
+            <a:endParaRPr lang="en-GB" dirty="0" smtClean="0"/>
+          </a:p>
+        </p:txBody>
+      </p:sp>
+      <p:sp>
+        <p:nvSpPr>
+          <p:cNvPr id="43" name="Rectangle 42"/>
+          <p:cNvSpPr/>
+          <p:nvPr/>
+        </p:nvSpPr>
+        <p:spPr>
+          <a:xfrm>
+            <a:off x="1303367" y="3784123"/>
+            <a:ext cx="914400" cy="152400"/>
+          </a:xfrm>
+          <a:prstGeom prst="rect">
+            <a:avLst/>
+          </a:prstGeom>
+          <a:solidFill>
+            <a:srgbClr val="92D050"/>
+          </a:solidFill>
+          <a:ln w="19050">
+            <a:solidFill>
+              <a:schemeClr val="accent1"/>
+            </a:solidFill>
+            <a:miter lim="800000"/>
+          </a:ln>
+        </p:spPr>
+        <p:style>
+          <a:lnRef idx="2">
+            <a:schemeClr val="accent1">
+              <a:shade val="50000"/>
+            </a:schemeClr>
+          </a:lnRef>
+          <a:fillRef idx="1">
+            <a:schemeClr val="accent1"/>
+          </a:fillRef>
+          <a:effectRef idx="0">
+            <a:schemeClr val="accent1"/>
+          </a:effectRef>
+          <a:fontRef idx="minor">
+            <a:schemeClr val="lt1"/>
+          </a:fontRef>
+        </p:style>
+        <p:txBody>
+          <a:bodyPr rtlCol="0" anchor="ctr"/>
+          <a:lstStyle/>
+          <a:p>
+            <a:pPr algn="ctr">
+              <a:lnSpc>
+                <a:spcPct val="90000"/>
+              </a:lnSpc>
+            </a:pPr>
+            <a:endParaRPr lang="en-GB" dirty="0" smtClean="0"/>
           </a:p>
         </p:txBody>
       </p:sp>
@@ -15482,6 +16651,173 @@
           <a:lstStyle/>
           <a:p>
             <a:r>
+              <a:rPr lang="en-US" dirty="0"/>
+              <a:t>Experiment # 4: Statement Queuing</a:t>
+            </a:r>
+            <a:endParaRPr lang="en-GB" dirty="0"/>
+          </a:p>
+        </p:txBody>
+      </p:sp>
+      <p:pic>
+        <p:nvPicPr>
+          <p:cNvPr id="4" name="Picture 3"/>
+          <p:cNvPicPr>
+            <a:picLocks noChangeAspect="1"/>
+          </p:cNvPicPr>
+          <p:nvPr/>
+        </p:nvPicPr>
+        <p:blipFill>
+          <a:blip r:embed="rId2"/>
+          <a:stretch>
+            <a:fillRect/>
+          </a:stretch>
+        </p:blipFill>
+        <p:spPr>
+          <a:xfrm>
+            <a:off x="74612" y="1371600"/>
+            <a:ext cx="6805584" cy="4937760"/>
+          </a:xfrm>
+          <a:prstGeom prst="rect">
+            <a:avLst/>
+          </a:prstGeom>
+        </p:spPr>
+      </p:pic>
+      <p:sp>
+        <p:nvSpPr>
+          <p:cNvPr id="5" name="Content Placeholder 2"/>
+          <p:cNvSpPr>
+            <a:spLocks noGrp="1"/>
+          </p:cNvSpPr>
+          <p:nvPr>
+            <p:ph idx="1"/>
+          </p:nvPr>
+        </p:nvSpPr>
+        <p:spPr>
+          <a:xfrm>
+            <a:off x="6932612" y="1295401"/>
+            <a:ext cx="5181600" cy="4800600"/>
+          </a:xfrm>
+        </p:spPr>
+        <p:txBody>
+          <a:bodyPr/>
+          <a:lstStyle/>
+          <a:p>
+            <a:r>
+              <a:rPr lang="en-US" dirty="0" smtClean="0"/>
+              <a:t>Summary</a:t>
+            </a:r>
+          </a:p>
+          <a:p>
+            <a:pPr lvl="1"/>
+            <a:r>
+              <a:rPr lang="en-US" dirty="0" smtClean="0"/>
+              <a:t>Statement queuing works like expected!</a:t>
+            </a:r>
+          </a:p>
+          <a:p>
+            <a:pPr lvl="1"/>
+            <a:r>
+              <a:rPr lang="en-US" dirty="0" smtClean="0"/>
+              <a:t>Without queuing most jobs get massive downgrading and therefore lots of swap to temp</a:t>
+            </a:r>
+          </a:p>
+          <a:p>
+            <a:pPr lvl="2"/>
+            <a:r>
+              <a:rPr lang="en-US" dirty="0" smtClean="0"/>
+              <a:t>Data was In-Memory for both sets of tests.</a:t>
+            </a:r>
+          </a:p>
+          <a:p>
+            <a:pPr lvl="1"/>
+            <a:r>
+              <a:rPr lang="en-US" dirty="0" smtClean="0"/>
+              <a:t>With queuing each job gets the optimal resources it needs to execute</a:t>
+            </a:r>
+          </a:p>
+          <a:p>
+            <a:pPr lvl="1"/>
+            <a:r>
+              <a:rPr lang="en-US" dirty="0" smtClean="0"/>
+              <a:t>Not shown:</a:t>
+            </a:r>
+          </a:p>
+          <a:p>
+            <a:pPr lvl="2"/>
+            <a:r>
+              <a:rPr lang="en-US" dirty="0" smtClean="0"/>
+              <a:t>If you keep in parallel hints and have queuing turned off your queries all die as your resources are totally </a:t>
+            </a:r>
+            <a:r>
+              <a:rPr lang="en-US" dirty="0" err="1" smtClean="0"/>
+              <a:t>comsumed</a:t>
+            </a:r>
+            <a:r>
+              <a:rPr lang="en-US" dirty="0" smtClean="0"/>
+              <a:t>.</a:t>
+            </a:r>
+            <a:endParaRPr lang="en-US" dirty="0" smtClean="0"/>
+          </a:p>
+        </p:txBody>
+      </p:sp>
+    </p:spTree>
+    <p:extLst>
+      <p:ext uri="{BB962C8B-B14F-4D97-AF65-F5344CB8AC3E}">
+        <p14:creationId xmlns:p14="http://schemas.microsoft.com/office/powerpoint/2010/main" val="2411723860"/>
+      </p:ext>
+    </p:extLst>
+  </p:cSld>
+  <p:clrMapOvr>
+    <a:masterClrMapping/>
+  </p:clrMapOvr>
+  <mc:AlternateContent xmlns:mc="http://schemas.openxmlformats.org/markup-compatibility/2006" xmlns:p14="http://schemas.microsoft.com/office/powerpoint/2010/main">
+    <mc:Choice Requires="p14">
+      <p:transition spd="med" p14:dur="700">
+        <p:fade/>
+      </p:transition>
+    </mc:Choice>
+    <mc:Fallback xmlns="">
+      <p:transition spd="med">
+        <p:fade/>
+      </p:transition>
+    </mc:Fallback>
+  </mc:AlternateContent>
+</p:sld>
+</file>
+
+<file path=ppt/slides/slide22.xml><?xml version="1.0" encoding="utf-8"?>
+<p:sld xmlns:a="http://schemas.openxmlformats.org/drawingml/2006/main" xmlns:r="http://schemas.openxmlformats.org/officeDocument/2006/relationships" xmlns:p="http://schemas.openxmlformats.org/presentationml/2006/main">
+  <p:cSld>
+    <p:spTree>
+      <p:nvGrpSpPr>
+        <p:cNvPr id="1" name=""/>
+        <p:cNvGrpSpPr/>
+        <p:nvPr/>
+      </p:nvGrpSpPr>
+      <p:grpSpPr>
+        <a:xfrm>
+          <a:off x="0" y="0"/>
+          <a:ext cx="0" cy="0"/>
+          <a:chOff x="0" y="0"/>
+          <a:chExt cx="0" cy="0"/>
+        </a:xfrm>
+      </p:grpSpPr>
+      <p:sp>
+        <p:nvSpPr>
+          <p:cNvPr id="2" name="Title 1"/>
+          <p:cNvSpPr>
+            <a:spLocks noGrp="1"/>
+          </p:cNvSpPr>
+          <p:nvPr>
+            <p:ph type="title"/>
+          </p:nvPr>
+        </p:nvSpPr>
+        <p:spPr/>
+        <p:txBody>
+          <a:bodyPr/>
+          <a:lstStyle/>
+          <a:p>
+            <a:r>
               <a:rPr lang="en-US" dirty="0" smtClean="0"/>
               <a:t>Conclusions</a:t>
             </a:r>
@@ -15564,7 +16900,7 @@
 </p:sld>
 </file>
 
-<file path=ppt/slides/slide22.xml><?xml version="1.0" encoding="utf-8"?>
+<file path=ppt/slides/slide23.xml><?xml version="1.0" encoding="utf-8"?>
 <p:sld xmlns:a="http://schemas.openxmlformats.org/drawingml/2006/main" xmlns:r="http://schemas.openxmlformats.org/officeDocument/2006/relationships" xmlns:p="http://schemas.openxmlformats.org/presentationml/2006/main">
   <p:cSld>
     <p:spTree>
@@ -16011,7 +17347,7 @@
 </p:sld>
 </file>
 
-<file path=ppt/slides/slide23.xml><?xml version="1.0" encoding="utf-8"?>
+<file path=ppt/slides/slide24.xml><?xml version="1.0" encoding="utf-8"?>
 <p:sld xmlns:a="http://schemas.openxmlformats.org/drawingml/2006/main" xmlns:r="http://schemas.openxmlformats.org/officeDocument/2006/relationships" xmlns:p="http://schemas.openxmlformats.org/presentationml/2006/main">
   <p:cSld>
     <p:spTree>
@@ -16111,11 +17447,7 @@
           <a:p>
             <a:r>
               <a:rPr lang="en-US" sz="2200" dirty="0" smtClean="0"/>
-              <a:t>Roll </a:t>
-            </a:r>
-            <a:r>
-              <a:rPr lang="en-US" sz="2200" smtClean="0"/>
-              <a:t>to production</a:t>
+              <a:t>Roll to production</a:t>
             </a:r>
             <a:endParaRPr lang="en-US" sz="2200" dirty="0"/>
           </a:p>
@@ -16146,7 +17478,7 @@
 </p:sld>
 </file>
 
-<file path=ppt/slides/slide24.xml><?xml version="1.0" encoding="utf-8"?>
+<file path=ppt/slides/slide25.xml><?xml version="1.0" encoding="utf-8"?>
 <p:sld xmlns:a="http://schemas.openxmlformats.org/drawingml/2006/main" xmlns:r="http://schemas.openxmlformats.org/officeDocument/2006/relationships" xmlns:p="http://schemas.openxmlformats.org/presentationml/2006/main">
   <p:cSld>
     <p:spTree>
@@ -16233,45 +17565,12 @@
           <a:p>
             <a:r>
               <a:rPr lang="en-US" dirty="0" smtClean="0"/>
-              <a:t>All </a:t>
+              <a:t>All the great Oracle </a:t>
             </a:r>
             <a:r>
               <a:rPr lang="en-US" dirty="0" smtClean="0"/>
-              <a:t>the great Oracle Bloggers</a:t>
-            </a:r>
-          </a:p>
-          <a:p>
-            <a:pPr lvl="1"/>
-            <a:r>
-              <a:rPr lang="en-US" dirty="0" smtClean="0"/>
-              <a:t>Kerry Osborn</a:t>
-            </a:r>
-          </a:p>
-          <a:p>
-            <a:pPr lvl="1"/>
-            <a:r>
-              <a:rPr lang="en-US" dirty="0" err="1" smtClean="0"/>
-              <a:t>Tanel</a:t>
-            </a:r>
-            <a:r>
-              <a:rPr lang="en-US" dirty="0" smtClean="0"/>
-              <a:t> </a:t>
-            </a:r>
-            <a:r>
-              <a:rPr lang="en-US" dirty="0" err="1" smtClean="0"/>
-              <a:t>Poder</a:t>
-            </a:r>
-            <a:endParaRPr lang="en-US" dirty="0" smtClean="0"/>
-          </a:p>
-          <a:p>
-            <a:pPr lvl="1"/>
-            <a:r>
-              <a:rPr lang="en-US" dirty="0" smtClean="0"/>
-              <a:t>Jonathan Lewis</a:t>
-            </a:r>
-          </a:p>
-          <a:p>
-            <a:pPr lvl="1"/>
+              <a:t>Bloggers</a:t>
+            </a:r>
             <a:endParaRPr lang="en-US" dirty="0" smtClean="0"/>
           </a:p>
           <a:p>
@@ -16388,7 +17687,15 @@
             <a:pPr lvl="1"/>
             <a:r>
               <a:rPr lang="en-US" dirty="0"/>
-              <a:t>Analytics on large datasets to provide insights to the engineering team, the tiered support organization, and to the end customer.</a:t>
+              <a:t>Analytics on large datasets to provide insights to the engineering </a:t>
+            </a:r>
+            <a:r>
+              <a:rPr lang="en-US" dirty="0" smtClean="0"/>
+              <a:t>teams, </a:t>
+            </a:r>
+            <a:r>
+              <a:rPr lang="en-US" dirty="0"/>
+              <a:t>the tiered support organization, and to the end customer.</a:t>
             </a:r>
           </a:p>
           <a:p>
@@ -16488,8 +17795,8 @@
         </p:blipFill>
         <p:spPr>
           <a:xfrm>
-            <a:off x="6399212" y="76200"/>
-            <a:ext cx="5545282" cy="1502005"/>
+            <a:off x="5438629" y="304800"/>
+            <a:ext cx="6751783" cy="1828800"/>
           </a:xfrm>
           <a:prstGeom prst="rect">
             <a:avLst/>
